--- a/From RL to DRL.pptx
+++ b/From RL to DRL.pptx
@@ -4,6 +4,9 @@
   <p:sldMasterIdLst>
     <p:sldMasterId id="2147483708" r:id="rId1"/>
   </p:sldMasterIdLst>
+  <p:notesMasterIdLst>
+    <p:notesMasterId r:id="rId11"/>
+  </p:notesMasterIdLst>
   <p:sldIdLst>
     <p:sldId id="256" r:id="rId2"/>
     <p:sldId id="257" r:id="rId3"/>
@@ -13,6 +16,7 @@
     <p:sldId id="261" r:id="rId7"/>
     <p:sldId id="262" r:id="rId8"/>
     <p:sldId id="263" r:id="rId9"/>
+    <p:sldId id="264" r:id="rId10"/>
   </p:sldIdLst>
   <p:sldSz cx="12192000" cy="6858000"/>
   <p:notesSz cx="6858000" cy="9144000"/>
@@ -117,6 +121,2321 @@
     </p:ext>
   </p:extLst>
 </p:presentation>
+</file>
+
+<file path=ppt/notesMasters/notesMaster1.xml><?xml version="1.0" encoding="utf-8"?>
+<p:notesMaster xmlns:a="http://schemas.openxmlformats.org/drawingml/2006/main" xmlns:r="http://schemas.openxmlformats.org/officeDocument/2006/relationships" xmlns:p="http://schemas.openxmlformats.org/presentationml/2006/main">
+  <p:cSld>
+    <p:bg>
+      <p:bgRef idx="1001">
+        <a:schemeClr val="bg1"/>
+      </p:bgRef>
+    </p:bg>
+    <p:spTree>
+      <p:nvGrpSpPr>
+        <p:cNvPr id="1" name=""/>
+        <p:cNvGrpSpPr/>
+        <p:nvPr/>
+      </p:nvGrpSpPr>
+      <p:grpSpPr>
+        <a:xfrm>
+          <a:off x="0" y="0"/>
+          <a:ext cx="0" cy="0"/>
+          <a:chOff x="0" y="0"/>
+          <a:chExt cx="0" cy="0"/>
+        </a:xfrm>
+      </p:grpSpPr>
+      <p:sp>
+        <p:nvSpPr>
+          <p:cNvPr id="2" name="Header Placeholder 1"/>
+          <p:cNvSpPr>
+            <a:spLocks noGrp="1"/>
+          </p:cNvSpPr>
+          <p:nvPr>
+            <p:ph type="hdr" sz="quarter"/>
+          </p:nvPr>
+        </p:nvSpPr>
+        <p:spPr>
+          <a:xfrm>
+            <a:off x="0" y="0"/>
+            <a:ext cx="2971800" cy="458788"/>
+          </a:xfrm>
+          <a:prstGeom prst="rect">
+            <a:avLst/>
+          </a:prstGeom>
+        </p:spPr>
+        <p:txBody>
+          <a:bodyPr vert="horz" lIns="91440" tIns="45720" rIns="91440" bIns="45720" rtlCol="0"/>
+          <a:lstStyle>
+            <a:lvl1pPr algn="l">
+              <a:defRPr sz="1200"/>
+            </a:lvl1pPr>
+          </a:lstStyle>
+          <a:p>
+            <a:endParaRPr lang="en-US"/>
+          </a:p>
+        </p:txBody>
+      </p:sp>
+      <p:sp>
+        <p:nvSpPr>
+          <p:cNvPr id="3" name="Date Placeholder 2"/>
+          <p:cNvSpPr>
+            <a:spLocks noGrp="1"/>
+          </p:cNvSpPr>
+          <p:nvPr>
+            <p:ph type="dt" idx="1"/>
+          </p:nvPr>
+        </p:nvSpPr>
+        <p:spPr>
+          <a:xfrm>
+            <a:off x="3884613" y="0"/>
+            <a:ext cx="2971800" cy="458788"/>
+          </a:xfrm>
+          <a:prstGeom prst="rect">
+            <a:avLst/>
+          </a:prstGeom>
+        </p:spPr>
+        <p:txBody>
+          <a:bodyPr vert="horz" lIns="91440" tIns="45720" rIns="91440" bIns="45720" rtlCol="0"/>
+          <a:lstStyle>
+            <a:lvl1pPr algn="r">
+              <a:defRPr sz="1200"/>
+            </a:lvl1pPr>
+          </a:lstStyle>
+          <a:p>
+            <a:fld id="{1C1499B0-46DF-4199-B267-25F771D8AF1C}" type="datetimeFigureOut">
+              <a:rPr lang="en-US" smtClean="0"/>
+              <a:t>12/11/2019</a:t>
+            </a:fld>
+            <a:endParaRPr lang="en-US"/>
+          </a:p>
+        </p:txBody>
+      </p:sp>
+      <p:sp>
+        <p:nvSpPr>
+          <p:cNvPr id="4" name="Slide Image Placeholder 3"/>
+          <p:cNvSpPr>
+            <a:spLocks noGrp="1" noRot="1" noChangeAspect="1"/>
+          </p:cNvSpPr>
+          <p:nvPr>
+            <p:ph type="sldImg" idx="2"/>
+          </p:nvPr>
+        </p:nvSpPr>
+        <p:spPr>
+          <a:xfrm>
+            <a:off x="685800" y="1143000"/>
+            <a:ext cx="5486400" cy="3086100"/>
+          </a:xfrm>
+          <a:prstGeom prst="rect">
+            <a:avLst/>
+          </a:prstGeom>
+          <a:noFill/>
+          <a:ln w="12700">
+            <a:solidFill>
+              <a:prstClr val="black"/>
+            </a:solidFill>
+          </a:ln>
+        </p:spPr>
+        <p:txBody>
+          <a:bodyPr vert="horz" lIns="91440" tIns="45720" rIns="91440" bIns="45720" rtlCol="0" anchor="ctr"/>
+          <a:lstStyle/>
+          <a:p>
+            <a:endParaRPr lang="en-US"/>
+          </a:p>
+        </p:txBody>
+      </p:sp>
+      <p:sp>
+        <p:nvSpPr>
+          <p:cNvPr id="5" name="Notes Placeholder 4"/>
+          <p:cNvSpPr>
+            <a:spLocks noGrp="1"/>
+          </p:cNvSpPr>
+          <p:nvPr>
+            <p:ph type="body" sz="quarter" idx="3"/>
+          </p:nvPr>
+        </p:nvSpPr>
+        <p:spPr>
+          <a:xfrm>
+            <a:off x="685800" y="4400550"/>
+            <a:ext cx="5486400" cy="3600450"/>
+          </a:xfrm>
+          <a:prstGeom prst="rect">
+            <a:avLst/>
+          </a:prstGeom>
+        </p:spPr>
+        <p:txBody>
+          <a:bodyPr vert="horz" lIns="91440" tIns="45720" rIns="91440" bIns="45720" rtlCol="0"/>
+          <a:lstStyle/>
+          <a:p>
+            <a:pPr lvl="0"/>
+            <a:r>
+              <a:rPr lang="en-US"/>
+              <a:t>Click to edit Master text styles</a:t>
+            </a:r>
+          </a:p>
+          <a:p>
+            <a:pPr lvl="1"/>
+            <a:r>
+              <a:rPr lang="en-US"/>
+              <a:t>Second level</a:t>
+            </a:r>
+          </a:p>
+          <a:p>
+            <a:pPr lvl="2"/>
+            <a:r>
+              <a:rPr lang="en-US"/>
+              <a:t>Third level</a:t>
+            </a:r>
+          </a:p>
+          <a:p>
+            <a:pPr lvl="3"/>
+            <a:r>
+              <a:rPr lang="en-US"/>
+              <a:t>Fourth level</a:t>
+            </a:r>
+          </a:p>
+          <a:p>
+            <a:pPr lvl="4"/>
+            <a:r>
+              <a:rPr lang="en-US"/>
+              <a:t>Fifth level</a:t>
+            </a:r>
+          </a:p>
+        </p:txBody>
+      </p:sp>
+      <p:sp>
+        <p:nvSpPr>
+          <p:cNvPr id="6" name="Footer Placeholder 5"/>
+          <p:cNvSpPr>
+            <a:spLocks noGrp="1"/>
+          </p:cNvSpPr>
+          <p:nvPr>
+            <p:ph type="ftr" sz="quarter" idx="4"/>
+          </p:nvPr>
+        </p:nvSpPr>
+        <p:spPr>
+          <a:xfrm>
+            <a:off x="0" y="8685213"/>
+            <a:ext cx="2971800" cy="458787"/>
+          </a:xfrm>
+          <a:prstGeom prst="rect">
+            <a:avLst/>
+          </a:prstGeom>
+        </p:spPr>
+        <p:txBody>
+          <a:bodyPr vert="horz" lIns="91440" tIns="45720" rIns="91440" bIns="45720" rtlCol="0" anchor="b"/>
+          <a:lstStyle>
+            <a:lvl1pPr algn="l">
+              <a:defRPr sz="1200"/>
+            </a:lvl1pPr>
+          </a:lstStyle>
+          <a:p>
+            <a:endParaRPr lang="en-US"/>
+          </a:p>
+        </p:txBody>
+      </p:sp>
+      <p:sp>
+        <p:nvSpPr>
+          <p:cNvPr id="7" name="Slide Number Placeholder 6"/>
+          <p:cNvSpPr>
+            <a:spLocks noGrp="1"/>
+          </p:cNvSpPr>
+          <p:nvPr>
+            <p:ph type="sldNum" sz="quarter" idx="5"/>
+          </p:nvPr>
+        </p:nvSpPr>
+        <p:spPr>
+          <a:xfrm>
+            <a:off x="3884613" y="8685213"/>
+            <a:ext cx="2971800" cy="458787"/>
+          </a:xfrm>
+          <a:prstGeom prst="rect">
+            <a:avLst/>
+          </a:prstGeom>
+        </p:spPr>
+        <p:txBody>
+          <a:bodyPr vert="horz" lIns="91440" tIns="45720" rIns="91440" bIns="45720" rtlCol="0" anchor="b"/>
+          <a:lstStyle>
+            <a:lvl1pPr algn="r">
+              <a:defRPr sz="1200"/>
+            </a:lvl1pPr>
+          </a:lstStyle>
+          <a:p>
+            <a:fld id="{1980DC7F-660A-4453-9840-44DB0AF8652B}" type="slidenum">
+              <a:rPr lang="en-US" smtClean="0"/>
+              <a:t>‹#›</a:t>
+            </a:fld>
+            <a:endParaRPr lang="en-US"/>
+          </a:p>
+        </p:txBody>
+      </p:sp>
+    </p:spTree>
+    <p:extLst>
+      <p:ext uri="{BB962C8B-B14F-4D97-AF65-F5344CB8AC3E}">
+        <p14:creationId xmlns:p14="http://schemas.microsoft.com/office/powerpoint/2010/main" val="2490028306"/>
+      </p:ext>
+    </p:extLst>
+  </p:cSld>
+  <p:clrMap bg1="lt1" tx1="dk1" bg2="lt2" tx2="dk2" accent1="accent1" accent2="accent2" accent3="accent3" accent4="accent4" accent5="accent5" accent6="accent6" hlink="hlink" folHlink="folHlink"/>
+  <p:notesStyle>
+    <a:lvl1pPr marL="0" algn="l" defTabSz="914400" rtl="0" eaLnBrk="1" latinLnBrk="0" hangingPunct="1">
+      <a:defRPr sz="1200" kern="1200">
+        <a:solidFill>
+          <a:schemeClr val="tx1"/>
+        </a:solidFill>
+        <a:latin typeface="+mn-lt"/>
+        <a:ea typeface="+mn-ea"/>
+        <a:cs typeface="+mn-cs"/>
+      </a:defRPr>
+    </a:lvl1pPr>
+    <a:lvl2pPr marL="457200" algn="l" defTabSz="914400" rtl="0" eaLnBrk="1" latinLnBrk="0" hangingPunct="1">
+      <a:defRPr sz="1200" kern="1200">
+        <a:solidFill>
+          <a:schemeClr val="tx1"/>
+        </a:solidFill>
+        <a:latin typeface="+mn-lt"/>
+        <a:ea typeface="+mn-ea"/>
+        <a:cs typeface="+mn-cs"/>
+      </a:defRPr>
+    </a:lvl2pPr>
+    <a:lvl3pPr marL="914400" algn="l" defTabSz="914400" rtl="0" eaLnBrk="1" latinLnBrk="0" hangingPunct="1">
+      <a:defRPr sz="1200" kern="1200">
+        <a:solidFill>
+          <a:schemeClr val="tx1"/>
+        </a:solidFill>
+        <a:latin typeface="+mn-lt"/>
+        <a:ea typeface="+mn-ea"/>
+        <a:cs typeface="+mn-cs"/>
+      </a:defRPr>
+    </a:lvl3pPr>
+    <a:lvl4pPr marL="1371600" algn="l" defTabSz="914400" rtl="0" eaLnBrk="1" latinLnBrk="0" hangingPunct="1">
+      <a:defRPr sz="1200" kern="1200">
+        <a:solidFill>
+          <a:schemeClr val="tx1"/>
+        </a:solidFill>
+        <a:latin typeface="+mn-lt"/>
+        <a:ea typeface="+mn-ea"/>
+        <a:cs typeface="+mn-cs"/>
+      </a:defRPr>
+    </a:lvl4pPr>
+    <a:lvl5pPr marL="1828800" algn="l" defTabSz="914400" rtl="0" eaLnBrk="1" latinLnBrk="0" hangingPunct="1">
+      <a:defRPr sz="1200" kern="1200">
+        <a:solidFill>
+          <a:schemeClr val="tx1"/>
+        </a:solidFill>
+        <a:latin typeface="+mn-lt"/>
+        <a:ea typeface="+mn-ea"/>
+        <a:cs typeface="+mn-cs"/>
+      </a:defRPr>
+    </a:lvl5pPr>
+    <a:lvl6pPr marL="2286000" algn="l" defTabSz="914400" rtl="0" eaLnBrk="1" latinLnBrk="0" hangingPunct="1">
+      <a:defRPr sz="1200" kern="1200">
+        <a:solidFill>
+          <a:schemeClr val="tx1"/>
+        </a:solidFill>
+        <a:latin typeface="+mn-lt"/>
+        <a:ea typeface="+mn-ea"/>
+        <a:cs typeface="+mn-cs"/>
+      </a:defRPr>
+    </a:lvl6pPr>
+    <a:lvl7pPr marL="2743200" algn="l" defTabSz="914400" rtl="0" eaLnBrk="1" latinLnBrk="0" hangingPunct="1">
+      <a:defRPr sz="1200" kern="1200">
+        <a:solidFill>
+          <a:schemeClr val="tx1"/>
+        </a:solidFill>
+        <a:latin typeface="+mn-lt"/>
+        <a:ea typeface="+mn-ea"/>
+        <a:cs typeface="+mn-cs"/>
+      </a:defRPr>
+    </a:lvl7pPr>
+    <a:lvl8pPr marL="3200400" algn="l" defTabSz="914400" rtl="0" eaLnBrk="1" latinLnBrk="0" hangingPunct="1">
+      <a:defRPr sz="1200" kern="1200">
+        <a:solidFill>
+          <a:schemeClr val="tx1"/>
+        </a:solidFill>
+        <a:latin typeface="+mn-lt"/>
+        <a:ea typeface="+mn-ea"/>
+        <a:cs typeface="+mn-cs"/>
+      </a:defRPr>
+    </a:lvl8pPr>
+    <a:lvl9pPr marL="3657600" algn="l" defTabSz="914400" rtl="0" eaLnBrk="1" latinLnBrk="0" hangingPunct="1">
+      <a:defRPr sz="1200" kern="1200">
+        <a:solidFill>
+          <a:schemeClr val="tx1"/>
+        </a:solidFill>
+        <a:latin typeface="+mn-lt"/>
+        <a:ea typeface="+mn-ea"/>
+        <a:cs typeface="+mn-cs"/>
+      </a:defRPr>
+    </a:lvl9pPr>
+  </p:notesStyle>
+</p:notesMaster>
+</file>
+
+<file path=ppt/notesSlides/notesSlide1.xml><?xml version="1.0" encoding="utf-8"?>
+<p:notes xmlns:a="http://schemas.openxmlformats.org/drawingml/2006/main" xmlns:r="http://schemas.openxmlformats.org/officeDocument/2006/relationships" xmlns:p="http://schemas.openxmlformats.org/presentationml/2006/main">
+  <p:cSld>
+    <p:spTree>
+      <p:nvGrpSpPr>
+        <p:cNvPr id="1" name=""/>
+        <p:cNvGrpSpPr/>
+        <p:nvPr/>
+      </p:nvGrpSpPr>
+      <p:grpSpPr>
+        <a:xfrm>
+          <a:off x="0" y="0"/>
+          <a:ext cx="0" cy="0"/>
+          <a:chOff x="0" y="0"/>
+          <a:chExt cx="0" cy="0"/>
+        </a:xfrm>
+      </p:grpSpPr>
+      <p:sp>
+        <p:nvSpPr>
+          <p:cNvPr id="2" name="Slide Image Placeholder 1"/>
+          <p:cNvSpPr>
+            <a:spLocks noGrp="1" noRot="1" noChangeAspect="1"/>
+          </p:cNvSpPr>
+          <p:nvPr>
+            <p:ph type="sldImg"/>
+          </p:nvPr>
+        </p:nvSpPr>
+        <p:spPr/>
+      </p:sp>
+      <p:sp>
+        <p:nvSpPr>
+          <p:cNvPr id="3" name="Notes Placeholder 2"/>
+          <p:cNvSpPr>
+            <a:spLocks noGrp="1"/>
+          </p:cNvSpPr>
+          <p:nvPr>
+            <p:ph type="body" idx="1"/>
+          </p:nvPr>
+        </p:nvSpPr>
+        <p:spPr/>
+        <p:txBody>
+          <a:bodyPr/>
+          <a:lstStyle/>
+          <a:p>
+            <a:r>
+              <a:rPr lang="en-US" sz="1200" b="0" i="0" kern="1200" dirty="0">
+                <a:solidFill>
+                  <a:schemeClr val="tx1"/>
+                </a:solidFill>
+                <a:effectLst/>
+                <a:latin typeface="+mn-lt"/>
+                <a:ea typeface="+mn-ea"/>
+                <a:cs typeface="+mn-cs"/>
+              </a:rPr>
+              <a:t>The terms supervised learning and unsupervised learning would seem</a:t>
+            </a:r>
+            <a:br>
+              <a:rPr lang="en-US" sz="1200" b="0" i="0" kern="1200" dirty="0">
+                <a:solidFill>
+                  <a:schemeClr val="tx1"/>
+                </a:solidFill>
+                <a:effectLst/>
+                <a:latin typeface="+mn-lt"/>
+                <a:ea typeface="+mn-ea"/>
+                <a:cs typeface="+mn-cs"/>
+              </a:rPr>
+            </a:br>
+            <a:r>
+              <a:rPr lang="en-US" sz="1200" b="0" i="0" kern="1200" dirty="0">
+                <a:solidFill>
+                  <a:schemeClr val="tx1"/>
+                </a:solidFill>
+                <a:effectLst/>
+                <a:latin typeface="+mn-lt"/>
+                <a:ea typeface="+mn-ea"/>
+                <a:cs typeface="+mn-cs"/>
+              </a:rPr>
+              <a:t>to exhaustively classify machine learning paradigms, but they do not.</a:t>
+            </a:r>
+            <a:r>
+              <a:rPr lang="en-US" dirty="0"/>
+              <a:t> </a:t>
+            </a:r>
+            <a:br>
+              <a:rPr lang="en-US" dirty="0"/>
+            </a:br>
+            <a:endParaRPr lang="en-US" dirty="0"/>
+          </a:p>
+        </p:txBody>
+      </p:sp>
+      <p:sp>
+        <p:nvSpPr>
+          <p:cNvPr id="4" name="Slide Number Placeholder 3"/>
+          <p:cNvSpPr>
+            <a:spLocks noGrp="1"/>
+          </p:cNvSpPr>
+          <p:nvPr>
+            <p:ph type="sldNum" sz="quarter" idx="5"/>
+          </p:nvPr>
+        </p:nvSpPr>
+        <p:spPr/>
+        <p:txBody>
+          <a:bodyPr/>
+          <a:lstStyle/>
+          <a:p>
+            <a:fld id="{1980DC7F-660A-4453-9840-44DB0AF8652B}" type="slidenum">
+              <a:rPr lang="en-US" smtClean="0"/>
+              <a:t>7</a:t>
+            </a:fld>
+            <a:endParaRPr lang="en-US"/>
+          </a:p>
+        </p:txBody>
+      </p:sp>
+    </p:spTree>
+    <p:extLst>
+      <p:ext uri="{BB962C8B-B14F-4D97-AF65-F5344CB8AC3E}">
+        <p14:creationId xmlns:p14="http://schemas.microsoft.com/office/powerpoint/2010/main" val="1322436427"/>
+      </p:ext>
+    </p:extLst>
+  </p:cSld>
+  <p:clrMapOvr>
+    <a:masterClrMapping/>
+  </p:clrMapOvr>
+</p:notes>
+</file>
+
+<file path=ppt/notesSlides/notesSlide2.xml><?xml version="1.0" encoding="utf-8"?>
+<p:notes xmlns:a="http://schemas.openxmlformats.org/drawingml/2006/main" xmlns:r="http://schemas.openxmlformats.org/officeDocument/2006/relationships" xmlns:p="http://schemas.openxmlformats.org/presentationml/2006/main">
+  <p:cSld>
+    <p:spTree>
+      <p:nvGrpSpPr>
+        <p:cNvPr id="1" name=""/>
+        <p:cNvGrpSpPr/>
+        <p:nvPr/>
+      </p:nvGrpSpPr>
+      <p:grpSpPr>
+        <a:xfrm>
+          <a:off x="0" y="0"/>
+          <a:ext cx="0" cy="0"/>
+          <a:chOff x="0" y="0"/>
+          <a:chExt cx="0" cy="0"/>
+        </a:xfrm>
+      </p:grpSpPr>
+      <p:sp>
+        <p:nvSpPr>
+          <p:cNvPr id="2" name="Slide Image Placeholder 1"/>
+          <p:cNvSpPr>
+            <a:spLocks noGrp="1" noRot="1" noChangeAspect="1"/>
+          </p:cNvSpPr>
+          <p:nvPr>
+            <p:ph type="sldImg"/>
+          </p:nvPr>
+        </p:nvSpPr>
+        <p:spPr/>
+      </p:sp>
+      <p:sp>
+        <p:nvSpPr>
+          <p:cNvPr id="3" name="Notes Placeholder 2"/>
+          <p:cNvSpPr>
+            <a:spLocks noGrp="1"/>
+          </p:cNvSpPr>
+          <p:nvPr>
+            <p:ph type="body" idx="1"/>
+          </p:nvPr>
+        </p:nvSpPr>
+        <p:spPr/>
+        <p:txBody>
+          <a:bodyPr/>
+          <a:lstStyle/>
+          <a:p>
+            <a:r>
+              <a:rPr lang="en-US" sz="1200" b="0" i="0" kern="1200" dirty="0">
+                <a:solidFill>
+                  <a:schemeClr val="tx1"/>
+                </a:solidFill>
+                <a:effectLst/>
+                <a:latin typeface="+mn-lt"/>
+                <a:ea typeface="+mn-ea"/>
+                <a:cs typeface="+mn-cs"/>
+              </a:rPr>
+              <a:t>Beyond the agent and the environment, one can identify four main </a:t>
+            </a:r>
+            <a:r>
+              <a:rPr lang="en-US" sz="1200" b="0" i="0" kern="1200" dirty="0" err="1">
+                <a:solidFill>
+                  <a:schemeClr val="tx1"/>
+                </a:solidFill>
+                <a:effectLst/>
+                <a:latin typeface="+mn-lt"/>
+                <a:ea typeface="+mn-ea"/>
+                <a:cs typeface="+mn-cs"/>
+              </a:rPr>
+              <a:t>subelements</a:t>
+            </a:r>
+            <a:r>
+              <a:rPr lang="en-US" sz="1200" b="0" i="0" kern="1200" dirty="0">
+                <a:solidFill>
+                  <a:schemeClr val="tx1"/>
+                </a:solidFill>
+                <a:effectLst/>
+                <a:latin typeface="+mn-lt"/>
+                <a:ea typeface="+mn-ea"/>
+                <a:cs typeface="+mn-cs"/>
+              </a:rPr>
+              <a:t> of a</a:t>
+            </a:r>
+            <a:br>
+              <a:rPr lang="en-US" sz="1200" b="0" i="0" kern="1200" dirty="0">
+                <a:solidFill>
+                  <a:schemeClr val="tx1"/>
+                </a:solidFill>
+                <a:effectLst/>
+                <a:latin typeface="+mn-lt"/>
+                <a:ea typeface="+mn-ea"/>
+                <a:cs typeface="+mn-cs"/>
+              </a:rPr>
+            </a:br>
+            <a:r>
+              <a:rPr lang="en-US" sz="1200" b="0" i="0" kern="1200" dirty="0">
+                <a:solidFill>
+                  <a:schemeClr val="tx1"/>
+                </a:solidFill>
+                <a:effectLst/>
+                <a:latin typeface="+mn-lt"/>
+                <a:ea typeface="+mn-ea"/>
+                <a:cs typeface="+mn-cs"/>
+              </a:rPr>
+              <a:t>reinforcement learning system: a </a:t>
+            </a:r>
+            <a:r>
+              <a:rPr lang="en-US" sz="1200" b="0" i="1" kern="1200" dirty="0">
+                <a:solidFill>
+                  <a:schemeClr val="tx1"/>
+                </a:solidFill>
+                <a:effectLst/>
+                <a:latin typeface="+mn-lt"/>
+                <a:ea typeface="+mn-ea"/>
+                <a:cs typeface="+mn-cs"/>
+              </a:rPr>
+              <a:t>policy</a:t>
+            </a:r>
+            <a:r>
+              <a:rPr lang="en-US" sz="1200" b="0" i="0" kern="1200" dirty="0">
+                <a:solidFill>
+                  <a:schemeClr val="tx1"/>
+                </a:solidFill>
+                <a:effectLst/>
+                <a:latin typeface="+mn-lt"/>
+                <a:ea typeface="+mn-ea"/>
+                <a:cs typeface="+mn-cs"/>
+              </a:rPr>
+              <a:t>, a </a:t>
+            </a:r>
+            <a:r>
+              <a:rPr lang="en-US" sz="1200" b="0" i="1" kern="1200" dirty="0">
+                <a:solidFill>
+                  <a:schemeClr val="tx1"/>
+                </a:solidFill>
+                <a:effectLst/>
+                <a:latin typeface="+mn-lt"/>
+                <a:ea typeface="+mn-ea"/>
+                <a:cs typeface="+mn-cs"/>
+              </a:rPr>
+              <a:t>reward signal</a:t>
+            </a:r>
+            <a:r>
+              <a:rPr lang="en-US" sz="1200" b="0" i="0" kern="1200" dirty="0">
+                <a:solidFill>
+                  <a:schemeClr val="tx1"/>
+                </a:solidFill>
+                <a:effectLst/>
+                <a:latin typeface="+mn-lt"/>
+                <a:ea typeface="+mn-ea"/>
+                <a:cs typeface="+mn-cs"/>
+              </a:rPr>
+              <a:t>, a </a:t>
+            </a:r>
+            <a:r>
+              <a:rPr lang="en-US" sz="1200" b="0" i="1" kern="1200" dirty="0">
+                <a:solidFill>
+                  <a:schemeClr val="tx1"/>
+                </a:solidFill>
+                <a:effectLst/>
+                <a:latin typeface="+mn-lt"/>
+                <a:ea typeface="+mn-ea"/>
+                <a:cs typeface="+mn-cs"/>
+              </a:rPr>
+              <a:t>value function</a:t>
+            </a:r>
+            <a:r>
+              <a:rPr lang="en-US" sz="1200" b="0" i="0" kern="1200" dirty="0">
+                <a:solidFill>
+                  <a:schemeClr val="tx1"/>
+                </a:solidFill>
+                <a:effectLst/>
+                <a:latin typeface="+mn-lt"/>
+                <a:ea typeface="+mn-ea"/>
+                <a:cs typeface="+mn-cs"/>
+              </a:rPr>
+              <a:t>, and, optionally,</a:t>
+            </a:r>
+            <a:br>
+              <a:rPr lang="en-US" sz="1200" b="0" i="0" kern="1200" dirty="0">
+                <a:solidFill>
+                  <a:schemeClr val="tx1"/>
+                </a:solidFill>
+                <a:effectLst/>
+                <a:latin typeface="+mn-lt"/>
+                <a:ea typeface="+mn-ea"/>
+                <a:cs typeface="+mn-cs"/>
+              </a:rPr>
+            </a:br>
+            <a:r>
+              <a:rPr lang="en-US" sz="1200" b="0" i="0" kern="1200" dirty="0">
+                <a:solidFill>
+                  <a:schemeClr val="tx1"/>
+                </a:solidFill>
+                <a:effectLst/>
+                <a:latin typeface="+mn-lt"/>
+                <a:ea typeface="+mn-ea"/>
+                <a:cs typeface="+mn-cs"/>
+              </a:rPr>
+              <a:t>a </a:t>
+            </a:r>
+            <a:r>
+              <a:rPr lang="en-US" sz="1200" b="0" i="1" kern="1200" dirty="0">
+                <a:solidFill>
+                  <a:schemeClr val="tx1"/>
+                </a:solidFill>
+                <a:effectLst/>
+                <a:latin typeface="+mn-lt"/>
+                <a:ea typeface="+mn-ea"/>
+                <a:cs typeface="+mn-cs"/>
+              </a:rPr>
+              <a:t>model </a:t>
+            </a:r>
+            <a:r>
+              <a:rPr lang="en-US" sz="1200" b="0" i="0" kern="1200" dirty="0">
+                <a:solidFill>
+                  <a:schemeClr val="tx1"/>
+                </a:solidFill>
+                <a:effectLst/>
+                <a:latin typeface="+mn-lt"/>
+                <a:ea typeface="+mn-ea"/>
+                <a:cs typeface="+mn-cs"/>
+              </a:rPr>
+              <a:t>of the environment.</a:t>
+            </a:r>
+          </a:p>
+          <a:p>
+            <a:br>
+              <a:rPr lang="en-US" sz="1200" b="0" i="0" kern="1200" dirty="0">
+                <a:solidFill>
+                  <a:schemeClr val="tx1"/>
+                </a:solidFill>
+                <a:effectLst/>
+                <a:latin typeface="+mn-lt"/>
+                <a:ea typeface="+mn-ea"/>
+                <a:cs typeface="+mn-cs"/>
+              </a:rPr>
+            </a:br>
+            <a:r>
+              <a:rPr lang="en-US" sz="1200" b="0" i="0" kern="1200" dirty="0">
+                <a:solidFill>
+                  <a:schemeClr val="tx1"/>
+                </a:solidFill>
+                <a:effectLst/>
+                <a:latin typeface="+mn-lt"/>
+                <a:ea typeface="+mn-ea"/>
+                <a:cs typeface="+mn-cs"/>
+              </a:rPr>
+              <a:t>1) A </a:t>
+            </a:r>
+            <a:r>
+              <a:rPr lang="en-US" sz="1200" b="0" i="1" kern="1200" dirty="0">
+                <a:solidFill>
+                  <a:schemeClr val="tx1"/>
+                </a:solidFill>
+                <a:effectLst/>
+                <a:latin typeface="+mn-lt"/>
+                <a:ea typeface="+mn-ea"/>
+                <a:cs typeface="+mn-cs"/>
+              </a:rPr>
+              <a:t>policy </a:t>
+            </a:r>
+            <a:r>
+              <a:rPr lang="en-US" sz="1200" b="0" i="0" kern="1200" dirty="0">
+                <a:solidFill>
+                  <a:schemeClr val="tx1"/>
+                </a:solidFill>
+                <a:effectLst/>
+                <a:latin typeface="+mn-lt"/>
+                <a:ea typeface="+mn-ea"/>
+                <a:cs typeface="+mn-cs"/>
+              </a:rPr>
+              <a:t>defines the learning agent’s way of behaving at a given time. Roughly speaking,</a:t>
+            </a:r>
+            <a:br>
+              <a:rPr lang="en-US" sz="1200" b="0" i="0" kern="1200" dirty="0">
+                <a:solidFill>
+                  <a:schemeClr val="tx1"/>
+                </a:solidFill>
+                <a:effectLst/>
+                <a:latin typeface="+mn-lt"/>
+                <a:ea typeface="+mn-ea"/>
+                <a:cs typeface="+mn-cs"/>
+              </a:rPr>
+            </a:br>
+            <a:r>
+              <a:rPr lang="en-US" sz="1200" b="0" i="0" kern="1200" dirty="0">
+                <a:solidFill>
+                  <a:schemeClr val="tx1"/>
+                </a:solidFill>
+                <a:effectLst/>
+                <a:latin typeface="+mn-lt"/>
+                <a:ea typeface="+mn-ea"/>
+                <a:cs typeface="+mn-cs"/>
+              </a:rPr>
+              <a:t>a policy is a mapping from perceived states of the environment to actions to be taken</a:t>
+            </a:r>
+            <a:br>
+              <a:rPr lang="en-US" sz="1200" b="0" i="0" kern="1200" dirty="0">
+                <a:solidFill>
+                  <a:schemeClr val="tx1"/>
+                </a:solidFill>
+                <a:effectLst/>
+                <a:latin typeface="+mn-lt"/>
+                <a:ea typeface="+mn-ea"/>
+                <a:cs typeface="+mn-cs"/>
+              </a:rPr>
+            </a:br>
+            <a:r>
+              <a:rPr lang="en-US" sz="1200" b="0" i="0" kern="1200" dirty="0">
+                <a:solidFill>
+                  <a:schemeClr val="tx1"/>
+                </a:solidFill>
+                <a:effectLst/>
+                <a:latin typeface="+mn-lt"/>
+                <a:ea typeface="+mn-ea"/>
+                <a:cs typeface="+mn-cs"/>
+              </a:rPr>
+              <a:t>when in those states. It corresponds to what in psychology would be called a set of</a:t>
+            </a:r>
+            <a:br>
+              <a:rPr lang="en-US" sz="1200" b="0" i="0" kern="1200" dirty="0">
+                <a:solidFill>
+                  <a:schemeClr val="tx1"/>
+                </a:solidFill>
+                <a:effectLst/>
+                <a:latin typeface="+mn-lt"/>
+                <a:ea typeface="+mn-ea"/>
+                <a:cs typeface="+mn-cs"/>
+              </a:rPr>
+            </a:br>
+            <a:r>
+              <a:rPr lang="en-US" sz="1200" b="0" i="0" kern="1200" dirty="0">
+                <a:solidFill>
+                  <a:schemeClr val="tx1"/>
+                </a:solidFill>
+                <a:effectLst/>
+                <a:latin typeface="+mn-lt"/>
+                <a:ea typeface="+mn-ea"/>
+                <a:cs typeface="+mn-cs"/>
+              </a:rPr>
+              <a:t>stimulus–response rules or associations. In some cases the policy may be a simple function</a:t>
+            </a:r>
+            <a:br>
+              <a:rPr lang="en-US" sz="1200" b="0" i="0" kern="1200" dirty="0">
+                <a:solidFill>
+                  <a:schemeClr val="tx1"/>
+                </a:solidFill>
+                <a:effectLst/>
+                <a:latin typeface="+mn-lt"/>
+                <a:ea typeface="+mn-ea"/>
+                <a:cs typeface="+mn-cs"/>
+              </a:rPr>
+            </a:br>
+            <a:r>
+              <a:rPr lang="en-US" sz="1200" b="0" i="0" kern="1200" dirty="0">
+                <a:solidFill>
+                  <a:schemeClr val="tx1"/>
+                </a:solidFill>
+                <a:effectLst/>
+                <a:latin typeface="+mn-lt"/>
+                <a:ea typeface="+mn-ea"/>
+                <a:cs typeface="+mn-cs"/>
+              </a:rPr>
+              <a:t>or lookup table, whereas in others it may involve extensive computation such as a search</a:t>
+            </a:r>
+            <a:br>
+              <a:rPr lang="en-US" sz="1200" b="0" i="0" kern="1200" dirty="0">
+                <a:solidFill>
+                  <a:schemeClr val="tx1"/>
+                </a:solidFill>
+                <a:effectLst/>
+                <a:latin typeface="+mn-lt"/>
+                <a:ea typeface="+mn-ea"/>
+                <a:cs typeface="+mn-cs"/>
+              </a:rPr>
+            </a:br>
+            <a:r>
+              <a:rPr lang="en-US" sz="1200" b="0" i="0" kern="1200" dirty="0">
+                <a:solidFill>
+                  <a:schemeClr val="tx1"/>
+                </a:solidFill>
+                <a:effectLst/>
+                <a:latin typeface="+mn-lt"/>
+                <a:ea typeface="+mn-ea"/>
+                <a:cs typeface="+mn-cs"/>
+              </a:rPr>
+              <a:t>process. The policy is the core of a reinforcement learning agent in the sense that it alone</a:t>
+            </a:r>
+            <a:br>
+              <a:rPr lang="en-US" sz="1200" b="0" i="0" kern="1200" dirty="0">
+                <a:solidFill>
+                  <a:schemeClr val="tx1"/>
+                </a:solidFill>
+                <a:effectLst/>
+                <a:latin typeface="+mn-lt"/>
+                <a:ea typeface="+mn-ea"/>
+                <a:cs typeface="+mn-cs"/>
+              </a:rPr>
+            </a:br>
+            <a:r>
+              <a:rPr lang="en-US" sz="1200" b="0" i="0" kern="1200" dirty="0">
+                <a:solidFill>
+                  <a:schemeClr val="tx1"/>
+                </a:solidFill>
+                <a:effectLst/>
+                <a:latin typeface="+mn-lt"/>
+                <a:ea typeface="+mn-ea"/>
+                <a:cs typeface="+mn-cs"/>
+              </a:rPr>
+              <a:t>is </a:t>
+            </a:r>
+            <a:r>
+              <a:rPr lang="en-US" sz="1200" b="0" i="0" kern="1200" dirty="0" err="1">
+                <a:solidFill>
+                  <a:schemeClr val="tx1"/>
+                </a:solidFill>
+                <a:effectLst/>
+                <a:latin typeface="+mn-lt"/>
+                <a:ea typeface="+mn-ea"/>
+                <a:cs typeface="+mn-cs"/>
+              </a:rPr>
+              <a:t>su!cient</a:t>
+            </a:r>
+            <a:r>
+              <a:rPr lang="en-US" sz="1200" b="0" i="0" kern="1200" dirty="0">
+                <a:solidFill>
+                  <a:schemeClr val="tx1"/>
+                </a:solidFill>
+                <a:effectLst/>
+                <a:latin typeface="+mn-lt"/>
+                <a:ea typeface="+mn-ea"/>
+                <a:cs typeface="+mn-cs"/>
+              </a:rPr>
+              <a:t> to determine behavior. In general, policies may be stochastic, specifying</a:t>
+            </a:r>
+            <a:br>
+              <a:rPr lang="en-US" sz="1200" b="0" i="0" kern="1200" dirty="0">
+                <a:solidFill>
+                  <a:schemeClr val="tx1"/>
+                </a:solidFill>
+                <a:effectLst/>
+                <a:latin typeface="+mn-lt"/>
+                <a:ea typeface="+mn-ea"/>
+                <a:cs typeface="+mn-cs"/>
+              </a:rPr>
+            </a:br>
+            <a:r>
+              <a:rPr lang="en-US" sz="1200" b="0" i="0" kern="1200" dirty="0">
+                <a:solidFill>
+                  <a:schemeClr val="tx1"/>
+                </a:solidFill>
+                <a:effectLst/>
+                <a:latin typeface="+mn-lt"/>
+                <a:ea typeface="+mn-ea"/>
+                <a:cs typeface="+mn-cs"/>
+              </a:rPr>
+              <a:t>probabilities for each action.</a:t>
+            </a:r>
+            <a:br>
+              <a:rPr lang="en-US" sz="1200" b="0" i="0" kern="1200" dirty="0">
+                <a:solidFill>
+                  <a:schemeClr val="tx1"/>
+                </a:solidFill>
+                <a:effectLst/>
+                <a:latin typeface="+mn-lt"/>
+                <a:ea typeface="+mn-ea"/>
+                <a:cs typeface="+mn-cs"/>
+              </a:rPr>
+            </a:br>
+            <a:r>
+              <a:rPr lang="en-US" sz="1200" b="0" i="0" kern="1200" dirty="0">
+                <a:solidFill>
+                  <a:schemeClr val="tx1"/>
+                </a:solidFill>
+                <a:effectLst/>
+                <a:latin typeface="+mn-lt"/>
+                <a:ea typeface="+mn-ea"/>
+                <a:cs typeface="+mn-cs"/>
+              </a:rPr>
+              <a:t>A </a:t>
+            </a:r>
+            <a:r>
+              <a:rPr lang="en-US" sz="1200" b="0" i="1" kern="1200" dirty="0">
+                <a:solidFill>
+                  <a:schemeClr val="tx1"/>
+                </a:solidFill>
+                <a:effectLst/>
+                <a:latin typeface="+mn-lt"/>
+                <a:ea typeface="+mn-ea"/>
+                <a:cs typeface="+mn-cs"/>
+              </a:rPr>
+              <a:t>reward signal </a:t>
+            </a:r>
+            <a:r>
+              <a:rPr lang="en-US" sz="1200" b="0" i="0" kern="1200" dirty="0">
+                <a:solidFill>
+                  <a:schemeClr val="tx1"/>
+                </a:solidFill>
+                <a:effectLst/>
+                <a:latin typeface="+mn-lt"/>
+                <a:ea typeface="+mn-ea"/>
+                <a:cs typeface="+mn-cs"/>
+              </a:rPr>
+              <a:t>defines the goal of a reinforcement learning problem. On each time</a:t>
+            </a:r>
+            <a:br>
+              <a:rPr lang="en-US" sz="1200" b="0" i="0" kern="1200" dirty="0">
+                <a:solidFill>
+                  <a:schemeClr val="tx1"/>
+                </a:solidFill>
+                <a:effectLst/>
+                <a:latin typeface="+mn-lt"/>
+                <a:ea typeface="+mn-ea"/>
+                <a:cs typeface="+mn-cs"/>
+              </a:rPr>
+            </a:br>
+            <a:r>
+              <a:rPr lang="en-US" sz="1200" b="0" i="0" kern="1200" dirty="0">
+                <a:solidFill>
+                  <a:schemeClr val="tx1"/>
+                </a:solidFill>
+                <a:effectLst/>
+                <a:latin typeface="+mn-lt"/>
+                <a:ea typeface="+mn-ea"/>
+                <a:cs typeface="+mn-cs"/>
+              </a:rPr>
+              <a:t>step, the environment sends to the reinforcement learning agent a single number called</a:t>
+            </a:r>
+            <a:br>
+              <a:rPr lang="en-US" sz="1200" b="0" i="0" kern="1200" dirty="0">
+                <a:solidFill>
+                  <a:schemeClr val="tx1"/>
+                </a:solidFill>
+                <a:effectLst/>
+                <a:latin typeface="+mn-lt"/>
+                <a:ea typeface="+mn-ea"/>
+                <a:cs typeface="+mn-cs"/>
+              </a:rPr>
+            </a:br>
+            <a:r>
+              <a:rPr lang="en-US" sz="1200" b="0" i="0" kern="1200" dirty="0">
+                <a:solidFill>
+                  <a:schemeClr val="tx1"/>
+                </a:solidFill>
+                <a:effectLst/>
+                <a:latin typeface="+mn-lt"/>
+                <a:ea typeface="+mn-ea"/>
+                <a:cs typeface="+mn-cs"/>
+              </a:rPr>
+              <a:t>the </a:t>
+            </a:r>
+            <a:r>
+              <a:rPr lang="en-US" sz="1200" b="0" i="1" kern="1200" dirty="0">
+                <a:solidFill>
+                  <a:schemeClr val="tx1"/>
+                </a:solidFill>
+                <a:effectLst/>
+                <a:latin typeface="+mn-lt"/>
+                <a:ea typeface="+mn-ea"/>
+                <a:cs typeface="+mn-cs"/>
+              </a:rPr>
+              <a:t>reward</a:t>
+            </a:r>
+            <a:r>
+              <a:rPr lang="en-US" sz="1200" b="0" i="0" kern="1200" dirty="0">
+                <a:solidFill>
+                  <a:schemeClr val="tx1"/>
+                </a:solidFill>
+                <a:effectLst/>
+                <a:latin typeface="+mn-lt"/>
+                <a:ea typeface="+mn-ea"/>
+                <a:cs typeface="+mn-cs"/>
+              </a:rPr>
+              <a:t>. The agent’s sole objective is to maximize the total reward it receives over</a:t>
+            </a:r>
+            <a:br>
+              <a:rPr lang="en-US" sz="1200" b="0" i="0" kern="1200" dirty="0">
+                <a:solidFill>
+                  <a:schemeClr val="tx1"/>
+                </a:solidFill>
+                <a:effectLst/>
+                <a:latin typeface="+mn-lt"/>
+                <a:ea typeface="+mn-ea"/>
+                <a:cs typeface="+mn-cs"/>
+              </a:rPr>
+            </a:br>
+            <a:r>
+              <a:rPr lang="en-US" sz="1200" b="0" i="0" kern="1200" dirty="0">
+                <a:solidFill>
+                  <a:schemeClr val="tx1"/>
+                </a:solidFill>
+                <a:effectLst/>
+                <a:latin typeface="+mn-lt"/>
+                <a:ea typeface="+mn-ea"/>
+                <a:cs typeface="+mn-cs"/>
+              </a:rPr>
+              <a:t>the long run. The reward signal thus defines what are the good and bad events for the</a:t>
+            </a:r>
+            <a:br>
+              <a:rPr lang="en-US" sz="1200" b="0" i="0" kern="1200" dirty="0">
+                <a:solidFill>
+                  <a:schemeClr val="tx1"/>
+                </a:solidFill>
+                <a:effectLst/>
+                <a:latin typeface="+mn-lt"/>
+                <a:ea typeface="+mn-ea"/>
+                <a:cs typeface="+mn-cs"/>
+              </a:rPr>
+            </a:br>
+            <a:r>
+              <a:rPr lang="en-US" sz="1200" b="0" i="0" kern="1200" dirty="0">
+                <a:solidFill>
+                  <a:schemeClr val="tx1"/>
+                </a:solidFill>
+                <a:effectLst/>
+                <a:latin typeface="+mn-lt"/>
+                <a:ea typeface="+mn-ea"/>
+                <a:cs typeface="+mn-cs"/>
+              </a:rPr>
+              <a:t>agent. In a biological system, we might think of rewards as analogous to the experiences</a:t>
+            </a:r>
+            <a:br>
+              <a:rPr lang="en-US" sz="1200" b="0" i="0" kern="1200" dirty="0">
+                <a:solidFill>
+                  <a:schemeClr val="tx1"/>
+                </a:solidFill>
+                <a:effectLst/>
+                <a:latin typeface="+mn-lt"/>
+                <a:ea typeface="+mn-ea"/>
+                <a:cs typeface="+mn-cs"/>
+              </a:rPr>
+            </a:br>
+            <a:r>
+              <a:rPr lang="en-US" sz="1200" b="0" i="0" kern="1200" dirty="0">
+                <a:solidFill>
+                  <a:schemeClr val="tx1"/>
+                </a:solidFill>
+                <a:effectLst/>
+                <a:latin typeface="+mn-lt"/>
+                <a:ea typeface="+mn-ea"/>
+                <a:cs typeface="+mn-cs"/>
+              </a:rPr>
+              <a:t>of pleasure or pain. They are the immediate and defining features of the problem faced</a:t>
+            </a:r>
+            <a:br>
+              <a:rPr lang="en-US" sz="1200" b="0" i="0" kern="1200" dirty="0">
+                <a:solidFill>
+                  <a:schemeClr val="tx1"/>
+                </a:solidFill>
+                <a:effectLst/>
+                <a:latin typeface="+mn-lt"/>
+                <a:ea typeface="+mn-ea"/>
+                <a:cs typeface="+mn-cs"/>
+              </a:rPr>
+            </a:br>
+            <a:r>
+              <a:rPr lang="en-US" sz="1200" b="0" i="0" kern="1200" dirty="0">
+                <a:solidFill>
+                  <a:schemeClr val="tx1"/>
+                </a:solidFill>
+                <a:effectLst/>
+                <a:latin typeface="+mn-lt"/>
+                <a:ea typeface="+mn-ea"/>
+                <a:cs typeface="+mn-cs"/>
+              </a:rPr>
+              <a:t>by the agent. The reward signal is the primary basis for altering the policy; if an action</a:t>
+            </a:r>
+            <a:br>
+              <a:rPr lang="en-US" sz="1200" b="0" i="0" kern="1200" dirty="0">
+                <a:solidFill>
+                  <a:schemeClr val="tx1"/>
+                </a:solidFill>
+                <a:effectLst/>
+                <a:latin typeface="+mn-lt"/>
+                <a:ea typeface="+mn-ea"/>
+                <a:cs typeface="+mn-cs"/>
+              </a:rPr>
+            </a:br>
+            <a:r>
+              <a:rPr lang="en-US" sz="1200" b="0" i="0" kern="1200" dirty="0">
+                <a:solidFill>
+                  <a:schemeClr val="tx1"/>
+                </a:solidFill>
+                <a:effectLst/>
+                <a:latin typeface="+mn-lt"/>
+                <a:ea typeface="+mn-ea"/>
+                <a:cs typeface="+mn-cs"/>
+              </a:rPr>
+              <a:t>selected by the policy is followed by low reward, then the policy may be changed to</a:t>
+            </a:r>
+            <a:br>
+              <a:rPr lang="en-US" sz="1200" b="0" i="0" kern="1200" dirty="0">
+                <a:solidFill>
+                  <a:schemeClr val="tx1"/>
+                </a:solidFill>
+                <a:effectLst/>
+                <a:latin typeface="+mn-lt"/>
+                <a:ea typeface="+mn-ea"/>
+                <a:cs typeface="+mn-cs"/>
+              </a:rPr>
+            </a:br>
+            <a:r>
+              <a:rPr lang="en-US" sz="1200" b="0" i="0" kern="1200" dirty="0">
+                <a:solidFill>
+                  <a:schemeClr val="tx1"/>
+                </a:solidFill>
+                <a:effectLst/>
+                <a:latin typeface="+mn-lt"/>
+                <a:ea typeface="+mn-ea"/>
+                <a:cs typeface="+mn-cs"/>
+              </a:rPr>
+              <a:t>select some other action in that situation in the future. In general, reward signals may</a:t>
+            </a:r>
+            <a:br>
+              <a:rPr lang="en-US" sz="1200" b="0" i="0" kern="1200" dirty="0">
+                <a:solidFill>
+                  <a:schemeClr val="tx1"/>
+                </a:solidFill>
+                <a:effectLst/>
+                <a:latin typeface="+mn-lt"/>
+                <a:ea typeface="+mn-ea"/>
+                <a:cs typeface="+mn-cs"/>
+              </a:rPr>
+            </a:br>
+            <a:r>
+              <a:rPr lang="en-US" sz="1200" b="0" i="0" kern="1200" dirty="0">
+                <a:solidFill>
+                  <a:schemeClr val="tx1"/>
+                </a:solidFill>
+                <a:effectLst/>
+                <a:latin typeface="+mn-lt"/>
+                <a:ea typeface="+mn-ea"/>
+                <a:cs typeface="+mn-cs"/>
+              </a:rPr>
+              <a:t>be stochastic functions of the state of the environment and the actions taken.</a:t>
+            </a:r>
+            <a:br>
+              <a:rPr lang="en-US" sz="1200" b="0" i="0" kern="1200" dirty="0">
+                <a:solidFill>
+                  <a:schemeClr val="tx1"/>
+                </a:solidFill>
+                <a:effectLst/>
+                <a:latin typeface="+mn-lt"/>
+                <a:ea typeface="+mn-ea"/>
+                <a:cs typeface="+mn-cs"/>
+              </a:rPr>
+            </a:br>
+            <a:r>
+              <a:rPr lang="en-US" sz="1200" b="0" i="0" kern="1200" dirty="0">
+                <a:solidFill>
+                  <a:schemeClr val="tx1"/>
+                </a:solidFill>
+                <a:effectLst/>
+                <a:latin typeface="+mn-lt"/>
+                <a:ea typeface="+mn-ea"/>
+                <a:cs typeface="+mn-cs"/>
+              </a:rPr>
+              <a:t>Whereas the reward signal indicates what is good in an immediate sense, a </a:t>
+            </a:r>
+            <a:r>
+              <a:rPr lang="en-US" sz="1200" b="0" i="1" kern="1200" dirty="0">
+                <a:solidFill>
+                  <a:schemeClr val="tx1"/>
+                </a:solidFill>
+                <a:effectLst/>
+                <a:latin typeface="+mn-lt"/>
+                <a:ea typeface="+mn-ea"/>
+                <a:cs typeface="+mn-cs"/>
+              </a:rPr>
+              <a:t>value</a:t>
+            </a:r>
+            <a:br>
+              <a:rPr lang="en-US" sz="1200" b="0" i="1" kern="1200" dirty="0">
+                <a:solidFill>
+                  <a:schemeClr val="tx1"/>
+                </a:solidFill>
+                <a:effectLst/>
+                <a:latin typeface="+mn-lt"/>
+                <a:ea typeface="+mn-ea"/>
+                <a:cs typeface="+mn-cs"/>
+              </a:rPr>
+            </a:br>
+            <a:r>
+              <a:rPr lang="en-US" sz="1200" b="0" i="1" kern="1200" dirty="0">
+                <a:solidFill>
+                  <a:schemeClr val="tx1"/>
+                </a:solidFill>
+                <a:effectLst/>
+                <a:latin typeface="+mn-lt"/>
+                <a:ea typeface="+mn-ea"/>
+                <a:cs typeface="+mn-cs"/>
+              </a:rPr>
+              <a:t>function </a:t>
+            </a:r>
+            <a:r>
+              <a:rPr lang="en-US" sz="1200" b="0" i="0" kern="1200" dirty="0">
+                <a:solidFill>
+                  <a:schemeClr val="tx1"/>
+                </a:solidFill>
+                <a:effectLst/>
+                <a:latin typeface="+mn-lt"/>
+                <a:ea typeface="+mn-ea"/>
+                <a:cs typeface="+mn-cs"/>
+              </a:rPr>
+              <a:t>specifies what is good in the long run. Roughly speaking, the </a:t>
+            </a:r>
+            <a:r>
+              <a:rPr lang="en-US" sz="1200" b="0" i="1" kern="1200" dirty="0">
+                <a:solidFill>
+                  <a:schemeClr val="tx1"/>
+                </a:solidFill>
+                <a:effectLst/>
+                <a:latin typeface="+mn-lt"/>
+                <a:ea typeface="+mn-ea"/>
+                <a:cs typeface="+mn-cs"/>
+              </a:rPr>
+              <a:t>value </a:t>
+            </a:r>
+            <a:r>
+              <a:rPr lang="en-US" sz="1200" b="0" i="0" kern="1200" dirty="0">
+                <a:solidFill>
+                  <a:schemeClr val="tx1"/>
+                </a:solidFill>
+                <a:effectLst/>
+                <a:latin typeface="+mn-lt"/>
+                <a:ea typeface="+mn-ea"/>
+                <a:cs typeface="+mn-cs"/>
+              </a:rPr>
+              <a:t>of a state is</a:t>
+            </a:r>
+            <a:br>
+              <a:rPr lang="en-US" sz="1200" b="0" i="0" kern="1200" dirty="0">
+                <a:solidFill>
+                  <a:schemeClr val="tx1"/>
+                </a:solidFill>
+                <a:effectLst/>
+                <a:latin typeface="+mn-lt"/>
+                <a:ea typeface="+mn-ea"/>
+                <a:cs typeface="+mn-cs"/>
+              </a:rPr>
+            </a:br>
+            <a:r>
+              <a:rPr lang="en-US" sz="1200" b="0" i="0" kern="1200" dirty="0">
+                <a:solidFill>
+                  <a:schemeClr val="tx1"/>
+                </a:solidFill>
+                <a:effectLst/>
+                <a:latin typeface="+mn-lt"/>
+                <a:ea typeface="+mn-ea"/>
+                <a:cs typeface="+mn-cs"/>
+              </a:rPr>
+              <a:t>the total amount of reward an agent can expect to accumulate over the future, starting</a:t>
+            </a:r>
+            <a:br>
+              <a:rPr lang="en-US" sz="1200" b="0" i="0" kern="1200" dirty="0">
+                <a:solidFill>
+                  <a:schemeClr val="tx1"/>
+                </a:solidFill>
+                <a:effectLst/>
+                <a:latin typeface="+mn-lt"/>
+                <a:ea typeface="+mn-ea"/>
+                <a:cs typeface="+mn-cs"/>
+              </a:rPr>
+            </a:br>
+            <a:r>
+              <a:rPr lang="en-US" sz="1200" b="0" i="0" kern="1200" dirty="0">
+                <a:solidFill>
+                  <a:schemeClr val="tx1"/>
+                </a:solidFill>
+                <a:effectLst/>
+                <a:latin typeface="+mn-lt"/>
+                <a:ea typeface="+mn-ea"/>
+                <a:cs typeface="+mn-cs"/>
+              </a:rPr>
+              <a:t>from that state. Whereas rewards determine the immediate, intrinsic desirability of</a:t>
+            </a:r>
+            <a:br>
+              <a:rPr lang="en-US" sz="1200" b="0" i="0" kern="1200" dirty="0">
+                <a:solidFill>
+                  <a:schemeClr val="tx1"/>
+                </a:solidFill>
+                <a:effectLst/>
+                <a:latin typeface="+mn-lt"/>
+                <a:ea typeface="+mn-ea"/>
+                <a:cs typeface="+mn-cs"/>
+              </a:rPr>
+            </a:br>
+            <a:r>
+              <a:rPr lang="en-US" sz="1200" b="0" i="0" kern="1200" dirty="0">
+                <a:solidFill>
+                  <a:schemeClr val="tx1"/>
+                </a:solidFill>
+                <a:effectLst/>
+                <a:latin typeface="+mn-lt"/>
+                <a:ea typeface="+mn-ea"/>
+                <a:cs typeface="+mn-cs"/>
+              </a:rPr>
+              <a:t>environmental states, values indicate the </a:t>
+            </a:r>
+            <a:r>
+              <a:rPr lang="en-US" sz="1200" b="0" i="1" kern="1200" dirty="0">
+                <a:solidFill>
+                  <a:schemeClr val="tx1"/>
+                </a:solidFill>
+                <a:effectLst/>
+                <a:latin typeface="+mn-lt"/>
+                <a:ea typeface="+mn-ea"/>
+                <a:cs typeface="+mn-cs"/>
+              </a:rPr>
+              <a:t>long-term </a:t>
+            </a:r>
+            <a:r>
+              <a:rPr lang="en-US" sz="1200" b="0" i="0" kern="1200" dirty="0">
+                <a:solidFill>
+                  <a:schemeClr val="tx1"/>
+                </a:solidFill>
+                <a:effectLst/>
+                <a:latin typeface="+mn-lt"/>
+                <a:ea typeface="+mn-ea"/>
+                <a:cs typeface="+mn-cs"/>
+              </a:rPr>
+              <a:t>desirability of states after taking into</a:t>
+            </a:r>
+            <a:br>
+              <a:rPr lang="en-US" sz="1200" b="0" i="0" kern="1200" dirty="0">
+                <a:solidFill>
+                  <a:schemeClr val="tx1"/>
+                </a:solidFill>
+                <a:effectLst/>
+                <a:latin typeface="+mn-lt"/>
+                <a:ea typeface="+mn-ea"/>
+                <a:cs typeface="+mn-cs"/>
+              </a:rPr>
+            </a:br>
+            <a:r>
+              <a:rPr lang="en-US" sz="1200" b="0" i="0" kern="1200" dirty="0">
+                <a:solidFill>
+                  <a:schemeClr val="tx1"/>
+                </a:solidFill>
+                <a:effectLst/>
+                <a:latin typeface="+mn-lt"/>
+                <a:ea typeface="+mn-ea"/>
+                <a:cs typeface="+mn-cs"/>
+              </a:rPr>
+              <a:t>account the states that are likely to follow and the rewards available in those states. For</a:t>
+            </a:r>
+            <a:br>
+              <a:rPr lang="en-US" sz="1200" b="0" i="0" kern="1200" dirty="0">
+                <a:solidFill>
+                  <a:schemeClr val="tx1"/>
+                </a:solidFill>
+                <a:effectLst/>
+                <a:latin typeface="+mn-lt"/>
+                <a:ea typeface="+mn-ea"/>
+                <a:cs typeface="+mn-cs"/>
+              </a:rPr>
+            </a:br>
+            <a:r>
+              <a:rPr lang="en-US" sz="1200" b="0" i="0" kern="1200" dirty="0">
+                <a:solidFill>
+                  <a:schemeClr val="tx1"/>
+                </a:solidFill>
+                <a:effectLst/>
+                <a:latin typeface="+mn-lt"/>
+                <a:ea typeface="+mn-ea"/>
+                <a:cs typeface="+mn-cs"/>
+              </a:rPr>
+              <a:t>example, a state might always yield a low immediate reward but still have a high value</a:t>
+            </a:r>
+            <a:br>
+              <a:rPr lang="en-US" sz="1200" b="0" i="0" kern="1200" dirty="0">
+                <a:solidFill>
+                  <a:schemeClr val="tx1"/>
+                </a:solidFill>
+                <a:effectLst/>
+                <a:latin typeface="+mn-lt"/>
+                <a:ea typeface="+mn-ea"/>
+                <a:cs typeface="+mn-cs"/>
+              </a:rPr>
+            </a:br>
+            <a:r>
+              <a:rPr lang="en-US" sz="1200" b="0" i="0" kern="1200" dirty="0">
+                <a:solidFill>
+                  <a:schemeClr val="tx1"/>
+                </a:solidFill>
+                <a:effectLst/>
+                <a:latin typeface="+mn-lt"/>
+                <a:ea typeface="+mn-ea"/>
+                <a:cs typeface="+mn-cs"/>
+              </a:rPr>
+              <a:t>because it is regularly followed by other states that yield high rewards. Or the reverse</a:t>
+            </a:r>
+            <a:br>
+              <a:rPr lang="en-US" sz="1200" b="0" i="0" kern="1200" dirty="0">
+                <a:solidFill>
+                  <a:schemeClr val="tx1"/>
+                </a:solidFill>
+                <a:effectLst/>
+                <a:latin typeface="+mn-lt"/>
+                <a:ea typeface="+mn-ea"/>
+                <a:cs typeface="+mn-cs"/>
+              </a:rPr>
+            </a:br>
+            <a:r>
+              <a:rPr lang="en-US" sz="1200" b="0" i="0" kern="1200" dirty="0">
+                <a:solidFill>
+                  <a:schemeClr val="tx1"/>
+                </a:solidFill>
+                <a:effectLst/>
+                <a:latin typeface="+mn-lt"/>
+                <a:ea typeface="+mn-ea"/>
+                <a:cs typeface="+mn-cs"/>
+              </a:rPr>
+              <a:t>could be true. To make a human analogy, rewards are somewhat like pleasure (if high)</a:t>
+            </a:r>
+            <a:br>
+              <a:rPr lang="en-US" sz="1200" b="0" i="0" kern="1200" dirty="0">
+                <a:solidFill>
+                  <a:schemeClr val="tx1"/>
+                </a:solidFill>
+                <a:effectLst/>
+                <a:latin typeface="+mn-lt"/>
+                <a:ea typeface="+mn-ea"/>
+                <a:cs typeface="+mn-cs"/>
+              </a:rPr>
+            </a:br>
+            <a:r>
+              <a:rPr lang="en-US" sz="1200" b="0" i="0" kern="1200" dirty="0">
+                <a:solidFill>
+                  <a:schemeClr val="tx1"/>
+                </a:solidFill>
+                <a:effectLst/>
+                <a:latin typeface="+mn-lt"/>
+                <a:ea typeface="+mn-ea"/>
+                <a:cs typeface="+mn-cs"/>
+              </a:rPr>
+              <a:t>and pain (if low), whereas values correspond to a more refined and farsighted judgment</a:t>
+            </a:r>
+            <a:br>
+              <a:rPr lang="en-US" sz="1200" b="0" i="0" kern="1200" dirty="0">
+                <a:solidFill>
+                  <a:schemeClr val="tx1"/>
+                </a:solidFill>
+                <a:effectLst/>
+                <a:latin typeface="+mn-lt"/>
+                <a:ea typeface="+mn-ea"/>
+                <a:cs typeface="+mn-cs"/>
+              </a:rPr>
+            </a:br>
+            <a:r>
+              <a:rPr lang="en-US" sz="1200" b="0" i="0" kern="1200" dirty="0">
+                <a:solidFill>
+                  <a:schemeClr val="tx1"/>
+                </a:solidFill>
+                <a:effectLst/>
+                <a:latin typeface="+mn-lt"/>
+                <a:ea typeface="+mn-ea"/>
+                <a:cs typeface="+mn-cs"/>
+              </a:rPr>
+              <a:t>of how pleased or displeased we are that our environment is in a particular state.</a:t>
+            </a:r>
+            <a:br>
+              <a:rPr lang="en-US" sz="1200" b="0" i="0" kern="1200" dirty="0">
+                <a:solidFill>
+                  <a:schemeClr val="tx1"/>
+                </a:solidFill>
+                <a:effectLst/>
+                <a:latin typeface="+mn-lt"/>
+                <a:ea typeface="+mn-ea"/>
+                <a:cs typeface="+mn-cs"/>
+              </a:rPr>
+            </a:br>
+            <a:r>
+              <a:rPr lang="en-US" sz="1200" b="0" i="0" kern="1200" dirty="0">
+                <a:solidFill>
+                  <a:schemeClr val="tx1"/>
+                </a:solidFill>
+                <a:effectLst/>
+                <a:latin typeface="+mn-lt"/>
+                <a:ea typeface="+mn-ea"/>
+                <a:cs typeface="+mn-cs"/>
+              </a:rPr>
+              <a:t>Rewards are in a sense primary, whereas values, as predictions of rewards, are secondary.</a:t>
+            </a:r>
+            <a:br>
+              <a:rPr lang="en-US" sz="1200" b="0" i="0" kern="1200" dirty="0">
+                <a:solidFill>
+                  <a:schemeClr val="tx1"/>
+                </a:solidFill>
+                <a:effectLst/>
+                <a:latin typeface="+mn-lt"/>
+                <a:ea typeface="+mn-ea"/>
+                <a:cs typeface="+mn-cs"/>
+              </a:rPr>
+            </a:br>
+            <a:r>
+              <a:rPr lang="en-US" sz="1200" b="0" i="0" kern="1200" dirty="0">
+                <a:solidFill>
+                  <a:schemeClr val="tx1"/>
+                </a:solidFill>
+                <a:effectLst/>
+                <a:latin typeface="+mn-lt"/>
+                <a:ea typeface="+mn-ea"/>
+                <a:cs typeface="+mn-cs"/>
+              </a:rPr>
+              <a:t>Without rewards there could be no values, and the only purpose of estimating values is to</a:t>
+            </a:r>
+            <a:br>
+              <a:rPr lang="en-US" sz="1200" b="0" i="0" kern="1200" dirty="0">
+                <a:solidFill>
+                  <a:schemeClr val="tx1"/>
+                </a:solidFill>
+                <a:effectLst/>
+                <a:latin typeface="+mn-lt"/>
+                <a:ea typeface="+mn-ea"/>
+                <a:cs typeface="+mn-cs"/>
+              </a:rPr>
+            </a:br>
+            <a:r>
+              <a:rPr lang="en-US" sz="1200" b="0" i="0" kern="1200" dirty="0">
+                <a:solidFill>
+                  <a:schemeClr val="tx1"/>
+                </a:solidFill>
+                <a:effectLst/>
+                <a:latin typeface="+mn-lt"/>
+                <a:ea typeface="+mn-ea"/>
+                <a:cs typeface="+mn-cs"/>
+              </a:rPr>
+              <a:t>achieve more reward. Nevertheless, it is values with which we are most concerned when</a:t>
+            </a:r>
+            <a:br>
+              <a:rPr lang="en-US" sz="1200" b="0" i="0" kern="1200" dirty="0">
+                <a:solidFill>
+                  <a:schemeClr val="tx1"/>
+                </a:solidFill>
+                <a:effectLst/>
+                <a:latin typeface="+mn-lt"/>
+                <a:ea typeface="+mn-ea"/>
+                <a:cs typeface="+mn-cs"/>
+              </a:rPr>
+            </a:br>
+            <a:r>
+              <a:rPr lang="en-US" sz="1200" b="0" i="0" kern="1200" dirty="0">
+                <a:solidFill>
+                  <a:schemeClr val="tx1"/>
+                </a:solidFill>
+                <a:effectLst/>
+                <a:latin typeface="+mn-lt"/>
+                <a:ea typeface="+mn-ea"/>
+                <a:cs typeface="+mn-cs"/>
+              </a:rPr>
+              <a:t>making and evaluating decisions. Action choices are made based on value judgments. We</a:t>
+            </a:r>
+            <a:br>
+              <a:rPr lang="en-US" sz="1200" b="0" i="0" kern="1200" dirty="0">
+                <a:solidFill>
+                  <a:schemeClr val="tx1"/>
+                </a:solidFill>
+                <a:effectLst/>
+                <a:latin typeface="+mn-lt"/>
+                <a:ea typeface="+mn-ea"/>
+                <a:cs typeface="+mn-cs"/>
+              </a:rPr>
+            </a:br>
+            <a:r>
+              <a:rPr lang="en-US" sz="1200" b="0" i="0" kern="1200" dirty="0">
+                <a:solidFill>
+                  <a:schemeClr val="tx1"/>
+                </a:solidFill>
+                <a:effectLst/>
+                <a:latin typeface="+mn-lt"/>
+                <a:ea typeface="+mn-ea"/>
+                <a:cs typeface="+mn-cs"/>
+              </a:rPr>
+              <a:t>seek actions that bring about states of highest value, not highest reward, because these</a:t>
+            </a:r>
+            <a:br>
+              <a:rPr lang="en-US" sz="1200" b="0" i="0" kern="1200" dirty="0">
+                <a:solidFill>
+                  <a:schemeClr val="tx1"/>
+                </a:solidFill>
+                <a:effectLst/>
+                <a:latin typeface="+mn-lt"/>
+                <a:ea typeface="+mn-ea"/>
+                <a:cs typeface="+mn-cs"/>
+              </a:rPr>
+            </a:br>
+            <a:r>
+              <a:rPr lang="en-US" sz="1200" b="0" i="0" kern="1200" dirty="0">
+                <a:solidFill>
+                  <a:schemeClr val="tx1"/>
+                </a:solidFill>
+                <a:effectLst/>
+                <a:latin typeface="+mn-lt"/>
+                <a:ea typeface="+mn-ea"/>
+                <a:cs typeface="+mn-cs"/>
+              </a:rPr>
+              <a:t>actions obtain the greatest amount of reward for us over the long run. Unfortunately, it</a:t>
+            </a:r>
+            <a:br>
+              <a:rPr lang="en-US" sz="1200" b="0" i="0" kern="1200" dirty="0">
+                <a:solidFill>
+                  <a:schemeClr val="tx1"/>
+                </a:solidFill>
+                <a:effectLst/>
+                <a:latin typeface="+mn-lt"/>
+                <a:ea typeface="+mn-ea"/>
+                <a:cs typeface="+mn-cs"/>
+              </a:rPr>
+            </a:br>
+            <a:r>
+              <a:rPr lang="en-US" sz="1200" b="0" i="0" kern="1200" dirty="0">
+                <a:solidFill>
+                  <a:schemeClr val="tx1"/>
+                </a:solidFill>
+                <a:effectLst/>
+                <a:latin typeface="+mn-lt"/>
+                <a:ea typeface="+mn-ea"/>
+                <a:cs typeface="+mn-cs"/>
+              </a:rPr>
+              <a:t>is much harder to determine values than it is to determine rewards. Rewards are basically</a:t>
+            </a:r>
+            <a:br>
+              <a:rPr lang="en-US" sz="1200" b="0" i="0" kern="1200" dirty="0">
+                <a:solidFill>
+                  <a:schemeClr val="tx1"/>
+                </a:solidFill>
+                <a:effectLst/>
+                <a:latin typeface="+mn-lt"/>
+                <a:ea typeface="+mn-ea"/>
+                <a:cs typeface="+mn-cs"/>
+              </a:rPr>
+            </a:br>
+            <a:r>
+              <a:rPr lang="en-US" sz="1200" b="0" i="0" kern="1200" dirty="0">
+                <a:solidFill>
+                  <a:schemeClr val="tx1"/>
+                </a:solidFill>
+                <a:effectLst/>
+                <a:latin typeface="+mn-lt"/>
+                <a:ea typeface="+mn-ea"/>
+                <a:cs typeface="+mn-cs"/>
+              </a:rPr>
+              <a:t>given directly by the environment, but values must be estimated and re-estimated from</a:t>
+            </a:r>
+            <a:br>
+              <a:rPr lang="en-US" sz="1200" b="0" i="0" kern="1200" dirty="0">
+                <a:solidFill>
+                  <a:schemeClr val="tx1"/>
+                </a:solidFill>
+                <a:effectLst/>
+                <a:latin typeface="+mn-lt"/>
+                <a:ea typeface="+mn-ea"/>
+                <a:cs typeface="+mn-cs"/>
+              </a:rPr>
+            </a:br>
+            <a:r>
+              <a:rPr lang="en-US" sz="1200" b="0" i="0" kern="1200" dirty="0">
+                <a:solidFill>
+                  <a:schemeClr val="tx1"/>
+                </a:solidFill>
+                <a:effectLst/>
+                <a:latin typeface="+mn-lt"/>
+                <a:ea typeface="+mn-ea"/>
+                <a:cs typeface="+mn-cs"/>
+              </a:rPr>
+              <a:t>the sequences of observations an agent makes over its entire lifetime. In fact, the most</a:t>
+            </a:r>
+            <a:br>
+              <a:rPr lang="en-US" sz="1200" b="0" i="0" kern="1200" dirty="0">
+                <a:solidFill>
+                  <a:schemeClr val="tx1"/>
+                </a:solidFill>
+                <a:effectLst/>
+                <a:latin typeface="+mn-lt"/>
+                <a:ea typeface="+mn-ea"/>
+                <a:cs typeface="+mn-cs"/>
+              </a:rPr>
+            </a:br>
+            <a:r>
+              <a:rPr lang="en-US" sz="1200" b="0" i="0" kern="1200" dirty="0">
+                <a:solidFill>
+                  <a:schemeClr val="tx1"/>
+                </a:solidFill>
+                <a:effectLst/>
+                <a:latin typeface="+mn-lt"/>
+                <a:ea typeface="+mn-ea"/>
+                <a:cs typeface="+mn-cs"/>
+              </a:rPr>
+              <a:t>important component of almost all reinforcement learning algorithms we consider is a</a:t>
+            </a:r>
+            <a:br>
+              <a:rPr lang="en-US" dirty="0"/>
+            </a:br>
+            <a:r>
+              <a:rPr lang="en-US" sz="1200" b="0" i="0" kern="1200" dirty="0">
+                <a:solidFill>
+                  <a:schemeClr val="tx1"/>
+                </a:solidFill>
+                <a:effectLst/>
+                <a:latin typeface="+mn-lt"/>
+                <a:ea typeface="+mn-ea"/>
+                <a:cs typeface="+mn-cs"/>
+              </a:rPr>
+              <a:t>method for </a:t>
+            </a:r>
+            <a:r>
+              <a:rPr lang="en-US" sz="1200" b="0" i="0" kern="1200" dirty="0" err="1">
+                <a:solidFill>
+                  <a:schemeClr val="tx1"/>
+                </a:solidFill>
+                <a:effectLst/>
+                <a:latin typeface="+mn-lt"/>
+                <a:ea typeface="+mn-ea"/>
+                <a:cs typeface="+mn-cs"/>
+              </a:rPr>
+              <a:t>e!ciently</a:t>
+            </a:r>
+            <a:r>
+              <a:rPr lang="en-US" sz="1200" b="0" i="0" kern="1200" dirty="0">
+                <a:solidFill>
+                  <a:schemeClr val="tx1"/>
+                </a:solidFill>
+                <a:effectLst/>
+                <a:latin typeface="+mn-lt"/>
+                <a:ea typeface="+mn-ea"/>
+                <a:cs typeface="+mn-cs"/>
+              </a:rPr>
+              <a:t> estimating values. The central role of value estimation is arguably</a:t>
+            </a:r>
+            <a:br>
+              <a:rPr lang="en-US" sz="1200" b="0" i="0" kern="1200" dirty="0">
+                <a:solidFill>
+                  <a:schemeClr val="tx1"/>
+                </a:solidFill>
+                <a:effectLst/>
+                <a:latin typeface="+mn-lt"/>
+                <a:ea typeface="+mn-ea"/>
+                <a:cs typeface="+mn-cs"/>
+              </a:rPr>
+            </a:br>
+            <a:r>
+              <a:rPr lang="en-US" sz="1200" b="0" i="0" kern="1200" dirty="0">
+                <a:solidFill>
+                  <a:schemeClr val="tx1"/>
+                </a:solidFill>
+                <a:effectLst/>
+                <a:latin typeface="+mn-lt"/>
+                <a:ea typeface="+mn-ea"/>
+                <a:cs typeface="+mn-cs"/>
+              </a:rPr>
+              <a:t>the most important thing that has been learned about reinforcement learning over the</a:t>
+            </a:r>
+            <a:br>
+              <a:rPr lang="en-US" sz="1200" b="0" i="0" kern="1200" dirty="0">
+                <a:solidFill>
+                  <a:schemeClr val="tx1"/>
+                </a:solidFill>
+                <a:effectLst/>
+                <a:latin typeface="+mn-lt"/>
+                <a:ea typeface="+mn-ea"/>
+                <a:cs typeface="+mn-cs"/>
+              </a:rPr>
+            </a:br>
+            <a:r>
+              <a:rPr lang="en-US" sz="1200" b="0" i="0" kern="1200" dirty="0">
+                <a:solidFill>
+                  <a:schemeClr val="tx1"/>
+                </a:solidFill>
+                <a:effectLst/>
+                <a:latin typeface="+mn-lt"/>
+                <a:ea typeface="+mn-ea"/>
+                <a:cs typeface="+mn-cs"/>
+              </a:rPr>
+              <a:t>last six decades.</a:t>
+            </a:r>
+            <a:br>
+              <a:rPr lang="en-US" sz="1200" b="0" i="0" kern="1200" dirty="0">
+                <a:solidFill>
+                  <a:schemeClr val="tx1"/>
+                </a:solidFill>
+                <a:effectLst/>
+                <a:latin typeface="+mn-lt"/>
+                <a:ea typeface="+mn-ea"/>
+                <a:cs typeface="+mn-cs"/>
+              </a:rPr>
+            </a:br>
+            <a:r>
+              <a:rPr lang="en-US" sz="1200" b="0" i="0" kern="1200" dirty="0">
+                <a:solidFill>
+                  <a:schemeClr val="tx1"/>
+                </a:solidFill>
+                <a:effectLst/>
+                <a:latin typeface="+mn-lt"/>
+                <a:ea typeface="+mn-ea"/>
+                <a:cs typeface="+mn-cs"/>
+              </a:rPr>
+              <a:t>The fourth and final element of some reinforcement learning systems is a </a:t>
+            </a:r>
+            <a:r>
+              <a:rPr lang="en-US" sz="1200" b="0" i="1" kern="1200" dirty="0">
+                <a:solidFill>
+                  <a:schemeClr val="tx1"/>
+                </a:solidFill>
+                <a:effectLst/>
+                <a:latin typeface="+mn-lt"/>
+                <a:ea typeface="+mn-ea"/>
+                <a:cs typeface="+mn-cs"/>
+              </a:rPr>
+              <a:t>model </a:t>
+            </a:r>
+            <a:r>
+              <a:rPr lang="en-US" sz="1200" b="0" i="0" kern="1200" dirty="0">
+                <a:solidFill>
+                  <a:schemeClr val="tx1"/>
+                </a:solidFill>
+                <a:effectLst/>
+                <a:latin typeface="+mn-lt"/>
+                <a:ea typeface="+mn-ea"/>
+                <a:cs typeface="+mn-cs"/>
+              </a:rPr>
+              <a:t>of</a:t>
+            </a:r>
+            <a:br>
+              <a:rPr lang="en-US" sz="1200" b="0" i="0" kern="1200" dirty="0">
+                <a:solidFill>
+                  <a:schemeClr val="tx1"/>
+                </a:solidFill>
+                <a:effectLst/>
+                <a:latin typeface="+mn-lt"/>
+                <a:ea typeface="+mn-ea"/>
+                <a:cs typeface="+mn-cs"/>
+              </a:rPr>
+            </a:br>
+            <a:r>
+              <a:rPr lang="en-US" sz="1200" b="0" i="0" kern="1200" dirty="0">
+                <a:solidFill>
+                  <a:schemeClr val="tx1"/>
+                </a:solidFill>
+                <a:effectLst/>
+                <a:latin typeface="+mn-lt"/>
+                <a:ea typeface="+mn-ea"/>
+                <a:cs typeface="+mn-cs"/>
+              </a:rPr>
+              <a:t>the environment. This is something that mimics the behavior of the environment, or</a:t>
+            </a:r>
+            <a:br>
+              <a:rPr lang="en-US" sz="1200" b="0" i="0" kern="1200" dirty="0">
+                <a:solidFill>
+                  <a:schemeClr val="tx1"/>
+                </a:solidFill>
+                <a:effectLst/>
+                <a:latin typeface="+mn-lt"/>
+                <a:ea typeface="+mn-ea"/>
+                <a:cs typeface="+mn-cs"/>
+              </a:rPr>
+            </a:br>
+            <a:r>
+              <a:rPr lang="en-US" sz="1200" b="0" i="0" kern="1200" dirty="0">
+                <a:solidFill>
+                  <a:schemeClr val="tx1"/>
+                </a:solidFill>
+                <a:effectLst/>
+                <a:latin typeface="+mn-lt"/>
+                <a:ea typeface="+mn-ea"/>
+                <a:cs typeface="+mn-cs"/>
+              </a:rPr>
+              <a:t>more generally, that allows inferences to be made about how the environment will behave.</a:t>
+            </a:r>
+            <a:br>
+              <a:rPr lang="en-US" sz="1200" b="0" i="0" kern="1200" dirty="0">
+                <a:solidFill>
+                  <a:schemeClr val="tx1"/>
+                </a:solidFill>
+                <a:effectLst/>
+                <a:latin typeface="+mn-lt"/>
+                <a:ea typeface="+mn-ea"/>
+                <a:cs typeface="+mn-cs"/>
+              </a:rPr>
+            </a:br>
+            <a:r>
+              <a:rPr lang="en-US" sz="1200" b="0" i="0" kern="1200" dirty="0">
+                <a:solidFill>
+                  <a:schemeClr val="tx1"/>
+                </a:solidFill>
+                <a:effectLst/>
+                <a:latin typeface="+mn-lt"/>
+                <a:ea typeface="+mn-ea"/>
+                <a:cs typeface="+mn-cs"/>
+              </a:rPr>
+              <a:t>For example, given a state and action, the model might predict the resultant next state</a:t>
+            </a:r>
+            <a:br>
+              <a:rPr lang="en-US" sz="1200" b="0" i="0" kern="1200" dirty="0">
+                <a:solidFill>
+                  <a:schemeClr val="tx1"/>
+                </a:solidFill>
+                <a:effectLst/>
+                <a:latin typeface="+mn-lt"/>
+                <a:ea typeface="+mn-ea"/>
+                <a:cs typeface="+mn-cs"/>
+              </a:rPr>
+            </a:br>
+            <a:r>
+              <a:rPr lang="en-US" sz="1200" b="0" i="0" kern="1200" dirty="0">
+                <a:solidFill>
+                  <a:schemeClr val="tx1"/>
+                </a:solidFill>
+                <a:effectLst/>
+                <a:latin typeface="+mn-lt"/>
+                <a:ea typeface="+mn-ea"/>
+                <a:cs typeface="+mn-cs"/>
+              </a:rPr>
+              <a:t>and next reward. Models are used for </a:t>
+            </a:r>
+            <a:r>
+              <a:rPr lang="en-US" sz="1200" b="0" i="1" kern="1200" dirty="0">
+                <a:solidFill>
+                  <a:schemeClr val="tx1"/>
+                </a:solidFill>
+                <a:effectLst/>
+                <a:latin typeface="+mn-lt"/>
+                <a:ea typeface="+mn-ea"/>
+                <a:cs typeface="+mn-cs"/>
+              </a:rPr>
+              <a:t>planning</a:t>
+            </a:r>
+            <a:r>
+              <a:rPr lang="en-US" sz="1200" b="0" i="0" kern="1200" dirty="0">
+                <a:solidFill>
+                  <a:schemeClr val="tx1"/>
+                </a:solidFill>
+                <a:effectLst/>
+                <a:latin typeface="+mn-lt"/>
+                <a:ea typeface="+mn-ea"/>
+                <a:cs typeface="+mn-cs"/>
+              </a:rPr>
+              <a:t>, by which we mean any way of deciding</a:t>
+            </a:r>
+            <a:br>
+              <a:rPr lang="en-US" sz="1200" b="0" i="0" kern="1200" dirty="0">
+                <a:solidFill>
+                  <a:schemeClr val="tx1"/>
+                </a:solidFill>
+                <a:effectLst/>
+                <a:latin typeface="+mn-lt"/>
+                <a:ea typeface="+mn-ea"/>
+                <a:cs typeface="+mn-cs"/>
+              </a:rPr>
+            </a:br>
+            <a:r>
+              <a:rPr lang="en-US" sz="1200" b="0" i="0" kern="1200" dirty="0">
+                <a:solidFill>
+                  <a:schemeClr val="tx1"/>
+                </a:solidFill>
+                <a:effectLst/>
+                <a:latin typeface="+mn-lt"/>
+                <a:ea typeface="+mn-ea"/>
+                <a:cs typeface="+mn-cs"/>
+              </a:rPr>
+              <a:t>on a course of action by considering possible future situations before they are actually</a:t>
+            </a:r>
+            <a:br>
+              <a:rPr lang="en-US" sz="1200" b="0" i="0" kern="1200" dirty="0">
+                <a:solidFill>
+                  <a:schemeClr val="tx1"/>
+                </a:solidFill>
+                <a:effectLst/>
+                <a:latin typeface="+mn-lt"/>
+                <a:ea typeface="+mn-ea"/>
+                <a:cs typeface="+mn-cs"/>
+              </a:rPr>
+            </a:br>
+            <a:r>
+              <a:rPr lang="en-US" sz="1200" b="0" i="0" kern="1200" dirty="0">
+                <a:solidFill>
+                  <a:schemeClr val="tx1"/>
+                </a:solidFill>
+                <a:effectLst/>
+                <a:latin typeface="+mn-lt"/>
+                <a:ea typeface="+mn-ea"/>
+                <a:cs typeface="+mn-cs"/>
+              </a:rPr>
+              <a:t>experienced. Methods for solving reinforcement learning problems that use models and</a:t>
+            </a:r>
+            <a:br>
+              <a:rPr lang="en-US" sz="1200" b="0" i="0" kern="1200" dirty="0">
+                <a:solidFill>
+                  <a:schemeClr val="tx1"/>
+                </a:solidFill>
+                <a:effectLst/>
+                <a:latin typeface="+mn-lt"/>
+                <a:ea typeface="+mn-ea"/>
+                <a:cs typeface="+mn-cs"/>
+              </a:rPr>
+            </a:br>
+            <a:r>
+              <a:rPr lang="en-US" sz="1200" b="0" i="0" kern="1200" dirty="0">
+                <a:solidFill>
+                  <a:schemeClr val="tx1"/>
+                </a:solidFill>
+                <a:effectLst/>
+                <a:latin typeface="+mn-lt"/>
+                <a:ea typeface="+mn-ea"/>
+                <a:cs typeface="+mn-cs"/>
+              </a:rPr>
+              <a:t>planning are called </a:t>
+            </a:r>
+            <a:r>
+              <a:rPr lang="en-US" sz="1200" b="0" i="1" kern="1200" dirty="0">
+                <a:solidFill>
+                  <a:schemeClr val="tx1"/>
+                </a:solidFill>
+                <a:effectLst/>
+                <a:latin typeface="+mn-lt"/>
+                <a:ea typeface="+mn-ea"/>
+                <a:cs typeface="+mn-cs"/>
+              </a:rPr>
+              <a:t>model-based </a:t>
+            </a:r>
+            <a:r>
+              <a:rPr lang="en-US" sz="1200" b="0" i="0" kern="1200" dirty="0">
+                <a:solidFill>
+                  <a:schemeClr val="tx1"/>
+                </a:solidFill>
+                <a:effectLst/>
+                <a:latin typeface="+mn-lt"/>
+                <a:ea typeface="+mn-ea"/>
+                <a:cs typeface="+mn-cs"/>
+              </a:rPr>
+              <a:t>methods, as opposed to simpler </a:t>
+            </a:r>
+            <a:r>
+              <a:rPr lang="en-US" sz="1200" b="0" i="1" kern="1200" dirty="0">
+                <a:solidFill>
+                  <a:schemeClr val="tx1"/>
+                </a:solidFill>
+                <a:effectLst/>
+                <a:latin typeface="+mn-lt"/>
+                <a:ea typeface="+mn-ea"/>
+                <a:cs typeface="+mn-cs"/>
+              </a:rPr>
+              <a:t>model-free </a:t>
+            </a:r>
+            <a:r>
+              <a:rPr lang="en-US" sz="1200" b="0" i="0" kern="1200" dirty="0">
+                <a:solidFill>
+                  <a:schemeClr val="tx1"/>
+                </a:solidFill>
+                <a:effectLst/>
+                <a:latin typeface="+mn-lt"/>
+                <a:ea typeface="+mn-ea"/>
+                <a:cs typeface="+mn-cs"/>
+              </a:rPr>
+              <a:t>methods that</a:t>
+            </a:r>
+            <a:br>
+              <a:rPr lang="en-US" sz="1200" b="0" i="0" kern="1200" dirty="0">
+                <a:solidFill>
+                  <a:schemeClr val="tx1"/>
+                </a:solidFill>
+                <a:effectLst/>
+                <a:latin typeface="+mn-lt"/>
+                <a:ea typeface="+mn-ea"/>
+                <a:cs typeface="+mn-cs"/>
+              </a:rPr>
+            </a:br>
+            <a:r>
+              <a:rPr lang="en-US" sz="1200" b="0" i="0" kern="1200" dirty="0">
+                <a:solidFill>
+                  <a:schemeClr val="tx1"/>
+                </a:solidFill>
+                <a:effectLst/>
+                <a:latin typeface="+mn-lt"/>
+                <a:ea typeface="+mn-ea"/>
+                <a:cs typeface="+mn-cs"/>
+              </a:rPr>
+              <a:t>are explicitly trial-and-error learners—viewed as almost the </a:t>
+            </a:r>
+            <a:r>
+              <a:rPr lang="en-US" sz="1200" b="0" i="1" kern="1200" dirty="0">
+                <a:solidFill>
+                  <a:schemeClr val="tx1"/>
+                </a:solidFill>
+                <a:effectLst/>
+                <a:latin typeface="+mn-lt"/>
+                <a:ea typeface="+mn-ea"/>
+                <a:cs typeface="+mn-cs"/>
+              </a:rPr>
+              <a:t>opposite </a:t>
+            </a:r>
+            <a:r>
+              <a:rPr lang="en-US" sz="1200" b="0" i="0" kern="1200" dirty="0">
+                <a:solidFill>
+                  <a:schemeClr val="tx1"/>
+                </a:solidFill>
+                <a:effectLst/>
+                <a:latin typeface="+mn-lt"/>
+                <a:ea typeface="+mn-ea"/>
+                <a:cs typeface="+mn-cs"/>
+              </a:rPr>
+              <a:t>of planning. In</a:t>
+            </a:r>
+            <a:br>
+              <a:rPr lang="en-US" sz="1200" b="0" i="0" kern="1200" dirty="0">
+                <a:solidFill>
+                  <a:schemeClr val="tx1"/>
+                </a:solidFill>
+                <a:effectLst/>
+                <a:latin typeface="+mn-lt"/>
+                <a:ea typeface="+mn-ea"/>
+                <a:cs typeface="+mn-cs"/>
+              </a:rPr>
+            </a:br>
+            <a:r>
+              <a:rPr lang="en-US" sz="1200" b="0" i="0" kern="1200" dirty="0">
+                <a:solidFill>
+                  <a:schemeClr val="tx1"/>
+                </a:solidFill>
+                <a:effectLst/>
+                <a:latin typeface="+mn-lt"/>
+                <a:ea typeface="+mn-ea"/>
+                <a:cs typeface="+mn-cs"/>
+              </a:rPr>
+              <a:t>Chapter 8 we explore reinforcement learning systems that simultaneously learn by trial</a:t>
+            </a:r>
+            <a:br>
+              <a:rPr lang="en-US" sz="1200" b="0" i="0" kern="1200" dirty="0">
+                <a:solidFill>
+                  <a:schemeClr val="tx1"/>
+                </a:solidFill>
+                <a:effectLst/>
+                <a:latin typeface="+mn-lt"/>
+                <a:ea typeface="+mn-ea"/>
+                <a:cs typeface="+mn-cs"/>
+              </a:rPr>
+            </a:br>
+            <a:r>
+              <a:rPr lang="en-US" sz="1200" b="0" i="0" kern="1200" dirty="0">
+                <a:solidFill>
+                  <a:schemeClr val="tx1"/>
+                </a:solidFill>
+                <a:effectLst/>
+                <a:latin typeface="+mn-lt"/>
+                <a:ea typeface="+mn-ea"/>
+                <a:cs typeface="+mn-cs"/>
+              </a:rPr>
+              <a:t>and error, learn a model of the environment, and use the model for planning. Modern</a:t>
+            </a:r>
+            <a:br>
+              <a:rPr lang="en-US" sz="1200" b="0" i="0" kern="1200" dirty="0">
+                <a:solidFill>
+                  <a:schemeClr val="tx1"/>
+                </a:solidFill>
+                <a:effectLst/>
+                <a:latin typeface="+mn-lt"/>
+                <a:ea typeface="+mn-ea"/>
+                <a:cs typeface="+mn-cs"/>
+              </a:rPr>
+            </a:br>
+            <a:r>
+              <a:rPr lang="en-US" sz="1200" b="0" i="0" kern="1200" dirty="0">
+                <a:solidFill>
+                  <a:schemeClr val="tx1"/>
+                </a:solidFill>
+                <a:effectLst/>
+                <a:latin typeface="+mn-lt"/>
+                <a:ea typeface="+mn-ea"/>
+                <a:cs typeface="+mn-cs"/>
+              </a:rPr>
+              <a:t>reinforcement learning spans the spectrum from low-level, trial-and-error learning to</a:t>
+            </a:r>
+            <a:br>
+              <a:rPr lang="en-US" sz="1200" b="0" i="0" kern="1200" dirty="0">
+                <a:solidFill>
+                  <a:schemeClr val="tx1"/>
+                </a:solidFill>
+                <a:effectLst/>
+                <a:latin typeface="+mn-lt"/>
+                <a:ea typeface="+mn-ea"/>
+                <a:cs typeface="+mn-cs"/>
+              </a:rPr>
+            </a:br>
+            <a:r>
+              <a:rPr lang="en-US" sz="1200" b="0" i="0" kern="1200" dirty="0">
+                <a:solidFill>
+                  <a:schemeClr val="tx1"/>
+                </a:solidFill>
+                <a:effectLst/>
+                <a:latin typeface="+mn-lt"/>
+                <a:ea typeface="+mn-ea"/>
+                <a:cs typeface="+mn-cs"/>
+              </a:rPr>
+              <a:t>high-level, deliberative planning</a:t>
+            </a:r>
+            <a:r>
+              <a:rPr lang="en-US" dirty="0"/>
+              <a:t> </a:t>
+            </a:r>
+            <a:br>
+              <a:rPr lang="en-US" dirty="0"/>
+            </a:br>
+            <a:endParaRPr lang="en-US" dirty="0"/>
+          </a:p>
+        </p:txBody>
+      </p:sp>
+      <p:sp>
+        <p:nvSpPr>
+          <p:cNvPr id="4" name="Slide Number Placeholder 3"/>
+          <p:cNvSpPr>
+            <a:spLocks noGrp="1"/>
+          </p:cNvSpPr>
+          <p:nvPr>
+            <p:ph type="sldNum" sz="quarter" idx="5"/>
+          </p:nvPr>
+        </p:nvSpPr>
+        <p:spPr/>
+        <p:txBody>
+          <a:bodyPr/>
+          <a:lstStyle/>
+          <a:p>
+            <a:fld id="{1980DC7F-660A-4453-9840-44DB0AF8652B}" type="slidenum">
+              <a:rPr lang="en-US" smtClean="0"/>
+              <a:t>9</a:t>
+            </a:fld>
+            <a:endParaRPr lang="en-US"/>
+          </a:p>
+        </p:txBody>
+      </p:sp>
+    </p:spTree>
+    <p:extLst>
+      <p:ext uri="{BB962C8B-B14F-4D97-AF65-F5344CB8AC3E}">
+        <p14:creationId xmlns:p14="http://schemas.microsoft.com/office/powerpoint/2010/main" val="3562718904"/>
+      </p:ext>
+    </p:extLst>
+  </p:cSld>
+  <p:clrMapOvr>
+    <a:masterClrMapping/>
+  </p:clrMapOvr>
+</p:notes>
 </file>
 
 <file path=ppt/slideLayouts/slideLayout1.xml><?xml version="1.0" encoding="utf-8"?>
@@ -5749,8 +8068,19 @@
           <a:p>
             <a:r>
               <a:rPr lang="en-US" dirty="0"/>
-              <a:t>Data is labeled</a:t>
-            </a:r>
+              <a:t>which is typically about finding structure hidden in collections of</a:t>
+            </a:r>
+            <a:br>
+              <a:rPr lang="en-US" dirty="0"/>
+            </a:br>
+            <a:r>
+              <a:rPr lang="en-US" dirty="0"/>
+              <a:t>unlabeled data. </a:t>
+            </a:r>
+            <a:br>
+              <a:rPr lang="en-US" dirty="0"/>
+            </a:br>
+            <a:endParaRPr lang="en-US" dirty="0"/>
           </a:p>
         </p:txBody>
       </p:sp>
@@ -5844,8 +8174,26 @@
           <a:p>
             <a:r>
               <a:rPr lang="en-US" dirty="0"/>
-              <a:t>Data is labeled</a:t>
-            </a:r>
+              <a:t>Reinforcement learning is learning what to do—how to map situations to actions—so as to maximize a numerical reward signal. The learner is not told which actions to take, but instead must discover which actions yield the most reward by trying them. In the most interesting and challenging cases, actions may </a:t>
+            </a:r>
+            <a:r>
+              <a:rPr lang="en-US" dirty="0" err="1"/>
+              <a:t>a↵ect</a:t>
+            </a:r>
+            <a:r>
+              <a:rPr lang="en-US" dirty="0"/>
+              <a:t> not only the immediate reward but also the next situation and, through that, all subsequent rewards. These two characteristics—trial-and-error search and delayed reward—are the two most important distinguishing features of reinforcement learning.</a:t>
+            </a:r>
+          </a:p>
+          <a:p>
+            <a:r>
+              <a:rPr lang="en-US" dirty="0"/>
+              <a:t>Challenge: trade-off between exploration and exploitation. </a:t>
+            </a:r>
+            <a:br>
+              <a:rPr lang="en-US" dirty="0"/>
+            </a:br>
+            <a:endParaRPr lang="en-US" dirty="0"/>
           </a:p>
         </p:txBody>
       </p:sp>
@@ -5853,6 +8201,151 @@
     <p:extLst>
       <p:ext uri="{BB962C8B-B14F-4D97-AF65-F5344CB8AC3E}">
         <p14:creationId xmlns:p14="http://schemas.microsoft.com/office/powerpoint/2010/main" val="3055071703"/>
+      </p:ext>
+    </p:extLst>
+  </p:cSld>
+  <p:clrMapOvr>
+    <a:masterClrMapping/>
+  </p:clrMapOvr>
+</p:sld>
+</file>
+
+<file path=ppt/slides/slide9.xml><?xml version="1.0" encoding="utf-8"?>
+<p:sld xmlns:a="http://schemas.openxmlformats.org/drawingml/2006/main" xmlns:r="http://schemas.openxmlformats.org/officeDocument/2006/relationships" xmlns:p="http://schemas.openxmlformats.org/presentationml/2006/main">
+  <p:cSld>
+    <p:spTree>
+      <p:nvGrpSpPr>
+        <p:cNvPr id="1" name=""/>
+        <p:cNvGrpSpPr/>
+        <p:nvPr/>
+      </p:nvGrpSpPr>
+      <p:grpSpPr>
+        <a:xfrm>
+          <a:off x="0" y="0"/>
+          <a:ext cx="0" cy="0"/>
+          <a:chOff x="0" y="0"/>
+          <a:chExt cx="0" cy="0"/>
+        </a:xfrm>
+      </p:grpSpPr>
+      <p:sp>
+        <p:nvSpPr>
+          <p:cNvPr id="2" name="Title 1">
+            <a:extLst>
+              <a:ext uri="{FF2B5EF4-FFF2-40B4-BE49-F238E27FC236}">
+                <a16:creationId xmlns:a16="http://schemas.microsoft.com/office/drawing/2014/main" id="{49C7E59C-A2DC-4D30-A2BB-8937629D36A8}"/>
+              </a:ext>
+            </a:extLst>
+          </p:cNvPr>
+          <p:cNvSpPr>
+            <a:spLocks noGrp="1"/>
+          </p:cNvSpPr>
+          <p:nvPr>
+            <p:ph type="title"/>
+          </p:nvPr>
+        </p:nvSpPr>
+        <p:spPr/>
+        <p:txBody>
+          <a:bodyPr>
+            <a:normAutofit fontScale="90000"/>
+          </a:bodyPr>
+          <a:lstStyle/>
+          <a:p>
+            <a:r>
+              <a:rPr lang="en-US" dirty="0"/>
+              <a:t>Elements of Reinforcement Learning</a:t>
+            </a:r>
+            <a:br>
+              <a:rPr lang="en-US" dirty="0"/>
+            </a:br>
+            <a:endParaRPr lang="en-US" dirty="0"/>
+          </a:p>
+        </p:txBody>
+      </p:sp>
+      <p:sp>
+        <p:nvSpPr>
+          <p:cNvPr id="3" name="Content Placeholder 2">
+            <a:extLst>
+              <a:ext uri="{FF2B5EF4-FFF2-40B4-BE49-F238E27FC236}">
+                <a16:creationId xmlns:a16="http://schemas.microsoft.com/office/drawing/2014/main" id="{D3F1DDB2-39AE-4147-8B42-2946648BEC63}"/>
+              </a:ext>
+            </a:extLst>
+          </p:cNvPr>
+          <p:cNvSpPr>
+            <a:spLocks noGrp="1"/>
+          </p:cNvSpPr>
+          <p:nvPr>
+            <p:ph idx="1"/>
+          </p:nvPr>
+        </p:nvSpPr>
+        <p:spPr/>
+        <p:txBody>
+          <a:bodyPr/>
+          <a:lstStyle/>
+          <a:p>
+            <a:r>
+              <a:rPr lang="en-US" dirty="0"/>
+              <a:t>A </a:t>
+            </a:r>
+            <a:r>
+              <a:rPr lang="en-US" i="1" dirty="0"/>
+              <a:t>policy</a:t>
+            </a:r>
+            <a:r>
+              <a:rPr lang="en-US" dirty="0"/>
+              <a:t> </a:t>
+            </a:r>
+          </a:p>
+          <a:p>
+            <a:r>
+              <a:rPr lang="en-US" dirty="0"/>
+              <a:t>A </a:t>
+            </a:r>
+            <a:r>
+              <a:rPr lang="en-US" i="1" dirty="0"/>
+              <a:t>reward signal</a:t>
+            </a:r>
+            <a:r>
+              <a:rPr lang="en-US" dirty="0"/>
+              <a:t> defines the goal of a reinforcement learning problem, indicates what is good in an immediate sense</a:t>
+            </a:r>
+          </a:p>
+          <a:p>
+            <a:r>
+              <a:rPr lang="en-US" dirty="0"/>
+              <a:t>a </a:t>
+            </a:r>
+            <a:r>
+              <a:rPr lang="en-US" i="1" dirty="0"/>
+              <a:t>value function </a:t>
+            </a:r>
+            <a:r>
+              <a:rPr lang="en-US" dirty="0"/>
+              <a:t>specifies what is good in the long run </a:t>
+            </a:r>
+          </a:p>
+          <a:p>
+            <a:r>
+              <a:rPr lang="en-US" i="1" dirty="0"/>
+              <a:t>(optional) model </a:t>
+            </a:r>
+            <a:r>
+              <a:rPr lang="en-US" dirty="0"/>
+              <a:t>of the environment. </a:t>
+            </a:r>
+            <a:br>
+              <a:rPr lang="en-US" dirty="0"/>
+            </a:br>
+            <a:br>
+              <a:rPr lang="en-US" dirty="0"/>
+            </a:br>
+            <a:endParaRPr lang="en-US" dirty="0"/>
+          </a:p>
+        </p:txBody>
+      </p:sp>
+    </p:spTree>
+    <p:extLst>
+      <p:ext uri="{BB962C8B-B14F-4D97-AF65-F5344CB8AC3E}">
+        <p14:creationId xmlns:p14="http://schemas.microsoft.com/office/powerpoint/2010/main" val="2823832049"/>
       </p:ext>
     </p:extLst>
   </p:cSld>
@@ -6141,4 +8634,299 @@
     </a:ext>
   </a:extLst>
 </a:theme>
+</file>
+
+<file path=ppt/theme/theme2.xml><?xml version="1.0" encoding="utf-8"?>
+<a:theme xmlns:a="http://schemas.openxmlformats.org/drawingml/2006/main" name="Office Theme">
+  <a:themeElements>
+    <a:clrScheme name="Office">
+      <a:dk1>
+        <a:sysClr val="windowText" lastClr="000000"/>
+      </a:dk1>
+      <a:lt1>
+        <a:sysClr val="window" lastClr="FFFFFF"/>
+      </a:lt1>
+      <a:dk2>
+        <a:srgbClr val="44546A"/>
+      </a:dk2>
+      <a:lt2>
+        <a:srgbClr val="E7E6E6"/>
+      </a:lt2>
+      <a:accent1>
+        <a:srgbClr val="4472C4"/>
+      </a:accent1>
+      <a:accent2>
+        <a:srgbClr val="ED7D31"/>
+      </a:accent2>
+      <a:accent3>
+        <a:srgbClr val="A5A5A5"/>
+      </a:accent3>
+      <a:accent4>
+        <a:srgbClr val="FFC000"/>
+      </a:accent4>
+      <a:accent5>
+        <a:srgbClr val="5B9BD5"/>
+      </a:accent5>
+      <a:accent6>
+        <a:srgbClr val="70AD47"/>
+      </a:accent6>
+      <a:hlink>
+        <a:srgbClr val="0563C1"/>
+      </a:hlink>
+      <a:folHlink>
+        <a:srgbClr val="954F72"/>
+      </a:folHlink>
+    </a:clrScheme>
+    <a:fontScheme name="Office">
+      <a:majorFont>
+        <a:latin typeface="Calibri Light" panose="020F0302020204030204"/>
+        <a:ea typeface=""/>
+        <a:cs typeface=""/>
+        <a:font script="Jpan" typeface="游ゴシック Light"/>
+        <a:font script="Hang" typeface="맑은 고딕"/>
+        <a:font script="Hans" typeface="等线 Light"/>
+        <a:font script="Hant" typeface="新細明體"/>
+        <a:font script="Arab" typeface="Times New Roman"/>
+        <a:font script="Hebr" typeface="Times New Roman"/>
+        <a:font script="Thai" typeface="Angsana New"/>
+        <a:font script="Ethi" typeface="Nyala"/>
+        <a:font script="Beng" typeface="Vrinda"/>
+        <a:font script="Gujr" typeface="Shruti"/>
+        <a:font script="Khmr" typeface="MoolBoran"/>
+        <a:font script="Knda" typeface="Tunga"/>
+        <a:font script="Guru" typeface="Raavi"/>
+        <a:font script="Cans" typeface="Euphemia"/>
+        <a:font script="Cher" typeface="Plantagenet Cherokee"/>
+        <a:font script="Yiii" typeface="Microsoft Yi Baiti"/>
+        <a:font script="Tibt" typeface="Microsoft Himalaya"/>
+        <a:font script="Thaa" typeface="MV Boli"/>
+        <a:font script="Deva" typeface="Mangal"/>
+        <a:font script="Telu" typeface="Gautami"/>
+        <a:font script="Taml" typeface="Latha"/>
+        <a:font script="Syrc" typeface="Estrangelo Edessa"/>
+        <a:font script="Orya" typeface="Kalinga"/>
+        <a:font script="Mlym" typeface="Kartika"/>
+        <a:font script="Laoo" typeface="DokChampa"/>
+        <a:font script="Sinh" typeface="Iskoola Pota"/>
+        <a:font script="Mong" typeface="Mongolian Baiti"/>
+        <a:font script="Viet" typeface="Times New Roman"/>
+        <a:font script="Uigh" typeface="Microsoft Uighur"/>
+        <a:font script="Geor" typeface="Sylfaen"/>
+        <a:font script="Armn" typeface="Arial"/>
+        <a:font script="Bugi" typeface="Leelawadee UI"/>
+        <a:font script="Bopo" typeface="Microsoft JhengHei"/>
+        <a:font script="Java" typeface="Javanese Text"/>
+        <a:font script="Lisu" typeface="Segoe UI"/>
+        <a:font script="Mymr" typeface="Myanmar Text"/>
+        <a:font script="Nkoo" typeface="Ebrima"/>
+        <a:font script="Olck" typeface="Nirmala UI"/>
+        <a:font script="Osma" typeface="Ebrima"/>
+        <a:font script="Phag" typeface="Phagspa"/>
+        <a:font script="Syrn" typeface="Estrangelo Edessa"/>
+        <a:font script="Syrj" typeface="Estrangelo Edessa"/>
+        <a:font script="Syre" typeface="Estrangelo Edessa"/>
+        <a:font script="Sora" typeface="Nirmala UI"/>
+        <a:font script="Tale" typeface="Microsoft Tai Le"/>
+        <a:font script="Talu" typeface="Microsoft New Tai Lue"/>
+        <a:font script="Tfng" typeface="Ebrima"/>
+      </a:majorFont>
+      <a:minorFont>
+        <a:latin typeface="Calibri" panose="020F0502020204030204"/>
+        <a:ea typeface=""/>
+        <a:cs typeface=""/>
+        <a:font script="Jpan" typeface="游ゴシック"/>
+        <a:font script="Hang" typeface="맑은 고딕"/>
+        <a:font script="Hans" typeface="等线"/>
+        <a:font script="Hant" typeface="新細明體"/>
+        <a:font script="Arab" typeface="Arial"/>
+        <a:font script="Hebr" typeface="Arial"/>
+        <a:font script="Thai" typeface="Cordia New"/>
+        <a:font script="Ethi" typeface="Nyala"/>
+        <a:font script="Beng" typeface="Vrinda"/>
+        <a:font script="Gujr" typeface="Shruti"/>
+        <a:font script="Khmr" typeface="DaunPenh"/>
+        <a:font script="Knda" typeface="Tunga"/>
+        <a:font script="Guru" typeface="Raavi"/>
+        <a:font script="Cans" typeface="Euphemia"/>
+        <a:font script="Cher" typeface="Plantagenet Cherokee"/>
+        <a:font script="Yiii" typeface="Microsoft Yi Baiti"/>
+        <a:font script="Tibt" typeface="Microsoft Himalaya"/>
+        <a:font script="Thaa" typeface="MV Boli"/>
+        <a:font script="Deva" typeface="Mangal"/>
+        <a:font script="Telu" typeface="Gautami"/>
+        <a:font script="Taml" typeface="Latha"/>
+        <a:font script="Syrc" typeface="Estrangelo Edessa"/>
+        <a:font script="Orya" typeface="Kalinga"/>
+        <a:font script="Mlym" typeface="Kartika"/>
+        <a:font script="Laoo" typeface="DokChampa"/>
+        <a:font script="Sinh" typeface="Iskoola Pota"/>
+        <a:font script="Mong" typeface="Mongolian Baiti"/>
+        <a:font script="Viet" typeface="Arial"/>
+        <a:font script="Uigh" typeface="Microsoft Uighur"/>
+        <a:font script="Geor" typeface="Sylfaen"/>
+        <a:font script="Armn" typeface="Arial"/>
+        <a:font script="Bugi" typeface="Leelawadee UI"/>
+        <a:font script="Bopo" typeface="Microsoft JhengHei"/>
+        <a:font script="Java" typeface="Javanese Text"/>
+        <a:font script="Lisu" typeface="Segoe UI"/>
+        <a:font script="Mymr" typeface="Myanmar Text"/>
+        <a:font script="Nkoo" typeface="Ebrima"/>
+        <a:font script="Olck" typeface="Nirmala UI"/>
+        <a:font script="Osma" typeface="Ebrima"/>
+        <a:font script="Phag" typeface="Phagspa"/>
+        <a:font script="Syrn" typeface="Estrangelo Edessa"/>
+        <a:font script="Syrj" typeface="Estrangelo Edessa"/>
+        <a:font script="Syre" typeface="Estrangelo Edessa"/>
+        <a:font script="Sora" typeface="Nirmala UI"/>
+        <a:font script="Tale" typeface="Microsoft Tai Le"/>
+        <a:font script="Talu" typeface="Microsoft New Tai Lue"/>
+        <a:font script="Tfng" typeface="Ebrima"/>
+      </a:minorFont>
+    </a:fontScheme>
+    <a:fmtScheme name="Office">
+      <a:fillStyleLst>
+        <a:solidFill>
+          <a:schemeClr val="phClr"/>
+        </a:solidFill>
+        <a:gradFill rotWithShape="1">
+          <a:gsLst>
+            <a:gs pos="0">
+              <a:schemeClr val="phClr">
+                <a:lumMod val="110000"/>
+                <a:satMod val="105000"/>
+                <a:tint val="67000"/>
+              </a:schemeClr>
+            </a:gs>
+            <a:gs pos="50000">
+              <a:schemeClr val="phClr">
+                <a:lumMod val="105000"/>
+                <a:satMod val="103000"/>
+                <a:tint val="73000"/>
+              </a:schemeClr>
+            </a:gs>
+            <a:gs pos="100000">
+              <a:schemeClr val="phClr">
+                <a:lumMod val="105000"/>
+                <a:satMod val="109000"/>
+                <a:tint val="81000"/>
+              </a:schemeClr>
+            </a:gs>
+          </a:gsLst>
+          <a:lin ang="5400000" scaled="0"/>
+        </a:gradFill>
+        <a:gradFill rotWithShape="1">
+          <a:gsLst>
+            <a:gs pos="0">
+              <a:schemeClr val="phClr">
+                <a:satMod val="103000"/>
+                <a:lumMod val="102000"/>
+                <a:tint val="94000"/>
+              </a:schemeClr>
+            </a:gs>
+            <a:gs pos="50000">
+              <a:schemeClr val="phClr">
+                <a:satMod val="110000"/>
+                <a:lumMod val="100000"/>
+                <a:shade val="100000"/>
+              </a:schemeClr>
+            </a:gs>
+            <a:gs pos="100000">
+              <a:schemeClr val="phClr">
+                <a:lumMod val="99000"/>
+                <a:satMod val="120000"/>
+                <a:shade val="78000"/>
+              </a:schemeClr>
+            </a:gs>
+          </a:gsLst>
+          <a:lin ang="5400000" scaled="0"/>
+        </a:gradFill>
+      </a:fillStyleLst>
+      <a:lnStyleLst>
+        <a:ln w="6350" cap="flat" cmpd="sng" algn="ctr">
+          <a:solidFill>
+            <a:schemeClr val="phClr"/>
+          </a:solidFill>
+          <a:prstDash val="solid"/>
+          <a:miter lim="800000"/>
+        </a:ln>
+        <a:ln w="12700" cap="flat" cmpd="sng" algn="ctr">
+          <a:solidFill>
+            <a:schemeClr val="phClr"/>
+          </a:solidFill>
+          <a:prstDash val="solid"/>
+          <a:miter lim="800000"/>
+        </a:ln>
+        <a:ln w="19050" cap="flat" cmpd="sng" algn="ctr">
+          <a:solidFill>
+            <a:schemeClr val="phClr"/>
+          </a:solidFill>
+          <a:prstDash val="solid"/>
+          <a:miter lim="800000"/>
+        </a:ln>
+      </a:lnStyleLst>
+      <a:effectStyleLst>
+        <a:effectStyle>
+          <a:effectLst/>
+        </a:effectStyle>
+        <a:effectStyle>
+          <a:effectLst/>
+        </a:effectStyle>
+        <a:effectStyle>
+          <a:effectLst>
+            <a:outerShdw blurRad="57150" dist="19050" dir="5400000" algn="ctr" rotWithShape="0">
+              <a:srgbClr val="000000">
+                <a:alpha val="63000"/>
+              </a:srgbClr>
+            </a:outerShdw>
+          </a:effectLst>
+        </a:effectStyle>
+      </a:effectStyleLst>
+      <a:bgFillStyleLst>
+        <a:solidFill>
+          <a:schemeClr val="phClr"/>
+        </a:solidFill>
+        <a:solidFill>
+          <a:schemeClr val="phClr">
+            <a:tint val="95000"/>
+            <a:satMod val="170000"/>
+          </a:schemeClr>
+        </a:solidFill>
+        <a:gradFill rotWithShape="1">
+          <a:gsLst>
+            <a:gs pos="0">
+              <a:schemeClr val="phClr">
+                <a:tint val="93000"/>
+                <a:satMod val="150000"/>
+                <a:shade val="98000"/>
+                <a:lumMod val="102000"/>
+              </a:schemeClr>
+            </a:gs>
+            <a:gs pos="50000">
+              <a:schemeClr val="phClr">
+                <a:tint val="98000"/>
+                <a:satMod val="130000"/>
+                <a:shade val="90000"/>
+                <a:lumMod val="103000"/>
+              </a:schemeClr>
+            </a:gs>
+            <a:gs pos="100000">
+              <a:schemeClr val="phClr">
+                <a:shade val="63000"/>
+                <a:satMod val="120000"/>
+              </a:schemeClr>
+            </a:gs>
+          </a:gsLst>
+          <a:lin ang="5400000" scaled="0"/>
+        </a:gradFill>
+      </a:bgFillStyleLst>
+    </a:fmtScheme>
+  </a:themeElements>
+  <a:objectDefaults/>
+  <a:extraClrSchemeLst/>
+  <a:extLst>
+    <a:ext uri="{05A4C25C-085E-4340-85A3-A5531E510DB2}">
+      <thm15:themeFamily xmlns:thm15="http://schemas.microsoft.com/office/thememl/2012/main" name="Office Theme" id="{62F939B6-93AF-4DB8-9C6B-D6C7DFDC589F}" vid="{4A3C46E8-61CC-4603-A589-7422A47A8E4A}"/>
+    </a:ext>
+  </a:extLst>
+</a:theme>
 </file>
--- a/From RL to DRL.pptx
+++ b/From RL to DRL.pptx
@@ -5,7 +5,7 @@
     <p:sldMasterId id="2147483708" r:id="rId1"/>
   </p:sldMasterIdLst>
   <p:notesMasterIdLst>
-    <p:notesMasterId r:id="rId11"/>
+    <p:notesMasterId r:id="rId17"/>
   </p:notesMasterIdLst>
   <p:sldIdLst>
     <p:sldId id="256" r:id="rId2"/>
@@ -17,6 +17,12 @@
     <p:sldId id="262" r:id="rId8"/>
     <p:sldId id="263" r:id="rId9"/>
     <p:sldId id="264" r:id="rId10"/>
+    <p:sldId id="268" r:id="rId11"/>
+    <p:sldId id="265" r:id="rId12"/>
+    <p:sldId id="266" r:id="rId13"/>
+    <p:sldId id="267" r:id="rId14"/>
+    <p:sldId id="269" r:id="rId15"/>
+    <p:sldId id="270" r:id="rId16"/>
   </p:sldIdLst>
   <p:sldSz cx="12192000" cy="6858000"/>
   <p:notesSz cx="6858000" cy="9144000"/>
@@ -205,7 +211,7 @@
           <a:p>
             <a:fld id="{1C1499B0-46DF-4199-B267-25F771D8AF1C}" type="datetimeFigureOut">
               <a:rPr lang="en-US" smtClean="0"/>
-              <a:t>12/11/2019</a:t>
+              <a:t>12/12/2019</a:t>
             </a:fld>
             <a:endParaRPr lang="en-US"/>
           </a:p>
@@ -2429,6 +2435,1266 @@
     <p:extLst>
       <p:ext uri="{BB962C8B-B14F-4D97-AF65-F5344CB8AC3E}">
         <p14:creationId xmlns:p14="http://schemas.microsoft.com/office/powerpoint/2010/main" val="3562718904"/>
+      </p:ext>
+    </p:extLst>
+  </p:cSld>
+  <p:clrMapOvr>
+    <a:masterClrMapping/>
+  </p:clrMapOvr>
+</p:notes>
+</file>
+
+<file path=ppt/notesSlides/notesSlide3.xml><?xml version="1.0" encoding="utf-8"?>
+<p:notes xmlns:a="http://schemas.openxmlformats.org/drawingml/2006/main" xmlns:r="http://schemas.openxmlformats.org/officeDocument/2006/relationships" xmlns:p="http://schemas.openxmlformats.org/presentationml/2006/main">
+  <p:cSld>
+    <p:spTree>
+      <p:nvGrpSpPr>
+        <p:cNvPr id="1" name=""/>
+        <p:cNvGrpSpPr/>
+        <p:nvPr/>
+      </p:nvGrpSpPr>
+      <p:grpSpPr>
+        <a:xfrm>
+          <a:off x="0" y="0"/>
+          <a:ext cx="0" cy="0"/>
+          <a:chOff x="0" y="0"/>
+          <a:chExt cx="0" cy="0"/>
+        </a:xfrm>
+      </p:grpSpPr>
+      <p:sp>
+        <p:nvSpPr>
+          <p:cNvPr id="2" name="Slide Image Placeholder 1"/>
+          <p:cNvSpPr>
+            <a:spLocks noGrp="1" noRot="1" noChangeAspect="1"/>
+          </p:cNvSpPr>
+          <p:nvPr>
+            <p:ph type="sldImg"/>
+          </p:nvPr>
+        </p:nvSpPr>
+        <p:spPr/>
+      </p:sp>
+      <p:sp>
+        <p:nvSpPr>
+          <p:cNvPr id="3" name="Notes Placeholder 2"/>
+          <p:cNvSpPr>
+            <a:spLocks noGrp="1"/>
+          </p:cNvSpPr>
+          <p:nvPr>
+            <p:ph type="body" idx="1"/>
+          </p:nvPr>
+        </p:nvSpPr>
+        <p:spPr/>
+        <p:txBody>
+          <a:bodyPr/>
+          <a:lstStyle/>
+          <a:p>
+            <a:r>
+              <a:rPr lang="en-US" sz="1200" b="0" i="0" kern="1200" dirty="0">
+                <a:solidFill>
+                  <a:schemeClr val="tx1"/>
+                </a:solidFill>
+                <a:effectLst/>
+                <a:latin typeface="+mn-lt"/>
+                <a:ea typeface="+mn-ea"/>
+                <a:cs typeface="+mn-cs"/>
+              </a:rPr>
+              <a:t>Figure 1 | Schematic illustration of the convolutional neural network. The</a:t>
+            </a:r>
+            <a:br>
+              <a:rPr lang="en-US" sz="1200" b="0" i="0" kern="1200" dirty="0">
+                <a:solidFill>
+                  <a:schemeClr val="tx1"/>
+                </a:solidFill>
+                <a:effectLst/>
+                <a:latin typeface="+mn-lt"/>
+                <a:ea typeface="+mn-ea"/>
+                <a:cs typeface="+mn-cs"/>
+              </a:rPr>
+            </a:br>
+            <a:r>
+              <a:rPr lang="en-US" sz="1200" b="0" i="0" kern="1200" dirty="0">
+                <a:solidFill>
+                  <a:schemeClr val="tx1"/>
+                </a:solidFill>
+                <a:effectLst/>
+                <a:latin typeface="+mn-lt"/>
+                <a:ea typeface="+mn-ea"/>
+                <a:cs typeface="+mn-cs"/>
+              </a:rPr>
+              <a:t>details of the architecture are explained in the Methods. The input to the neural</a:t>
+            </a:r>
+            <a:br>
+              <a:rPr lang="en-US" sz="1200" b="0" i="0" kern="1200" dirty="0">
+                <a:solidFill>
+                  <a:schemeClr val="tx1"/>
+                </a:solidFill>
+                <a:effectLst/>
+                <a:latin typeface="+mn-lt"/>
+                <a:ea typeface="+mn-ea"/>
+                <a:cs typeface="+mn-cs"/>
+              </a:rPr>
+            </a:br>
+            <a:r>
+              <a:rPr lang="en-US" sz="1200" b="0" i="0" kern="1200" dirty="0">
+                <a:solidFill>
+                  <a:schemeClr val="tx1"/>
+                </a:solidFill>
+                <a:effectLst/>
+                <a:latin typeface="+mn-lt"/>
+                <a:ea typeface="+mn-ea"/>
+                <a:cs typeface="+mn-cs"/>
+              </a:rPr>
+              <a:t>network consists of an 84 3 84 3 4 image produced by the preprocessing</a:t>
+            </a:r>
+            <a:br>
+              <a:rPr lang="en-US" sz="1200" b="0" i="0" kern="1200" dirty="0">
+                <a:solidFill>
+                  <a:schemeClr val="tx1"/>
+                </a:solidFill>
+                <a:effectLst/>
+                <a:latin typeface="+mn-lt"/>
+                <a:ea typeface="+mn-ea"/>
+                <a:cs typeface="+mn-cs"/>
+              </a:rPr>
+            </a:br>
+            <a:r>
+              <a:rPr lang="en-US" sz="1200" b="0" i="0" kern="1200" dirty="0">
+                <a:solidFill>
+                  <a:schemeClr val="tx1"/>
+                </a:solidFill>
+                <a:effectLst/>
+                <a:latin typeface="+mn-lt"/>
+                <a:ea typeface="+mn-ea"/>
+                <a:cs typeface="+mn-cs"/>
+              </a:rPr>
+              <a:t>map w, followed by three convolutional layers (note: snaking blue line</a:t>
+            </a:r>
+            <a:r>
+              <a:rPr lang="en-US" dirty="0"/>
+              <a:t> </a:t>
+            </a:r>
+          </a:p>
+          <a:p>
+            <a:r>
+              <a:rPr lang="en-US" sz="1200" b="0" i="0" kern="1200" dirty="0">
+                <a:solidFill>
+                  <a:schemeClr val="tx1"/>
+                </a:solidFill>
+                <a:effectLst/>
+                <a:latin typeface="+mn-lt"/>
+                <a:ea typeface="+mn-ea"/>
+                <a:cs typeface="+mn-cs"/>
+              </a:rPr>
+              <a:t>symbolizes sliding of each filter across input image) and two fully connected</a:t>
+            </a:r>
+            <a:br>
+              <a:rPr lang="en-US" sz="1200" b="0" i="0" kern="1200" dirty="0">
+                <a:solidFill>
+                  <a:schemeClr val="tx1"/>
+                </a:solidFill>
+                <a:effectLst/>
+                <a:latin typeface="+mn-lt"/>
+                <a:ea typeface="+mn-ea"/>
+                <a:cs typeface="+mn-cs"/>
+              </a:rPr>
+            </a:br>
+            <a:r>
+              <a:rPr lang="en-US" sz="1200" b="0" i="0" kern="1200" dirty="0">
+                <a:solidFill>
+                  <a:schemeClr val="tx1"/>
+                </a:solidFill>
+                <a:effectLst/>
+                <a:latin typeface="+mn-lt"/>
+                <a:ea typeface="+mn-ea"/>
+                <a:cs typeface="+mn-cs"/>
+              </a:rPr>
+              <a:t>layers with a single output for each valid action. Each hidden layer is followed</a:t>
+            </a:r>
+            <a:br>
+              <a:rPr lang="en-US" sz="1200" b="0" i="0" kern="1200" dirty="0">
+                <a:solidFill>
+                  <a:schemeClr val="tx1"/>
+                </a:solidFill>
+                <a:effectLst/>
+                <a:latin typeface="+mn-lt"/>
+                <a:ea typeface="+mn-ea"/>
+                <a:cs typeface="+mn-cs"/>
+              </a:rPr>
+            </a:br>
+            <a:r>
+              <a:rPr lang="en-US" sz="1200" b="0" i="0" kern="1200" dirty="0">
+                <a:solidFill>
+                  <a:schemeClr val="tx1"/>
+                </a:solidFill>
+                <a:effectLst/>
+                <a:latin typeface="+mn-lt"/>
+                <a:ea typeface="+mn-ea"/>
+                <a:cs typeface="+mn-cs"/>
+              </a:rPr>
+              <a:t>by a rectifier nonlinearity (that is, max 0 ð Þ ,x ).</a:t>
+            </a:r>
+            <a:r>
+              <a:rPr lang="en-US" dirty="0"/>
+              <a:t> </a:t>
+            </a:r>
+            <a:br>
+              <a:rPr lang="en-US" dirty="0"/>
+            </a:br>
+            <a:endParaRPr lang="en-US" dirty="0"/>
+          </a:p>
+        </p:txBody>
+      </p:sp>
+      <p:sp>
+        <p:nvSpPr>
+          <p:cNvPr id="4" name="Slide Number Placeholder 3"/>
+          <p:cNvSpPr>
+            <a:spLocks noGrp="1"/>
+          </p:cNvSpPr>
+          <p:nvPr>
+            <p:ph type="sldNum" sz="quarter" idx="5"/>
+          </p:nvPr>
+        </p:nvSpPr>
+        <p:spPr/>
+        <p:txBody>
+          <a:bodyPr/>
+          <a:lstStyle/>
+          <a:p>
+            <a:fld id="{1980DC7F-660A-4453-9840-44DB0AF8652B}" type="slidenum">
+              <a:rPr lang="en-US" smtClean="0"/>
+              <a:t>11</a:t>
+            </a:fld>
+            <a:endParaRPr lang="en-US"/>
+          </a:p>
+        </p:txBody>
+      </p:sp>
+    </p:spTree>
+    <p:extLst>
+      <p:ext uri="{BB962C8B-B14F-4D97-AF65-F5344CB8AC3E}">
+        <p14:creationId xmlns:p14="http://schemas.microsoft.com/office/powerpoint/2010/main" val="1673004572"/>
+      </p:ext>
+    </p:extLst>
+  </p:cSld>
+  <p:clrMapOvr>
+    <a:masterClrMapping/>
+  </p:clrMapOvr>
+</p:notes>
+</file>
+
+<file path=ppt/notesSlides/notesSlide4.xml><?xml version="1.0" encoding="utf-8"?>
+<p:notes xmlns:a="http://schemas.openxmlformats.org/drawingml/2006/main" xmlns:r="http://schemas.openxmlformats.org/officeDocument/2006/relationships" xmlns:p="http://schemas.openxmlformats.org/presentationml/2006/main">
+  <p:cSld>
+    <p:spTree>
+      <p:nvGrpSpPr>
+        <p:cNvPr id="1" name=""/>
+        <p:cNvGrpSpPr/>
+        <p:nvPr/>
+      </p:nvGrpSpPr>
+      <p:grpSpPr>
+        <a:xfrm>
+          <a:off x="0" y="0"/>
+          <a:ext cx="0" cy="0"/>
+          <a:chOff x="0" y="0"/>
+          <a:chExt cx="0" cy="0"/>
+        </a:xfrm>
+      </p:grpSpPr>
+      <p:sp>
+        <p:nvSpPr>
+          <p:cNvPr id="2" name="Slide Image Placeholder 1"/>
+          <p:cNvSpPr>
+            <a:spLocks noGrp="1" noRot="1" noChangeAspect="1"/>
+          </p:cNvSpPr>
+          <p:nvPr>
+            <p:ph type="sldImg"/>
+          </p:nvPr>
+        </p:nvSpPr>
+        <p:spPr/>
+      </p:sp>
+      <p:sp>
+        <p:nvSpPr>
+          <p:cNvPr id="3" name="Notes Placeholder 2"/>
+          <p:cNvSpPr>
+            <a:spLocks noGrp="1"/>
+          </p:cNvSpPr>
+          <p:nvPr>
+            <p:ph type="body" idx="1"/>
+          </p:nvPr>
+        </p:nvSpPr>
+        <p:spPr/>
+        <p:txBody>
+          <a:bodyPr/>
+          <a:lstStyle/>
+          <a:p>
+            <a:r>
+              <a:rPr lang="en-US" sz="1200" b="0" i="0" kern="1200" dirty="0">
+                <a:solidFill>
+                  <a:schemeClr val="tx1"/>
+                </a:solidFill>
+                <a:effectLst/>
+                <a:latin typeface="+mn-lt"/>
+                <a:ea typeface="+mn-ea"/>
+                <a:cs typeface="+mn-cs"/>
+              </a:rPr>
+              <a:t>Figure 2 | Training curves tracking the agent’s average score and average</a:t>
+            </a:r>
+            <a:br>
+              <a:rPr lang="en-US" sz="1200" b="0" i="0" kern="1200" dirty="0">
+                <a:solidFill>
+                  <a:schemeClr val="tx1"/>
+                </a:solidFill>
+                <a:effectLst/>
+                <a:latin typeface="+mn-lt"/>
+                <a:ea typeface="+mn-ea"/>
+                <a:cs typeface="+mn-cs"/>
+              </a:rPr>
+            </a:br>
+            <a:r>
+              <a:rPr lang="en-US" sz="1200" b="0" i="0" kern="1200" dirty="0">
+                <a:solidFill>
+                  <a:schemeClr val="tx1"/>
+                </a:solidFill>
+                <a:effectLst/>
+                <a:latin typeface="+mn-lt"/>
+                <a:ea typeface="+mn-ea"/>
+                <a:cs typeface="+mn-cs"/>
+              </a:rPr>
+              <a:t>predicted action-value. a, Each point is the average score achieved per episode</a:t>
+            </a:r>
+            <a:br>
+              <a:rPr lang="en-US" sz="1200" b="0" i="0" kern="1200" dirty="0">
+                <a:solidFill>
+                  <a:schemeClr val="tx1"/>
+                </a:solidFill>
+                <a:effectLst/>
+                <a:latin typeface="+mn-lt"/>
+                <a:ea typeface="+mn-ea"/>
+                <a:cs typeface="+mn-cs"/>
+              </a:rPr>
+            </a:br>
+            <a:r>
+              <a:rPr lang="en-US" sz="1200" b="0" i="0" kern="1200" dirty="0">
+                <a:solidFill>
+                  <a:schemeClr val="tx1"/>
+                </a:solidFill>
+                <a:effectLst/>
+                <a:latin typeface="+mn-lt"/>
+                <a:ea typeface="+mn-ea"/>
+                <a:cs typeface="+mn-cs"/>
+              </a:rPr>
+              <a:t>after the agent is run with e-greedy policy (e 5 0.05) for 520 k frames on Space</a:t>
+            </a:r>
+            <a:br>
+              <a:rPr lang="en-US" sz="1200" b="0" i="0" kern="1200" dirty="0">
+                <a:solidFill>
+                  <a:schemeClr val="tx1"/>
+                </a:solidFill>
+                <a:effectLst/>
+                <a:latin typeface="+mn-lt"/>
+                <a:ea typeface="+mn-ea"/>
+                <a:cs typeface="+mn-cs"/>
+              </a:rPr>
+            </a:br>
+            <a:r>
+              <a:rPr lang="en-US" sz="1200" b="0" i="0" kern="1200" dirty="0">
+                <a:solidFill>
+                  <a:schemeClr val="tx1"/>
+                </a:solidFill>
+                <a:effectLst/>
+                <a:latin typeface="+mn-lt"/>
+                <a:ea typeface="+mn-ea"/>
+                <a:cs typeface="+mn-cs"/>
+              </a:rPr>
+              <a:t>Invaders. b, Average score achieved per episode for </a:t>
+            </a:r>
+            <a:r>
+              <a:rPr lang="en-US" sz="1200" b="0" i="0" kern="1200" dirty="0" err="1">
+                <a:solidFill>
+                  <a:schemeClr val="tx1"/>
+                </a:solidFill>
+                <a:effectLst/>
+                <a:latin typeface="+mn-lt"/>
+                <a:ea typeface="+mn-ea"/>
+                <a:cs typeface="+mn-cs"/>
+              </a:rPr>
+              <a:t>Seaquest</a:t>
+            </a:r>
+            <a:r>
+              <a:rPr lang="en-US" sz="1200" b="0" i="0" kern="1200" dirty="0">
+                <a:solidFill>
+                  <a:schemeClr val="tx1"/>
+                </a:solidFill>
+                <a:effectLst/>
+                <a:latin typeface="+mn-lt"/>
+                <a:ea typeface="+mn-ea"/>
+                <a:cs typeface="+mn-cs"/>
+              </a:rPr>
+              <a:t>. c, Average</a:t>
+            </a:r>
+            <a:br>
+              <a:rPr lang="en-US" sz="1200" b="0" i="0" kern="1200" dirty="0">
+                <a:solidFill>
+                  <a:schemeClr val="tx1"/>
+                </a:solidFill>
+                <a:effectLst/>
+                <a:latin typeface="+mn-lt"/>
+                <a:ea typeface="+mn-ea"/>
+                <a:cs typeface="+mn-cs"/>
+              </a:rPr>
+            </a:br>
+            <a:r>
+              <a:rPr lang="en-US" sz="1200" b="0" i="0" kern="1200" dirty="0">
+                <a:solidFill>
+                  <a:schemeClr val="tx1"/>
+                </a:solidFill>
+                <a:effectLst/>
+                <a:latin typeface="+mn-lt"/>
+                <a:ea typeface="+mn-ea"/>
+                <a:cs typeface="+mn-cs"/>
+              </a:rPr>
+              <a:t>predicted action-value on a held-out set of states on Space Invaders. Each point</a:t>
+            </a:r>
+            <a:r>
+              <a:rPr lang="en-US" dirty="0"/>
+              <a:t> </a:t>
+            </a:r>
+            <a:br>
+              <a:rPr lang="en-US" dirty="0"/>
+            </a:br>
+            <a:r>
+              <a:rPr lang="en-US" sz="1200" b="0" i="0" kern="1200" dirty="0">
+                <a:solidFill>
+                  <a:schemeClr val="tx1"/>
+                </a:solidFill>
+                <a:effectLst/>
+                <a:latin typeface="+mn-lt"/>
+                <a:ea typeface="+mn-ea"/>
+                <a:cs typeface="+mn-cs"/>
+              </a:rPr>
+              <a:t>on the curve is the average of the action-value Q computed over the held-out</a:t>
+            </a:r>
+            <a:br>
+              <a:rPr lang="en-US" sz="1200" b="0" i="0" kern="1200" dirty="0">
+                <a:solidFill>
+                  <a:schemeClr val="tx1"/>
+                </a:solidFill>
+                <a:effectLst/>
+                <a:latin typeface="+mn-lt"/>
+                <a:ea typeface="+mn-ea"/>
+                <a:cs typeface="+mn-cs"/>
+              </a:rPr>
+            </a:br>
+            <a:r>
+              <a:rPr lang="en-US" sz="1200" b="0" i="0" kern="1200" dirty="0">
+                <a:solidFill>
+                  <a:schemeClr val="tx1"/>
+                </a:solidFill>
+                <a:effectLst/>
+                <a:latin typeface="+mn-lt"/>
+                <a:ea typeface="+mn-ea"/>
+                <a:cs typeface="+mn-cs"/>
+              </a:rPr>
+              <a:t>set of states. Note that Q-values are scaled due to clipping of rewards (see</a:t>
+            </a:r>
+            <a:br>
+              <a:rPr lang="en-US" sz="1200" b="0" i="0" kern="1200" dirty="0">
+                <a:solidFill>
+                  <a:schemeClr val="tx1"/>
+                </a:solidFill>
+                <a:effectLst/>
+                <a:latin typeface="+mn-lt"/>
+                <a:ea typeface="+mn-ea"/>
+                <a:cs typeface="+mn-cs"/>
+              </a:rPr>
+            </a:br>
+            <a:r>
+              <a:rPr lang="en-US" sz="1200" b="0" i="0" kern="1200" dirty="0">
+                <a:solidFill>
+                  <a:schemeClr val="tx1"/>
+                </a:solidFill>
+                <a:effectLst/>
+                <a:latin typeface="+mn-lt"/>
+                <a:ea typeface="+mn-ea"/>
+                <a:cs typeface="+mn-cs"/>
+              </a:rPr>
+              <a:t>Methods). d, Average predicted action-value on </a:t>
+            </a:r>
+            <a:r>
+              <a:rPr lang="en-US" sz="1200" b="0" i="0" kern="1200" dirty="0" err="1">
+                <a:solidFill>
+                  <a:schemeClr val="tx1"/>
+                </a:solidFill>
+                <a:effectLst/>
+                <a:latin typeface="+mn-lt"/>
+                <a:ea typeface="+mn-ea"/>
+                <a:cs typeface="+mn-cs"/>
+              </a:rPr>
+              <a:t>Seaquest</a:t>
+            </a:r>
+            <a:r>
+              <a:rPr lang="en-US" sz="1200" b="0" i="0" kern="1200" dirty="0">
+                <a:solidFill>
+                  <a:schemeClr val="tx1"/>
+                </a:solidFill>
+                <a:effectLst/>
+                <a:latin typeface="+mn-lt"/>
+                <a:ea typeface="+mn-ea"/>
+                <a:cs typeface="+mn-cs"/>
+              </a:rPr>
+              <a:t>. See Supplementary</a:t>
+            </a:r>
+            <a:br>
+              <a:rPr lang="en-US" sz="1200" b="0" i="0" kern="1200" dirty="0">
+                <a:solidFill>
+                  <a:schemeClr val="tx1"/>
+                </a:solidFill>
+                <a:effectLst/>
+                <a:latin typeface="+mn-lt"/>
+                <a:ea typeface="+mn-ea"/>
+                <a:cs typeface="+mn-cs"/>
+              </a:rPr>
+            </a:br>
+            <a:r>
+              <a:rPr lang="en-US" sz="1200" b="0" i="0" kern="1200" dirty="0">
+                <a:solidFill>
+                  <a:schemeClr val="tx1"/>
+                </a:solidFill>
+                <a:effectLst/>
+                <a:latin typeface="+mn-lt"/>
+                <a:ea typeface="+mn-ea"/>
+                <a:cs typeface="+mn-cs"/>
+              </a:rPr>
+              <a:t>Discussion for details.</a:t>
+            </a:r>
+            <a:r>
+              <a:rPr lang="en-US" dirty="0"/>
+              <a:t> </a:t>
+            </a:r>
+            <a:br>
+              <a:rPr lang="en-US" dirty="0"/>
+            </a:br>
+            <a:endParaRPr lang="en-US" dirty="0"/>
+          </a:p>
+        </p:txBody>
+      </p:sp>
+      <p:sp>
+        <p:nvSpPr>
+          <p:cNvPr id="4" name="Slide Number Placeholder 3"/>
+          <p:cNvSpPr>
+            <a:spLocks noGrp="1"/>
+          </p:cNvSpPr>
+          <p:nvPr>
+            <p:ph type="sldNum" sz="quarter" idx="5"/>
+          </p:nvPr>
+        </p:nvSpPr>
+        <p:spPr/>
+        <p:txBody>
+          <a:bodyPr/>
+          <a:lstStyle/>
+          <a:p>
+            <a:fld id="{1980DC7F-660A-4453-9840-44DB0AF8652B}" type="slidenum">
+              <a:rPr lang="en-US" smtClean="0"/>
+              <a:t>12</a:t>
+            </a:fld>
+            <a:endParaRPr lang="en-US"/>
+          </a:p>
+        </p:txBody>
+      </p:sp>
+    </p:spTree>
+    <p:extLst>
+      <p:ext uri="{BB962C8B-B14F-4D97-AF65-F5344CB8AC3E}">
+        <p14:creationId xmlns:p14="http://schemas.microsoft.com/office/powerpoint/2010/main" val="882667739"/>
+      </p:ext>
+    </p:extLst>
+  </p:cSld>
+  <p:clrMapOvr>
+    <a:masterClrMapping/>
+  </p:clrMapOvr>
+</p:notes>
+</file>
+
+<file path=ppt/notesSlides/notesSlide5.xml><?xml version="1.0" encoding="utf-8"?>
+<p:notes xmlns:a="http://schemas.openxmlformats.org/drawingml/2006/main" xmlns:r="http://schemas.openxmlformats.org/officeDocument/2006/relationships" xmlns:p="http://schemas.openxmlformats.org/presentationml/2006/main">
+  <p:cSld>
+    <p:spTree>
+      <p:nvGrpSpPr>
+        <p:cNvPr id="1" name=""/>
+        <p:cNvGrpSpPr/>
+        <p:nvPr/>
+      </p:nvGrpSpPr>
+      <p:grpSpPr>
+        <a:xfrm>
+          <a:off x="0" y="0"/>
+          <a:ext cx="0" cy="0"/>
+          <a:chOff x="0" y="0"/>
+          <a:chExt cx="0" cy="0"/>
+        </a:xfrm>
+      </p:grpSpPr>
+      <p:sp>
+        <p:nvSpPr>
+          <p:cNvPr id="2" name="Slide Image Placeholder 1"/>
+          <p:cNvSpPr>
+            <a:spLocks noGrp="1" noRot="1" noChangeAspect="1"/>
+          </p:cNvSpPr>
+          <p:nvPr>
+            <p:ph type="sldImg"/>
+          </p:nvPr>
+        </p:nvSpPr>
+        <p:spPr/>
+      </p:sp>
+      <p:sp>
+        <p:nvSpPr>
+          <p:cNvPr id="3" name="Notes Placeholder 2"/>
+          <p:cNvSpPr>
+            <a:spLocks noGrp="1"/>
+          </p:cNvSpPr>
+          <p:nvPr>
+            <p:ph type="body" idx="1"/>
+          </p:nvPr>
+        </p:nvSpPr>
+        <p:spPr/>
+        <p:txBody>
+          <a:bodyPr/>
+          <a:lstStyle/>
+          <a:p>
+            <a:r>
+              <a:rPr lang="en-US" sz="1200" b="0" i="0" kern="1200" dirty="0">
+                <a:solidFill>
+                  <a:schemeClr val="tx1"/>
+                </a:solidFill>
+                <a:effectLst/>
+                <a:latin typeface="+mn-lt"/>
+                <a:ea typeface="+mn-ea"/>
+                <a:cs typeface="+mn-cs"/>
+              </a:rPr>
+              <a:t>Visualization of learned value functions on two</a:t>
+            </a:r>
+            <a:br>
+              <a:rPr lang="en-US" sz="1200" b="0" i="0" kern="1200" dirty="0">
+                <a:solidFill>
+                  <a:schemeClr val="tx1"/>
+                </a:solidFill>
+                <a:effectLst/>
+                <a:latin typeface="+mn-lt"/>
+                <a:ea typeface="+mn-ea"/>
+                <a:cs typeface="+mn-cs"/>
+              </a:rPr>
+            </a:br>
+            <a:r>
+              <a:rPr lang="en-US" sz="1200" b="0" i="0" kern="1200" dirty="0">
+                <a:solidFill>
+                  <a:schemeClr val="tx1"/>
+                </a:solidFill>
+                <a:effectLst/>
+                <a:latin typeface="+mn-lt"/>
+                <a:ea typeface="+mn-ea"/>
+                <a:cs typeface="+mn-cs"/>
+              </a:rPr>
+              <a:t>games, Breakout and Pong. a, A visualization of the learned value function on</a:t>
+            </a:r>
+            <a:br>
+              <a:rPr lang="en-US" sz="1200" b="0" i="0" kern="1200" dirty="0">
+                <a:solidFill>
+                  <a:schemeClr val="tx1"/>
+                </a:solidFill>
+                <a:effectLst/>
+                <a:latin typeface="+mn-lt"/>
+                <a:ea typeface="+mn-ea"/>
+                <a:cs typeface="+mn-cs"/>
+              </a:rPr>
+            </a:br>
+            <a:r>
+              <a:rPr lang="en-US" sz="1200" b="0" i="0" kern="1200" dirty="0">
+                <a:solidFill>
+                  <a:schemeClr val="tx1"/>
+                </a:solidFill>
+                <a:effectLst/>
+                <a:latin typeface="+mn-lt"/>
+                <a:ea typeface="+mn-ea"/>
+                <a:cs typeface="+mn-cs"/>
+              </a:rPr>
+              <a:t>the game Breakout. At time points 1 and 2, the state value is predicted to be ,17</a:t>
+            </a:r>
+            <a:br>
+              <a:rPr lang="en-US" sz="1200" b="0" i="0" kern="1200" dirty="0">
+                <a:solidFill>
+                  <a:schemeClr val="tx1"/>
+                </a:solidFill>
+                <a:effectLst/>
+                <a:latin typeface="+mn-lt"/>
+                <a:ea typeface="+mn-ea"/>
+                <a:cs typeface="+mn-cs"/>
+              </a:rPr>
+            </a:br>
+            <a:r>
+              <a:rPr lang="en-US" sz="1200" b="0" i="0" kern="1200" dirty="0">
+                <a:solidFill>
+                  <a:schemeClr val="tx1"/>
+                </a:solidFill>
+                <a:effectLst/>
+                <a:latin typeface="+mn-lt"/>
+                <a:ea typeface="+mn-ea"/>
+                <a:cs typeface="+mn-cs"/>
+              </a:rPr>
+              <a:t>and the agent is clearing the bricks at the lowest level. Each of the peaks in</a:t>
+            </a:r>
+            <a:br>
+              <a:rPr lang="en-US" sz="1200" b="0" i="0" kern="1200" dirty="0">
+                <a:solidFill>
+                  <a:schemeClr val="tx1"/>
+                </a:solidFill>
+                <a:effectLst/>
+                <a:latin typeface="+mn-lt"/>
+                <a:ea typeface="+mn-ea"/>
+                <a:cs typeface="+mn-cs"/>
+              </a:rPr>
+            </a:br>
+            <a:r>
+              <a:rPr lang="en-US" sz="1200" b="0" i="0" kern="1200" dirty="0">
+                <a:solidFill>
+                  <a:schemeClr val="tx1"/>
+                </a:solidFill>
+                <a:effectLst/>
+                <a:latin typeface="+mn-lt"/>
+                <a:ea typeface="+mn-ea"/>
+                <a:cs typeface="+mn-cs"/>
+              </a:rPr>
+              <a:t>the value function curve corresponds to a reward obtained by clearing a brick.</a:t>
+            </a:r>
+            <a:br>
+              <a:rPr lang="en-US" sz="1200" b="0" i="0" kern="1200" dirty="0">
+                <a:solidFill>
+                  <a:schemeClr val="tx1"/>
+                </a:solidFill>
+                <a:effectLst/>
+                <a:latin typeface="+mn-lt"/>
+                <a:ea typeface="+mn-ea"/>
+                <a:cs typeface="+mn-cs"/>
+              </a:rPr>
+            </a:br>
+            <a:r>
+              <a:rPr lang="en-US" sz="1200" b="0" i="0" kern="1200" dirty="0">
+                <a:solidFill>
+                  <a:schemeClr val="tx1"/>
+                </a:solidFill>
+                <a:effectLst/>
+                <a:latin typeface="+mn-lt"/>
+                <a:ea typeface="+mn-ea"/>
+                <a:cs typeface="+mn-cs"/>
+              </a:rPr>
+              <a:t>At time point 3, the agent is about to break through to the top level of bricks and</a:t>
+            </a:r>
+            <a:br>
+              <a:rPr lang="en-US" sz="1200" b="0" i="0" kern="1200" dirty="0">
+                <a:solidFill>
+                  <a:schemeClr val="tx1"/>
+                </a:solidFill>
+                <a:effectLst/>
+                <a:latin typeface="+mn-lt"/>
+                <a:ea typeface="+mn-ea"/>
+                <a:cs typeface="+mn-cs"/>
+              </a:rPr>
+            </a:br>
+            <a:r>
+              <a:rPr lang="en-US" sz="1200" b="0" i="0" kern="1200" dirty="0">
+                <a:solidFill>
+                  <a:schemeClr val="tx1"/>
+                </a:solidFill>
+                <a:effectLst/>
+                <a:latin typeface="+mn-lt"/>
+                <a:ea typeface="+mn-ea"/>
+                <a:cs typeface="+mn-cs"/>
+              </a:rPr>
+              <a:t>the value increases to ,21 in anticipation of breaking out and clearing a</a:t>
+            </a:r>
+            <a:br>
+              <a:rPr lang="en-US" sz="1200" b="0" i="0" kern="1200" dirty="0">
+                <a:solidFill>
+                  <a:schemeClr val="tx1"/>
+                </a:solidFill>
+                <a:effectLst/>
+                <a:latin typeface="+mn-lt"/>
+                <a:ea typeface="+mn-ea"/>
+                <a:cs typeface="+mn-cs"/>
+              </a:rPr>
+            </a:br>
+            <a:r>
+              <a:rPr lang="en-US" sz="1200" b="0" i="0" kern="1200" dirty="0">
+                <a:solidFill>
+                  <a:schemeClr val="tx1"/>
+                </a:solidFill>
+                <a:effectLst/>
+                <a:latin typeface="+mn-lt"/>
+                <a:ea typeface="+mn-ea"/>
+                <a:cs typeface="+mn-cs"/>
+              </a:rPr>
+              <a:t>large set of bricks. At point 4, the value is above 23 and the agent has broken</a:t>
+            </a:r>
+            <a:br>
+              <a:rPr lang="en-US" sz="1200" b="0" i="0" kern="1200" dirty="0">
+                <a:solidFill>
+                  <a:schemeClr val="tx1"/>
+                </a:solidFill>
+                <a:effectLst/>
+                <a:latin typeface="+mn-lt"/>
+                <a:ea typeface="+mn-ea"/>
+                <a:cs typeface="+mn-cs"/>
+              </a:rPr>
+            </a:br>
+            <a:r>
+              <a:rPr lang="en-US" sz="1200" b="0" i="0" kern="1200" dirty="0">
+                <a:solidFill>
+                  <a:schemeClr val="tx1"/>
+                </a:solidFill>
+                <a:effectLst/>
+                <a:latin typeface="+mn-lt"/>
+                <a:ea typeface="+mn-ea"/>
+                <a:cs typeface="+mn-cs"/>
+              </a:rPr>
+              <a:t>through. After this point, the ball will bounce at the upper part of the bricks</a:t>
+            </a:r>
+            <a:br>
+              <a:rPr lang="en-US" sz="1200" b="0" i="0" kern="1200" dirty="0">
+                <a:solidFill>
+                  <a:schemeClr val="tx1"/>
+                </a:solidFill>
+                <a:effectLst/>
+                <a:latin typeface="+mn-lt"/>
+                <a:ea typeface="+mn-ea"/>
+                <a:cs typeface="+mn-cs"/>
+              </a:rPr>
+            </a:br>
+            <a:r>
+              <a:rPr lang="en-US" sz="1200" b="0" i="0" kern="1200" dirty="0">
+                <a:solidFill>
+                  <a:schemeClr val="tx1"/>
+                </a:solidFill>
+                <a:effectLst/>
+                <a:latin typeface="+mn-lt"/>
+                <a:ea typeface="+mn-ea"/>
+                <a:cs typeface="+mn-cs"/>
+              </a:rPr>
+              <a:t>clearing many of them by itself. b, A visualization of the learned action-value</a:t>
+            </a:r>
+            <a:br>
+              <a:rPr lang="en-US" sz="1200" b="0" i="0" kern="1200" dirty="0">
+                <a:solidFill>
+                  <a:schemeClr val="tx1"/>
+                </a:solidFill>
+                <a:effectLst/>
+                <a:latin typeface="+mn-lt"/>
+                <a:ea typeface="+mn-ea"/>
+                <a:cs typeface="+mn-cs"/>
+              </a:rPr>
+            </a:br>
+            <a:r>
+              <a:rPr lang="en-US" sz="1200" b="0" i="0" kern="1200" dirty="0">
+                <a:solidFill>
+                  <a:schemeClr val="tx1"/>
+                </a:solidFill>
+                <a:effectLst/>
+                <a:latin typeface="+mn-lt"/>
+                <a:ea typeface="+mn-ea"/>
+                <a:cs typeface="+mn-cs"/>
+              </a:rPr>
+              <a:t>function on the game Pong. At time point 1, the ball is moving towards the</a:t>
+            </a:r>
+            <a:br>
+              <a:rPr lang="en-US" sz="1200" b="0" i="0" kern="1200" dirty="0">
+                <a:solidFill>
+                  <a:schemeClr val="tx1"/>
+                </a:solidFill>
+                <a:effectLst/>
+                <a:latin typeface="+mn-lt"/>
+                <a:ea typeface="+mn-ea"/>
+                <a:cs typeface="+mn-cs"/>
+              </a:rPr>
+            </a:br>
+            <a:r>
+              <a:rPr lang="en-US" sz="1200" b="0" i="0" kern="1200" dirty="0">
+                <a:solidFill>
+                  <a:schemeClr val="tx1"/>
+                </a:solidFill>
+                <a:effectLst/>
+                <a:latin typeface="+mn-lt"/>
+                <a:ea typeface="+mn-ea"/>
+                <a:cs typeface="+mn-cs"/>
+              </a:rPr>
+              <a:t>paddle controlled by the agent on the right side of the screen and the values of</a:t>
+            </a:r>
+            <a:r>
+              <a:rPr lang="en-US" dirty="0"/>
+              <a:t> </a:t>
+            </a:r>
+            <a:br>
+              <a:rPr lang="en-US" dirty="0"/>
+            </a:br>
+            <a:r>
+              <a:rPr lang="en-US" sz="1200" b="0" i="0" kern="1200" dirty="0">
+                <a:solidFill>
+                  <a:schemeClr val="tx1"/>
+                </a:solidFill>
+                <a:effectLst/>
+                <a:latin typeface="+mn-lt"/>
+                <a:ea typeface="+mn-ea"/>
+                <a:cs typeface="+mn-cs"/>
+              </a:rPr>
+              <a:t>all actions are around 0.7, reflecting the expected value of this state based on</a:t>
+            </a:r>
+            <a:br>
+              <a:rPr lang="en-US" sz="1200" b="0" i="0" kern="1200" dirty="0">
+                <a:solidFill>
+                  <a:schemeClr val="tx1"/>
+                </a:solidFill>
+                <a:effectLst/>
+                <a:latin typeface="+mn-lt"/>
+                <a:ea typeface="+mn-ea"/>
+                <a:cs typeface="+mn-cs"/>
+              </a:rPr>
+            </a:br>
+            <a:r>
+              <a:rPr lang="en-US" sz="1200" b="0" i="0" kern="1200" dirty="0">
+                <a:solidFill>
+                  <a:schemeClr val="tx1"/>
+                </a:solidFill>
+                <a:effectLst/>
+                <a:latin typeface="+mn-lt"/>
+                <a:ea typeface="+mn-ea"/>
+                <a:cs typeface="+mn-cs"/>
+              </a:rPr>
+              <a:t>previous experience. At time point 2, the agent starts moving the paddle</a:t>
+            </a:r>
+            <a:br>
+              <a:rPr lang="en-US" sz="1200" b="0" i="0" kern="1200" dirty="0">
+                <a:solidFill>
+                  <a:schemeClr val="tx1"/>
+                </a:solidFill>
+                <a:effectLst/>
+                <a:latin typeface="+mn-lt"/>
+                <a:ea typeface="+mn-ea"/>
+                <a:cs typeface="+mn-cs"/>
+              </a:rPr>
+            </a:br>
+            <a:r>
+              <a:rPr lang="en-US" sz="1200" b="0" i="0" kern="1200" dirty="0">
+                <a:solidFill>
+                  <a:schemeClr val="tx1"/>
+                </a:solidFill>
+                <a:effectLst/>
+                <a:latin typeface="+mn-lt"/>
+                <a:ea typeface="+mn-ea"/>
+                <a:cs typeface="+mn-cs"/>
+              </a:rPr>
+              <a:t>towards the ball and the value of the ‘up’ action stays high while the value of the</a:t>
+            </a:r>
+            <a:br>
+              <a:rPr lang="en-US" sz="1200" b="0" i="0" kern="1200" dirty="0">
+                <a:solidFill>
+                  <a:schemeClr val="tx1"/>
+                </a:solidFill>
+                <a:effectLst/>
+                <a:latin typeface="+mn-lt"/>
+                <a:ea typeface="+mn-ea"/>
+                <a:cs typeface="+mn-cs"/>
+              </a:rPr>
+            </a:br>
+            <a:r>
+              <a:rPr lang="en-US" sz="1200" b="0" i="0" kern="1200" dirty="0">
+                <a:solidFill>
+                  <a:schemeClr val="tx1"/>
+                </a:solidFill>
+                <a:effectLst/>
+                <a:latin typeface="+mn-lt"/>
+                <a:ea typeface="+mn-ea"/>
+                <a:cs typeface="+mn-cs"/>
+              </a:rPr>
+              <a:t>‘down’ action falls to 20.9. This reflects the fact that pressing ‘down’ would lead</a:t>
+            </a:r>
+            <a:br>
+              <a:rPr lang="en-US" sz="1200" b="0" i="0" kern="1200" dirty="0">
+                <a:solidFill>
+                  <a:schemeClr val="tx1"/>
+                </a:solidFill>
+                <a:effectLst/>
+                <a:latin typeface="+mn-lt"/>
+                <a:ea typeface="+mn-ea"/>
+                <a:cs typeface="+mn-cs"/>
+              </a:rPr>
+            </a:br>
+            <a:r>
+              <a:rPr lang="en-US" sz="1200" b="0" i="0" kern="1200" dirty="0">
+                <a:solidFill>
+                  <a:schemeClr val="tx1"/>
+                </a:solidFill>
+                <a:effectLst/>
+                <a:latin typeface="+mn-lt"/>
+                <a:ea typeface="+mn-ea"/>
+                <a:cs typeface="+mn-cs"/>
+              </a:rPr>
+              <a:t>to the agent losing the ball and incurring a reward of 21. At time point 3,</a:t>
+            </a:r>
+            <a:br>
+              <a:rPr lang="en-US" sz="1200" b="0" i="0" kern="1200" dirty="0">
+                <a:solidFill>
+                  <a:schemeClr val="tx1"/>
+                </a:solidFill>
+                <a:effectLst/>
+                <a:latin typeface="+mn-lt"/>
+                <a:ea typeface="+mn-ea"/>
+                <a:cs typeface="+mn-cs"/>
+              </a:rPr>
+            </a:br>
+            <a:r>
+              <a:rPr lang="en-US" sz="1200" b="0" i="0" kern="1200" dirty="0">
+                <a:solidFill>
+                  <a:schemeClr val="tx1"/>
+                </a:solidFill>
+                <a:effectLst/>
+                <a:latin typeface="+mn-lt"/>
+                <a:ea typeface="+mn-ea"/>
+                <a:cs typeface="+mn-cs"/>
+              </a:rPr>
+              <a:t>the agent hits the ball by pressing ‘up’ and the expected reward keeps increasing</a:t>
+            </a:r>
+            <a:br>
+              <a:rPr lang="en-US" sz="1200" b="0" i="0" kern="1200" dirty="0">
+                <a:solidFill>
+                  <a:schemeClr val="tx1"/>
+                </a:solidFill>
+                <a:effectLst/>
+                <a:latin typeface="+mn-lt"/>
+                <a:ea typeface="+mn-ea"/>
+                <a:cs typeface="+mn-cs"/>
+              </a:rPr>
+            </a:br>
+            <a:r>
+              <a:rPr lang="en-US" sz="1200" b="0" i="0" kern="1200" dirty="0">
+                <a:solidFill>
+                  <a:schemeClr val="tx1"/>
+                </a:solidFill>
+                <a:effectLst/>
+                <a:latin typeface="+mn-lt"/>
+                <a:ea typeface="+mn-ea"/>
+                <a:cs typeface="+mn-cs"/>
+              </a:rPr>
+              <a:t>until time point 4, when the ball reaches the left edge of the screen and the value</a:t>
+            </a:r>
+            <a:br>
+              <a:rPr lang="en-US" sz="1200" b="0" i="0" kern="1200" dirty="0">
+                <a:solidFill>
+                  <a:schemeClr val="tx1"/>
+                </a:solidFill>
+                <a:effectLst/>
+                <a:latin typeface="+mn-lt"/>
+                <a:ea typeface="+mn-ea"/>
+                <a:cs typeface="+mn-cs"/>
+              </a:rPr>
+            </a:br>
+            <a:r>
+              <a:rPr lang="en-US" sz="1200" b="0" i="0" kern="1200" dirty="0">
+                <a:solidFill>
+                  <a:schemeClr val="tx1"/>
+                </a:solidFill>
+                <a:effectLst/>
+                <a:latin typeface="+mn-lt"/>
+                <a:ea typeface="+mn-ea"/>
+                <a:cs typeface="+mn-cs"/>
+              </a:rPr>
+              <a:t>of all actions reflects that the agent is about to receive a reward of 1. Note,</a:t>
+            </a:r>
+            <a:br>
+              <a:rPr lang="en-US" sz="1200" b="0" i="0" kern="1200" dirty="0">
+                <a:solidFill>
+                  <a:schemeClr val="tx1"/>
+                </a:solidFill>
+                <a:effectLst/>
+                <a:latin typeface="+mn-lt"/>
+                <a:ea typeface="+mn-ea"/>
+                <a:cs typeface="+mn-cs"/>
+              </a:rPr>
+            </a:br>
+            <a:r>
+              <a:rPr lang="en-US" sz="1200" b="0" i="0" kern="1200" dirty="0">
+                <a:solidFill>
+                  <a:schemeClr val="tx1"/>
+                </a:solidFill>
+                <a:effectLst/>
+                <a:latin typeface="+mn-lt"/>
+                <a:ea typeface="+mn-ea"/>
+                <a:cs typeface="+mn-cs"/>
+              </a:rPr>
+              <a:t>the dashed line shows the past trajectory of the ball purely for illustrative</a:t>
+            </a:r>
+            <a:br>
+              <a:rPr lang="en-US" sz="1200" b="0" i="0" kern="1200" dirty="0">
+                <a:solidFill>
+                  <a:schemeClr val="tx1"/>
+                </a:solidFill>
+                <a:effectLst/>
+                <a:latin typeface="+mn-lt"/>
+                <a:ea typeface="+mn-ea"/>
+                <a:cs typeface="+mn-cs"/>
+              </a:rPr>
+            </a:br>
+            <a:r>
+              <a:rPr lang="en-US" sz="1200" b="0" i="0" kern="1200" dirty="0">
+                <a:solidFill>
+                  <a:schemeClr val="tx1"/>
+                </a:solidFill>
+                <a:effectLst/>
+                <a:latin typeface="+mn-lt"/>
+                <a:ea typeface="+mn-ea"/>
+                <a:cs typeface="+mn-cs"/>
+              </a:rPr>
+              <a:t>purposes (that is, not shown during the game). With permission from Atari</a:t>
+            </a:r>
+            <a:br>
+              <a:rPr lang="en-US" sz="1200" b="0" i="0" kern="1200" dirty="0">
+                <a:solidFill>
+                  <a:schemeClr val="tx1"/>
+                </a:solidFill>
+                <a:effectLst/>
+                <a:latin typeface="+mn-lt"/>
+                <a:ea typeface="+mn-ea"/>
+                <a:cs typeface="+mn-cs"/>
+              </a:rPr>
+            </a:br>
+            <a:r>
+              <a:rPr lang="en-US" sz="1200" b="0" i="0" kern="1200" dirty="0">
+                <a:solidFill>
+                  <a:schemeClr val="tx1"/>
+                </a:solidFill>
+                <a:effectLst/>
+                <a:latin typeface="+mn-lt"/>
+                <a:ea typeface="+mn-ea"/>
+                <a:cs typeface="+mn-cs"/>
+              </a:rPr>
+              <a:t>Interactive, Inc.</a:t>
+            </a:r>
+            <a:r>
+              <a:rPr lang="en-US" dirty="0"/>
+              <a:t> </a:t>
+            </a:r>
+            <a:br>
+              <a:rPr lang="en-US" dirty="0"/>
+            </a:br>
+            <a:endParaRPr lang="en-US" dirty="0"/>
+          </a:p>
+        </p:txBody>
+      </p:sp>
+      <p:sp>
+        <p:nvSpPr>
+          <p:cNvPr id="4" name="Slide Number Placeholder 3"/>
+          <p:cNvSpPr>
+            <a:spLocks noGrp="1"/>
+          </p:cNvSpPr>
+          <p:nvPr>
+            <p:ph type="sldNum" sz="quarter" idx="5"/>
+          </p:nvPr>
+        </p:nvSpPr>
+        <p:spPr/>
+        <p:txBody>
+          <a:bodyPr/>
+          <a:lstStyle/>
+          <a:p>
+            <a:fld id="{1980DC7F-660A-4453-9840-44DB0AF8652B}" type="slidenum">
+              <a:rPr lang="en-US" smtClean="0"/>
+              <a:t>13</a:t>
+            </a:fld>
+            <a:endParaRPr lang="en-US"/>
+          </a:p>
+        </p:txBody>
+      </p:sp>
+    </p:spTree>
+    <p:extLst>
+      <p:ext uri="{BB962C8B-B14F-4D97-AF65-F5344CB8AC3E}">
+        <p14:creationId xmlns:p14="http://schemas.microsoft.com/office/powerpoint/2010/main" val="1947209976"/>
+      </p:ext>
+    </p:extLst>
+  </p:cSld>
+  <p:clrMapOvr>
+    <a:masterClrMapping/>
+  </p:clrMapOvr>
+</p:notes>
+</file>
+
+<file path=ppt/notesSlides/notesSlide6.xml><?xml version="1.0" encoding="utf-8"?>
+<p:notes xmlns:a="http://schemas.openxmlformats.org/drawingml/2006/main" xmlns:r="http://schemas.openxmlformats.org/officeDocument/2006/relationships" xmlns:p="http://schemas.openxmlformats.org/presentationml/2006/main">
+  <p:cSld>
+    <p:spTree>
+      <p:nvGrpSpPr>
+        <p:cNvPr id="1" name=""/>
+        <p:cNvGrpSpPr/>
+        <p:nvPr/>
+      </p:nvGrpSpPr>
+      <p:grpSpPr>
+        <a:xfrm>
+          <a:off x="0" y="0"/>
+          <a:ext cx="0" cy="0"/>
+          <a:chOff x="0" y="0"/>
+          <a:chExt cx="0" cy="0"/>
+        </a:xfrm>
+      </p:grpSpPr>
+      <p:sp>
+        <p:nvSpPr>
+          <p:cNvPr id="2" name="Slide Image Placeholder 1"/>
+          <p:cNvSpPr>
+            <a:spLocks noGrp="1" noRot="1" noChangeAspect="1"/>
+          </p:cNvSpPr>
+          <p:nvPr>
+            <p:ph type="sldImg"/>
+          </p:nvPr>
+        </p:nvSpPr>
+        <p:spPr/>
+      </p:sp>
+      <p:sp>
+        <p:nvSpPr>
+          <p:cNvPr id="3" name="Notes Placeholder 2"/>
+          <p:cNvSpPr>
+            <a:spLocks noGrp="1"/>
+          </p:cNvSpPr>
+          <p:nvPr>
+            <p:ph type="body" idx="1"/>
+          </p:nvPr>
+        </p:nvSpPr>
+        <p:spPr/>
+        <p:txBody>
+          <a:bodyPr/>
+          <a:lstStyle/>
+          <a:p>
+            <a:r>
+              <a:rPr lang="en-US" dirty="0" err="1"/>
+              <a:t>MLP</a:t>
+            </a:r>
+            <a:endParaRPr lang="en-US" dirty="0"/>
+          </a:p>
+        </p:txBody>
+      </p:sp>
+      <p:sp>
+        <p:nvSpPr>
+          <p:cNvPr id="4" name="Slide Number Placeholder 3"/>
+          <p:cNvSpPr>
+            <a:spLocks noGrp="1"/>
+          </p:cNvSpPr>
+          <p:nvPr>
+            <p:ph type="sldNum" sz="quarter" idx="5"/>
+          </p:nvPr>
+        </p:nvSpPr>
+        <p:spPr/>
+        <p:txBody>
+          <a:bodyPr/>
+          <a:lstStyle/>
+          <a:p>
+            <a:fld id="{1980DC7F-660A-4453-9840-44DB0AF8652B}" type="slidenum">
+              <a:rPr lang="en-US" smtClean="0"/>
+              <a:t>15</a:t>
+            </a:fld>
+            <a:endParaRPr lang="en-US"/>
+          </a:p>
+        </p:txBody>
+      </p:sp>
+    </p:spTree>
+    <p:extLst>
+      <p:ext uri="{BB962C8B-B14F-4D97-AF65-F5344CB8AC3E}">
+        <p14:creationId xmlns:p14="http://schemas.microsoft.com/office/powerpoint/2010/main" val="1603405565"/>
       </p:ext>
     </p:extLst>
   </p:cSld>
@@ -2900,7 +4166,7 @@
           <a:p>
             <a:fld id="{EBB7A00B-A6F9-4D54-BF2A-EEBE2CF98456}" type="datetimeFigureOut">
               <a:rPr lang="en-US" smtClean="0"/>
-              <a:t>12/11/2019</a:t>
+              <a:t>12/12/2019</a:t>
             </a:fld>
             <a:endParaRPr lang="en-US"/>
           </a:p>
@@ -3102,7 +4368,7 @@
           <a:p>
             <a:fld id="{EBB7A00B-A6F9-4D54-BF2A-EEBE2CF98456}" type="datetimeFigureOut">
               <a:rPr lang="en-US" smtClean="0"/>
-              <a:t>12/11/2019</a:t>
+              <a:t>12/12/2019</a:t>
             </a:fld>
             <a:endParaRPr lang="en-US"/>
           </a:p>
@@ -3282,7 +4548,7 @@
           <a:p>
             <a:fld id="{EBB7A00B-A6F9-4D54-BF2A-EEBE2CF98456}" type="datetimeFigureOut">
               <a:rPr lang="en-US" smtClean="0"/>
-              <a:t>12/11/2019</a:t>
+              <a:t>12/12/2019</a:t>
             </a:fld>
             <a:endParaRPr lang="en-US"/>
           </a:p>
@@ -3452,7 +4718,7 @@
           <a:p>
             <a:fld id="{EBB7A00B-A6F9-4D54-BF2A-EEBE2CF98456}" type="datetimeFigureOut">
               <a:rPr lang="en-US" smtClean="0"/>
-              <a:t>12/11/2019</a:t>
+              <a:t>12/12/2019</a:t>
             </a:fld>
             <a:endParaRPr lang="en-US"/>
           </a:p>
@@ -4023,7 +5289,7 @@
           <a:p>
             <a:fld id="{EBB7A00B-A6F9-4D54-BF2A-EEBE2CF98456}" type="datetimeFigureOut">
               <a:rPr lang="en-US" smtClean="0"/>
-              <a:t>12/11/2019</a:t>
+              <a:t>12/12/2019</a:t>
             </a:fld>
             <a:endParaRPr lang="en-US"/>
           </a:p>
@@ -4325,7 +5591,7 @@
           <a:p>
             <a:fld id="{EBB7A00B-A6F9-4D54-BF2A-EEBE2CF98456}" type="datetimeFigureOut">
               <a:rPr lang="en-US" smtClean="0"/>
-              <a:t>12/11/2019</a:t>
+              <a:t>12/12/2019</a:t>
             </a:fld>
             <a:endParaRPr lang="en-US"/>
           </a:p>
@@ -4762,7 +6028,7 @@
           <a:p>
             <a:fld id="{EBB7A00B-A6F9-4D54-BF2A-EEBE2CF98456}" type="datetimeFigureOut">
               <a:rPr lang="en-US" smtClean="0"/>
-              <a:t>12/11/2019</a:t>
+              <a:t>12/12/2019</a:t>
             </a:fld>
             <a:endParaRPr lang="en-US"/>
           </a:p>
@@ -4880,7 +6146,7 @@
           <a:p>
             <a:fld id="{EBB7A00B-A6F9-4D54-BF2A-EEBE2CF98456}" type="datetimeFigureOut">
               <a:rPr lang="en-US" smtClean="0"/>
-              <a:t>12/11/2019</a:t>
+              <a:t>12/12/2019</a:t>
             </a:fld>
             <a:endParaRPr lang="en-US"/>
           </a:p>
@@ -4975,7 +6241,7 @@
           <a:p>
             <a:fld id="{EBB7A00B-A6F9-4D54-BF2A-EEBE2CF98456}" type="datetimeFigureOut">
               <a:rPr lang="en-US" smtClean="0"/>
-              <a:t>12/11/2019</a:t>
+              <a:t>12/12/2019</a:t>
             </a:fld>
             <a:endParaRPr lang="en-US"/>
           </a:p>
@@ -5357,7 +6623,7 @@
           <a:p>
             <a:fld id="{EBB7A00B-A6F9-4D54-BF2A-EEBE2CF98456}" type="datetimeFigureOut">
               <a:rPr lang="en-US" smtClean="0"/>
-              <a:t>12/11/2019</a:t>
+              <a:t>12/12/2019</a:t>
             </a:fld>
             <a:endParaRPr lang="en-US"/>
           </a:p>
@@ -5751,7 +7017,7 @@
           <a:p>
             <a:fld id="{EBB7A00B-A6F9-4D54-BF2A-EEBE2CF98456}" type="datetimeFigureOut">
               <a:rPr lang="en-US" smtClean="0"/>
-              <a:t>12/11/2019</a:t>
+              <a:t>12/12/2019</a:t>
             </a:fld>
             <a:endParaRPr lang="en-US"/>
           </a:p>
@@ -6064,7 +7330,7 @@
           <a:p>
             <a:fld id="{EBB7A00B-A6F9-4D54-BF2A-EEBE2CF98456}" type="datetimeFigureOut">
               <a:rPr lang="en-US" smtClean="0"/>
-              <a:t>12/11/2019</a:t>
+              <a:t>12/12/2019</a:t>
             </a:fld>
             <a:endParaRPr lang="en-US"/>
           </a:p>
@@ -6594,6 +7860,773 @@
     <p:extLst>
       <p:ext uri="{BB962C8B-B14F-4D97-AF65-F5344CB8AC3E}">
         <p14:creationId xmlns:p14="http://schemas.microsoft.com/office/powerpoint/2010/main" val="1626066610"/>
+      </p:ext>
+    </p:extLst>
+  </p:cSld>
+  <p:clrMapOvr>
+    <a:masterClrMapping/>
+  </p:clrMapOvr>
+</p:sld>
+</file>
+
+<file path=ppt/slides/slide10.xml><?xml version="1.0" encoding="utf-8"?>
+<p:sld xmlns:a="http://schemas.openxmlformats.org/drawingml/2006/main" xmlns:r="http://schemas.openxmlformats.org/officeDocument/2006/relationships" xmlns:p="http://schemas.openxmlformats.org/presentationml/2006/main">
+  <p:cSld>
+    <p:spTree>
+      <p:nvGrpSpPr>
+        <p:cNvPr id="1" name=""/>
+        <p:cNvGrpSpPr/>
+        <p:nvPr/>
+      </p:nvGrpSpPr>
+      <p:grpSpPr>
+        <a:xfrm>
+          <a:off x="0" y="0"/>
+          <a:ext cx="0" cy="0"/>
+          <a:chOff x="0" y="0"/>
+          <a:chExt cx="0" cy="0"/>
+        </a:xfrm>
+      </p:grpSpPr>
+      <p:sp>
+        <p:nvSpPr>
+          <p:cNvPr id="2" name="Title 1">
+            <a:extLst>
+              <a:ext uri="{FF2B5EF4-FFF2-40B4-BE49-F238E27FC236}">
+                <a16:creationId xmlns:a16="http://schemas.microsoft.com/office/drawing/2014/main" id="{0C1EB06C-D670-4BFF-AD11-7A3ED9DCD678}"/>
+              </a:ext>
+            </a:extLst>
+          </p:cNvPr>
+          <p:cNvSpPr>
+            <a:spLocks noGrp="1"/>
+          </p:cNvSpPr>
+          <p:nvPr>
+            <p:ph type="title"/>
+          </p:nvPr>
+        </p:nvSpPr>
+        <p:spPr/>
+        <p:txBody>
+          <a:bodyPr/>
+          <a:lstStyle/>
+          <a:p>
+            <a:r>
+              <a:rPr lang="en-US" dirty="0"/>
+              <a:t>Human-level control through deep reinforcement learning</a:t>
+            </a:r>
+          </a:p>
+        </p:txBody>
+      </p:sp>
+      <p:sp>
+        <p:nvSpPr>
+          <p:cNvPr id="3" name="Text Placeholder 2">
+            <a:extLst>
+              <a:ext uri="{FF2B5EF4-FFF2-40B4-BE49-F238E27FC236}">
+                <a16:creationId xmlns:a16="http://schemas.microsoft.com/office/drawing/2014/main" id="{37DDC74A-C24A-4CCC-A9D4-8F29C127B4A4}"/>
+              </a:ext>
+            </a:extLst>
+          </p:cNvPr>
+          <p:cNvSpPr>
+            <a:spLocks noGrp="1"/>
+          </p:cNvSpPr>
+          <p:nvPr>
+            <p:ph type="body" idx="1"/>
+          </p:nvPr>
+        </p:nvSpPr>
+        <p:spPr/>
+        <p:txBody>
+          <a:bodyPr/>
+          <a:lstStyle/>
+          <a:p>
+            <a:endParaRPr lang="en-US"/>
+          </a:p>
+        </p:txBody>
+      </p:sp>
+    </p:spTree>
+    <p:extLst>
+      <p:ext uri="{BB962C8B-B14F-4D97-AF65-F5344CB8AC3E}">
+        <p14:creationId xmlns:p14="http://schemas.microsoft.com/office/powerpoint/2010/main" val="1617603502"/>
+      </p:ext>
+    </p:extLst>
+  </p:cSld>
+  <p:clrMapOvr>
+    <a:masterClrMapping/>
+  </p:clrMapOvr>
+</p:sld>
+</file>
+
+<file path=ppt/slides/slide11.xml><?xml version="1.0" encoding="utf-8"?>
+<p:sld xmlns:a="http://schemas.openxmlformats.org/drawingml/2006/main" xmlns:r="http://schemas.openxmlformats.org/officeDocument/2006/relationships" xmlns:p="http://schemas.openxmlformats.org/presentationml/2006/main">
+  <p:cSld>
+    <p:spTree>
+      <p:nvGrpSpPr>
+        <p:cNvPr id="1" name=""/>
+        <p:cNvGrpSpPr/>
+        <p:nvPr/>
+      </p:nvGrpSpPr>
+      <p:grpSpPr>
+        <a:xfrm>
+          <a:off x="0" y="0"/>
+          <a:ext cx="0" cy="0"/>
+          <a:chOff x="0" y="0"/>
+          <a:chExt cx="0" cy="0"/>
+        </a:xfrm>
+      </p:grpSpPr>
+      <p:sp>
+        <p:nvSpPr>
+          <p:cNvPr id="2" name="Title 1">
+            <a:extLst>
+              <a:ext uri="{FF2B5EF4-FFF2-40B4-BE49-F238E27FC236}">
+                <a16:creationId xmlns:a16="http://schemas.microsoft.com/office/drawing/2014/main" id="{4E8572C3-D32E-4B1B-BAB4-643155728C32}"/>
+              </a:ext>
+            </a:extLst>
+          </p:cNvPr>
+          <p:cNvSpPr>
+            <a:spLocks noGrp="1"/>
+          </p:cNvSpPr>
+          <p:nvPr>
+            <p:ph type="title"/>
+          </p:nvPr>
+        </p:nvSpPr>
+        <p:spPr/>
+        <p:txBody>
+          <a:bodyPr>
+            <a:normAutofit/>
+          </a:bodyPr>
+          <a:lstStyle/>
+          <a:p>
+            <a:r>
+              <a:rPr lang="en-US" dirty="0"/>
+              <a:t>Schematic illustration of the CNN</a:t>
+            </a:r>
+          </a:p>
+        </p:txBody>
+      </p:sp>
+      <p:pic>
+        <p:nvPicPr>
+          <p:cNvPr id="5" name="Content Placeholder 4">
+            <a:extLst>
+              <a:ext uri="{FF2B5EF4-FFF2-40B4-BE49-F238E27FC236}">
+                <a16:creationId xmlns:a16="http://schemas.microsoft.com/office/drawing/2014/main" id="{32E7B06B-34AB-4E30-AD85-CE442028A709}"/>
+              </a:ext>
+            </a:extLst>
+          </p:cNvPr>
+          <p:cNvPicPr>
+            <a:picLocks noGrp="1" noChangeAspect="1"/>
+          </p:cNvPicPr>
+          <p:nvPr>
+            <p:ph idx="1"/>
+          </p:nvPr>
+        </p:nvPicPr>
+        <p:blipFill>
+          <a:blip r:embed="rId3"/>
+          <a:stretch>
+            <a:fillRect/>
+          </a:stretch>
+        </p:blipFill>
+        <p:spPr>
+          <a:xfrm>
+            <a:off x="685800" y="1118595"/>
+            <a:ext cx="7772400" cy="4316010"/>
+          </a:xfrm>
+          <a:prstGeom prst="rect">
+            <a:avLst/>
+          </a:prstGeom>
+        </p:spPr>
+      </p:pic>
+      <p:sp>
+        <p:nvSpPr>
+          <p:cNvPr id="4" name="Text Placeholder 3">
+            <a:extLst>
+              <a:ext uri="{FF2B5EF4-FFF2-40B4-BE49-F238E27FC236}">
+                <a16:creationId xmlns:a16="http://schemas.microsoft.com/office/drawing/2014/main" id="{672D4535-CFEB-411A-B53B-874F343F076E}"/>
+              </a:ext>
+            </a:extLst>
+          </p:cNvPr>
+          <p:cNvSpPr>
+            <a:spLocks noGrp="1"/>
+          </p:cNvSpPr>
+          <p:nvPr>
+            <p:ph type="body" sz="half" idx="2"/>
+          </p:nvPr>
+        </p:nvSpPr>
+        <p:spPr/>
+        <p:txBody>
+          <a:bodyPr>
+            <a:normAutofit/>
+          </a:bodyPr>
+          <a:lstStyle/>
+          <a:p>
+            <a:r>
+              <a:rPr lang="en-US" dirty="0"/>
+              <a:t>The input to the neural</a:t>
+            </a:r>
+            <a:br>
+              <a:rPr lang="en-US" dirty="0"/>
+            </a:br>
+            <a:r>
+              <a:rPr lang="en-US" dirty="0"/>
+              <a:t>network consists of an 84 x  84 x 4 image, followed by three convolutional layers and two fully connected</a:t>
+            </a:r>
+            <a:br>
+              <a:rPr lang="en-US" dirty="0"/>
+            </a:br>
+            <a:r>
+              <a:rPr lang="en-US" dirty="0"/>
+              <a:t>layers with a single output for each valid action. Each hidden layer is followed by a rectifier nonlinearity (that is, max(</a:t>
+            </a:r>
+            <a:r>
+              <a:rPr lang="en-US" dirty="0" err="1"/>
+              <a:t>0,x</a:t>
+            </a:r>
+            <a:r>
+              <a:rPr lang="en-US" dirty="0"/>
+              <a:t>)). </a:t>
+            </a:r>
+          </a:p>
+        </p:txBody>
+      </p:sp>
+    </p:spTree>
+    <p:extLst>
+      <p:ext uri="{BB962C8B-B14F-4D97-AF65-F5344CB8AC3E}">
+        <p14:creationId xmlns:p14="http://schemas.microsoft.com/office/powerpoint/2010/main" val="721813092"/>
+      </p:ext>
+    </p:extLst>
+  </p:cSld>
+  <p:clrMapOvr>
+    <a:masterClrMapping/>
+  </p:clrMapOvr>
+</p:sld>
+</file>
+
+<file path=ppt/slides/slide12.xml><?xml version="1.0" encoding="utf-8"?>
+<p:sld xmlns:a="http://schemas.openxmlformats.org/drawingml/2006/main" xmlns:r="http://schemas.openxmlformats.org/officeDocument/2006/relationships" xmlns:p="http://schemas.openxmlformats.org/presentationml/2006/main">
+  <p:cSld>
+    <p:spTree>
+      <p:nvGrpSpPr>
+        <p:cNvPr id="1" name=""/>
+        <p:cNvGrpSpPr/>
+        <p:nvPr/>
+      </p:nvGrpSpPr>
+      <p:grpSpPr>
+        <a:xfrm>
+          <a:off x="0" y="0"/>
+          <a:ext cx="0" cy="0"/>
+          <a:chOff x="0" y="0"/>
+          <a:chExt cx="0" cy="0"/>
+        </a:xfrm>
+      </p:grpSpPr>
+      <p:sp>
+        <p:nvSpPr>
+          <p:cNvPr id="2" name="Title 1">
+            <a:extLst>
+              <a:ext uri="{FF2B5EF4-FFF2-40B4-BE49-F238E27FC236}">
+                <a16:creationId xmlns:a16="http://schemas.microsoft.com/office/drawing/2014/main" id="{5D434154-4C71-46E3-BC31-3D0E27B2FD8B}"/>
+              </a:ext>
+            </a:extLst>
+          </p:cNvPr>
+          <p:cNvSpPr>
+            <a:spLocks noGrp="1"/>
+          </p:cNvSpPr>
+          <p:nvPr>
+            <p:ph type="title"/>
+          </p:nvPr>
+        </p:nvSpPr>
+        <p:spPr/>
+        <p:txBody>
+          <a:bodyPr>
+            <a:normAutofit fontScale="90000"/>
+          </a:bodyPr>
+          <a:lstStyle/>
+          <a:p>
+            <a:r>
+              <a:rPr lang="en-US" dirty="0"/>
+              <a:t>Average score and average</a:t>
+            </a:r>
+            <a:br>
+              <a:rPr lang="en-US" dirty="0"/>
+            </a:br>
+            <a:r>
+              <a:rPr lang="en-US" dirty="0"/>
+              <a:t>predicted action-value.</a:t>
+            </a:r>
+          </a:p>
+        </p:txBody>
+      </p:sp>
+      <p:pic>
+        <p:nvPicPr>
+          <p:cNvPr id="5" name="Content Placeholder 4">
+            <a:extLst>
+              <a:ext uri="{FF2B5EF4-FFF2-40B4-BE49-F238E27FC236}">
+                <a16:creationId xmlns:a16="http://schemas.microsoft.com/office/drawing/2014/main" id="{323E4CCD-1356-4885-83B8-DCF00B77255B}"/>
+              </a:ext>
+            </a:extLst>
+          </p:cNvPr>
+          <p:cNvPicPr>
+            <a:picLocks noGrp="1" noChangeAspect="1"/>
+          </p:cNvPicPr>
+          <p:nvPr>
+            <p:ph idx="1"/>
+          </p:nvPr>
+        </p:nvPicPr>
+        <p:blipFill>
+          <a:blip r:embed="rId3"/>
+          <a:stretch>
+            <a:fillRect/>
+          </a:stretch>
+        </p:blipFill>
+        <p:spPr>
+          <a:xfrm>
+            <a:off x="1128712" y="847725"/>
+            <a:ext cx="6886575" cy="4857750"/>
+          </a:xfrm>
+          <a:prstGeom prst="rect">
+            <a:avLst/>
+          </a:prstGeom>
+        </p:spPr>
+      </p:pic>
+      <p:sp>
+        <p:nvSpPr>
+          <p:cNvPr id="4" name="Text Placeholder 3">
+            <a:extLst>
+              <a:ext uri="{FF2B5EF4-FFF2-40B4-BE49-F238E27FC236}">
+                <a16:creationId xmlns:a16="http://schemas.microsoft.com/office/drawing/2014/main" id="{49ADD01D-FB70-4789-A98C-E7DDE7AABA10}"/>
+              </a:ext>
+            </a:extLst>
+          </p:cNvPr>
+          <p:cNvSpPr>
+            <a:spLocks noGrp="1"/>
+          </p:cNvSpPr>
+          <p:nvPr>
+            <p:ph type="body" sz="half" idx="2"/>
+          </p:nvPr>
+        </p:nvSpPr>
+        <p:spPr/>
+        <p:txBody>
+          <a:bodyPr>
+            <a:normAutofit/>
+          </a:bodyPr>
+          <a:lstStyle/>
+          <a:p>
+            <a:r>
+              <a:rPr lang="en-US" dirty="0"/>
+              <a:t>Training curves tracking the agent’s.</a:t>
+            </a:r>
+          </a:p>
+          <a:p>
+            <a:r>
+              <a:rPr lang="en-US" dirty="0"/>
+              <a:t>Each point is the average score achieved per episode after the agent is run with e-greedy policy (e = 0.05) for 520 k frames</a:t>
+            </a:r>
+            <a:br>
+              <a:rPr lang="en-US" dirty="0"/>
+            </a:br>
+            <a:endParaRPr lang="en-US" dirty="0"/>
+          </a:p>
+        </p:txBody>
+      </p:sp>
+      <p:sp>
+        <p:nvSpPr>
+          <p:cNvPr id="6" name="TextBox 5">
+            <a:extLst>
+              <a:ext uri="{FF2B5EF4-FFF2-40B4-BE49-F238E27FC236}">
+                <a16:creationId xmlns:a16="http://schemas.microsoft.com/office/drawing/2014/main" id="{DE099CF3-35CD-4C5F-9B70-25A0188EC982}"/>
+              </a:ext>
+            </a:extLst>
+          </p:cNvPr>
+          <p:cNvSpPr txBox="1"/>
+          <p:nvPr/>
+        </p:nvSpPr>
+        <p:spPr>
+          <a:xfrm>
+            <a:off x="1994263" y="461554"/>
+            <a:ext cx="1925527" cy="369332"/>
+          </a:xfrm>
+          <a:prstGeom prst="rect">
+            <a:avLst/>
+          </a:prstGeom>
+          <a:noFill/>
+        </p:spPr>
+        <p:txBody>
+          <a:bodyPr wrap="none" rtlCol="0">
+            <a:spAutoFit/>
+          </a:bodyPr>
+          <a:lstStyle/>
+          <a:p>
+            <a:r>
+              <a:rPr lang="en-US" dirty="0"/>
+              <a:t>Space Invaders</a:t>
+            </a:r>
+          </a:p>
+        </p:txBody>
+      </p:sp>
+      <p:sp>
+        <p:nvSpPr>
+          <p:cNvPr id="7" name="TextBox 6">
+            <a:extLst>
+              <a:ext uri="{FF2B5EF4-FFF2-40B4-BE49-F238E27FC236}">
+                <a16:creationId xmlns:a16="http://schemas.microsoft.com/office/drawing/2014/main" id="{8D0E9B7D-2B24-4A91-8D9F-F1DA50CF9D5D}"/>
+              </a:ext>
+            </a:extLst>
+          </p:cNvPr>
+          <p:cNvSpPr txBox="1"/>
+          <p:nvPr/>
+        </p:nvSpPr>
+        <p:spPr>
+          <a:xfrm>
+            <a:off x="5773783" y="478393"/>
+            <a:ext cx="1225015" cy="369332"/>
+          </a:xfrm>
+          <a:prstGeom prst="rect">
+            <a:avLst/>
+          </a:prstGeom>
+          <a:noFill/>
+        </p:spPr>
+        <p:txBody>
+          <a:bodyPr wrap="none" rtlCol="0">
+            <a:spAutoFit/>
+          </a:bodyPr>
+          <a:lstStyle/>
+          <a:p>
+            <a:r>
+              <a:rPr lang="en-US" dirty="0" err="1"/>
+              <a:t>Seaquest</a:t>
+            </a:r>
+            <a:endParaRPr lang="en-US" dirty="0"/>
+          </a:p>
+        </p:txBody>
+      </p:sp>
+    </p:spTree>
+    <p:extLst>
+      <p:ext uri="{BB962C8B-B14F-4D97-AF65-F5344CB8AC3E}">
+        <p14:creationId xmlns:p14="http://schemas.microsoft.com/office/powerpoint/2010/main" val="877190718"/>
+      </p:ext>
+    </p:extLst>
+  </p:cSld>
+  <p:clrMapOvr>
+    <a:masterClrMapping/>
+  </p:clrMapOvr>
+</p:sld>
+</file>
+
+<file path=ppt/slides/slide13.xml><?xml version="1.0" encoding="utf-8"?>
+<p:sld xmlns:a="http://schemas.openxmlformats.org/drawingml/2006/main" xmlns:r="http://schemas.openxmlformats.org/officeDocument/2006/relationships" xmlns:p="http://schemas.openxmlformats.org/presentationml/2006/main">
+  <p:cSld>
+    <p:spTree>
+      <p:nvGrpSpPr>
+        <p:cNvPr id="1" name=""/>
+        <p:cNvGrpSpPr/>
+        <p:nvPr/>
+      </p:nvGrpSpPr>
+      <p:grpSpPr>
+        <a:xfrm>
+          <a:off x="0" y="0"/>
+          <a:ext cx="0" cy="0"/>
+          <a:chOff x="0" y="0"/>
+          <a:chExt cx="0" cy="0"/>
+        </a:xfrm>
+      </p:grpSpPr>
+      <p:sp>
+        <p:nvSpPr>
+          <p:cNvPr id="2" name="Title 1">
+            <a:extLst>
+              <a:ext uri="{FF2B5EF4-FFF2-40B4-BE49-F238E27FC236}">
+                <a16:creationId xmlns:a16="http://schemas.microsoft.com/office/drawing/2014/main" id="{BB5F6E98-153D-4AEB-AD5B-82574D84354F}"/>
+              </a:ext>
+            </a:extLst>
+          </p:cNvPr>
+          <p:cNvSpPr>
+            <a:spLocks noGrp="1"/>
+          </p:cNvSpPr>
+          <p:nvPr>
+            <p:ph type="title"/>
+          </p:nvPr>
+        </p:nvSpPr>
+        <p:spPr/>
+        <p:txBody>
+          <a:bodyPr/>
+          <a:lstStyle/>
+          <a:p>
+            <a:r>
+              <a:rPr lang="en-US" dirty="0"/>
+              <a:t>Visualization of learned value functions </a:t>
+            </a:r>
+          </a:p>
+        </p:txBody>
+      </p:sp>
+      <p:pic>
+        <p:nvPicPr>
+          <p:cNvPr id="5" name="Picture Placeholder 4">
+            <a:extLst>
+              <a:ext uri="{FF2B5EF4-FFF2-40B4-BE49-F238E27FC236}">
+                <a16:creationId xmlns:a16="http://schemas.microsoft.com/office/drawing/2014/main" id="{AB3ABB37-4F80-4F6A-B85A-36104D7C2962}"/>
+              </a:ext>
+            </a:extLst>
+          </p:cNvPr>
+          <p:cNvPicPr>
+            <a:picLocks noGrp="1" noChangeAspect="1"/>
+          </p:cNvPicPr>
+          <p:nvPr>
+            <p:ph type="pic" idx="1"/>
+          </p:nvPr>
+        </p:nvPicPr>
+        <p:blipFill rotWithShape="1">
+          <a:blip r:embed="rId3"/>
+          <a:srcRect t="6660" b="26990"/>
+          <a:stretch/>
+        </p:blipFill>
+        <p:spPr>
+          <a:xfrm>
+            <a:off x="952920" y="473958"/>
+            <a:ext cx="6770451" cy="5910084"/>
+          </a:xfrm>
+          <a:prstGeom prst="rect">
+            <a:avLst/>
+          </a:prstGeom>
+        </p:spPr>
+      </p:pic>
+      <p:sp>
+        <p:nvSpPr>
+          <p:cNvPr id="4" name="Text Placeholder 3">
+            <a:extLst>
+              <a:ext uri="{FF2B5EF4-FFF2-40B4-BE49-F238E27FC236}">
+                <a16:creationId xmlns:a16="http://schemas.microsoft.com/office/drawing/2014/main" id="{3D37B626-814E-4C12-8D2A-739EF7636376}"/>
+              </a:ext>
+            </a:extLst>
+          </p:cNvPr>
+          <p:cNvSpPr>
+            <a:spLocks noGrp="1"/>
+          </p:cNvSpPr>
+          <p:nvPr>
+            <p:ph type="body" sz="half" idx="2"/>
+          </p:nvPr>
+        </p:nvSpPr>
+        <p:spPr/>
+        <p:txBody>
+          <a:bodyPr/>
+          <a:lstStyle/>
+          <a:p>
+            <a:pPr marL="342900" indent="-342900">
+              <a:buAutoNum type="alphaLcPeriod"/>
+            </a:pPr>
+            <a:r>
+              <a:rPr lang="en-US" dirty="0"/>
+              <a:t>Breakout</a:t>
+            </a:r>
+          </a:p>
+          <a:p>
+            <a:pPr marL="342900" indent="-342900">
+              <a:buAutoNum type="alphaLcPeriod"/>
+            </a:pPr>
+            <a:r>
+              <a:rPr lang="en-US" dirty="0"/>
+              <a:t>Pong</a:t>
+            </a:r>
+          </a:p>
+        </p:txBody>
+      </p:sp>
+    </p:spTree>
+    <p:extLst>
+      <p:ext uri="{BB962C8B-B14F-4D97-AF65-F5344CB8AC3E}">
+        <p14:creationId xmlns:p14="http://schemas.microsoft.com/office/powerpoint/2010/main" val="3743551264"/>
+      </p:ext>
+    </p:extLst>
+  </p:cSld>
+  <p:clrMapOvr>
+    <a:masterClrMapping/>
+  </p:clrMapOvr>
+</p:sld>
+</file>
+
+<file path=ppt/slides/slide14.xml><?xml version="1.0" encoding="utf-8"?>
+<p:sld xmlns:a="http://schemas.openxmlformats.org/drawingml/2006/main" xmlns:r="http://schemas.openxmlformats.org/officeDocument/2006/relationships" xmlns:p="http://schemas.openxmlformats.org/presentationml/2006/main">
+  <p:cSld>
+    <p:spTree>
+      <p:nvGrpSpPr>
+        <p:cNvPr id="1" name=""/>
+        <p:cNvGrpSpPr/>
+        <p:nvPr/>
+      </p:nvGrpSpPr>
+      <p:grpSpPr>
+        <a:xfrm>
+          <a:off x="0" y="0"/>
+          <a:ext cx="0" cy="0"/>
+          <a:chOff x="0" y="0"/>
+          <a:chExt cx="0" cy="0"/>
+        </a:xfrm>
+      </p:grpSpPr>
+      <p:sp>
+        <p:nvSpPr>
+          <p:cNvPr id="2" name="Title 1">
+            <a:extLst>
+              <a:ext uri="{FF2B5EF4-FFF2-40B4-BE49-F238E27FC236}">
+                <a16:creationId xmlns:a16="http://schemas.microsoft.com/office/drawing/2014/main" id="{F386C950-9366-4B5C-8FF3-527EA5FDC658}"/>
+              </a:ext>
+            </a:extLst>
+          </p:cNvPr>
+          <p:cNvSpPr>
+            <a:spLocks noGrp="1"/>
+          </p:cNvSpPr>
+          <p:nvPr>
+            <p:ph type="title"/>
+          </p:nvPr>
+        </p:nvSpPr>
+        <p:spPr/>
+        <p:txBody>
+          <a:bodyPr/>
+          <a:lstStyle/>
+          <a:p>
+            <a:r>
+              <a:rPr lang="en-US" dirty="0"/>
+              <a:t>Grandmaster level in StarCraft II using multi-agent reinforcement learning</a:t>
+            </a:r>
+          </a:p>
+        </p:txBody>
+      </p:sp>
+      <p:sp>
+        <p:nvSpPr>
+          <p:cNvPr id="3" name="Text Placeholder 2">
+            <a:extLst>
+              <a:ext uri="{FF2B5EF4-FFF2-40B4-BE49-F238E27FC236}">
+                <a16:creationId xmlns:a16="http://schemas.microsoft.com/office/drawing/2014/main" id="{6A65202A-3D46-415D-9FC8-60DCBAD4C037}"/>
+              </a:ext>
+            </a:extLst>
+          </p:cNvPr>
+          <p:cNvSpPr>
+            <a:spLocks noGrp="1"/>
+          </p:cNvSpPr>
+          <p:nvPr>
+            <p:ph type="body" idx="1"/>
+          </p:nvPr>
+        </p:nvSpPr>
+        <p:spPr/>
+        <p:txBody>
+          <a:bodyPr/>
+          <a:lstStyle/>
+          <a:p>
+            <a:endParaRPr lang="en-US"/>
+          </a:p>
+        </p:txBody>
+      </p:sp>
+    </p:spTree>
+    <p:extLst>
+      <p:ext uri="{BB962C8B-B14F-4D97-AF65-F5344CB8AC3E}">
+        <p14:creationId xmlns:p14="http://schemas.microsoft.com/office/powerpoint/2010/main" val="3174806704"/>
+      </p:ext>
+    </p:extLst>
+  </p:cSld>
+  <p:clrMapOvr>
+    <a:masterClrMapping/>
+  </p:clrMapOvr>
+</p:sld>
+</file>
+
+<file path=ppt/slides/slide15.xml><?xml version="1.0" encoding="utf-8"?>
+<p:sld xmlns:a="http://schemas.openxmlformats.org/drawingml/2006/main" xmlns:r="http://schemas.openxmlformats.org/officeDocument/2006/relationships" xmlns:p="http://schemas.openxmlformats.org/presentationml/2006/main">
+  <p:cSld>
+    <p:spTree>
+      <p:nvGrpSpPr>
+        <p:cNvPr id="1" name=""/>
+        <p:cNvGrpSpPr/>
+        <p:nvPr/>
+      </p:nvGrpSpPr>
+      <p:grpSpPr>
+        <a:xfrm>
+          <a:off x="0" y="0"/>
+          <a:ext cx="0" cy="0"/>
+          <a:chOff x="0" y="0"/>
+          <a:chExt cx="0" cy="0"/>
+        </a:xfrm>
+      </p:grpSpPr>
+      <p:sp>
+        <p:nvSpPr>
+          <p:cNvPr id="2" name="Title 1">
+            <a:extLst>
+              <a:ext uri="{FF2B5EF4-FFF2-40B4-BE49-F238E27FC236}">
+                <a16:creationId xmlns:a16="http://schemas.microsoft.com/office/drawing/2014/main" id="{B1183B9F-CE63-479B-83C2-7435D1D25546}"/>
+              </a:ext>
+            </a:extLst>
+          </p:cNvPr>
+          <p:cNvSpPr>
+            <a:spLocks noGrp="1"/>
+          </p:cNvSpPr>
+          <p:nvPr>
+            <p:ph type="title"/>
+          </p:nvPr>
+        </p:nvSpPr>
+        <p:spPr/>
+        <p:txBody>
+          <a:bodyPr/>
+          <a:lstStyle/>
+          <a:p>
+            <a:r>
+              <a:rPr lang="en-US" dirty="0"/>
+              <a:t>Overview of the architecture of </a:t>
+            </a:r>
+            <a:r>
+              <a:rPr lang="en-US" dirty="0" err="1"/>
+              <a:t>AlphaStar</a:t>
+            </a:r>
+            <a:endParaRPr lang="en-US" dirty="0"/>
+          </a:p>
+        </p:txBody>
+      </p:sp>
+      <p:sp>
+        <p:nvSpPr>
+          <p:cNvPr id="4" name="Text Placeholder 3">
+            <a:extLst>
+              <a:ext uri="{FF2B5EF4-FFF2-40B4-BE49-F238E27FC236}">
+                <a16:creationId xmlns:a16="http://schemas.microsoft.com/office/drawing/2014/main" id="{CA16D1DF-961B-4BAE-A347-AC10283624CB}"/>
+              </a:ext>
+            </a:extLst>
+          </p:cNvPr>
+          <p:cNvSpPr>
+            <a:spLocks noGrp="1"/>
+          </p:cNvSpPr>
+          <p:nvPr>
+            <p:ph type="body" sz="half" idx="2"/>
+          </p:nvPr>
+        </p:nvSpPr>
+        <p:spPr/>
+        <p:txBody>
+          <a:bodyPr/>
+          <a:lstStyle/>
+          <a:p>
+            <a:endParaRPr lang="en-US" dirty="0"/>
+          </a:p>
+        </p:txBody>
+      </p:sp>
+      <p:pic>
+        <p:nvPicPr>
+          <p:cNvPr id="6" name="Picture 5">
+            <a:extLst>
+              <a:ext uri="{FF2B5EF4-FFF2-40B4-BE49-F238E27FC236}">
+                <a16:creationId xmlns:a16="http://schemas.microsoft.com/office/drawing/2014/main" id="{12432529-6029-4BF2-A63C-201CAE30F0CA}"/>
+              </a:ext>
+            </a:extLst>
+          </p:cNvPr>
+          <p:cNvPicPr>
+            <a:picLocks noChangeAspect="1"/>
+          </p:cNvPicPr>
+          <p:nvPr/>
+        </p:nvPicPr>
+        <p:blipFill>
+          <a:blip r:embed="rId3"/>
+          <a:stretch>
+            <a:fillRect/>
+          </a:stretch>
+        </p:blipFill>
+        <p:spPr>
+          <a:xfrm>
+            <a:off x="160421" y="1882899"/>
+            <a:ext cx="8648935" cy="4152234"/>
+          </a:xfrm>
+          <a:prstGeom prst="rect">
+            <a:avLst/>
+          </a:prstGeom>
+        </p:spPr>
+      </p:pic>
+    </p:spTree>
+    <p:extLst>
+      <p:ext uri="{BB962C8B-B14F-4D97-AF65-F5344CB8AC3E}">
+        <p14:creationId xmlns:p14="http://schemas.microsoft.com/office/powerpoint/2010/main" val="3327720869"/>
       </p:ext>
     </p:extLst>
   </p:cSld>

--- a/From RL to DRL.pptx
+++ b/From RL to DRL.pptx
@@ -5,7 +5,7 @@
     <p:sldMasterId id="2147483708" r:id="rId1"/>
   </p:sldMasterIdLst>
   <p:notesMasterIdLst>
-    <p:notesMasterId r:id="rId17"/>
+    <p:notesMasterId r:id="rId19"/>
   </p:notesMasterIdLst>
   <p:sldIdLst>
     <p:sldId id="256" r:id="rId2"/>
@@ -22,7 +22,9 @@
     <p:sldId id="266" r:id="rId13"/>
     <p:sldId id="267" r:id="rId14"/>
     <p:sldId id="269" r:id="rId15"/>
-    <p:sldId id="270" r:id="rId16"/>
+    <p:sldId id="271" r:id="rId16"/>
+    <p:sldId id="272" r:id="rId17"/>
+    <p:sldId id="270" r:id="rId18"/>
   </p:sldIdLst>
   <p:sldSz cx="12192000" cy="6858000"/>
   <p:notesSz cx="6858000" cy="9144000"/>
@@ -3661,6 +3663,126 @@
           <a:lstStyle/>
           <a:p>
             <a:r>
+              <a:rPr lang="en-US" dirty="0">
+                <a:hlinkClick r:id="rId3"/>
+              </a:rPr>
+              <a:t>https://</a:t>
+            </a:r>
+            <a:r>
+              <a:rPr lang="en-US" dirty="0" err="1">
+                <a:hlinkClick r:id="rId3"/>
+              </a:rPr>
+              <a:t>www.youtube.com</a:t>
+            </a:r>
+            <a:r>
+              <a:rPr lang="en-US" dirty="0">
+                <a:hlinkClick r:id="rId3"/>
+              </a:rPr>
+              <a:t>/</a:t>
+            </a:r>
+            <a:r>
+              <a:rPr lang="en-US" dirty="0" err="1">
+                <a:hlinkClick r:id="rId3"/>
+              </a:rPr>
+              <a:t>watch?v</a:t>
+            </a:r>
+            <a:r>
+              <a:rPr lang="en-US" dirty="0">
+                <a:hlinkClick r:id="rId3"/>
+              </a:rPr>
+              <a:t>=</a:t>
+            </a:r>
+            <a:r>
+              <a:rPr lang="en-US" dirty="0" err="1">
+                <a:hlinkClick r:id="rId3"/>
+              </a:rPr>
+              <a:t>6L448yg0Sm0</a:t>
+            </a:r>
+            <a:endParaRPr lang="en-US" dirty="0"/>
+          </a:p>
+        </p:txBody>
+      </p:sp>
+      <p:sp>
+        <p:nvSpPr>
+          <p:cNvPr id="4" name="Slide Number Placeholder 3"/>
+          <p:cNvSpPr>
+            <a:spLocks noGrp="1"/>
+          </p:cNvSpPr>
+          <p:nvPr>
+            <p:ph type="sldNum" sz="quarter" idx="5"/>
+          </p:nvPr>
+        </p:nvSpPr>
+        <p:spPr/>
+        <p:txBody>
+          <a:bodyPr/>
+          <a:lstStyle/>
+          <a:p>
+            <a:fld id="{1980DC7F-660A-4453-9840-44DB0AF8652B}" type="slidenum">
+              <a:rPr lang="en-US" smtClean="0"/>
+              <a:t>14</a:t>
+            </a:fld>
+            <a:endParaRPr lang="en-US"/>
+          </a:p>
+        </p:txBody>
+      </p:sp>
+    </p:spTree>
+    <p:extLst>
+      <p:ext uri="{BB962C8B-B14F-4D97-AF65-F5344CB8AC3E}">
+        <p14:creationId xmlns:p14="http://schemas.microsoft.com/office/powerpoint/2010/main" val="3206942364"/>
+      </p:ext>
+    </p:extLst>
+  </p:cSld>
+  <p:clrMapOvr>
+    <a:masterClrMapping/>
+  </p:clrMapOvr>
+</p:notes>
+</file>
+
+<file path=ppt/notesSlides/notesSlide7.xml><?xml version="1.0" encoding="utf-8"?>
+<p:notes xmlns:a="http://schemas.openxmlformats.org/drawingml/2006/main" xmlns:r="http://schemas.openxmlformats.org/officeDocument/2006/relationships" xmlns:p="http://schemas.openxmlformats.org/presentationml/2006/main">
+  <p:cSld>
+    <p:spTree>
+      <p:nvGrpSpPr>
+        <p:cNvPr id="1" name=""/>
+        <p:cNvGrpSpPr/>
+        <p:nvPr/>
+      </p:nvGrpSpPr>
+      <p:grpSpPr>
+        <a:xfrm>
+          <a:off x="0" y="0"/>
+          <a:ext cx="0" cy="0"/>
+          <a:chOff x="0" y="0"/>
+          <a:chExt cx="0" cy="0"/>
+        </a:xfrm>
+      </p:grpSpPr>
+      <p:sp>
+        <p:nvSpPr>
+          <p:cNvPr id="2" name="Slide Image Placeholder 1"/>
+          <p:cNvSpPr>
+            <a:spLocks noGrp="1" noRot="1" noChangeAspect="1"/>
+          </p:cNvSpPr>
+          <p:nvPr>
+            <p:ph type="sldImg"/>
+          </p:nvPr>
+        </p:nvSpPr>
+        <p:spPr/>
+      </p:sp>
+      <p:sp>
+        <p:nvSpPr>
+          <p:cNvPr id="3" name="Notes Placeholder 2"/>
+          <p:cNvSpPr>
+            <a:spLocks noGrp="1"/>
+          </p:cNvSpPr>
+          <p:nvPr>
+            <p:ph type="body" idx="1"/>
+          </p:nvPr>
+        </p:nvSpPr>
+        <p:spPr/>
+        <p:txBody>
+          <a:bodyPr/>
+          <a:lstStyle/>
+          <a:p>
+            <a:r>
               <a:rPr lang="en-US" dirty="0" err="1"/>
               <a:t>MLP</a:t>
             </a:r>
@@ -3685,7 +3807,7 @@
           <a:p>
             <a:fld id="{1980DC7F-660A-4453-9840-44DB0AF8652B}" type="slidenum">
               <a:rPr lang="en-US" smtClean="0"/>
-              <a:t>15</a:t>
+              <a:t>17</a:t>
             </a:fld>
             <a:endParaRPr lang="en-US"/>
           </a:p>
@@ -8521,6 +8643,674 @@
 <file path=ppt/slides/slide15.xml><?xml version="1.0" encoding="utf-8"?>
 <p:sld xmlns:a="http://schemas.openxmlformats.org/drawingml/2006/main" xmlns:r="http://schemas.openxmlformats.org/officeDocument/2006/relationships" xmlns:p="http://schemas.openxmlformats.org/presentationml/2006/main">
   <p:cSld>
+    <p:bg>
+      <p:bgPr>
+        <a:solidFill>
+          <a:schemeClr val="bg1"/>
+        </a:solidFill>
+        <a:effectLst/>
+      </p:bgPr>
+    </p:bg>
+    <p:spTree>
+      <p:nvGrpSpPr>
+        <p:cNvPr id="1" name=""/>
+        <p:cNvGrpSpPr/>
+        <p:nvPr/>
+      </p:nvGrpSpPr>
+      <p:grpSpPr>
+        <a:xfrm>
+          <a:off x="0" y="0"/>
+          <a:ext cx="0" cy="0"/>
+          <a:chOff x="0" y="0"/>
+          <a:chExt cx="0" cy="0"/>
+        </a:xfrm>
+      </p:grpSpPr>
+      <p:sp>
+        <p:nvSpPr>
+          <p:cNvPr id="7" name="Rectangle 6">
+            <a:extLst>
+              <a:ext uri="{FF2B5EF4-FFF2-40B4-BE49-F238E27FC236}">
+                <a16:creationId xmlns:a16="http://schemas.microsoft.com/office/drawing/2014/main" id="{9664D085-C814-4D74-BCE0-2059F0DC0434}"/>
+              </a:ext>
+              <a:ext uri="{C183D7F6-B498-43B3-948B-1728B52AA6E4}">
+                <adec:decorative xmlns:adec="http://schemas.microsoft.com/office/drawing/2017/decorative" val="1"/>
+              </a:ext>
+            </a:extLst>
+          </p:cNvPr>
+          <p:cNvSpPr>
+            <a:spLocks noGrp="1" noRot="1" noChangeAspect="1" noMove="1" noResize="1" noEditPoints="1" noAdjustHandles="1" noChangeArrowheads="1" noChangeShapeType="1" noTextEdit="1"/>
+          </p:cNvSpPr>
+          <p:nvPr>
+            <p:extLst>
+              <p:ext uri="{386F3935-93C4-4BCD-93E2-E3B085C9AB24}">
+                <p16:designElem xmlns:p16="http://schemas.microsoft.com/office/powerpoint/2015/main" val="1"/>
+              </p:ext>
+            </p:extLst>
+          </p:nvPr>
+        </p:nvSpPr>
+        <p:spPr>
+          <a:xfrm>
+            <a:off x="0" y="0"/>
+            <a:ext cx="12192000" cy="6858000"/>
+          </a:xfrm>
+          <a:prstGeom prst="rect">
+            <a:avLst/>
+          </a:prstGeom>
+          <a:solidFill>
+            <a:srgbClr val="415B21"/>
+          </a:solidFill>
+          <a:ln>
+            <a:noFill/>
+          </a:ln>
+        </p:spPr>
+        <p:style>
+          <a:lnRef idx="2">
+            <a:schemeClr val="accent1">
+              <a:shade val="50000"/>
+            </a:schemeClr>
+          </a:lnRef>
+          <a:fillRef idx="1">
+            <a:schemeClr val="accent1"/>
+          </a:fillRef>
+          <a:effectRef idx="0">
+            <a:schemeClr val="accent1"/>
+          </a:effectRef>
+          <a:fontRef idx="minor">
+            <a:schemeClr val="lt1"/>
+          </a:fontRef>
+        </p:style>
+        <p:txBody>
+          <a:bodyPr rtlCol="0" anchor="ctr"/>
+          <a:lstStyle/>
+          <a:p>
+            <a:pPr algn="ctr"/>
+            <a:endParaRPr lang="en-US"/>
+          </a:p>
+        </p:txBody>
+      </p:sp>
+      <p:sp>
+        <p:nvSpPr>
+          <p:cNvPr id="9" name="Rectangle 8">
+            <a:extLst>
+              <a:ext uri="{FF2B5EF4-FFF2-40B4-BE49-F238E27FC236}">
+                <a16:creationId xmlns:a16="http://schemas.microsoft.com/office/drawing/2014/main" id="{DDA5539E-D8B4-4F5A-B46F-C304F5D7A847}"/>
+              </a:ext>
+              <a:ext uri="{C183D7F6-B498-43B3-948B-1728B52AA6E4}">
+                <adec:decorative xmlns:adec="http://schemas.microsoft.com/office/drawing/2017/decorative" val="1"/>
+              </a:ext>
+            </a:extLst>
+          </p:cNvPr>
+          <p:cNvSpPr>
+            <a:spLocks noGrp="1" noRot="1" noChangeAspect="1" noMove="1" noResize="1" noEditPoints="1" noAdjustHandles="1" noChangeArrowheads="1" noChangeShapeType="1" noTextEdit="1"/>
+          </p:cNvSpPr>
+          <p:nvPr>
+            <p:extLst>
+              <p:ext uri="{386F3935-93C4-4BCD-93E2-E3B085C9AB24}">
+                <p16:designElem xmlns:p16="http://schemas.microsoft.com/office/powerpoint/2015/main" val="1"/>
+              </p:ext>
+            </p:extLst>
+          </p:nvPr>
+        </p:nvSpPr>
+        <p:spPr>
+          <a:xfrm>
+            <a:off x="477012" y="480060"/>
+            <a:ext cx="11237976" cy="5897880"/>
+          </a:xfrm>
+          <a:prstGeom prst="rect">
+            <a:avLst/>
+          </a:prstGeom>
+          <a:solidFill>
+            <a:srgbClr val="FFFFFF"/>
+          </a:solidFill>
+          <a:ln>
+            <a:solidFill>
+              <a:srgbClr val="FFFFFF"/>
+            </a:solidFill>
+          </a:ln>
+        </p:spPr>
+        <p:style>
+          <a:lnRef idx="2">
+            <a:schemeClr val="accent1">
+              <a:shade val="50000"/>
+            </a:schemeClr>
+          </a:lnRef>
+          <a:fillRef idx="1">
+            <a:schemeClr val="accent1"/>
+          </a:fillRef>
+          <a:effectRef idx="0">
+            <a:schemeClr val="accent1"/>
+          </a:effectRef>
+          <a:fontRef idx="minor">
+            <a:schemeClr val="lt1"/>
+          </a:fontRef>
+        </p:style>
+        <p:txBody>
+          <a:bodyPr rtlCol="0" anchor="ctr"/>
+          <a:lstStyle/>
+          <a:p>
+            <a:pPr algn="ctr"/>
+            <a:endParaRPr lang="en-US"/>
+          </a:p>
+        </p:txBody>
+      </p:sp>
+      <p:pic>
+        <p:nvPicPr>
+          <p:cNvPr id="2" name="Online Media 1" title="StarCraft II 'mini games' for AI research">
+            <a:hlinkClick r:id="" action="ppaction://media"/>
+            <a:extLst>
+              <a:ext uri="{FF2B5EF4-FFF2-40B4-BE49-F238E27FC236}">
+                <a16:creationId xmlns:a16="http://schemas.microsoft.com/office/drawing/2014/main" id="{D69EE177-31ED-43B0-B867-2C7B27CF0093}"/>
+              </a:ext>
+            </a:extLst>
+          </p:cNvPr>
+          <p:cNvPicPr>
+            <a:picLocks noRot="1" noChangeAspect="1"/>
+          </p:cNvPicPr>
+          <p:nvPr>
+            <a:videoFile r:link="rId1"/>
+          </p:nvPr>
+        </p:nvPicPr>
+        <p:blipFill>
+          <a:blip r:embed="rId3"/>
+          <a:stretch>
+            <a:fillRect/>
+          </a:stretch>
+        </p:blipFill>
+        <p:spPr>
+          <a:xfrm>
+            <a:off x="1427668" y="803063"/>
+            <a:ext cx="9336664" cy="5251874"/>
+          </a:xfrm>
+          <a:prstGeom prst="rect">
+            <a:avLst/>
+          </a:prstGeom>
+        </p:spPr>
+      </p:pic>
+    </p:spTree>
+    <p:extLst>
+      <p:ext uri="{BB962C8B-B14F-4D97-AF65-F5344CB8AC3E}">
+        <p14:creationId xmlns:p14="http://schemas.microsoft.com/office/powerpoint/2010/main" val="2459110988"/>
+      </p:ext>
+    </p:extLst>
+  </p:cSld>
+  <p:clrMapOvr>
+    <a:masterClrMapping/>
+  </p:clrMapOvr>
+  <p:timing>
+    <p:tnLst>
+      <p:par>
+        <p:cTn id="1" dur="indefinite" restart="never" nodeType="tmRoot">
+          <p:childTnLst>
+            <p:seq concurrent="1" nextAc="seek">
+              <p:cTn id="2" dur="indefinite" nodeType="mainSeq">
+                <p:childTnLst>
+                  <p:par>
+                    <p:cTn id="3" fill="hold">
+                      <p:stCondLst>
+                        <p:cond delay="indefinite"/>
+                      </p:stCondLst>
+                      <p:childTnLst>
+                        <p:par>
+                          <p:cTn id="4" fill="hold">
+                            <p:stCondLst>
+                              <p:cond delay="0"/>
+                            </p:stCondLst>
+                            <p:childTnLst>
+                              <p:par>
+                                <p:cTn id="5" presetID="1" presetClass="mediacall" presetSubtype="0" fill="hold" nodeType="clickEffect">
+                                  <p:stCondLst>
+                                    <p:cond delay="0"/>
+                                  </p:stCondLst>
+                                  <p:childTnLst>
+                                    <p:cmd type="call" cmd="playFrom(0.0)">
+                                      <p:cBhvr>
+                                        <p:cTn id="6" dur="1" fill="hold"/>
+                                        <p:tgtEl>
+                                          <p:spTgt spid="2"/>
+                                        </p:tgtEl>
+                                      </p:cBhvr>
+                                    </p:cmd>
+                                  </p:childTnLst>
+                                </p:cTn>
+                              </p:par>
+                            </p:childTnLst>
+                          </p:cTn>
+                        </p:par>
+                      </p:childTnLst>
+                    </p:cTn>
+                  </p:par>
+                </p:childTnLst>
+              </p:cTn>
+              <p:prevCondLst>
+                <p:cond evt="onPrev" delay="0">
+                  <p:tgtEl>
+                    <p:sldTgt/>
+                  </p:tgtEl>
+                </p:cond>
+              </p:prevCondLst>
+              <p:nextCondLst>
+                <p:cond evt="onNext" delay="0">
+                  <p:tgtEl>
+                    <p:sldTgt/>
+                  </p:tgtEl>
+                </p:cond>
+              </p:nextCondLst>
+            </p:seq>
+            <p:video>
+              <p:cMediaNode vol="80000">
+                <p:cTn id="7" fill="hold" display="0">
+                  <p:stCondLst>
+                    <p:cond delay="indefinite"/>
+                  </p:stCondLst>
+                </p:cTn>
+                <p:tgtEl>
+                  <p:spTgt spid="2"/>
+                </p:tgtEl>
+              </p:cMediaNode>
+            </p:video>
+            <p:seq concurrent="1" nextAc="seek">
+              <p:cTn id="8" restart="whenNotActive" fill="hold" evtFilter="cancelBubble" nodeType="interactiveSeq">
+                <p:stCondLst>
+                  <p:cond evt="onClick" delay="0">
+                    <p:tgtEl>
+                      <p:spTgt spid="2"/>
+                    </p:tgtEl>
+                  </p:cond>
+                </p:stCondLst>
+                <p:endSync evt="end" delay="0">
+                  <p:rtn val="all"/>
+                </p:endSync>
+                <p:childTnLst>
+                  <p:par>
+                    <p:cTn id="9" fill="hold">
+                      <p:stCondLst>
+                        <p:cond delay="0"/>
+                      </p:stCondLst>
+                      <p:childTnLst>
+                        <p:par>
+                          <p:cTn id="10" fill="hold">
+                            <p:stCondLst>
+                              <p:cond delay="0"/>
+                            </p:stCondLst>
+                            <p:childTnLst>
+                              <p:par>
+                                <p:cTn id="11" presetID="2" presetClass="mediacall" presetSubtype="0" fill="hold" nodeType="clickEffect">
+                                  <p:stCondLst>
+                                    <p:cond delay="0"/>
+                                  </p:stCondLst>
+                                  <p:childTnLst>
+                                    <p:cmd type="call" cmd="togglePause">
+                                      <p:cBhvr>
+                                        <p:cTn id="12" dur="1" fill="hold"/>
+                                        <p:tgtEl>
+                                          <p:spTgt spid="2"/>
+                                        </p:tgtEl>
+                                      </p:cBhvr>
+                                    </p:cmd>
+                                  </p:childTnLst>
+                                </p:cTn>
+                              </p:par>
+                            </p:childTnLst>
+                          </p:cTn>
+                        </p:par>
+                      </p:childTnLst>
+                    </p:cTn>
+                  </p:par>
+                </p:childTnLst>
+              </p:cTn>
+              <p:nextCondLst>
+                <p:cond evt="onClick" delay="0">
+                  <p:tgtEl>
+                    <p:spTgt spid="2"/>
+                  </p:tgtEl>
+                </p:cond>
+              </p:nextCondLst>
+            </p:seq>
+          </p:childTnLst>
+        </p:cTn>
+      </p:par>
+    </p:tnLst>
+  </p:timing>
+</p:sld>
+</file>
+
+<file path=ppt/slides/slide16.xml><?xml version="1.0" encoding="utf-8"?>
+<p:sld xmlns:a="http://schemas.openxmlformats.org/drawingml/2006/main" xmlns:r="http://schemas.openxmlformats.org/officeDocument/2006/relationships" xmlns:p="http://schemas.openxmlformats.org/presentationml/2006/main">
+  <p:cSld>
+    <p:bg>
+      <p:bgPr>
+        <a:solidFill>
+          <a:schemeClr val="bg1"/>
+        </a:solidFill>
+        <a:effectLst/>
+      </p:bgPr>
+    </p:bg>
+    <p:spTree>
+      <p:nvGrpSpPr>
+        <p:cNvPr id="1" name=""/>
+        <p:cNvGrpSpPr/>
+        <p:nvPr/>
+      </p:nvGrpSpPr>
+      <p:grpSpPr>
+        <a:xfrm>
+          <a:off x="0" y="0"/>
+          <a:ext cx="0" cy="0"/>
+          <a:chOff x="0" y="0"/>
+          <a:chExt cx="0" cy="0"/>
+        </a:xfrm>
+      </p:grpSpPr>
+      <p:sp>
+        <p:nvSpPr>
+          <p:cNvPr id="17" name="Rectangle 16">
+            <a:extLst>
+              <a:ext uri="{FF2B5EF4-FFF2-40B4-BE49-F238E27FC236}">
+                <a16:creationId xmlns:a16="http://schemas.microsoft.com/office/drawing/2014/main" id="{9664D085-C814-4D74-BCE0-2059F0DC0434}"/>
+              </a:ext>
+              <a:ext uri="{C183D7F6-B498-43B3-948B-1728B52AA6E4}">
+                <adec:decorative xmlns:adec="http://schemas.microsoft.com/office/drawing/2017/decorative" val="1"/>
+              </a:ext>
+            </a:extLst>
+          </p:cNvPr>
+          <p:cNvSpPr>
+            <a:spLocks noGrp="1" noRot="1" noChangeAspect="1" noMove="1" noResize="1" noEditPoints="1" noAdjustHandles="1" noChangeArrowheads="1" noChangeShapeType="1" noTextEdit="1"/>
+          </p:cNvSpPr>
+          <p:nvPr>
+            <p:extLst>
+              <p:ext uri="{386F3935-93C4-4BCD-93E2-E3B085C9AB24}">
+                <p16:designElem xmlns:p16="http://schemas.microsoft.com/office/powerpoint/2015/main" val="1"/>
+              </p:ext>
+            </p:extLst>
+          </p:nvPr>
+        </p:nvSpPr>
+        <p:spPr>
+          <a:xfrm>
+            <a:off x="0" y="0"/>
+            <a:ext cx="12192000" cy="6858000"/>
+          </a:xfrm>
+          <a:prstGeom prst="rect">
+            <a:avLst/>
+          </a:prstGeom>
+          <a:solidFill>
+            <a:srgbClr val="2C3C50"/>
+          </a:solidFill>
+          <a:ln>
+            <a:noFill/>
+          </a:ln>
+        </p:spPr>
+        <p:style>
+          <a:lnRef idx="2">
+            <a:schemeClr val="accent1">
+              <a:shade val="50000"/>
+            </a:schemeClr>
+          </a:lnRef>
+          <a:fillRef idx="1">
+            <a:schemeClr val="accent1"/>
+          </a:fillRef>
+          <a:effectRef idx="0">
+            <a:schemeClr val="accent1"/>
+          </a:effectRef>
+          <a:fontRef idx="minor">
+            <a:schemeClr val="lt1"/>
+          </a:fontRef>
+        </p:style>
+        <p:txBody>
+          <a:bodyPr rtlCol="0" anchor="ctr"/>
+          <a:lstStyle/>
+          <a:p>
+            <a:pPr algn="ctr"/>
+            <a:endParaRPr lang="en-US"/>
+          </a:p>
+        </p:txBody>
+      </p:sp>
+      <p:sp>
+        <p:nvSpPr>
+          <p:cNvPr id="19" name="Rectangle 18">
+            <a:extLst>
+              <a:ext uri="{FF2B5EF4-FFF2-40B4-BE49-F238E27FC236}">
+                <a16:creationId xmlns:a16="http://schemas.microsoft.com/office/drawing/2014/main" id="{DDA5539E-D8B4-4F5A-B46F-C304F5D7A847}"/>
+              </a:ext>
+              <a:ext uri="{C183D7F6-B498-43B3-948B-1728B52AA6E4}">
+                <adec:decorative xmlns:adec="http://schemas.microsoft.com/office/drawing/2017/decorative" val="1"/>
+              </a:ext>
+            </a:extLst>
+          </p:cNvPr>
+          <p:cNvSpPr>
+            <a:spLocks noGrp="1" noRot="1" noChangeAspect="1" noMove="1" noResize="1" noEditPoints="1" noAdjustHandles="1" noChangeArrowheads="1" noChangeShapeType="1" noTextEdit="1"/>
+          </p:cNvSpPr>
+          <p:nvPr>
+            <p:extLst>
+              <p:ext uri="{386F3935-93C4-4BCD-93E2-E3B085C9AB24}">
+                <p16:designElem xmlns:p16="http://schemas.microsoft.com/office/powerpoint/2015/main" val="1"/>
+              </p:ext>
+            </p:extLst>
+          </p:nvPr>
+        </p:nvSpPr>
+        <p:spPr>
+          <a:xfrm>
+            <a:off x="477012" y="480060"/>
+            <a:ext cx="11237976" cy="5897880"/>
+          </a:xfrm>
+          <a:prstGeom prst="rect">
+            <a:avLst/>
+          </a:prstGeom>
+          <a:solidFill>
+            <a:srgbClr val="FFFFFF"/>
+          </a:solidFill>
+          <a:ln>
+            <a:solidFill>
+              <a:srgbClr val="FFFFFF"/>
+            </a:solidFill>
+          </a:ln>
+        </p:spPr>
+        <p:style>
+          <a:lnRef idx="2">
+            <a:schemeClr val="accent1">
+              <a:shade val="50000"/>
+            </a:schemeClr>
+          </a:lnRef>
+          <a:fillRef idx="1">
+            <a:schemeClr val="accent1"/>
+          </a:fillRef>
+          <a:effectRef idx="0">
+            <a:schemeClr val="accent1"/>
+          </a:effectRef>
+          <a:fontRef idx="minor">
+            <a:schemeClr val="lt1"/>
+          </a:fontRef>
+        </p:style>
+        <p:txBody>
+          <a:bodyPr rtlCol="0" anchor="ctr"/>
+          <a:lstStyle/>
+          <a:p>
+            <a:pPr algn="ctr"/>
+            <a:endParaRPr lang="en-US"/>
+          </a:p>
+        </p:txBody>
+      </p:sp>
+      <p:pic>
+        <p:nvPicPr>
+          <p:cNvPr id="2" name="Online Media 1" title="Trained and untrained agents play StarCraft II full 1vs1 game">
+            <a:hlinkClick r:id="" action="ppaction://media"/>
+            <a:extLst>
+              <a:ext uri="{FF2B5EF4-FFF2-40B4-BE49-F238E27FC236}">
+                <a16:creationId xmlns:a16="http://schemas.microsoft.com/office/drawing/2014/main" id="{2F998433-4AB5-4585-A052-E43595E8F6F5}"/>
+              </a:ext>
+            </a:extLst>
+          </p:cNvPr>
+          <p:cNvPicPr>
+            <a:picLocks noRot="1" noChangeAspect="1"/>
+          </p:cNvPicPr>
+          <p:nvPr>
+            <a:videoFile r:link="rId1"/>
+          </p:nvPr>
+        </p:nvPicPr>
+        <p:blipFill>
+          <a:blip r:embed="rId3"/>
+          <a:stretch>
+            <a:fillRect/>
+          </a:stretch>
+        </p:blipFill>
+        <p:spPr>
+          <a:xfrm>
+            <a:off x="1427668" y="803063"/>
+            <a:ext cx="9336664" cy="5251874"/>
+          </a:xfrm>
+          <a:prstGeom prst="rect">
+            <a:avLst/>
+          </a:prstGeom>
+        </p:spPr>
+      </p:pic>
+    </p:spTree>
+    <p:extLst>
+      <p:ext uri="{BB962C8B-B14F-4D97-AF65-F5344CB8AC3E}">
+        <p14:creationId xmlns:p14="http://schemas.microsoft.com/office/powerpoint/2010/main" val="2169803883"/>
+      </p:ext>
+    </p:extLst>
+  </p:cSld>
+  <p:clrMapOvr>
+    <a:masterClrMapping/>
+  </p:clrMapOvr>
+  <p:timing>
+    <p:tnLst>
+      <p:par>
+        <p:cTn id="1" dur="indefinite" restart="never" nodeType="tmRoot">
+          <p:childTnLst>
+            <p:seq concurrent="1" nextAc="seek">
+              <p:cTn id="2" dur="indefinite" nodeType="mainSeq">
+                <p:childTnLst>
+                  <p:par>
+                    <p:cTn id="3" fill="hold">
+                      <p:stCondLst>
+                        <p:cond delay="indefinite"/>
+                      </p:stCondLst>
+                      <p:childTnLst>
+                        <p:par>
+                          <p:cTn id="4" fill="hold">
+                            <p:stCondLst>
+                              <p:cond delay="0"/>
+                            </p:stCondLst>
+                            <p:childTnLst>
+                              <p:par>
+                                <p:cTn id="5" presetID="1" presetClass="mediacall" presetSubtype="0" fill="hold" nodeType="clickEffect">
+                                  <p:stCondLst>
+                                    <p:cond delay="0"/>
+                                  </p:stCondLst>
+                                  <p:childTnLst>
+                                    <p:cmd type="call" cmd="playFrom(0.0)">
+                                      <p:cBhvr>
+                                        <p:cTn id="6" dur="1" fill="hold"/>
+                                        <p:tgtEl>
+                                          <p:spTgt spid="2"/>
+                                        </p:tgtEl>
+                                      </p:cBhvr>
+                                    </p:cmd>
+                                  </p:childTnLst>
+                                </p:cTn>
+                              </p:par>
+                            </p:childTnLst>
+                          </p:cTn>
+                        </p:par>
+                      </p:childTnLst>
+                    </p:cTn>
+                  </p:par>
+                </p:childTnLst>
+              </p:cTn>
+              <p:prevCondLst>
+                <p:cond evt="onPrev" delay="0">
+                  <p:tgtEl>
+                    <p:sldTgt/>
+                  </p:tgtEl>
+                </p:cond>
+              </p:prevCondLst>
+              <p:nextCondLst>
+                <p:cond evt="onNext" delay="0">
+                  <p:tgtEl>
+                    <p:sldTgt/>
+                  </p:tgtEl>
+                </p:cond>
+              </p:nextCondLst>
+            </p:seq>
+            <p:video>
+              <p:cMediaNode vol="80000">
+                <p:cTn id="7" fill="hold" display="0">
+                  <p:stCondLst>
+                    <p:cond delay="indefinite"/>
+                  </p:stCondLst>
+                </p:cTn>
+                <p:tgtEl>
+                  <p:spTgt spid="2"/>
+                </p:tgtEl>
+              </p:cMediaNode>
+            </p:video>
+            <p:seq concurrent="1" nextAc="seek">
+              <p:cTn id="8" restart="whenNotActive" fill="hold" evtFilter="cancelBubble" nodeType="interactiveSeq">
+                <p:stCondLst>
+                  <p:cond evt="onClick" delay="0">
+                    <p:tgtEl>
+                      <p:spTgt spid="2"/>
+                    </p:tgtEl>
+                  </p:cond>
+                </p:stCondLst>
+                <p:endSync evt="end" delay="0">
+                  <p:rtn val="all"/>
+                </p:endSync>
+                <p:childTnLst>
+                  <p:par>
+                    <p:cTn id="9" fill="hold">
+                      <p:stCondLst>
+                        <p:cond delay="0"/>
+                      </p:stCondLst>
+                      <p:childTnLst>
+                        <p:par>
+                          <p:cTn id="10" fill="hold">
+                            <p:stCondLst>
+                              <p:cond delay="0"/>
+                            </p:stCondLst>
+                            <p:childTnLst>
+                              <p:par>
+                                <p:cTn id="11" presetID="2" presetClass="mediacall" presetSubtype="0" fill="hold" nodeType="clickEffect">
+                                  <p:stCondLst>
+                                    <p:cond delay="0"/>
+                                  </p:stCondLst>
+                                  <p:childTnLst>
+                                    <p:cmd type="call" cmd="togglePause">
+                                      <p:cBhvr>
+                                        <p:cTn id="12" dur="1" fill="hold"/>
+                                        <p:tgtEl>
+                                          <p:spTgt spid="2"/>
+                                        </p:tgtEl>
+                                      </p:cBhvr>
+                                    </p:cmd>
+                                  </p:childTnLst>
+                                </p:cTn>
+                              </p:par>
+                            </p:childTnLst>
+                          </p:cTn>
+                        </p:par>
+                      </p:childTnLst>
+                    </p:cTn>
+                  </p:par>
+                </p:childTnLst>
+              </p:cTn>
+              <p:nextCondLst>
+                <p:cond evt="onClick" delay="0">
+                  <p:tgtEl>
+                    <p:spTgt spid="2"/>
+                  </p:tgtEl>
+                </p:cond>
+              </p:nextCondLst>
+            </p:seq>
+          </p:childTnLst>
+        </p:cTn>
+      </p:par>
+    </p:tnLst>
+  </p:timing>
+</p:sld>
+</file>
+
+<file path=ppt/slides/slide17.xml><?xml version="1.0" encoding="utf-8"?>
+<p:sld xmlns:a="http://schemas.openxmlformats.org/drawingml/2006/main" xmlns:r="http://schemas.openxmlformats.org/officeDocument/2006/relationships" xmlns:p="http://schemas.openxmlformats.org/presentationml/2006/main">
+  <p:cSld>
     <p:spTree>
       <p:nvGrpSpPr>
         <p:cNvPr id="1" name=""/>
@@ -8615,8 +9405,38 @@
         </p:blipFill>
         <p:spPr>
           <a:xfrm>
-            <a:off x="160421" y="1882899"/>
+            <a:off x="140965" y="209883"/>
             <a:ext cx="8648935" cy="4152234"/>
+          </a:xfrm>
+          <a:prstGeom prst="rect">
+            <a:avLst/>
+          </a:prstGeom>
+        </p:spPr>
+      </p:pic>
+      <p:pic>
+        <p:nvPicPr>
+          <p:cNvPr id="3" name="Picture 2">
+            <a:extLst>
+              <a:ext uri="{FF2B5EF4-FFF2-40B4-BE49-F238E27FC236}">
+                <a16:creationId xmlns:a16="http://schemas.microsoft.com/office/drawing/2014/main" id="{AE53B203-BFF1-489D-9D46-017C5AFAEDF6}"/>
+              </a:ext>
+            </a:extLst>
+          </p:cNvPr>
+          <p:cNvPicPr>
+            <a:picLocks noChangeAspect="1"/>
+          </p:cNvPicPr>
+          <p:nvPr/>
+        </p:nvPicPr>
+        <p:blipFill>
+          <a:blip r:embed="rId4"/>
+          <a:stretch>
+            <a:fillRect/>
+          </a:stretch>
+        </p:blipFill>
+        <p:spPr>
+          <a:xfrm>
+            <a:off x="2067041" y="4457296"/>
+            <a:ext cx="5111971" cy="2400704"/>
           </a:xfrm>
           <a:prstGeom prst="rect">
             <a:avLst/>

--- a/From RL to DRL.pptx
+++ b/From RL to DRL.pptx
@@ -5,10 +5,10 @@
     <p:sldMasterId id="2147483785" r:id="rId1"/>
   </p:sldMasterIdLst>
   <p:notesMasterIdLst>
-    <p:notesMasterId r:id="rId20"/>
+    <p:notesMasterId r:id="rId21"/>
   </p:notesMasterIdLst>
   <p:handoutMasterIdLst>
-    <p:handoutMasterId r:id="rId21"/>
+    <p:handoutMasterId r:id="rId22"/>
   </p:handoutMasterIdLst>
   <p:sldIdLst>
     <p:sldId id="275" r:id="rId2"/>
@@ -22,13 +22,14 @@
     <p:sldId id="264" r:id="rId10"/>
     <p:sldId id="274" r:id="rId11"/>
     <p:sldId id="268" r:id="rId12"/>
-    <p:sldId id="267" r:id="rId13"/>
-    <p:sldId id="265" r:id="rId14"/>
-    <p:sldId id="266" r:id="rId15"/>
-    <p:sldId id="269" r:id="rId16"/>
-    <p:sldId id="271" r:id="rId17"/>
-    <p:sldId id="272" r:id="rId18"/>
-    <p:sldId id="270" r:id="rId19"/>
+    <p:sldId id="276" r:id="rId13"/>
+    <p:sldId id="267" r:id="rId14"/>
+    <p:sldId id="265" r:id="rId15"/>
+    <p:sldId id="266" r:id="rId16"/>
+    <p:sldId id="269" r:id="rId17"/>
+    <p:sldId id="271" r:id="rId18"/>
+    <p:sldId id="272" r:id="rId19"/>
+    <p:sldId id="270" r:id="rId20"/>
   </p:sldIdLst>
   <p:sldSz cx="12192000" cy="6858000"/>
   <p:notesSz cx="6858000" cy="9144000"/>
@@ -130,6 +131,9 @@
   <p:extLst>
     <p:ext uri="{EFAFB233-063F-42B5-8137-9DF3F51BA10A}">
       <p15:sldGuideLst xmlns:p15="http://schemas.microsoft.com/office/powerpoint/2012/main"/>
+    </p:ext>
+    <p:ext uri="{2D200454-40CA-4A62-9FC3-DE9A4176ACB9}">
+      <p15:notesGuideLst xmlns:p15="http://schemas.microsoft.com/office/powerpoint/2012/main"/>
     </p:ext>
   </p:extLst>
 </p:presentation>
@@ -829,7 +833,7 @@
           <a:p>
             <a:fld id="{1980DC7F-660A-4453-9840-44DB0AF8652B}" type="slidenum">
               <a:rPr lang="en-US" smtClean="0"/>
-              <a:t>18</a:t>
+              <a:t>19</a:t>
             </a:fld>
             <a:endParaRPr lang="en-US"/>
           </a:p>
@@ -3601,7 +3605,7 @@
           <a:p>
             <a:fld id="{1980DC7F-660A-4453-9840-44DB0AF8652B}" type="slidenum">
               <a:rPr lang="en-US" smtClean="0"/>
-              <a:t>12</a:t>
+              <a:t>13</a:t>
             </a:fld>
             <a:endParaRPr lang="en-US"/>
           </a:p>
@@ -3837,7 +3841,7 @@
           <a:p>
             <a:fld id="{1980DC7F-660A-4453-9840-44DB0AF8652B}" type="slidenum">
               <a:rPr lang="en-US" smtClean="0"/>
-              <a:t>13</a:t>
+              <a:t>14</a:t>
             </a:fld>
             <a:endParaRPr lang="en-US"/>
           </a:p>
@@ -4168,7 +4172,7 @@
           <a:p>
             <a:fld id="{1980DC7F-660A-4453-9840-44DB0AF8652B}" type="slidenum">
               <a:rPr lang="en-US" smtClean="0"/>
-              <a:t>14</a:t>
+              <a:t>15</a:t>
             </a:fld>
             <a:endParaRPr lang="en-US"/>
           </a:p>
@@ -4288,7 +4292,7 @@
           <a:p>
             <a:fld id="{1980DC7F-660A-4453-9840-44DB0AF8652B}" type="slidenum">
               <a:rPr lang="en-US" smtClean="0"/>
-              <a:t>15</a:t>
+              <a:t>16</a:t>
             </a:fld>
             <a:endParaRPr lang="en-US"/>
           </a:p>
@@ -8375,6 +8379,14 @@
 <file path=ppt/slides/slide12.xml><?xml version="1.0" encoding="utf-8"?>
 <p:sld xmlns:a="http://schemas.openxmlformats.org/drawingml/2006/main" xmlns:r="http://schemas.openxmlformats.org/officeDocument/2006/relationships" xmlns:p="http://schemas.openxmlformats.org/presentationml/2006/main">
   <p:cSld>
+    <p:bg>
+      <p:bgPr>
+        <a:solidFill>
+          <a:schemeClr val="bg1"/>
+        </a:solidFill>
+        <a:effectLst/>
+      </p:bgPr>
+    </p:bg>
     <p:spTree>
       <p:nvGrpSpPr>
         <p:cNvPr id="1" name=""/>
@@ -8389,59 +8401,255 @@
           <a:chExt cx="0" cy="0"/>
         </a:xfrm>
       </p:grpSpPr>
-      <p:sp>
-        <p:nvSpPr>
-          <p:cNvPr id="2" name="Title 1">
+      <p:sp useBgFill="1">
+        <p:nvSpPr>
+          <p:cNvPr id="42" name="Rectangle 41">
             <a:extLst>
               <a:ext uri="{FF2B5EF4-FFF2-40B4-BE49-F238E27FC236}">
-                <a16:creationId xmlns:a16="http://schemas.microsoft.com/office/drawing/2014/main" id="{BB5F6E98-153D-4AEB-AD5B-82574D84354F}"/>
+                <a16:creationId xmlns:a16="http://schemas.microsoft.com/office/drawing/2014/main" id="{8C266B9D-DC87-430A-8D3A-2E83639A1768}"/>
+              </a:ext>
+              <a:ext uri="{C183D7F6-B498-43B3-948B-1728B52AA6E4}">
+                <adec:decorative xmlns:adec="http://schemas.microsoft.com/office/drawing/2017/decorative" val="1"/>
               </a:ext>
             </a:extLst>
           </p:cNvPr>
           <p:cNvSpPr>
-            <a:spLocks noGrp="1"/>
-          </p:cNvSpPr>
-          <p:nvPr>
-            <p:ph type="title"/>
-          </p:nvPr>
-        </p:nvSpPr>
-        <p:spPr/>
-        <p:txBody>
-          <a:bodyPr/>
+            <a:spLocks noGrp="1" noRot="1" noChangeAspect="1" noMove="1" noResize="1" noEditPoints="1" noAdjustHandles="1" noChangeArrowheads="1" noChangeShapeType="1" noTextEdit="1"/>
+          </p:cNvSpPr>
+          <p:nvPr>
+            <p:extLst>
+              <p:ext uri="{386F3935-93C4-4BCD-93E2-E3B085C9AB24}">
+                <p16:designElem xmlns:p16="http://schemas.microsoft.com/office/powerpoint/2015/main" val="1"/>
+              </p:ext>
+            </p:extLst>
+          </p:nvPr>
+        </p:nvSpPr>
+        <p:spPr>
+          <a:xfrm>
+            <a:off x="0" y="0"/>
+            <a:ext cx="12192000" cy="6858000"/>
+          </a:xfrm>
+          <a:prstGeom prst="rect">
+            <a:avLst/>
+          </a:prstGeom>
+          <a:ln>
+            <a:noFill/>
+          </a:ln>
+        </p:spPr>
+        <p:style>
+          <a:lnRef idx="2">
+            <a:schemeClr val="accent1">
+              <a:shade val="50000"/>
+            </a:schemeClr>
+          </a:lnRef>
+          <a:fillRef idx="1">
+            <a:schemeClr val="accent1"/>
+          </a:fillRef>
+          <a:effectRef idx="0">
+            <a:schemeClr val="accent1"/>
+          </a:effectRef>
+          <a:fontRef idx="minor">
+            <a:schemeClr val="lt1"/>
+          </a:fontRef>
+        </p:style>
+        <p:txBody>
+          <a:bodyPr rtlCol="0" anchor="ctr"/>
           <a:lstStyle/>
           <a:p>
-            <a:r>
-              <a:rPr lang="en-US" dirty="0"/>
-              <a:t>Visualization of learned value functions </a:t>
-            </a:r>
-          </a:p>
-        </p:txBody>
+            <a:pPr algn="ctr"/>
+            <a:endParaRPr lang="en-US"/>
+          </a:p>
+        </p:txBody>
+      </p:sp>
+      <p:sp>
+        <p:nvSpPr>
+          <p:cNvPr id="44" name="Rectangle 43">
+            <a:extLst>
+              <a:ext uri="{FF2B5EF4-FFF2-40B4-BE49-F238E27FC236}">
+                <a16:creationId xmlns:a16="http://schemas.microsoft.com/office/drawing/2014/main" id="{69282F36-261B-49B3-8CA9-FB857C475A0E}"/>
+              </a:ext>
+              <a:ext uri="{C183D7F6-B498-43B3-948B-1728B52AA6E4}">
+                <adec:decorative xmlns:adec="http://schemas.microsoft.com/office/drawing/2017/decorative" val="1"/>
+              </a:ext>
+            </a:extLst>
+          </p:cNvPr>
+          <p:cNvSpPr>
+            <a:spLocks noGrp="1" noRot="1" noChangeAspect="1" noMove="1" noResize="1" noEditPoints="1" noAdjustHandles="1" noChangeArrowheads="1" noChangeShapeType="1" noTextEdit="1"/>
+          </p:cNvSpPr>
+          <p:nvPr>
+            <p:extLst>
+              <p:ext uri="{386F3935-93C4-4BCD-93E2-E3B085C9AB24}">
+                <p16:designElem xmlns:p16="http://schemas.microsoft.com/office/powerpoint/2015/main" val="1"/>
+              </p:ext>
+            </p:extLst>
+          </p:nvPr>
+        </p:nvSpPr>
+        <p:spPr>
+          <a:xfrm>
+            <a:off x="446534" y="455422"/>
+            <a:ext cx="3703320" cy="94997"/>
+          </a:xfrm>
+          <a:prstGeom prst="rect">
+            <a:avLst/>
+          </a:prstGeom>
+          <a:solidFill>
+            <a:schemeClr val="accent1"/>
+          </a:solidFill>
+          <a:ln>
+            <a:noFill/>
+          </a:ln>
+          <a:effectLst/>
+        </p:spPr>
+        <p:style>
+          <a:lnRef idx="1">
+            <a:schemeClr val="accent1"/>
+          </a:lnRef>
+          <a:fillRef idx="3">
+            <a:schemeClr val="accent1"/>
+          </a:fillRef>
+          <a:effectRef idx="2">
+            <a:schemeClr val="accent1"/>
+          </a:effectRef>
+          <a:fontRef idx="minor">
+            <a:schemeClr val="lt1"/>
+          </a:fontRef>
+        </p:style>
+      </p:sp>
+      <p:sp>
+        <p:nvSpPr>
+          <p:cNvPr id="46" name="Rectangle 45">
+            <a:extLst>
+              <a:ext uri="{FF2B5EF4-FFF2-40B4-BE49-F238E27FC236}">
+                <a16:creationId xmlns:a16="http://schemas.microsoft.com/office/drawing/2014/main" id="{B87215C3-3B83-4BE7-9213-26E084BD6158}"/>
+              </a:ext>
+              <a:ext uri="{C183D7F6-B498-43B3-948B-1728B52AA6E4}">
+                <adec:decorative xmlns:adec="http://schemas.microsoft.com/office/drawing/2017/decorative" val="1"/>
+              </a:ext>
+            </a:extLst>
+          </p:cNvPr>
+          <p:cNvSpPr>
+            <a:spLocks noGrp="1" noRot="1" noChangeAspect="1" noMove="1" noResize="1" noEditPoints="1" noAdjustHandles="1" noChangeArrowheads="1" noChangeShapeType="1" noTextEdit="1"/>
+          </p:cNvSpPr>
+          <p:nvPr>
+            <p:extLst>
+              <p:ext uri="{386F3935-93C4-4BCD-93E2-E3B085C9AB24}">
+                <p16:designElem xmlns:p16="http://schemas.microsoft.com/office/powerpoint/2015/main" val="1"/>
+              </p:ext>
+            </p:extLst>
+          </p:nvPr>
+        </p:nvSpPr>
+        <p:spPr>
+          <a:xfrm>
+            <a:off x="4244341" y="457200"/>
+            <a:ext cx="3703320" cy="91440"/>
+          </a:xfrm>
+          <a:prstGeom prst="rect">
+            <a:avLst/>
+          </a:prstGeom>
+          <a:solidFill>
+            <a:schemeClr val="accent2"/>
+          </a:solidFill>
+          <a:ln>
+            <a:noFill/>
+          </a:ln>
+          <a:effectLst/>
+        </p:spPr>
+        <p:style>
+          <a:lnRef idx="1">
+            <a:schemeClr val="accent1"/>
+          </a:lnRef>
+          <a:fillRef idx="3">
+            <a:schemeClr val="accent1"/>
+          </a:fillRef>
+          <a:effectRef idx="2">
+            <a:schemeClr val="accent1"/>
+          </a:effectRef>
+          <a:fontRef idx="minor">
+            <a:schemeClr val="lt1"/>
+          </a:fontRef>
+        </p:style>
+      </p:sp>
+      <p:sp>
+        <p:nvSpPr>
+          <p:cNvPr id="48" name="Rectangle 47">
+            <a:extLst>
+              <a:ext uri="{FF2B5EF4-FFF2-40B4-BE49-F238E27FC236}">
+                <a16:creationId xmlns:a16="http://schemas.microsoft.com/office/drawing/2014/main" id="{13A105D4-2907-419E-8223-4C266BA1E5FB}"/>
+              </a:ext>
+              <a:ext uri="{C183D7F6-B498-43B3-948B-1728B52AA6E4}">
+                <adec:decorative xmlns:adec="http://schemas.microsoft.com/office/drawing/2017/decorative" val="1"/>
+              </a:ext>
+            </a:extLst>
+          </p:cNvPr>
+          <p:cNvSpPr>
+            <a:spLocks noGrp="1" noRot="1" noChangeAspect="1" noMove="1" noResize="1" noEditPoints="1" noAdjustHandles="1" noChangeArrowheads="1" noChangeShapeType="1" noTextEdit="1"/>
+          </p:cNvSpPr>
+          <p:nvPr>
+            <p:extLst>
+              <p:ext uri="{386F3935-93C4-4BCD-93E2-E3B085C9AB24}">
+                <p16:designElem xmlns:p16="http://schemas.microsoft.com/office/powerpoint/2015/main" val="1"/>
+              </p:ext>
+            </p:extLst>
+          </p:nvPr>
+        </p:nvSpPr>
+        <p:spPr>
+          <a:xfrm>
+            <a:off x="8042147" y="453643"/>
+            <a:ext cx="3703320" cy="98554"/>
+          </a:xfrm>
+          <a:prstGeom prst="rect">
+            <a:avLst/>
+          </a:prstGeom>
+          <a:solidFill>
+            <a:schemeClr val="accent4"/>
+          </a:solidFill>
+          <a:ln>
+            <a:noFill/>
+          </a:ln>
+          <a:effectLst/>
+        </p:spPr>
+        <p:style>
+          <a:lnRef idx="1">
+            <a:schemeClr val="accent1"/>
+          </a:lnRef>
+          <a:fillRef idx="3">
+            <a:schemeClr val="accent1"/>
+          </a:fillRef>
+          <a:effectRef idx="2">
+            <a:schemeClr val="accent1"/>
+          </a:effectRef>
+          <a:fontRef idx="minor">
+            <a:schemeClr val="lt1"/>
+          </a:fontRef>
+        </p:style>
       </p:sp>
       <p:pic>
         <p:nvPicPr>
-          <p:cNvPr id="5" name="Picture Placeholder 4">
+          <p:cNvPr id="5" name="Online Media 4" title="DQN Breakout">
+            <a:hlinkClick r:id="" action="ppaction://media"/>
             <a:extLst>
               <a:ext uri="{FF2B5EF4-FFF2-40B4-BE49-F238E27FC236}">
-                <a16:creationId xmlns:a16="http://schemas.microsoft.com/office/drawing/2014/main" id="{AB3ABB37-4F80-4F6A-B85A-36104D7C2962}"/>
+                <a16:creationId xmlns:a16="http://schemas.microsoft.com/office/drawing/2014/main" id="{4F3D79B3-DA84-452F-8481-F85FC8517918}"/>
               </a:ext>
             </a:extLst>
           </p:cNvPr>
           <p:cNvPicPr>
-            <a:picLocks noGrp="1" noChangeAspect="1"/>
+            <a:picLocks noRot="1" noChangeAspect="1"/>
           </p:cNvPicPr>
           <p:nvPr>
-            <p:ph type="pic" idx="1"/>
+            <a:videoFile r:link="rId1"/>
           </p:nvPr>
         </p:nvPicPr>
-        <p:blipFill rotWithShape="1">
+        <p:blipFill>
           <a:blip r:embed="rId3"/>
-          <a:srcRect t="6660" b="26990"/>
-          <a:stretch/>
+          <a:stretch>
+            <a:fillRect/>
+          </a:stretch>
         </p:blipFill>
         <p:spPr>
           <a:xfrm>
-            <a:off x="381420" y="233155"/>
-            <a:ext cx="7322167" cy="6391690"/>
+            <a:off x="446533" y="610997"/>
+            <a:ext cx="6933761" cy="5200321"/>
           </a:xfrm>
           <a:prstGeom prst="rect">
             <a:avLst/>
@@ -8450,65 +8658,246 @@
       </p:pic>
       <p:sp>
         <p:nvSpPr>
-          <p:cNvPr id="4" name="Text Placeholder 3">
+          <p:cNvPr id="50" name="Rectangle 49">
             <a:extLst>
               <a:ext uri="{FF2B5EF4-FFF2-40B4-BE49-F238E27FC236}">
-                <a16:creationId xmlns:a16="http://schemas.microsoft.com/office/drawing/2014/main" id="{3D37B626-814E-4C12-8D2A-739EF7636376}"/>
+                <a16:creationId xmlns:a16="http://schemas.microsoft.com/office/drawing/2014/main" id="{1EEE7F17-8E08-4C69-8E22-661908E6DF72}"/>
+              </a:ext>
+              <a:ext uri="{C183D7F6-B498-43B3-948B-1728B52AA6E4}">
+                <adec:decorative xmlns:adec="http://schemas.microsoft.com/office/drawing/2017/decorative" val="1"/>
               </a:ext>
             </a:extLst>
           </p:cNvPr>
           <p:cNvSpPr>
-            <a:spLocks noGrp="1"/>
-          </p:cNvSpPr>
-          <p:nvPr>
-            <p:ph type="body" sz="half" idx="2"/>
+            <a:spLocks noGrp="1" noRot="1" noChangeAspect="1" noMove="1" noResize="1" noEditPoints="1" noAdjustHandles="1" noChangeArrowheads="1" noChangeShapeType="1" noTextEdit="1"/>
+          </p:cNvSpPr>
+          <p:nvPr>
+            <p:extLst>
+              <p:ext uri="{386F3935-93C4-4BCD-93E2-E3B085C9AB24}">
+                <p16:designElem xmlns:p16="http://schemas.microsoft.com/office/powerpoint/2015/main" val="1"/>
+              </p:ext>
+            </p:extLst>
           </p:nvPr>
         </p:nvSpPr>
         <p:spPr>
           <a:xfrm>
-            <a:off x="9734550" y="757237"/>
-            <a:ext cx="1617662" cy="800100"/>
+            <a:off x="446533" y="5873675"/>
+            <a:ext cx="11296733" cy="516890"/>
           </a:xfrm>
+          <a:prstGeom prst="rect">
+            <a:avLst/>
+          </a:prstGeom>
+          <a:solidFill>
+            <a:schemeClr val="accent1"/>
+          </a:solidFill>
+          <a:ln>
+            <a:noFill/>
+          </a:ln>
+          <a:effectLst/>
         </p:spPr>
-        <p:txBody>
-          <a:bodyPr/>
-          <a:lstStyle/>
-          <a:p>
-            <a:pPr marL="342900" indent="-342900">
-              <a:buAutoNum type="alphaLcPeriod"/>
-            </a:pPr>
-            <a:r>
-              <a:rPr lang="en-US" dirty="0"/>
-              <a:t>Breakout</a:t>
-            </a:r>
-          </a:p>
-          <a:p>
-            <a:pPr marL="342900" indent="-342900">
-              <a:buAutoNum type="alphaLcPeriod"/>
-            </a:pPr>
-            <a:r>
-              <a:rPr lang="en-US" dirty="0"/>
-              <a:t>Pong</a:t>
-            </a:r>
-          </a:p>
-        </p:txBody>
-      </p:sp>
+        <p:style>
+          <a:lnRef idx="1">
+            <a:schemeClr val="accent1"/>
+          </a:lnRef>
+          <a:fillRef idx="3">
+            <a:schemeClr val="accent1"/>
+          </a:fillRef>
+          <a:effectRef idx="2">
+            <a:schemeClr val="accent1"/>
+          </a:effectRef>
+          <a:fontRef idx="minor">
+            <a:schemeClr val="lt1"/>
+          </a:fontRef>
+        </p:style>
+      </p:sp>
+      <p:pic>
+        <p:nvPicPr>
+          <p:cNvPr id="25" name="Picture Placeholder 4">
+            <a:extLst>
+              <a:ext uri="{FF2B5EF4-FFF2-40B4-BE49-F238E27FC236}">
+                <a16:creationId xmlns:a16="http://schemas.microsoft.com/office/drawing/2014/main" id="{FC907B7B-A37B-4103-91E5-41E2E5A6BD31}"/>
+              </a:ext>
+            </a:extLst>
+          </p:cNvPr>
+          <p:cNvPicPr>
+            <a:picLocks noChangeAspect="1"/>
+          </p:cNvPicPr>
+          <p:nvPr/>
+        </p:nvPicPr>
+        <p:blipFill rotWithShape="1">
+          <a:blip r:embed="rId4"/>
+          <a:srcRect l="4516" t="6770" r="3673" b="56951"/>
+          <a:stretch/>
+        </p:blipFill>
+        <p:spPr>
+          <a:xfrm>
+            <a:off x="6096000" y="1680172"/>
+            <a:ext cx="6061857" cy="3151747"/>
+          </a:xfrm>
+          <a:prstGeom prst="rect">
+            <a:avLst/>
+          </a:prstGeom>
+        </p:spPr>
+      </p:pic>
     </p:spTree>
     <p:extLst>
       <p:ext uri="{BB962C8B-B14F-4D97-AF65-F5344CB8AC3E}">
-        <p14:creationId xmlns:p14="http://schemas.microsoft.com/office/powerpoint/2010/main" val="3743551264"/>
+        <p14:creationId xmlns:p14="http://schemas.microsoft.com/office/powerpoint/2010/main" val="1690056705"/>
       </p:ext>
     </p:extLst>
   </p:cSld>
   <p:clrMapOvr>
     <a:masterClrMapping/>
   </p:clrMapOvr>
+  <p:timing>
+    <p:tnLst>
+      <p:par>
+        <p:cTn id="1" dur="indefinite" restart="never" nodeType="tmRoot">
+          <p:childTnLst>
+            <p:seq concurrent="1" nextAc="seek">
+              <p:cTn id="2" dur="indefinite" nodeType="mainSeq">
+                <p:childTnLst>
+                  <p:par>
+                    <p:cTn id="3" fill="hold">
+                      <p:stCondLst>
+                        <p:cond delay="indefinite"/>
+                      </p:stCondLst>
+                      <p:childTnLst>
+                        <p:par>
+                          <p:cTn id="4" fill="hold">
+                            <p:stCondLst>
+                              <p:cond delay="0"/>
+                            </p:stCondLst>
+                            <p:childTnLst>
+                              <p:par>
+                                <p:cTn id="5" presetID="1" presetClass="mediacall" presetSubtype="0" fill="hold" nodeType="clickEffect">
+                                  <p:stCondLst>
+                                    <p:cond delay="0"/>
+                                  </p:stCondLst>
+                                  <p:childTnLst>
+                                    <p:cmd type="call" cmd="playFrom(0.0)">
+                                      <p:cBhvr>
+                                        <p:cTn id="6" dur="1" fill="hold"/>
+                                        <p:tgtEl>
+                                          <p:spTgt spid="5"/>
+                                        </p:tgtEl>
+                                      </p:cBhvr>
+                                    </p:cmd>
+                                  </p:childTnLst>
+                                </p:cTn>
+                              </p:par>
+                            </p:childTnLst>
+                          </p:cTn>
+                        </p:par>
+                      </p:childTnLst>
+                    </p:cTn>
+                  </p:par>
+                </p:childTnLst>
+              </p:cTn>
+              <p:prevCondLst>
+                <p:cond evt="onPrev" delay="0">
+                  <p:tgtEl>
+                    <p:sldTgt/>
+                  </p:tgtEl>
+                </p:cond>
+              </p:prevCondLst>
+              <p:nextCondLst>
+                <p:cond evt="onNext" delay="0">
+                  <p:tgtEl>
+                    <p:sldTgt/>
+                  </p:tgtEl>
+                </p:cond>
+              </p:nextCondLst>
+            </p:seq>
+            <p:video>
+              <p:cMediaNode vol="80000">
+                <p:cTn id="7" fill="hold" display="0">
+                  <p:stCondLst>
+                    <p:cond delay="indefinite"/>
+                  </p:stCondLst>
+                </p:cTn>
+                <p:tgtEl>
+                  <p:spTgt spid="5"/>
+                </p:tgtEl>
+              </p:cMediaNode>
+            </p:video>
+            <p:seq concurrent="1" nextAc="seek">
+              <p:cTn id="8" restart="whenNotActive" fill="hold" evtFilter="cancelBubble" nodeType="interactiveSeq">
+                <p:stCondLst>
+                  <p:cond evt="onClick" delay="0">
+                    <p:tgtEl>
+                      <p:spTgt spid="5"/>
+                    </p:tgtEl>
+                  </p:cond>
+                </p:stCondLst>
+                <p:endSync evt="end" delay="0">
+                  <p:rtn val="all"/>
+                </p:endSync>
+                <p:childTnLst>
+                  <p:par>
+                    <p:cTn id="9" fill="hold">
+                      <p:stCondLst>
+                        <p:cond delay="0"/>
+                      </p:stCondLst>
+                      <p:childTnLst>
+                        <p:par>
+                          <p:cTn id="10" fill="hold">
+                            <p:stCondLst>
+                              <p:cond delay="0"/>
+                            </p:stCondLst>
+                            <p:childTnLst>
+                              <p:par>
+                                <p:cTn id="11" presetID="2" presetClass="mediacall" presetSubtype="0" fill="hold" nodeType="clickEffect">
+                                  <p:stCondLst>
+                                    <p:cond delay="0"/>
+                                  </p:stCondLst>
+                                  <p:childTnLst>
+                                    <p:cmd type="call" cmd="togglePause">
+                                      <p:cBhvr>
+                                        <p:cTn id="12" dur="1" fill="hold"/>
+                                        <p:tgtEl>
+                                          <p:spTgt spid="5"/>
+                                        </p:tgtEl>
+                                      </p:cBhvr>
+                                    </p:cmd>
+                                  </p:childTnLst>
+                                </p:cTn>
+                              </p:par>
+                            </p:childTnLst>
+                          </p:cTn>
+                        </p:par>
+                      </p:childTnLst>
+                    </p:cTn>
+                  </p:par>
+                </p:childTnLst>
+              </p:cTn>
+              <p:nextCondLst>
+                <p:cond evt="onClick" delay="0">
+                  <p:tgtEl>
+                    <p:spTgt spid="5"/>
+                  </p:tgtEl>
+                </p:cond>
+              </p:nextCondLst>
+            </p:seq>
+          </p:childTnLst>
+        </p:cTn>
+      </p:par>
+    </p:tnLst>
+  </p:timing>
 </p:sld>
 </file>
 
 <file path=ppt/slides/slide13.xml><?xml version="1.0" encoding="utf-8"?>
 <p:sld xmlns:a="http://schemas.openxmlformats.org/drawingml/2006/main" xmlns:r="http://schemas.openxmlformats.org/officeDocument/2006/relationships" xmlns:p="http://schemas.openxmlformats.org/presentationml/2006/main">
   <p:cSld>
+    <p:bg>
+      <p:bgPr>
+        <a:solidFill>
+          <a:schemeClr val="bg1"/>
+        </a:solidFill>
+        <a:effectLst/>
+      </p:bgPr>
+    </p:bg>
     <p:spTree>
       <p:nvGrpSpPr>
         <p:cNvPr id="1" name=""/>
@@ -8525,10 +8914,343 @@
       </p:grpSpPr>
       <p:sp>
         <p:nvSpPr>
+          <p:cNvPr id="10" name="Rectangle 9">
+            <a:extLst>
+              <a:ext uri="{FF2B5EF4-FFF2-40B4-BE49-F238E27FC236}">
+                <a16:creationId xmlns:a16="http://schemas.microsoft.com/office/drawing/2014/main" id="{DB691D59-8F51-4DD8-AD41-D568D29B08F8}"/>
+              </a:ext>
+              <a:ext uri="{C183D7F6-B498-43B3-948B-1728B52AA6E4}">
+                <adec:decorative xmlns:adec="http://schemas.microsoft.com/office/drawing/2017/decorative" val="1"/>
+              </a:ext>
+            </a:extLst>
+          </p:cNvPr>
+          <p:cNvSpPr>
+            <a:spLocks noGrp="1" noRot="1" noChangeAspect="1" noMove="1" noResize="1" noEditPoints="1" noAdjustHandles="1" noChangeArrowheads="1" noChangeShapeType="1" noTextEdit="1"/>
+          </p:cNvSpPr>
+          <p:nvPr>
+            <p:extLst>
+              <p:ext uri="{386F3935-93C4-4BCD-93E2-E3B085C9AB24}">
+                <p16:designElem xmlns:p16="http://schemas.microsoft.com/office/powerpoint/2015/main" val="1"/>
+              </p:ext>
+            </p:extLst>
+          </p:nvPr>
+        </p:nvSpPr>
+        <p:spPr>
+          <a:xfrm>
+            <a:off x="446534" y="457200"/>
+            <a:ext cx="3703320" cy="94997"/>
+          </a:xfrm>
+          <a:prstGeom prst="rect">
+            <a:avLst/>
+          </a:prstGeom>
+          <a:solidFill>
+            <a:schemeClr val="accent1"/>
+          </a:solidFill>
+          <a:ln>
+            <a:noFill/>
+          </a:ln>
+          <a:effectLst/>
+        </p:spPr>
+        <p:style>
+          <a:lnRef idx="1">
+            <a:schemeClr val="accent1"/>
+          </a:lnRef>
+          <a:fillRef idx="3">
+            <a:schemeClr val="accent1"/>
+          </a:fillRef>
+          <a:effectRef idx="2">
+            <a:schemeClr val="accent1"/>
+          </a:effectRef>
+          <a:fontRef idx="minor">
+            <a:schemeClr val="lt1"/>
+          </a:fontRef>
+        </p:style>
+      </p:sp>
+      <p:sp>
+        <p:nvSpPr>
+          <p:cNvPr id="12" name="Rectangle 11">
+            <a:extLst>
+              <a:ext uri="{FF2B5EF4-FFF2-40B4-BE49-F238E27FC236}">
+                <a16:creationId xmlns:a16="http://schemas.microsoft.com/office/drawing/2014/main" id="{204AEF18-0627-48F3-9B3D-F7E8F050B1D4}"/>
+              </a:ext>
+              <a:ext uri="{C183D7F6-B498-43B3-948B-1728B52AA6E4}">
+                <adec:decorative xmlns:adec="http://schemas.microsoft.com/office/drawing/2017/decorative" val="1"/>
+              </a:ext>
+            </a:extLst>
+          </p:cNvPr>
+          <p:cNvSpPr>
+            <a:spLocks noGrp="1" noRot="1" noChangeAspect="1" noMove="1" noResize="1" noEditPoints="1" noAdjustHandles="1" noChangeArrowheads="1" noChangeShapeType="1" noTextEdit="1"/>
+          </p:cNvSpPr>
+          <p:nvPr>
+            <p:extLst>
+              <p:ext uri="{386F3935-93C4-4BCD-93E2-E3B085C9AB24}">
+                <p16:designElem xmlns:p16="http://schemas.microsoft.com/office/powerpoint/2015/main" val="1"/>
+              </p:ext>
+            </p:extLst>
+          </p:nvPr>
+        </p:nvSpPr>
+        <p:spPr>
+          <a:xfrm>
+            <a:off x="8042147" y="453643"/>
+            <a:ext cx="3703320" cy="98554"/>
+          </a:xfrm>
+          <a:prstGeom prst="rect">
+            <a:avLst/>
+          </a:prstGeom>
+          <a:solidFill>
+            <a:schemeClr val="accent4"/>
+          </a:solidFill>
+          <a:ln>
+            <a:noFill/>
+          </a:ln>
+          <a:effectLst/>
+        </p:spPr>
+        <p:style>
+          <a:lnRef idx="1">
+            <a:schemeClr val="accent1"/>
+          </a:lnRef>
+          <a:fillRef idx="3">
+            <a:schemeClr val="accent1"/>
+          </a:fillRef>
+          <a:effectRef idx="2">
+            <a:schemeClr val="accent1"/>
+          </a:effectRef>
+          <a:fontRef idx="minor">
+            <a:schemeClr val="lt1"/>
+          </a:fontRef>
+        </p:style>
+      </p:sp>
+      <p:sp>
+        <p:nvSpPr>
+          <p:cNvPr id="14" name="Rectangle 13">
+            <a:extLst>
+              <a:ext uri="{FF2B5EF4-FFF2-40B4-BE49-F238E27FC236}">
+                <a16:creationId xmlns:a16="http://schemas.microsoft.com/office/drawing/2014/main" id="{CEAEE08A-C572-438F-9753-B0D527A515A7}"/>
+              </a:ext>
+              <a:ext uri="{C183D7F6-B498-43B3-948B-1728B52AA6E4}">
+                <adec:decorative xmlns:adec="http://schemas.microsoft.com/office/drawing/2017/decorative" val="1"/>
+              </a:ext>
+            </a:extLst>
+          </p:cNvPr>
+          <p:cNvSpPr>
+            <a:spLocks noGrp="1" noRot="1" noChangeAspect="1" noMove="1" noResize="1" noEditPoints="1" noAdjustHandles="1" noChangeArrowheads="1" noChangeShapeType="1" noTextEdit="1"/>
+          </p:cNvSpPr>
+          <p:nvPr>
+            <p:extLst>
+              <p:ext uri="{386F3935-93C4-4BCD-93E2-E3B085C9AB24}">
+                <p16:designElem xmlns:p16="http://schemas.microsoft.com/office/powerpoint/2015/main" val="1"/>
+              </p:ext>
+            </p:extLst>
+          </p:nvPr>
+        </p:nvSpPr>
+        <p:spPr>
+          <a:xfrm>
+            <a:off x="4241830" y="457200"/>
+            <a:ext cx="3703320" cy="91440"/>
+          </a:xfrm>
+          <a:prstGeom prst="rect">
+            <a:avLst/>
+          </a:prstGeom>
+          <a:solidFill>
+            <a:schemeClr val="accent2"/>
+          </a:solidFill>
+          <a:ln>
+            <a:noFill/>
+          </a:ln>
+          <a:effectLst/>
+        </p:spPr>
+        <p:style>
+          <a:lnRef idx="1">
+            <a:schemeClr val="accent1"/>
+          </a:lnRef>
+          <a:fillRef idx="3">
+            <a:schemeClr val="accent1"/>
+          </a:fillRef>
+          <a:effectRef idx="2">
+            <a:schemeClr val="accent1"/>
+          </a:effectRef>
+          <a:fontRef idx="minor">
+            <a:schemeClr val="lt1"/>
+          </a:fontRef>
+        </p:style>
+      </p:sp>
+      <p:sp>
+        <p:nvSpPr>
+          <p:cNvPr id="16" name="Rectangle 15">
+            <a:extLst>
+              <a:ext uri="{FF2B5EF4-FFF2-40B4-BE49-F238E27FC236}">
+                <a16:creationId xmlns:a16="http://schemas.microsoft.com/office/drawing/2014/main" id="{993F09C6-4F57-4B05-9592-E253D8BC6286}"/>
+              </a:ext>
+              <a:ext uri="{C183D7F6-B498-43B3-948B-1728B52AA6E4}">
+                <adec:decorative xmlns:adec="http://schemas.microsoft.com/office/drawing/2017/decorative" val="1"/>
+              </a:ext>
+            </a:extLst>
+          </p:cNvPr>
+          <p:cNvSpPr>
+            <a:spLocks noGrp="1" noRot="1" noChangeAspect="1" noMove="1" noResize="1" noEditPoints="1" noAdjustHandles="1" noChangeArrowheads="1" noChangeShapeType="1" noTextEdit="1"/>
+          </p:cNvSpPr>
+          <p:nvPr>
+            <p:extLst>
+              <p:ext uri="{386F3935-93C4-4BCD-93E2-E3B085C9AB24}">
+                <p16:designElem xmlns:p16="http://schemas.microsoft.com/office/powerpoint/2015/main" val="1"/>
+              </p:ext>
+            </p:extLst>
+          </p:nvPr>
+        </p:nvSpPr>
+        <p:spPr>
+          <a:xfrm>
+            <a:off x="440286" y="614407"/>
+            <a:ext cx="11309338" cy="1189298"/>
+          </a:xfrm>
+          <a:prstGeom prst="rect">
+            <a:avLst/>
+          </a:prstGeom>
+          <a:solidFill>
+            <a:schemeClr val="accent1"/>
+          </a:solidFill>
+          <a:ln>
+            <a:noFill/>
+          </a:ln>
+          <a:effectLst/>
+        </p:spPr>
+        <p:style>
+          <a:lnRef idx="1">
+            <a:schemeClr val="accent1"/>
+          </a:lnRef>
+          <a:fillRef idx="3">
+            <a:schemeClr val="accent1"/>
+          </a:fillRef>
+          <a:effectRef idx="2">
+            <a:schemeClr val="accent1"/>
+          </a:effectRef>
+          <a:fontRef idx="minor">
+            <a:schemeClr val="lt1"/>
+          </a:fontRef>
+        </p:style>
+      </p:sp>
+      <p:sp>
+        <p:nvSpPr>
+          <p:cNvPr id="18" name="Rectangle 17">
+            <a:extLst>
+              <a:ext uri="{FF2B5EF4-FFF2-40B4-BE49-F238E27FC236}">
+                <a16:creationId xmlns:a16="http://schemas.microsoft.com/office/drawing/2014/main" id="{636F6DB7-CF8D-494A-82F6-13B58DCA9896}"/>
+              </a:ext>
+              <a:ext uri="{C183D7F6-B498-43B3-948B-1728B52AA6E4}">
+                <adec:decorative xmlns:adec="http://schemas.microsoft.com/office/drawing/2017/decorative" val="1"/>
+              </a:ext>
+            </a:extLst>
+          </p:cNvPr>
+          <p:cNvSpPr>
+            <a:spLocks noGrp="1" noRot="1" noChangeAspect="1" noMove="1" noResize="1" noEditPoints="1" noAdjustHandles="1" noChangeArrowheads="1" noChangeShapeType="1" noTextEdit="1"/>
+          </p:cNvSpPr>
+          <p:nvPr>
+            <p:extLst>
+              <p:ext uri="{386F3935-93C4-4BCD-93E2-E3B085C9AB24}">
+                <p16:designElem xmlns:p16="http://schemas.microsoft.com/office/powerpoint/2015/main" val="1"/>
+              </p:ext>
+            </p:extLst>
+          </p:nvPr>
+        </p:nvSpPr>
+        <p:spPr>
+          <a:xfrm>
+            <a:off x="0" y="0"/>
+            <a:ext cx="12192000" cy="6858000"/>
+          </a:xfrm>
+          <a:prstGeom prst="rect">
+            <a:avLst/>
+          </a:prstGeom>
+          <a:solidFill>
+            <a:schemeClr val="tx1"/>
+          </a:solidFill>
+          <a:ln>
+            <a:noFill/>
+          </a:ln>
+        </p:spPr>
+        <p:style>
+          <a:lnRef idx="2">
+            <a:schemeClr val="accent1">
+              <a:shade val="50000"/>
+            </a:schemeClr>
+          </a:lnRef>
+          <a:fillRef idx="1">
+            <a:schemeClr val="accent1"/>
+          </a:fillRef>
+          <a:effectRef idx="0">
+            <a:schemeClr val="accent1"/>
+          </a:effectRef>
+          <a:fontRef idx="minor">
+            <a:schemeClr val="lt1"/>
+          </a:fontRef>
+        </p:style>
+        <p:txBody>
+          <a:bodyPr rtlCol="0" anchor="ctr"/>
+          <a:lstStyle/>
+          <a:p>
+            <a:pPr algn="ctr"/>
+            <a:endParaRPr lang="en-US"/>
+          </a:p>
+        </p:txBody>
+      </p:sp>
+      <p:sp>
+        <p:nvSpPr>
+          <p:cNvPr id="20" name="Rectangle 19">
+            <a:extLst>
+              <a:ext uri="{FF2B5EF4-FFF2-40B4-BE49-F238E27FC236}">
+                <a16:creationId xmlns:a16="http://schemas.microsoft.com/office/drawing/2014/main" id="{0B7E5194-6E82-4A44-99C3-FE7D87F34134}"/>
+              </a:ext>
+              <a:ext uri="{C183D7F6-B498-43B3-948B-1728B52AA6E4}">
+                <adec:decorative xmlns:adec="http://schemas.microsoft.com/office/drawing/2017/decorative" val="1"/>
+              </a:ext>
+            </a:extLst>
+          </p:cNvPr>
+          <p:cNvSpPr>
+            <a:spLocks noGrp="1" noRot="1" noChangeAspect="1" noMove="1" noResize="1" noEditPoints="1" noAdjustHandles="1" noChangeArrowheads="1" noChangeShapeType="1" noTextEdit="1"/>
+          </p:cNvSpPr>
+          <p:nvPr>
+            <p:extLst>
+              <p:ext uri="{386F3935-93C4-4BCD-93E2-E3B085C9AB24}">
+                <p16:designElem xmlns:p16="http://schemas.microsoft.com/office/powerpoint/2015/main" val="1"/>
+              </p:ext>
+            </p:extLst>
+          </p:nvPr>
+        </p:nvSpPr>
+        <p:spPr>
+          <a:xfrm>
+            <a:off x="442377" y="614407"/>
+            <a:ext cx="3707477" cy="5611772"/>
+          </a:xfrm>
+          <a:prstGeom prst="rect">
+            <a:avLst/>
+          </a:prstGeom>
+          <a:solidFill>
+            <a:schemeClr val="accent1"/>
+          </a:solidFill>
+          <a:ln>
+            <a:noFill/>
+          </a:ln>
+          <a:effectLst/>
+        </p:spPr>
+        <p:style>
+          <a:lnRef idx="1">
+            <a:schemeClr val="accent1"/>
+          </a:lnRef>
+          <a:fillRef idx="3">
+            <a:schemeClr val="accent1"/>
+          </a:fillRef>
+          <a:effectRef idx="2">
+            <a:schemeClr val="accent1"/>
+          </a:effectRef>
+          <a:fontRef idx="minor">
+            <a:schemeClr val="lt1"/>
+          </a:fontRef>
+        </p:style>
+      </p:sp>
+      <p:sp>
+        <p:nvSpPr>
           <p:cNvPr id="2" name="Title 1">
             <a:extLst>
               <a:ext uri="{FF2B5EF4-FFF2-40B4-BE49-F238E27FC236}">
-                <a16:creationId xmlns:a16="http://schemas.microsoft.com/office/drawing/2014/main" id="{4E8572C3-D32E-4B1B-BAB4-643155728C32}"/>
+                <a16:creationId xmlns:a16="http://schemas.microsoft.com/office/drawing/2014/main" id="{BB5F6E98-153D-4AEB-AD5B-82574D84354F}"/>
               </a:ext>
             </a:extLst>
           </p:cNvPr>
@@ -8536,29 +9258,283 @@
             <a:spLocks noGrp="1"/>
           </p:cNvSpPr>
           <p:nvPr>
-            <p:ph type="title"/>
-          </p:nvPr>
-        </p:nvSpPr>
-        <p:spPr/>
-        <p:txBody>
-          <a:bodyPr>
-            <a:normAutofit fontScale="90000"/>
+            <p:ph type="title" idx="4294967295"/>
+          </p:nvPr>
+        </p:nvSpPr>
+        <p:spPr>
+          <a:xfrm>
+            <a:off x="764110" y="826346"/>
+            <a:ext cx="3171905" cy="1013800"/>
+          </a:xfrm>
+        </p:spPr>
+        <p:txBody>
+          <a:bodyPr vert="horz" lIns="91440" tIns="45720" rIns="91440" bIns="45720" rtlCol="0" anchor="b">
+            <a:normAutofit/>
           </a:bodyPr>
           <a:lstStyle/>
           <a:p>
-            <a:r>
-              <a:rPr lang="en-US" dirty="0"/>
-              <a:t>Schematic illustration of the CNN</a:t>
+            <a:pPr>
+              <a:lnSpc>
+                <a:spcPct val="90000"/>
+              </a:lnSpc>
+            </a:pPr>
+            <a:r>
+              <a:rPr lang="en-US" sz="2200">
+                <a:solidFill>
+                  <a:srgbClr val="FFFFFF"/>
+                </a:solidFill>
+                <a:latin typeface="+mj-lt"/>
+              </a:rPr>
+              <a:t>Visualization of learned value functions </a:t>
+            </a:r>
+          </a:p>
+        </p:txBody>
+      </p:sp>
+      <p:grpSp>
+        <p:nvGrpSpPr>
+          <p:cNvPr id="22" name="Group 21">
+            <a:extLst>
+              <a:ext uri="{FF2B5EF4-FFF2-40B4-BE49-F238E27FC236}">
+                <a16:creationId xmlns:a16="http://schemas.microsoft.com/office/drawing/2014/main" id="{49FCC1E1-84D3-494D-A0A0-286AFA1C3018}"/>
+              </a:ext>
+              <a:ext uri="{C183D7F6-B498-43B3-948B-1728B52AA6E4}">
+                <adec:decorative xmlns:adec="http://schemas.microsoft.com/office/drawing/2017/decorative" val="1"/>
+              </a:ext>
+            </a:extLst>
+          </p:cNvPr>
+          <p:cNvGrpSpPr>
+            <a:grpSpLocks noGrp="1" noUngrp="1" noRot="1" noChangeAspect="1" noMove="1" noResize="1"/>
+          </p:cNvGrpSpPr>
+          <p:nvPr>
+            <p:extLst>
+              <p:ext uri="{386F3935-93C4-4BCD-93E2-E3B085C9AB24}">
+                <p16:designElem xmlns:p16="http://schemas.microsoft.com/office/powerpoint/2015/main" val="1"/>
+              </p:ext>
+            </p:extLst>
+          </p:nvPr>
+        </p:nvGrpSpPr>
+        <p:grpSpPr>
+          <a:xfrm>
+            <a:off x="446534" y="453643"/>
+            <a:ext cx="11298933" cy="98554"/>
+            <a:chOff x="446534" y="453643"/>
+            <a:chExt cx="11298933" cy="98554"/>
+          </a:xfrm>
+        </p:grpSpPr>
+        <p:sp>
+          <p:nvSpPr>
+            <p:cNvPr id="23" name="Rectangle 22">
+              <a:extLst>
+                <a:ext uri="{FF2B5EF4-FFF2-40B4-BE49-F238E27FC236}">
+                  <a16:creationId xmlns:a16="http://schemas.microsoft.com/office/drawing/2014/main" id="{96E09E90-FF79-402E-AF01-97A279BEADAD}"/>
+                </a:ext>
+                <a:ext uri="{C183D7F6-B498-43B3-948B-1728B52AA6E4}">
+                  <adec:decorative xmlns:adec="http://schemas.microsoft.com/office/drawing/2017/decorative" val="1"/>
+                </a:ext>
+              </a:extLst>
+            </p:cNvPr>
+            <p:cNvSpPr/>
+            <p:nvPr>
+              <p:extLst>
+                <p:ext uri="{386F3935-93C4-4BCD-93E2-E3B085C9AB24}">
+                  <p16:designElem xmlns:p16="http://schemas.microsoft.com/office/powerpoint/2015/main" val="1"/>
+                </p:ext>
+              </p:extLst>
+            </p:nvPr>
+          </p:nvSpPr>
+          <p:spPr>
+            <a:xfrm>
+              <a:off x="446534" y="457200"/>
+              <a:ext cx="3703320" cy="94997"/>
+            </a:xfrm>
+            <a:prstGeom prst="rect">
+              <a:avLst/>
+            </a:prstGeom>
+            <a:solidFill>
+              <a:schemeClr val="accent1"/>
+            </a:solidFill>
+            <a:ln>
+              <a:noFill/>
+            </a:ln>
+            <a:effectLst/>
+          </p:spPr>
+          <p:style>
+            <a:lnRef idx="1">
+              <a:schemeClr val="accent1"/>
+            </a:lnRef>
+            <a:fillRef idx="3">
+              <a:schemeClr val="accent1"/>
+            </a:fillRef>
+            <a:effectRef idx="2">
+              <a:schemeClr val="accent1"/>
+            </a:effectRef>
+            <a:fontRef idx="minor">
+              <a:schemeClr val="lt1"/>
+            </a:fontRef>
+          </p:style>
+        </p:sp>
+        <p:sp>
+          <p:nvSpPr>
+            <p:cNvPr id="24" name="Rectangle 23">
+              <a:extLst>
+                <a:ext uri="{FF2B5EF4-FFF2-40B4-BE49-F238E27FC236}">
+                  <a16:creationId xmlns:a16="http://schemas.microsoft.com/office/drawing/2014/main" id="{EC6946F8-4B9B-4C51-9F51-2DB377392CC1}"/>
+                </a:ext>
+                <a:ext uri="{C183D7F6-B498-43B3-948B-1728B52AA6E4}">
+                  <adec:decorative xmlns:adec="http://schemas.microsoft.com/office/drawing/2017/decorative" val="1"/>
+                </a:ext>
+              </a:extLst>
+            </p:cNvPr>
+            <p:cNvSpPr/>
+            <p:nvPr>
+              <p:extLst>
+                <p:ext uri="{386F3935-93C4-4BCD-93E2-E3B085C9AB24}">
+                  <p16:designElem xmlns:p16="http://schemas.microsoft.com/office/powerpoint/2015/main" val="1"/>
+                </p:ext>
+              </p:extLst>
+            </p:nvPr>
+          </p:nvSpPr>
+          <p:spPr>
+            <a:xfrm>
+              <a:off x="8042147" y="453643"/>
+              <a:ext cx="3703320" cy="98554"/>
+            </a:xfrm>
+            <a:prstGeom prst="rect">
+              <a:avLst/>
+            </a:prstGeom>
+            <a:solidFill>
+              <a:schemeClr val="accent4"/>
+            </a:solidFill>
+            <a:ln>
+              <a:noFill/>
+            </a:ln>
+            <a:effectLst/>
+          </p:spPr>
+          <p:style>
+            <a:lnRef idx="1">
+              <a:schemeClr val="accent1"/>
+            </a:lnRef>
+            <a:fillRef idx="3">
+              <a:schemeClr val="accent1"/>
+            </a:fillRef>
+            <a:effectRef idx="2">
+              <a:schemeClr val="accent1"/>
+            </a:effectRef>
+            <a:fontRef idx="minor">
+              <a:schemeClr val="lt1"/>
+            </a:fontRef>
+          </p:style>
+        </p:sp>
+        <p:sp>
+          <p:nvSpPr>
+            <p:cNvPr id="25" name="Rectangle 24">
+              <a:extLst>
+                <a:ext uri="{FF2B5EF4-FFF2-40B4-BE49-F238E27FC236}">
+                  <a16:creationId xmlns:a16="http://schemas.microsoft.com/office/drawing/2014/main" id="{7B3D2B3D-A285-438C-A344-AED3E46A0782}"/>
+                </a:ext>
+                <a:ext uri="{C183D7F6-B498-43B3-948B-1728B52AA6E4}">
+                  <adec:decorative xmlns:adec="http://schemas.microsoft.com/office/drawing/2017/decorative" val="1"/>
+                </a:ext>
+              </a:extLst>
+            </p:cNvPr>
+            <p:cNvSpPr/>
+            <p:nvPr>
+              <p:extLst>
+                <p:ext uri="{386F3935-93C4-4BCD-93E2-E3B085C9AB24}">
+                  <p16:designElem xmlns:p16="http://schemas.microsoft.com/office/powerpoint/2015/main" val="1"/>
+                </p:ext>
+              </p:extLst>
+            </p:nvPr>
+          </p:nvSpPr>
+          <p:spPr>
+            <a:xfrm>
+              <a:off x="4241830" y="457200"/>
+              <a:ext cx="3703320" cy="91440"/>
+            </a:xfrm>
+            <a:prstGeom prst="rect">
+              <a:avLst/>
+            </a:prstGeom>
+            <a:solidFill>
+              <a:schemeClr val="accent2"/>
+            </a:solidFill>
+            <a:ln>
+              <a:noFill/>
+            </a:ln>
+            <a:effectLst/>
+          </p:spPr>
+          <p:style>
+            <a:lnRef idx="1">
+              <a:schemeClr val="accent1"/>
+            </a:lnRef>
+            <a:fillRef idx="3">
+              <a:schemeClr val="accent1"/>
+            </a:fillRef>
+            <a:effectRef idx="2">
+              <a:schemeClr val="accent1"/>
+            </a:effectRef>
+            <a:fontRef idx="minor">
+              <a:schemeClr val="lt1"/>
+            </a:fontRef>
+          </p:style>
+        </p:sp>
+      </p:grpSp>
+      <p:sp>
+        <p:nvSpPr>
+          <p:cNvPr id="4" name="Text Placeholder 3">
+            <a:extLst>
+              <a:ext uri="{FF2B5EF4-FFF2-40B4-BE49-F238E27FC236}">
+                <a16:creationId xmlns:a16="http://schemas.microsoft.com/office/drawing/2014/main" id="{3D37B626-814E-4C12-8D2A-739EF7636376}"/>
+              </a:ext>
+            </a:extLst>
+          </p:cNvPr>
+          <p:cNvSpPr>
+            <a:spLocks noGrp="1"/>
+          </p:cNvSpPr>
+          <p:nvPr>
+            <p:ph type="body" sz="half" idx="4294967295"/>
+          </p:nvPr>
+        </p:nvSpPr>
+        <p:spPr>
+          <a:xfrm>
+            <a:off x="764110" y="2052084"/>
+            <a:ext cx="3033249" cy="3856229"/>
+          </a:xfrm>
+        </p:spPr>
+        <p:txBody>
+          <a:bodyPr vert="horz" lIns="91440" tIns="45720" rIns="91440" bIns="45720" rtlCol="0" anchor="t">
+            <a:normAutofit/>
+          </a:bodyPr>
+          <a:lstStyle/>
+          <a:p>
+            <a:pPr marL="342900" indent="-342900"/>
+            <a:r>
+              <a:rPr lang="en-US" sz="1600">
+                <a:solidFill>
+                  <a:srgbClr val="FFFFFF"/>
+                </a:solidFill>
+              </a:rPr>
+              <a:t>Breakout</a:t>
+            </a:r>
+          </a:p>
+          <a:p>
+            <a:pPr marL="342900" indent="-342900"/>
+            <a:r>
+              <a:rPr lang="en-US" sz="1600">
+                <a:solidFill>
+                  <a:srgbClr val="FFFFFF"/>
+                </a:solidFill>
+              </a:rPr>
+              <a:t>Pong</a:t>
             </a:r>
           </a:p>
         </p:txBody>
       </p:sp>
       <p:pic>
         <p:nvPicPr>
-          <p:cNvPr id="5" name="Content Placeholder 4">
+          <p:cNvPr id="5" name="Picture Placeholder 4">
             <a:extLst>
               <a:ext uri="{FF2B5EF4-FFF2-40B4-BE49-F238E27FC236}">
-                <a16:creationId xmlns:a16="http://schemas.microsoft.com/office/drawing/2014/main" id="{32E7B06B-34AB-4E30-AD85-CE442028A709}"/>
+                <a16:creationId xmlns:a16="http://schemas.microsoft.com/office/drawing/2014/main" id="{AB3ABB37-4F80-4F6A-B85A-36104D7C2962}"/>
               </a:ext>
             </a:extLst>
           </p:cNvPr>
@@ -8566,86 +9542,33 @@
             <a:picLocks noGrp="1" noChangeAspect="1"/>
           </p:cNvPicPr>
           <p:nvPr>
-            <p:ph idx="1"/>
+            <p:ph idx="4294967295"/>
           </p:nvPr>
         </p:nvPicPr>
-        <p:blipFill>
+        <p:blipFill rotWithShape="1">
           <a:blip r:embed="rId3"/>
-          <a:stretch>
-            <a:fillRect/>
-          </a:stretch>
+          <a:srcRect l="4516" t="6770" r="3673" b="26893"/>
+          <a:stretch/>
         </p:blipFill>
         <p:spPr>
           <a:xfrm>
-            <a:off x="2309338" y="601663"/>
-            <a:ext cx="7570148" cy="4203700"/>
+            <a:off x="4955516" y="558094"/>
+            <a:ext cx="6268290" cy="5959366"/>
           </a:xfrm>
           <a:prstGeom prst="rect">
             <a:avLst/>
           </a:prstGeom>
         </p:spPr>
       </p:pic>
-      <p:sp>
-        <p:nvSpPr>
-          <p:cNvPr id="4" name="Text Placeholder 3">
-            <a:extLst>
-              <a:ext uri="{FF2B5EF4-FFF2-40B4-BE49-F238E27FC236}">
-                <a16:creationId xmlns:a16="http://schemas.microsoft.com/office/drawing/2014/main" id="{672D4535-CFEB-411A-B53B-874F343F076E}"/>
-              </a:ext>
-            </a:extLst>
-          </p:cNvPr>
-          <p:cNvSpPr>
-            <a:spLocks noGrp="1"/>
-          </p:cNvSpPr>
-          <p:nvPr>
-            <p:ph type="body" sz="half" idx="2"/>
-          </p:nvPr>
-        </p:nvSpPr>
-        <p:spPr/>
-        <p:txBody>
-          <a:bodyPr>
-            <a:normAutofit fontScale="92500" lnSpcReduction="10000"/>
-          </a:bodyPr>
-          <a:lstStyle/>
-          <a:p>
-            <a:r>
-              <a:rPr lang="en-US" dirty="0"/>
-              <a:t>The input to the neural</a:t>
-            </a:r>
-            <a:br>
-              <a:rPr lang="en-US" dirty="0"/>
-            </a:br>
-            <a:r>
-              <a:rPr lang="en-US" dirty="0"/>
-              <a:t>network consists of an 84 x  84 x 4 image, followed by three convolutional layers and two fully connected</a:t>
-            </a:r>
-            <a:br>
-              <a:rPr lang="en-US" dirty="0"/>
-            </a:br>
-            <a:r>
-              <a:rPr lang="en-US" dirty="0"/>
-              <a:t>layers with a single output for each valid action. Each hidden layer is followed by a rectifier nonlinearity (that is, max(</a:t>
-            </a:r>
-            <a:r>
-              <a:rPr lang="en-US" dirty="0" err="1"/>
-              <a:t>0,x</a:t>
-            </a:r>
-            <a:r>
-              <a:rPr lang="en-US" dirty="0"/>
-              <a:t>)). </a:t>
-            </a:r>
-          </a:p>
-        </p:txBody>
-      </p:sp>
     </p:spTree>
     <p:extLst>
       <p:ext uri="{BB962C8B-B14F-4D97-AF65-F5344CB8AC3E}">
-        <p14:creationId xmlns:p14="http://schemas.microsoft.com/office/powerpoint/2010/main" val="721813092"/>
+        <p14:creationId xmlns:p14="http://schemas.microsoft.com/office/powerpoint/2010/main" val="3743551264"/>
       </p:ext>
     </p:extLst>
   </p:cSld>
   <p:clrMapOvr>
-    <a:masterClrMapping/>
+    <a:overrideClrMapping bg1="dk1" tx1="lt1" bg2="dk2" tx2="lt2" accent1="accent1" accent2="accent2" accent3="accent3" accent4="accent4" accent5="accent5" accent6="accent6" hlink="hlink" folHlink="folHlink"/>
   </p:clrMapOvr>
 </p:sld>
 </file>
@@ -8672,7 +9595,7 @@
           <p:cNvPr id="2" name="Title 1">
             <a:extLst>
               <a:ext uri="{FF2B5EF4-FFF2-40B4-BE49-F238E27FC236}">
-                <a16:creationId xmlns:a16="http://schemas.microsoft.com/office/drawing/2014/main" id="{5D434154-4C71-46E3-BC31-3D0E27B2FD8B}"/>
+                <a16:creationId xmlns:a16="http://schemas.microsoft.com/office/drawing/2014/main" id="{4E8572C3-D32E-4B1B-BAB4-643155728C32}"/>
               </a:ext>
             </a:extLst>
           </p:cNvPr>
@@ -8692,14 +9615,7 @@
           <a:p>
             <a:r>
               <a:rPr lang="en-US" dirty="0"/>
-              <a:t>Average score and average</a:t>
-            </a:r>
-            <a:br>
-              <a:rPr lang="en-US" dirty="0"/>
-            </a:br>
-            <a:r>
-              <a:rPr lang="en-US" dirty="0"/>
-              <a:t>predicted action-value.</a:t>
+              <a:t>Schematic illustration of the CNN</a:t>
             </a:r>
           </a:p>
         </p:txBody>
@@ -8709,7 +9625,7 @@
           <p:cNvPr id="5" name="Content Placeholder 4">
             <a:extLst>
               <a:ext uri="{FF2B5EF4-FFF2-40B4-BE49-F238E27FC236}">
-                <a16:creationId xmlns:a16="http://schemas.microsoft.com/office/drawing/2014/main" id="{323E4CCD-1356-4885-83B8-DCF00B77255B}"/>
+                <a16:creationId xmlns:a16="http://schemas.microsoft.com/office/drawing/2014/main" id="{32E7B06B-34AB-4E30-AD85-CE442028A709}"/>
               </a:ext>
             </a:extLst>
           </p:cNvPr>
@@ -8728,8 +9644,8 @@
         </p:blipFill>
         <p:spPr>
           <a:xfrm>
-            <a:off x="3114731" y="601663"/>
-            <a:ext cx="5959362" cy="4203700"/>
+            <a:off x="3521089" y="619591"/>
+            <a:ext cx="8089721" cy="4492219"/>
           </a:xfrm>
           <a:prstGeom prst="rect">
             <a:avLst/>
@@ -8741,7 +9657,7 @@
           <p:cNvPr id="4" name="Text Placeholder 3">
             <a:extLst>
               <a:ext uri="{FF2B5EF4-FFF2-40B4-BE49-F238E27FC236}">
-                <a16:creationId xmlns:a16="http://schemas.microsoft.com/office/drawing/2014/main" id="{49ADD01D-FB70-4789-A98C-E7DDE7AABA10}"/>
+                <a16:creationId xmlns:a16="http://schemas.microsoft.com/office/drawing/2014/main" id="{672D4535-CFEB-411A-B53B-874F343F076E}"/>
               </a:ext>
             </a:extLst>
           </p:cNvPr>
@@ -8755,102 +9671,43 @@
         <p:spPr/>
         <p:txBody>
           <a:bodyPr>
-            <a:normAutofit fontScale="92500" lnSpcReduction="20000"/>
+            <a:normAutofit fontScale="92500" lnSpcReduction="10000"/>
           </a:bodyPr>
           <a:lstStyle/>
           <a:p>
             <a:r>
               <a:rPr lang="en-US" dirty="0"/>
-              <a:t>Training curves tracking the agent’s.</a:t>
-            </a:r>
-          </a:p>
-          <a:p>
-            <a:r>
-              <a:rPr lang="en-US" dirty="0"/>
-              <a:t>Each point is the average score achieved per episode after the agent is run with e-greedy policy (e = 0.05) for 520 k frames</a:t>
+              <a:t>The input to the neural</a:t>
             </a:r>
             <a:br>
               <a:rPr lang="en-US" dirty="0"/>
             </a:br>
-            <a:endParaRPr lang="en-US" dirty="0"/>
-          </a:p>
-        </p:txBody>
-      </p:sp>
-      <p:sp>
-        <p:nvSpPr>
-          <p:cNvPr id="6" name="TextBox 5">
-            <a:extLst>
-              <a:ext uri="{FF2B5EF4-FFF2-40B4-BE49-F238E27FC236}">
-                <a16:creationId xmlns:a16="http://schemas.microsoft.com/office/drawing/2014/main" id="{DE099CF3-35CD-4C5F-9B70-25A0188EC982}"/>
-              </a:ext>
-            </a:extLst>
-          </p:cNvPr>
-          <p:cNvSpPr txBox="1"/>
-          <p:nvPr/>
-        </p:nvSpPr>
-        <p:spPr>
-          <a:xfrm>
-            <a:off x="6637700" y="457200"/>
-            <a:ext cx="1925527" cy="369332"/>
-          </a:xfrm>
-          <a:prstGeom prst="rect">
-            <a:avLst/>
-          </a:prstGeom>
-          <a:noFill/>
-        </p:spPr>
-        <p:txBody>
-          <a:bodyPr wrap="none" rtlCol="0">
-            <a:spAutoFit/>
-          </a:bodyPr>
-          <a:lstStyle/>
-          <a:p>
             <a:r>
               <a:rPr lang="en-US" dirty="0"/>
-              <a:t>Space Invaders</a:t>
-            </a:r>
-          </a:p>
-        </p:txBody>
-      </p:sp>
-      <p:sp>
-        <p:nvSpPr>
-          <p:cNvPr id="7" name="TextBox 6">
-            <a:extLst>
-              <a:ext uri="{FF2B5EF4-FFF2-40B4-BE49-F238E27FC236}">
-                <a16:creationId xmlns:a16="http://schemas.microsoft.com/office/drawing/2014/main" id="{8D0E9B7D-2B24-4A91-8D9F-F1DA50CF9D5D}"/>
-              </a:ext>
-            </a:extLst>
-          </p:cNvPr>
-          <p:cNvSpPr txBox="1"/>
-          <p:nvPr/>
-        </p:nvSpPr>
-        <p:spPr>
-          <a:xfrm>
-            <a:off x="9345658" y="457200"/>
-            <a:ext cx="1225015" cy="369332"/>
-          </a:xfrm>
-          <a:prstGeom prst="rect">
-            <a:avLst/>
-          </a:prstGeom>
-          <a:noFill/>
-        </p:spPr>
-        <p:txBody>
-          <a:bodyPr wrap="none" rtlCol="0">
-            <a:spAutoFit/>
-          </a:bodyPr>
-          <a:lstStyle/>
-          <a:p>
+              <a:t>network consists of an 84 x  84 x 4 image, followed by three convolutional layers and two fully connected</a:t>
+            </a:r>
+            <a:br>
+              <a:rPr lang="en-US" dirty="0"/>
+            </a:br>
+            <a:r>
+              <a:rPr lang="en-US" dirty="0"/>
+              <a:t>layers with a single output for each valid action. Each hidden layer is followed by a rectifier nonlinearity (that is, max(</a:t>
+            </a:r>
             <a:r>
               <a:rPr lang="en-US" dirty="0" err="1"/>
-              <a:t>Seaquest</a:t>
-            </a:r>
-            <a:endParaRPr lang="en-US" dirty="0"/>
+              <a:t>0,x</a:t>
+            </a:r>
+            <a:r>
+              <a:rPr lang="en-US" dirty="0"/>
+              <a:t>)). </a:t>
+            </a:r>
           </a:p>
         </p:txBody>
       </p:sp>
     </p:spTree>
     <p:extLst>
       <p:ext uri="{BB962C8B-B14F-4D97-AF65-F5344CB8AC3E}">
-        <p14:creationId xmlns:p14="http://schemas.microsoft.com/office/powerpoint/2010/main" val="877190718"/>
+        <p14:creationId xmlns:p14="http://schemas.microsoft.com/office/powerpoint/2010/main" val="721813092"/>
       </p:ext>
     </p:extLst>
   </p:cSld>
@@ -8882,6 +9739,216 @@
           <p:cNvPr id="2" name="Title 1">
             <a:extLst>
               <a:ext uri="{FF2B5EF4-FFF2-40B4-BE49-F238E27FC236}">
+                <a16:creationId xmlns:a16="http://schemas.microsoft.com/office/drawing/2014/main" id="{5D434154-4C71-46E3-BC31-3D0E27B2FD8B}"/>
+              </a:ext>
+            </a:extLst>
+          </p:cNvPr>
+          <p:cNvSpPr>
+            <a:spLocks noGrp="1"/>
+          </p:cNvSpPr>
+          <p:nvPr>
+            <p:ph type="title"/>
+          </p:nvPr>
+        </p:nvSpPr>
+        <p:spPr/>
+        <p:txBody>
+          <a:bodyPr>
+            <a:normAutofit fontScale="90000"/>
+          </a:bodyPr>
+          <a:lstStyle/>
+          <a:p>
+            <a:r>
+              <a:rPr lang="en-US" dirty="0"/>
+              <a:t>Average score and average</a:t>
+            </a:r>
+            <a:br>
+              <a:rPr lang="en-US" dirty="0"/>
+            </a:br>
+            <a:r>
+              <a:rPr lang="en-US" dirty="0"/>
+              <a:t>predicted action-value.</a:t>
+            </a:r>
+          </a:p>
+        </p:txBody>
+      </p:sp>
+      <p:pic>
+        <p:nvPicPr>
+          <p:cNvPr id="5" name="Content Placeholder 4">
+            <a:extLst>
+              <a:ext uri="{FF2B5EF4-FFF2-40B4-BE49-F238E27FC236}">
+                <a16:creationId xmlns:a16="http://schemas.microsoft.com/office/drawing/2014/main" id="{323E4CCD-1356-4885-83B8-DCF00B77255B}"/>
+              </a:ext>
+            </a:extLst>
+          </p:cNvPr>
+          <p:cNvPicPr>
+            <a:picLocks noGrp="1" noChangeAspect="1"/>
+          </p:cNvPicPr>
+          <p:nvPr>
+            <p:ph idx="1"/>
+          </p:nvPr>
+        </p:nvPicPr>
+        <p:blipFill>
+          <a:blip r:embed="rId3"/>
+          <a:stretch>
+            <a:fillRect/>
+          </a:stretch>
+        </p:blipFill>
+        <p:spPr>
+          <a:xfrm>
+            <a:off x="3114731" y="601663"/>
+            <a:ext cx="5959362" cy="4203700"/>
+          </a:xfrm>
+          <a:prstGeom prst="rect">
+            <a:avLst/>
+          </a:prstGeom>
+        </p:spPr>
+      </p:pic>
+      <p:sp>
+        <p:nvSpPr>
+          <p:cNvPr id="4" name="Text Placeholder 3">
+            <a:extLst>
+              <a:ext uri="{FF2B5EF4-FFF2-40B4-BE49-F238E27FC236}">
+                <a16:creationId xmlns:a16="http://schemas.microsoft.com/office/drawing/2014/main" id="{49ADD01D-FB70-4789-A98C-E7DDE7AABA10}"/>
+              </a:ext>
+            </a:extLst>
+          </p:cNvPr>
+          <p:cNvSpPr>
+            <a:spLocks noGrp="1"/>
+          </p:cNvSpPr>
+          <p:nvPr>
+            <p:ph type="body" sz="half" idx="2"/>
+          </p:nvPr>
+        </p:nvSpPr>
+        <p:spPr/>
+        <p:txBody>
+          <a:bodyPr>
+            <a:normAutofit fontScale="92500" lnSpcReduction="20000"/>
+          </a:bodyPr>
+          <a:lstStyle/>
+          <a:p>
+            <a:r>
+              <a:rPr lang="en-US" dirty="0"/>
+              <a:t>Training curves tracking the agent’s.</a:t>
+            </a:r>
+          </a:p>
+          <a:p>
+            <a:r>
+              <a:rPr lang="en-US" dirty="0"/>
+              <a:t>Each point is the average score achieved per episode after the agent is run with e-greedy policy (e = 0.05) for 520 k frames</a:t>
+            </a:r>
+            <a:br>
+              <a:rPr lang="en-US" dirty="0"/>
+            </a:br>
+            <a:endParaRPr lang="en-US" dirty="0"/>
+          </a:p>
+        </p:txBody>
+      </p:sp>
+      <p:sp>
+        <p:nvSpPr>
+          <p:cNvPr id="6" name="TextBox 5">
+            <a:extLst>
+              <a:ext uri="{FF2B5EF4-FFF2-40B4-BE49-F238E27FC236}">
+                <a16:creationId xmlns:a16="http://schemas.microsoft.com/office/drawing/2014/main" id="{DE099CF3-35CD-4C5F-9B70-25A0188EC982}"/>
+              </a:ext>
+            </a:extLst>
+          </p:cNvPr>
+          <p:cNvSpPr txBox="1"/>
+          <p:nvPr/>
+        </p:nvSpPr>
+        <p:spPr>
+          <a:xfrm>
+            <a:off x="6637700" y="457200"/>
+            <a:ext cx="1925527" cy="369332"/>
+          </a:xfrm>
+          <a:prstGeom prst="rect">
+            <a:avLst/>
+          </a:prstGeom>
+          <a:noFill/>
+        </p:spPr>
+        <p:txBody>
+          <a:bodyPr wrap="none" rtlCol="0">
+            <a:spAutoFit/>
+          </a:bodyPr>
+          <a:lstStyle/>
+          <a:p>
+            <a:r>
+              <a:rPr lang="en-US" dirty="0"/>
+              <a:t>Space Invaders</a:t>
+            </a:r>
+          </a:p>
+        </p:txBody>
+      </p:sp>
+      <p:sp>
+        <p:nvSpPr>
+          <p:cNvPr id="7" name="TextBox 6">
+            <a:extLst>
+              <a:ext uri="{FF2B5EF4-FFF2-40B4-BE49-F238E27FC236}">
+                <a16:creationId xmlns:a16="http://schemas.microsoft.com/office/drawing/2014/main" id="{8D0E9B7D-2B24-4A91-8D9F-F1DA50CF9D5D}"/>
+              </a:ext>
+            </a:extLst>
+          </p:cNvPr>
+          <p:cNvSpPr txBox="1"/>
+          <p:nvPr/>
+        </p:nvSpPr>
+        <p:spPr>
+          <a:xfrm>
+            <a:off x="9345658" y="457200"/>
+            <a:ext cx="1225015" cy="369332"/>
+          </a:xfrm>
+          <a:prstGeom prst="rect">
+            <a:avLst/>
+          </a:prstGeom>
+          <a:noFill/>
+        </p:spPr>
+        <p:txBody>
+          <a:bodyPr wrap="none" rtlCol="0">
+            <a:spAutoFit/>
+          </a:bodyPr>
+          <a:lstStyle/>
+          <a:p>
+            <a:r>
+              <a:rPr lang="en-US" dirty="0" err="1"/>
+              <a:t>Seaquest</a:t>
+            </a:r>
+            <a:endParaRPr lang="en-US" dirty="0"/>
+          </a:p>
+        </p:txBody>
+      </p:sp>
+    </p:spTree>
+    <p:extLst>
+      <p:ext uri="{BB962C8B-B14F-4D97-AF65-F5344CB8AC3E}">
+        <p14:creationId xmlns:p14="http://schemas.microsoft.com/office/powerpoint/2010/main" val="877190718"/>
+      </p:ext>
+    </p:extLst>
+  </p:cSld>
+  <p:clrMapOvr>
+    <a:masterClrMapping/>
+  </p:clrMapOvr>
+</p:sld>
+</file>
+
+<file path=ppt/slides/slide16.xml><?xml version="1.0" encoding="utf-8"?>
+<p:sld xmlns:a="http://schemas.openxmlformats.org/drawingml/2006/main" xmlns:r="http://schemas.openxmlformats.org/officeDocument/2006/relationships" xmlns:p="http://schemas.openxmlformats.org/presentationml/2006/main">
+  <p:cSld>
+    <p:spTree>
+      <p:nvGrpSpPr>
+        <p:cNvPr id="1" name=""/>
+        <p:cNvGrpSpPr/>
+        <p:nvPr/>
+      </p:nvGrpSpPr>
+      <p:grpSpPr>
+        <a:xfrm>
+          <a:off x="0" y="0"/>
+          <a:ext cx="0" cy="0"/>
+          <a:chOff x="0" y="0"/>
+          <a:chExt cx="0" cy="0"/>
+        </a:xfrm>
+      </p:grpSpPr>
+      <p:sp>
+        <p:nvSpPr>
+          <p:cNvPr id="2" name="Title 1">
+            <a:extLst>
+              <a:ext uri="{FF2B5EF4-FFF2-40B4-BE49-F238E27FC236}">
                 <a16:creationId xmlns:a16="http://schemas.microsoft.com/office/drawing/2014/main" id="{F386C950-9366-4B5C-8FF3-527EA5FDC658}"/>
               </a:ext>
             </a:extLst>
@@ -8945,7 +10012,7 @@
 </p:sld>
 </file>
 
-<file path=ppt/slides/slide16.xml><?xml version="1.0" encoding="utf-8"?>
+<file path=ppt/slides/slide17.xml><?xml version="1.0" encoding="utf-8"?>
 <p:sld xmlns:a="http://schemas.openxmlformats.org/drawingml/2006/main" xmlns:r="http://schemas.openxmlformats.org/officeDocument/2006/relationships" xmlns:p="http://schemas.openxmlformats.org/presentationml/2006/main">
   <p:cSld>
     <p:bg>
@@ -8995,8 +10062,8 @@
         </p:blipFill>
         <p:spPr>
           <a:xfrm>
-            <a:off x="1427668" y="803063"/>
-            <a:ext cx="9336664" cy="5251874"/>
+            <a:off x="853926" y="659628"/>
+            <a:ext cx="10387815" cy="5843146"/>
           </a:xfrm>
           <a:prstGeom prst="rect">
             <a:avLst/>
@@ -9151,7 +10218,7 @@
 </p:sld>
 </file>
 
-<file path=ppt/slides/slide17.xml><?xml version="1.0" encoding="utf-8"?>
+<file path=ppt/slides/slide18.xml><?xml version="1.0" encoding="utf-8"?>
 <p:sld xmlns:a="http://schemas.openxmlformats.org/drawingml/2006/main" xmlns:r="http://schemas.openxmlformats.org/officeDocument/2006/relationships" xmlns:p="http://schemas.openxmlformats.org/presentationml/2006/main">
   <p:cSld>
     <p:bg>
@@ -9201,8 +10268,8 @@
         </p:blipFill>
         <p:spPr>
           <a:xfrm>
-            <a:off x="1427668" y="803063"/>
-            <a:ext cx="9336664" cy="5251874"/>
+            <a:off x="902093" y="713416"/>
+            <a:ext cx="10387814" cy="5843146"/>
           </a:xfrm>
           <a:prstGeom prst="rect">
             <a:avLst/>
@@ -9357,7 +10424,7 @@
 </p:sld>
 </file>
 
-<file path=ppt/slides/slide18.xml><?xml version="1.0" encoding="utf-8"?>
+<file path=ppt/slides/slide19.xml><?xml version="1.0" encoding="utf-8"?>
 <p:sld xmlns:a="http://schemas.openxmlformats.org/drawingml/2006/main" xmlns:r="http://schemas.openxmlformats.org/officeDocument/2006/relationships" xmlns:p="http://schemas.openxmlformats.org/presentationml/2006/main">
   <p:cSld>
     <p:spTree>
@@ -9454,7 +10521,7 @@
         </p:blipFill>
         <p:spPr>
           <a:xfrm>
-            <a:off x="140965" y="209883"/>
+            <a:off x="714707" y="611035"/>
             <a:ext cx="8648935" cy="4152234"/>
           </a:xfrm>
           <a:prstGeom prst="rect">
@@ -9484,7 +10551,7 @@
         </p:blipFill>
         <p:spPr>
           <a:xfrm>
-            <a:off x="2067041" y="4457296"/>
+            <a:off x="6096000" y="1486800"/>
             <a:ext cx="5111971" cy="2400704"/>
           </a:xfrm>
           <a:prstGeom prst="rect">
@@ -9508,6 +10575,14 @@
 <file path=ppt/slides/slide2.xml><?xml version="1.0" encoding="utf-8"?>
 <p:sld xmlns:a="http://schemas.openxmlformats.org/drawingml/2006/main" xmlns:r="http://schemas.openxmlformats.org/officeDocument/2006/relationships" xmlns:p="http://schemas.openxmlformats.org/presentationml/2006/main">
   <p:cSld>
+    <p:bg>
+      <p:bgPr>
+        <a:solidFill>
+          <a:schemeClr val="bg1"/>
+        </a:solidFill>
+        <a:effectLst/>
+      </p:bgPr>
+    </p:bg>
     <p:spTree>
       <p:nvGrpSpPr>
         <p:cNvPr id="1" name=""/>
@@ -9522,6 +10597,66 @@
           <a:chExt cx="0" cy="0"/>
         </a:xfrm>
       </p:grpSpPr>
+      <p:sp useBgFill="1">
+        <p:nvSpPr>
+          <p:cNvPr id="32" name="Rectangle 23">
+            <a:extLst>
+              <a:ext uri="{FF2B5EF4-FFF2-40B4-BE49-F238E27FC236}">
+                <a16:creationId xmlns:a16="http://schemas.microsoft.com/office/drawing/2014/main" id="{D7834585-F49B-43A2-9226-38EBB9CE6345}"/>
+              </a:ext>
+              <a:ext uri="{C183D7F6-B498-43B3-948B-1728B52AA6E4}">
+                <adec:decorative xmlns:adec="http://schemas.microsoft.com/office/drawing/2017/decorative" val="1"/>
+              </a:ext>
+            </a:extLst>
+          </p:cNvPr>
+          <p:cNvSpPr>
+            <a:spLocks noGrp="1" noRot="1" noChangeAspect="1" noMove="1" noResize="1" noEditPoints="1" noAdjustHandles="1" noChangeArrowheads="1" noChangeShapeType="1" noTextEdit="1"/>
+          </p:cNvSpPr>
+          <p:nvPr>
+            <p:extLst>
+              <p:ext uri="{386F3935-93C4-4BCD-93E2-E3B085C9AB24}">
+                <p16:designElem xmlns:p16="http://schemas.microsoft.com/office/powerpoint/2015/main" val="1"/>
+              </p:ext>
+            </p:extLst>
+          </p:nvPr>
+        </p:nvSpPr>
+        <p:spPr>
+          <a:xfrm>
+            <a:off x="0" y="0"/>
+            <a:ext cx="12192000" cy="6858000"/>
+          </a:xfrm>
+          <a:prstGeom prst="rect">
+            <a:avLst/>
+          </a:prstGeom>
+          <a:ln>
+            <a:noFill/>
+          </a:ln>
+        </p:spPr>
+        <p:style>
+          <a:lnRef idx="2">
+            <a:schemeClr val="accent1">
+              <a:shade val="50000"/>
+            </a:schemeClr>
+          </a:lnRef>
+          <a:fillRef idx="1">
+            <a:schemeClr val="accent1"/>
+          </a:fillRef>
+          <a:effectRef idx="0">
+            <a:schemeClr val="accent1"/>
+          </a:effectRef>
+          <a:fontRef idx="minor">
+            <a:schemeClr val="lt1"/>
+          </a:fontRef>
+        </p:style>
+        <p:txBody>
+          <a:bodyPr rtlCol="0" anchor="ctr"/>
+          <a:lstStyle/>
+          <a:p>
+            <a:pPr algn="ctr"/>
+            <a:endParaRPr lang="en-US"/>
+          </a:p>
+        </p:txBody>
+      </p:sp>
       <p:sp>
         <p:nvSpPr>
           <p:cNvPr id="2" name="Title 1">
@@ -9540,23 +10675,82 @@
         </p:nvSpPr>
         <p:spPr>
           <a:xfrm>
-            <a:off x="581191" y="1020431"/>
-            <a:ext cx="10993549" cy="1475013"/>
+            <a:off x="2156346" y="1097109"/>
+            <a:ext cx="5439267" cy="4576358"/>
           </a:xfrm>
         </p:spPr>
         <p:txBody>
-          <a:bodyPr>
+          <a:bodyPr anchor="ctr">
             <a:normAutofit/>
           </a:bodyPr>
           <a:lstStyle/>
           <a:p>
             <a:r>
-              <a:rPr lang="en-US"/>
+              <a:rPr lang="en-US">
+                <a:solidFill>
+                  <a:schemeClr val="tx2">
+                    <a:lumMod val="75000"/>
+                  </a:schemeClr>
+                </a:solidFill>
+              </a:rPr>
               <a:t>From Reinforcement Learning to Deep Reinforcement Learning</a:t>
             </a:r>
-            <a:endParaRPr lang="en-US" dirty="0"/>
-          </a:p>
-        </p:txBody>
+          </a:p>
+        </p:txBody>
+      </p:sp>
+      <p:sp>
+        <p:nvSpPr>
+          <p:cNvPr id="33" name="Rectangle 25">
+            <a:extLst>
+              <a:ext uri="{FF2B5EF4-FFF2-40B4-BE49-F238E27FC236}">
+                <a16:creationId xmlns:a16="http://schemas.microsoft.com/office/drawing/2014/main" id="{A94003D5-55DD-4968-8D94-E9705D54AEA6}"/>
+              </a:ext>
+              <a:ext uri="{C183D7F6-B498-43B3-948B-1728B52AA6E4}">
+                <adec:decorative xmlns:adec="http://schemas.microsoft.com/office/drawing/2017/decorative" val="1"/>
+              </a:ext>
+            </a:extLst>
+          </p:cNvPr>
+          <p:cNvSpPr>
+            <a:spLocks noGrp="1" noRot="1" noChangeAspect="1" noMove="1" noResize="1" noEditPoints="1" noAdjustHandles="1" noChangeArrowheads="1" noChangeShapeType="1" noTextEdit="1"/>
+          </p:cNvSpPr>
+          <p:nvPr>
+            <p:extLst>
+              <p:ext uri="{386F3935-93C4-4BCD-93E2-E3B085C9AB24}">
+                <p16:designElem xmlns:p16="http://schemas.microsoft.com/office/powerpoint/2015/main" val="1"/>
+              </p:ext>
+            </p:extLst>
+          </p:nvPr>
+        </p:nvSpPr>
+        <p:spPr>
+          <a:xfrm>
+            <a:off x="8119869" y="453642"/>
+            <a:ext cx="3625597" cy="5863293"/>
+          </a:xfrm>
+          <a:prstGeom prst="rect">
+            <a:avLst/>
+          </a:prstGeom>
+          <a:solidFill>
+            <a:schemeClr val="accent4"/>
+          </a:solidFill>
+          <a:ln>
+            <a:noFill/>
+          </a:ln>
+          <a:effectLst/>
+        </p:spPr>
+        <p:style>
+          <a:lnRef idx="1">
+            <a:schemeClr val="accent1"/>
+          </a:lnRef>
+          <a:fillRef idx="3">
+            <a:schemeClr val="accent1"/>
+          </a:fillRef>
+          <a:effectRef idx="2">
+            <a:schemeClr val="accent1"/>
+          </a:effectRef>
+          <a:fontRef idx="minor">
+            <a:schemeClr val="lt1"/>
+          </a:fontRef>
+        </p:style>
       </p:sp>
       <p:sp>
         <p:nvSpPr>
@@ -9576,21 +10770,87 @@
         </p:nvSpPr>
         <p:spPr>
           <a:xfrm>
-            <a:off x="581194" y="2495445"/>
-            <a:ext cx="10993546" cy="590321"/>
+            <a:off x="8394799" y="1097109"/>
+            <a:ext cx="3072530" cy="4576358"/>
           </a:xfrm>
         </p:spPr>
         <p:txBody>
-          <a:bodyPr/>
+          <a:bodyPr anchor="ctr">
+            <a:normAutofit/>
+          </a:bodyPr>
           <a:lstStyle/>
           <a:p>
             <a:r>
-              <a:rPr lang="en-US"/>
+              <a:rPr lang="en-US" sz="2800" dirty="0">
+                <a:solidFill>
+                  <a:srgbClr val="FFFFFF"/>
+                </a:solidFill>
+              </a:rPr>
               <a:t>Lucia Botiquin</a:t>
             </a:r>
-            <a:endParaRPr lang="en-US" dirty="0"/>
-          </a:p>
-        </p:txBody>
+          </a:p>
+          <a:p>
+            <a:endParaRPr lang="en-US" sz="2800" dirty="0">
+              <a:solidFill>
+                <a:srgbClr val="FFFFFF"/>
+              </a:solidFill>
+            </a:endParaRPr>
+          </a:p>
+        </p:txBody>
+      </p:sp>
+      <p:sp>
+        <p:nvSpPr>
+          <p:cNvPr id="34" name="Rectangle 27">
+            <a:extLst>
+              <a:ext uri="{FF2B5EF4-FFF2-40B4-BE49-F238E27FC236}">
+                <a16:creationId xmlns:a16="http://schemas.microsoft.com/office/drawing/2014/main" id="{F5549486-A8CA-4D47-92EC-B95E900CAEBD}"/>
+              </a:ext>
+              <a:ext uri="{C183D7F6-B498-43B3-948B-1728B52AA6E4}">
+                <adec:decorative xmlns:adec="http://schemas.microsoft.com/office/drawing/2017/decorative" val="1"/>
+              </a:ext>
+            </a:extLst>
+          </p:cNvPr>
+          <p:cNvSpPr>
+            <a:spLocks noGrp="1" noRot="1" noChangeAspect="1" noMove="1" noResize="1" noEditPoints="1" noAdjustHandles="1" noChangeArrowheads="1" noChangeShapeType="1" noTextEdit="1"/>
+          </p:cNvSpPr>
+          <p:nvPr>
+            <p:extLst>
+              <p:ext uri="{386F3935-93C4-4BCD-93E2-E3B085C9AB24}">
+                <p16:designElem xmlns:p16="http://schemas.microsoft.com/office/powerpoint/2015/main" val="1"/>
+              </p:ext>
+            </p:extLst>
+          </p:nvPr>
+        </p:nvSpPr>
+        <p:spPr>
+          <a:xfrm>
+            <a:off x="581191" y="457201"/>
+            <a:ext cx="1106164" cy="5859735"/>
+          </a:xfrm>
+          <a:prstGeom prst="rect">
+            <a:avLst/>
+          </a:prstGeom>
+          <a:solidFill>
+            <a:schemeClr val="accent1"/>
+          </a:solidFill>
+          <a:ln>
+            <a:noFill/>
+          </a:ln>
+          <a:effectLst/>
+        </p:spPr>
+        <p:style>
+          <a:lnRef idx="1">
+            <a:schemeClr val="accent1"/>
+          </a:lnRef>
+          <a:fillRef idx="3">
+            <a:schemeClr val="accent1"/>
+          </a:fillRef>
+          <a:effectRef idx="2">
+            <a:schemeClr val="accent1"/>
+          </a:effectRef>
+          <a:fontRef idx="minor">
+            <a:schemeClr val="lt1"/>
+          </a:fontRef>
+        </p:style>
       </p:sp>
     </p:spTree>
     <p:extLst>
@@ -10077,15 +11337,15 @@
         </p:spPr>
         <p:style>
           <a:lnRef idx="2">
-            <a:schemeClr val="accent1">
+            <a:schemeClr val="accent2">
               <a:shade val="50000"/>
             </a:schemeClr>
           </a:lnRef>
           <a:fillRef idx="1">
-            <a:schemeClr val="accent1"/>
+            <a:schemeClr val="accent2"/>
           </a:fillRef>
           <a:effectRef idx="0">
-            <a:schemeClr val="accent1"/>
+            <a:schemeClr val="accent2"/>
           </a:effectRef>
           <a:fontRef idx="minor">
             <a:schemeClr val="lt1"/>
@@ -10386,15 +11646,15 @@
         </p:spPr>
         <p:style>
           <a:lnRef idx="2">
-            <a:schemeClr val="accent1">
+            <a:schemeClr val="accent2">
               <a:shade val="50000"/>
             </a:schemeClr>
           </a:lnRef>
           <a:fillRef idx="1">
-            <a:schemeClr val="accent1"/>
+            <a:schemeClr val="accent2"/>
           </a:fillRef>
           <a:effectRef idx="0">
-            <a:schemeClr val="accent1"/>
+            <a:schemeClr val="accent2"/>
           </a:effectRef>
           <a:fontRef idx="minor">
             <a:schemeClr val="lt1"/>

--- a/From RL to DRL.pptx
+++ b/From RL to DRL.pptx
@@ -233,7 +233,7 @@
           <a:p>
             <a:fld id="{22EE5C04-F24B-4115-9861-2CF34694583A}" type="datetimeFigureOut">
               <a:rPr lang="en-US" smtClean="0"/>
-              <a:t>12/12/2019</a:t>
+              <a:t>12/13/2019</a:t>
             </a:fld>
             <a:endParaRPr lang="en-US"/>
           </a:p>
@@ -410,7 +410,7 @@
           <a:p>
             <a:fld id="{1C1499B0-46DF-4199-B267-25F771D8AF1C}" type="datetimeFigureOut">
               <a:rPr lang="en-US" smtClean="0"/>
-              <a:t>12/12/2019</a:t>
+              <a:t>12/13/2019</a:t>
             </a:fld>
             <a:endParaRPr lang="en-US"/>
           </a:p>
@@ -1117,15 +1117,7 @@
           <a:p>
             <a:r>
               <a:rPr lang="en-US" dirty="0"/>
-              <a:t>Reinforcement learning is learning what to do—how to map situations to actions—so as to maximize a numerical reward signal. The learner is not told which actions to take, but instead must discover which actions yield the most reward by trying them. In the most interesting and challenging cases, actions may </a:t>
-            </a:r>
-            <a:r>
-              <a:rPr lang="en-US" dirty="0" err="1"/>
-              <a:t>a↵ect</a:t>
-            </a:r>
-            <a:r>
-              <a:rPr lang="en-US" dirty="0"/>
-              <a:t> not only the immediate reward but also the next situation and, through that, all subsequent rewards. These two characteristics—trial-and-error search and delayed reward—are the two most important distinguishing features of reinforcement learning.</a:t>
+              <a:t>Reinforcement learning is learning what to do—how to map situations to actions—so as to maximize a numerical reward signal. The learner is not told which actions to take, but instead must discover which actions yield the most reward by trying them. In the most interesting and challenging cases, actions may affect not only the immediate reward but also the next situation and, through that, all subsequent rewards. These two characteristics—trial-and-error search and delayed reward—are the two most important distinguishing features of reinforcement learning.</a:t>
             </a:r>
           </a:p>
           <a:p>
@@ -4556,7 +4548,7 @@
           <a:p>
             <a:fld id="{EBB7A00B-A6F9-4D54-BF2A-EEBE2CF98456}" type="datetimeFigureOut">
               <a:rPr lang="en-US" smtClean="0"/>
-              <a:t>12/12/2019</a:t>
+              <a:t>12/13/2019</a:t>
             </a:fld>
             <a:endParaRPr lang="en-US"/>
           </a:p>
@@ -4818,7 +4810,7 @@
           <a:p>
             <a:fld id="{EBB7A00B-A6F9-4D54-BF2A-EEBE2CF98456}" type="datetimeFigureOut">
               <a:rPr lang="en-US" smtClean="0"/>
-              <a:t>12/12/2019</a:t>
+              <a:t>12/13/2019</a:t>
             </a:fld>
             <a:endParaRPr lang="en-US"/>
           </a:p>
@@ -5053,7 +5045,7 @@
           <a:p>
             <a:fld id="{EBB7A00B-A6F9-4D54-BF2A-EEBE2CF98456}" type="datetimeFigureOut">
               <a:rPr lang="en-US" smtClean="0"/>
-              <a:t>12/12/2019</a:t>
+              <a:t>12/13/2019</a:t>
             </a:fld>
             <a:endParaRPr lang="en-US"/>
           </a:p>
@@ -5236,7 +5228,7 @@
           </a:xfrm>
         </p:spPr>
         <p:txBody>
-          <a:bodyPr/>
+          <a:bodyPr anchor="t"/>
           <a:lstStyle/>
           <a:p>
             <a:pPr lvl="0"/>
@@ -5293,7 +5285,7 @@
           <a:p>
             <a:fld id="{EBB7A00B-A6F9-4D54-BF2A-EEBE2CF98456}" type="datetimeFigureOut">
               <a:rPr lang="en-US" smtClean="0"/>
-              <a:t>12/12/2019</a:t>
+              <a:t>12/13/2019</a:t>
             </a:fld>
             <a:endParaRPr lang="en-US"/>
           </a:p>
@@ -5600,7 +5592,7 @@
           <a:p>
             <a:fld id="{EBB7A00B-A6F9-4D54-BF2A-EEBE2CF98456}" type="datetimeFigureOut">
               <a:rPr lang="en-US" smtClean="0"/>
-              <a:t>12/12/2019</a:t>
+              <a:t>12/13/2019</a:t>
             </a:fld>
             <a:endParaRPr lang="en-US"/>
           </a:p>
@@ -5902,7 +5894,7 @@
           <a:p>
             <a:fld id="{EBB7A00B-A6F9-4D54-BF2A-EEBE2CF98456}" type="datetimeFigureOut">
               <a:rPr lang="en-US" smtClean="0"/>
-              <a:t>12/12/2019</a:t>
+              <a:t>12/13/2019</a:t>
             </a:fld>
             <a:endParaRPr lang="en-US"/>
           </a:p>
@@ -6324,7 +6316,7 @@
           <a:p>
             <a:fld id="{EBB7A00B-A6F9-4D54-BF2A-EEBE2CF98456}" type="datetimeFigureOut">
               <a:rPr lang="en-US" smtClean="0"/>
-              <a:t>12/12/2019</a:t>
+              <a:t>12/13/2019</a:t>
             </a:fld>
             <a:endParaRPr lang="en-US"/>
           </a:p>
@@ -6486,7 +6478,7 @@
           <a:p>
             <a:fld id="{EBB7A00B-A6F9-4D54-BF2A-EEBE2CF98456}" type="datetimeFigureOut">
               <a:rPr lang="en-US" smtClean="0"/>
-              <a:t>12/12/2019</a:t>
+              <a:t>12/13/2019</a:t>
             </a:fld>
             <a:endParaRPr lang="en-US"/>
           </a:p>
@@ -6581,7 +6573,7 @@
           <a:p>
             <a:fld id="{EBB7A00B-A6F9-4D54-BF2A-EEBE2CF98456}" type="datetimeFigureOut">
               <a:rPr lang="en-US" smtClean="0"/>
-              <a:t>12/12/2019</a:t>
+              <a:t>12/13/2019</a:t>
             </a:fld>
             <a:endParaRPr lang="en-US"/>
           </a:p>
@@ -6959,7 +6951,7 @@
           <a:p>
             <a:fld id="{EBB7A00B-A6F9-4D54-BF2A-EEBE2CF98456}" type="datetimeFigureOut">
               <a:rPr lang="en-US" smtClean="0"/>
-              <a:t>12/12/2019</a:t>
+              <a:t>12/13/2019</a:t>
             </a:fld>
             <a:endParaRPr lang="en-US"/>
           </a:p>
@@ -7248,7 +7240,7 @@
           <a:p>
             <a:fld id="{EBB7A00B-A6F9-4D54-BF2A-EEBE2CF98456}" type="datetimeFigureOut">
               <a:rPr lang="en-US" smtClean="0"/>
-              <a:t>12/12/2019</a:t>
+              <a:t>12/13/2019</a:t>
             </a:fld>
             <a:endParaRPr lang="en-US"/>
           </a:p>
@@ -7457,7 +7449,7 @@
           <a:p>
             <a:fld id="{EBB7A00B-A6F9-4D54-BF2A-EEBE2CF98456}" type="datetimeFigureOut">
               <a:rPr lang="en-US" smtClean="0"/>
-              <a:t>12/12/2019</a:t>
+              <a:t>12/13/2019</a:t>
             </a:fld>
             <a:endParaRPr lang="en-US"/>
           </a:p>
@@ -8242,7 +8234,7 @@
         </p:blipFill>
         <p:spPr>
           <a:xfrm>
-            <a:off x="1363238" y="2059320"/>
+            <a:off x="1390346" y="1898674"/>
             <a:ext cx="4727464" cy="4368544"/>
           </a:xfrm>
           <a:prstGeom prst="rect">
@@ -8272,8 +8264,44 @@
         </p:blipFill>
         <p:spPr>
           <a:xfrm>
-            <a:off x="6117810" y="2389697"/>
+            <a:off x="6117810" y="2245319"/>
             <a:ext cx="4719208" cy="3539406"/>
+          </a:xfrm>
+          <a:prstGeom prst="rect">
+            <a:avLst/>
+          </a:prstGeom>
+        </p:spPr>
+      </p:pic>
+      <p:pic>
+        <p:nvPicPr>
+          <p:cNvPr id="5" name="Picture 4" descr="A picture containing drawing&#10;&#10;Description automatically generated">
+            <a:extLst>
+              <a:ext uri="{FF2B5EF4-FFF2-40B4-BE49-F238E27FC236}">
+                <a16:creationId xmlns:a16="http://schemas.microsoft.com/office/drawing/2014/main" id="{0E9C9433-E84B-4206-AB78-F703D784EF17}"/>
+              </a:ext>
+            </a:extLst>
+          </p:cNvPr>
+          <p:cNvPicPr>
+            <a:picLocks noChangeAspect="1"/>
+          </p:cNvPicPr>
+          <p:nvPr/>
+        </p:nvPicPr>
+        <p:blipFill>
+          <a:blip r:embed="rId4">
+            <a:extLst>
+              <a:ext uri="{28A0092B-C50C-407E-A947-70E740481C1C}">
+                <a14:useLocalDpi xmlns:a14="http://schemas.microsoft.com/office/drawing/2010/main" val="0"/>
+              </a:ext>
+            </a:extLst>
+          </a:blip>
+          <a:stretch>
+            <a:fillRect/>
+          </a:stretch>
+        </p:blipFill>
+        <p:spPr>
+          <a:xfrm>
+            <a:off x="9192126" y="5786246"/>
+            <a:ext cx="2731359" cy="961944"/>
           </a:xfrm>
           <a:prstGeom prst="rect">
             <a:avLst/>
@@ -11197,7 +11225,12 @@
             <p:ph sz="quarter" idx="4"/>
           </p:nvPr>
         </p:nvSpPr>
-        <p:spPr/>
+        <p:spPr>
+          <a:xfrm>
+            <a:off x="6217709" y="2926052"/>
+            <a:ext cx="5393100" cy="2934999"/>
+          </a:xfrm>
+        </p:spPr>
         <p:txBody>
           <a:bodyPr/>
           <a:lstStyle/>
@@ -11224,7 +11257,7 @@
         <p:spPr>
           <a:xfrm>
             <a:off x="1178350" y="3781357"/>
-            <a:ext cx="748923" cy="369332"/>
+            <a:ext cx="705642" cy="369332"/>
           </a:xfrm>
           <a:prstGeom prst="rect">
             <a:avLst/>
@@ -11238,7 +11271,7 @@
           <a:lstStyle/>
           <a:p>
             <a:r>
-              <a:rPr lang="en-US" dirty="0"/>
+              <a:rPr lang="en-US" b="1" dirty="0"/>
               <a:t>Data</a:t>
             </a:r>
           </a:p>
@@ -11273,7 +11306,7 @@
           <a:lstStyle/>
           <a:p>
             <a:r>
-              <a:rPr lang="en-US" dirty="0"/>
+              <a:rPr lang="en-US" b="1" dirty="0"/>
               <a:t>Program</a:t>
             </a:r>
           </a:p>
@@ -11308,7 +11341,7 @@
           <a:lstStyle/>
           <a:p>
             <a:r>
-              <a:rPr lang="en-US" dirty="0"/>
+              <a:rPr lang="en-US" b="1" dirty="0"/>
               <a:t>Output</a:t>
             </a:r>
           </a:p>
@@ -11389,7 +11422,11 @@
           <a:lstStyle/>
           <a:p>
             <a:r>
-              <a:rPr lang="en-US" dirty="0"/>
+              <a:rPr lang="en-US" b="1" dirty="0">
+                <a:solidFill>
+                  <a:schemeClr val="bg2"/>
+                </a:solidFill>
+              </a:rPr>
               <a:t>Computer</a:t>
             </a:r>
           </a:p>
@@ -11533,7 +11570,7 @@
         <p:spPr>
           <a:xfrm>
             <a:off x="6736218" y="3781357"/>
-            <a:ext cx="748923" cy="369332"/>
+            <a:ext cx="705642" cy="369332"/>
           </a:xfrm>
           <a:prstGeom prst="rect">
             <a:avLst/>
@@ -11547,7 +11584,7 @@
           <a:lstStyle/>
           <a:p>
             <a:r>
-              <a:rPr lang="en-US" dirty="0"/>
+              <a:rPr lang="en-US" b="1" dirty="0"/>
               <a:t>Data</a:t>
             </a:r>
           </a:p>
@@ -11582,7 +11619,7 @@
           <a:lstStyle/>
           <a:p>
             <a:r>
-              <a:rPr lang="en-US" dirty="0"/>
+              <a:rPr lang="en-US" b="1" dirty="0"/>
               <a:t>Output</a:t>
             </a:r>
           </a:p>
@@ -11617,7 +11654,7 @@
           <a:lstStyle/>
           <a:p>
             <a:r>
-              <a:rPr lang="en-US" dirty="0"/>
+              <a:rPr lang="en-US" b="1" dirty="0"/>
               <a:t>Program</a:t>
             </a:r>
           </a:p>
@@ -11698,7 +11735,11 @@
           <a:lstStyle/>
           <a:p>
             <a:r>
-              <a:rPr lang="en-US" dirty="0"/>
+              <a:rPr lang="en-US" b="1" dirty="0">
+                <a:solidFill>
+                  <a:schemeClr val="bg2"/>
+                </a:solidFill>
+              </a:rPr>
               <a:t>Computer</a:t>
             </a:r>
           </a:p>
@@ -11827,6 +11868,98 @@
           </a:fontRef>
         </p:style>
       </p:cxnSp>
+      <p:sp>
+        <p:nvSpPr>
+          <p:cNvPr id="8" name="Arrow: Curved Up 7">
+            <a:extLst>
+              <a:ext uri="{FF2B5EF4-FFF2-40B4-BE49-F238E27FC236}">
+                <a16:creationId xmlns:a16="http://schemas.microsoft.com/office/drawing/2014/main" id="{94373492-8DE8-4135-8954-E4E26FC4AC3F}"/>
+              </a:ext>
+            </a:extLst>
+          </p:cNvPr>
+          <p:cNvSpPr/>
+          <p:nvPr/>
+        </p:nvSpPr>
+        <p:spPr>
+          <a:xfrm>
+            <a:off x="7348633" y="5099777"/>
+            <a:ext cx="3012141" cy="689912"/>
+          </a:xfrm>
+          <a:prstGeom prst="curvedUpArrow">
+            <a:avLst>
+              <a:gd name="adj1" fmla="val 25000"/>
+              <a:gd name="adj2" fmla="val 109284"/>
+              <a:gd name="adj3" fmla="val 29524"/>
+            </a:avLst>
+          </a:prstGeom>
+          <a:solidFill>
+            <a:schemeClr val="accent3"/>
+          </a:solidFill>
+        </p:spPr>
+        <p:style>
+          <a:lnRef idx="2">
+            <a:schemeClr val="accent1">
+              <a:shade val="50000"/>
+            </a:schemeClr>
+          </a:lnRef>
+          <a:fillRef idx="1">
+            <a:schemeClr val="accent1"/>
+          </a:fillRef>
+          <a:effectRef idx="0">
+            <a:schemeClr val="accent1"/>
+          </a:effectRef>
+          <a:fontRef idx="minor">
+            <a:schemeClr val="lt1"/>
+          </a:fontRef>
+        </p:style>
+        <p:txBody>
+          <a:bodyPr rtlCol="0" anchor="ctr"/>
+          <a:lstStyle/>
+          <a:p>
+            <a:pPr algn="ctr"/>
+            <a:endParaRPr lang="en-US">
+              <a:solidFill>
+                <a:schemeClr val="tx1"/>
+              </a:solidFill>
+            </a:endParaRPr>
+          </a:p>
+        </p:txBody>
+      </p:sp>
+      <p:sp>
+        <p:nvSpPr>
+          <p:cNvPr id="9" name="TextBox 8">
+            <a:extLst>
+              <a:ext uri="{FF2B5EF4-FFF2-40B4-BE49-F238E27FC236}">
+                <a16:creationId xmlns:a16="http://schemas.microsoft.com/office/drawing/2014/main" id="{85AD8811-7889-4442-B543-C8AF2BDAFF1F}"/>
+              </a:ext>
+            </a:extLst>
+          </p:cNvPr>
+          <p:cNvSpPr txBox="1"/>
+          <p:nvPr/>
+        </p:nvSpPr>
+        <p:spPr>
+          <a:xfrm>
+            <a:off x="8194585" y="5375188"/>
+            <a:ext cx="1067921" cy="369332"/>
+          </a:xfrm>
+          <a:prstGeom prst="rect">
+            <a:avLst/>
+          </a:prstGeom>
+          <a:noFill/>
+        </p:spPr>
+        <p:txBody>
+          <a:bodyPr wrap="none" rtlCol="0">
+            <a:spAutoFit/>
+          </a:bodyPr>
+          <a:lstStyle/>
+          <a:p>
+            <a:r>
+              <a:rPr lang="en-US" b="1" dirty="0"/>
+              <a:t>Training</a:t>
+            </a:r>
+          </a:p>
+        </p:txBody>
+      </p:sp>
     </p:spTree>
     <p:extLst>
       <p:ext uri="{BB962C8B-B14F-4D97-AF65-F5344CB8AC3E}">
@@ -11910,9 +12043,16 @@
             <p:ph idx="1"/>
           </p:nvPr>
         </p:nvSpPr>
-        <p:spPr/>
+        <p:spPr>
+          <a:xfrm>
+            <a:off x="618467" y="2168481"/>
+            <a:ext cx="5094796" cy="1260519"/>
+          </a:xfrm>
+        </p:spPr>
         <p:txBody>
-          <a:bodyPr/>
+          <a:bodyPr anchor="t">
+            <a:normAutofit fontScale="85000" lnSpcReduction="10000"/>
+          </a:bodyPr>
           <a:lstStyle/>
           <a:p>
             <a:r>
@@ -11920,14 +12060,26 @@
               <a:t>Supervised learning is learning from a training set of labeled examples provided by a knowledgeable external supervisor.</a:t>
             </a:r>
           </a:p>
+          <a:p>
+            <a:r>
+              <a:rPr lang="en-US" dirty="0"/>
+              <a:t>Suitable for classification or regression.</a:t>
+            </a:r>
+          </a:p>
+          <a:p>
+            <a:r>
+              <a:rPr lang="en-US" dirty="0"/>
+              <a:t> We can view those algorithms as a function approximation</a:t>
+            </a:r>
+          </a:p>
         </p:txBody>
       </p:sp>
       <p:pic>
         <p:nvPicPr>
-          <p:cNvPr id="3" name="Picture 2">
+          <p:cNvPr id="20" name="Picture 19" descr="A picture containing drawing, clock&#10;&#10;Description automatically generated">
             <a:extLst>
               <a:ext uri="{FF2B5EF4-FFF2-40B4-BE49-F238E27FC236}">
-                <a16:creationId xmlns:a16="http://schemas.microsoft.com/office/drawing/2014/main" id="{9FFE0544-B566-48F7-94EC-6E3810EA7DE6}"/>
+                <a16:creationId xmlns:a16="http://schemas.microsoft.com/office/drawing/2014/main" id="{7D1F2841-9F20-438A-8E74-AABF062B6549}"/>
               </a:ext>
             </a:extLst>
           </p:cNvPr>
@@ -11937,15 +12089,345 @@
           <p:nvPr/>
         </p:nvPicPr>
         <p:blipFill>
-          <a:blip r:embed="rId3"/>
+          <a:blip r:embed="rId3">
+            <a:extLst>
+              <a:ext uri="{28A0092B-C50C-407E-A947-70E740481C1C}">
+                <a14:useLocalDpi xmlns:a14="http://schemas.microsoft.com/office/drawing/2010/main" val="0"/>
+              </a:ext>
+            </a:extLst>
+          </a:blip>
           <a:stretch>
             <a:fillRect/>
           </a:stretch>
         </p:blipFill>
         <p:spPr>
           <a:xfrm>
-            <a:off x="977528" y="2847857"/>
-            <a:ext cx="9067789" cy="2306874"/>
+            <a:off x="8605905" y="702156"/>
+            <a:ext cx="2567848" cy="1013800"/>
+          </a:xfrm>
+          <a:prstGeom prst="snip2DiagRect">
+            <a:avLst/>
+          </a:prstGeom>
+          <a:solidFill>
+            <a:srgbClr val="FFFFFF">
+              <a:shade val="85000"/>
+            </a:srgbClr>
+          </a:solidFill>
+          <a:ln w="3175" cap="sq">
+            <a:solidFill>
+              <a:srgbClr val="FFFFFF"/>
+            </a:solidFill>
+            <a:miter lim="800000"/>
+          </a:ln>
+          <a:effectLst>
+            <a:outerShdw blurRad="88900" algn="tl" rotWithShape="0">
+              <a:srgbClr val="000000">
+                <a:alpha val="45000"/>
+              </a:srgbClr>
+            </a:outerShdw>
+          </a:effectLst>
+          <a:scene3d>
+            <a:camera prst="orthographicFront"/>
+            <a:lightRig rig="twoPt" dir="t">
+              <a:rot lat="0" lon="0" rev="7200000"/>
+            </a:lightRig>
+          </a:scene3d>
+          <a:sp3d>
+            <a:bevelT w="25400" h="19050"/>
+            <a:contourClr>
+              <a:srgbClr val="FFFFFF"/>
+            </a:contourClr>
+          </a:sp3d>
+        </p:spPr>
+      </p:pic>
+      <p:grpSp>
+        <p:nvGrpSpPr>
+          <p:cNvPr id="30" name="Group 29">
+            <a:extLst>
+              <a:ext uri="{FF2B5EF4-FFF2-40B4-BE49-F238E27FC236}">
+                <a16:creationId xmlns:a16="http://schemas.microsoft.com/office/drawing/2014/main" id="{BA7D1DAF-C401-4AE3-ACF0-A26AF6229B83}"/>
+              </a:ext>
+            </a:extLst>
+          </p:cNvPr>
+          <p:cNvGrpSpPr/>
+          <p:nvPr/>
+        </p:nvGrpSpPr>
+        <p:grpSpPr>
+          <a:xfrm>
+            <a:off x="1226354" y="4641151"/>
+            <a:ext cx="9739291" cy="1766445"/>
+            <a:chOff x="1054215" y="4989004"/>
+            <a:chExt cx="9739291" cy="1766445"/>
+          </a:xfrm>
+        </p:grpSpPr>
+        <p:sp>
+          <p:nvSpPr>
+            <p:cNvPr id="29" name="Rectangle 28">
+              <a:extLst>
+                <a:ext uri="{FF2B5EF4-FFF2-40B4-BE49-F238E27FC236}">
+                  <a16:creationId xmlns:a16="http://schemas.microsoft.com/office/drawing/2014/main" id="{38393808-8955-4BBB-A484-CC987BC81476}"/>
+                </a:ext>
+              </a:extLst>
+            </p:cNvPr>
+            <p:cNvSpPr/>
+            <p:nvPr/>
+          </p:nvSpPr>
+          <p:spPr>
+            <a:xfrm>
+              <a:off x="1054215" y="4989004"/>
+              <a:ext cx="9739291" cy="1766445"/>
+            </a:xfrm>
+            <a:prstGeom prst="rect">
+              <a:avLst/>
+            </a:prstGeom>
+          </p:spPr>
+          <p:style>
+            <a:lnRef idx="2">
+              <a:schemeClr val="accent6"/>
+            </a:lnRef>
+            <a:fillRef idx="1">
+              <a:schemeClr val="lt1"/>
+            </a:fillRef>
+            <a:effectRef idx="0">
+              <a:schemeClr val="accent6"/>
+            </a:effectRef>
+            <a:fontRef idx="minor">
+              <a:schemeClr val="dk1"/>
+            </a:fontRef>
+          </p:style>
+          <p:txBody>
+            <a:bodyPr rtlCol="0" anchor="ctr"/>
+            <a:lstStyle/>
+            <a:p>
+              <a:pPr algn="ctr"/>
+              <a:endParaRPr lang="en-US"/>
+            </a:p>
+          </p:txBody>
+        </p:sp>
+        <p:pic>
+          <p:nvPicPr>
+            <p:cNvPr id="1026" name="Picture 2" descr="AlexNet CNN architecture layers ">
+              <a:extLst>
+                <a:ext uri="{FF2B5EF4-FFF2-40B4-BE49-F238E27FC236}">
+                  <a16:creationId xmlns:a16="http://schemas.microsoft.com/office/drawing/2014/main" id="{C0E14A79-97BD-451E-A2B7-44F8185F354B}"/>
+                </a:ext>
+              </a:extLst>
+            </p:cNvPr>
+            <p:cNvPicPr>
+              <a:picLocks noChangeAspect="1" noChangeArrowheads="1"/>
+            </p:cNvPicPr>
+            <p:nvPr/>
+          </p:nvPicPr>
+          <p:blipFill>
+            <a:blip r:embed="rId4">
+              <a:extLst>
+                <a:ext uri="{28A0092B-C50C-407E-A947-70E740481C1C}">
+                  <a14:useLocalDpi xmlns:a14="http://schemas.microsoft.com/office/drawing/2010/main" val="0"/>
+                </a:ext>
+              </a:extLst>
+            </a:blip>
+            <a:srcRect/>
+            <a:stretch>
+              <a:fillRect/>
+            </a:stretch>
+          </p:blipFill>
+          <p:spPr bwMode="auto">
+            <a:xfrm>
+              <a:off x="5035464" y="5142045"/>
+              <a:ext cx="4671097" cy="1431501"/>
+            </a:xfrm>
+            <a:prstGeom prst="rect">
+              <a:avLst/>
+            </a:prstGeom>
+            <a:noFill/>
+            <a:extLst>
+              <a:ext uri="{909E8E84-426E-40DD-AFC4-6F175D3DCCD1}">
+                <a14:hiddenFill xmlns:a14="http://schemas.microsoft.com/office/drawing/2010/main">
+                  <a:solidFill>
+                    <a:srgbClr val="FFFFFF"/>
+                  </a:solidFill>
+                </a14:hiddenFill>
+              </a:ext>
+            </a:extLst>
+          </p:spPr>
+        </p:pic>
+        <p:pic>
+          <p:nvPicPr>
+            <p:cNvPr id="1028" name="Picture 4" descr="Image result for tiger">
+              <a:extLst>
+                <a:ext uri="{FF2B5EF4-FFF2-40B4-BE49-F238E27FC236}">
+                  <a16:creationId xmlns:a16="http://schemas.microsoft.com/office/drawing/2014/main" id="{5DF39A99-2FFC-4034-98EB-508FA4C1C541}"/>
+                </a:ext>
+              </a:extLst>
+            </p:cNvPr>
+            <p:cNvPicPr>
+              <a:picLocks noChangeAspect="1" noChangeArrowheads="1"/>
+            </p:cNvPicPr>
+            <p:nvPr/>
+          </p:nvPicPr>
+          <p:blipFill>
+            <a:blip r:embed="rId5">
+              <a:extLst>
+                <a:ext uri="{28A0092B-C50C-407E-A947-70E740481C1C}">
+                  <a14:useLocalDpi xmlns:a14="http://schemas.microsoft.com/office/drawing/2010/main" val="0"/>
+                </a:ext>
+              </a:extLst>
+            </a:blip>
+            <a:srcRect/>
+            <a:stretch>
+              <a:fillRect/>
+            </a:stretch>
+          </p:blipFill>
+          <p:spPr bwMode="auto">
+            <a:xfrm>
+              <a:off x="2800922" y="5153565"/>
+              <a:ext cx="2040650" cy="1431501"/>
+            </a:xfrm>
+            <a:prstGeom prst="rect">
+              <a:avLst/>
+            </a:prstGeom>
+            <a:noFill/>
+            <a:extLst>
+              <a:ext uri="{909E8E84-426E-40DD-AFC4-6F175D3DCCD1}">
+                <a14:hiddenFill xmlns:a14="http://schemas.microsoft.com/office/drawing/2010/main">
+                  <a:solidFill>
+                    <a:srgbClr val="FFFFFF"/>
+                  </a:solidFill>
+                </a14:hiddenFill>
+              </a:ext>
+            </a:extLst>
+          </p:spPr>
+        </p:pic>
+        <p:sp>
+          <p:nvSpPr>
+            <p:cNvPr id="25" name="TextBox 24">
+              <a:extLst>
+                <a:ext uri="{FF2B5EF4-FFF2-40B4-BE49-F238E27FC236}">
+                  <a16:creationId xmlns:a16="http://schemas.microsoft.com/office/drawing/2014/main" id="{5F97E325-17A1-4466-9E28-5314A73300D3}"/>
+                </a:ext>
+              </a:extLst>
+            </p:cNvPr>
+            <p:cNvSpPr txBox="1"/>
+            <p:nvPr/>
+          </p:nvSpPr>
+          <p:spPr>
+            <a:xfrm>
+              <a:off x="9900453" y="5579415"/>
+              <a:ext cx="766300" cy="369332"/>
+            </a:xfrm>
+            <a:prstGeom prst="rect">
+              <a:avLst/>
+            </a:prstGeom>
+            <a:noFill/>
+          </p:spPr>
+          <p:txBody>
+            <a:bodyPr wrap="none" rtlCol="0">
+              <a:spAutoFit/>
+            </a:bodyPr>
+            <a:lstStyle/>
+            <a:p>
+              <a:r>
+                <a:rPr lang="en-US" b="1" dirty="0"/>
+                <a:t>Tiger</a:t>
+              </a:r>
+            </a:p>
+          </p:txBody>
+        </p:sp>
+        <p:sp>
+          <p:nvSpPr>
+            <p:cNvPr id="26" name="TextBox 25">
+              <a:extLst>
+                <a:ext uri="{FF2B5EF4-FFF2-40B4-BE49-F238E27FC236}">
+                  <a16:creationId xmlns:a16="http://schemas.microsoft.com/office/drawing/2014/main" id="{882971CB-2AC9-47EE-810B-9346BCE8C038}"/>
+                </a:ext>
+              </a:extLst>
+            </p:cNvPr>
+            <p:cNvSpPr txBox="1"/>
+            <p:nvPr/>
+          </p:nvSpPr>
+          <p:spPr>
+            <a:xfrm>
+              <a:off x="1054215" y="5684649"/>
+              <a:ext cx="1552028" cy="369332"/>
+            </a:xfrm>
+            <a:prstGeom prst="rect">
+              <a:avLst/>
+            </a:prstGeom>
+            <a:noFill/>
+          </p:spPr>
+          <p:txBody>
+            <a:bodyPr wrap="none" rtlCol="0">
+              <a:spAutoFit/>
+            </a:bodyPr>
+            <a:lstStyle/>
+            <a:p>
+              <a:r>
+                <a:rPr lang="en-US" dirty="0"/>
+                <a:t>Deep Learning</a:t>
+              </a:r>
+            </a:p>
+          </p:txBody>
+        </p:sp>
+        <p:sp>
+          <p:nvSpPr>
+            <p:cNvPr id="27" name="TextBox 26">
+              <a:extLst>
+                <a:ext uri="{FF2B5EF4-FFF2-40B4-BE49-F238E27FC236}">
+                  <a16:creationId xmlns:a16="http://schemas.microsoft.com/office/drawing/2014/main" id="{CF574068-D743-4D6C-92E7-D04A9CF328A1}"/>
+                </a:ext>
+              </a:extLst>
+            </p:cNvPr>
+            <p:cNvSpPr txBox="1"/>
+            <p:nvPr/>
+          </p:nvSpPr>
+          <p:spPr>
+            <a:xfrm>
+              <a:off x="6891848" y="6386117"/>
+              <a:ext cx="3127908" cy="369332"/>
+            </a:xfrm>
+            <a:prstGeom prst="rect">
+              <a:avLst/>
+            </a:prstGeom>
+            <a:noFill/>
+          </p:spPr>
+          <p:txBody>
+            <a:bodyPr wrap="none" rtlCol="0">
+              <a:spAutoFit/>
+            </a:bodyPr>
+            <a:lstStyle/>
+            <a:p>
+              <a:r>
+                <a:rPr lang="en-US" dirty="0"/>
+                <a:t>Convolutional Neural Network</a:t>
+              </a:r>
+            </a:p>
+          </p:txBody>
+        </p:sp>
+      </p:grpSp>
+      <p:pic>
+        <p:nvPicPr>
+          <p:cNvPr id="28" name="Picture 27">
+            <a:extLst>
+              <a:ext uri="{FF2B5EF4-FFF2-40B4-BE49-F238E27FC236}">
+                <a16:creationId xmlns:a16="http://schemas.microsoft.com/office/drawing/2014/main" id="{368D05D5-3132-4919-AA4F-B475A19203CA}"/>
+              </a:ext>
+            </a:extLst>
+          </p:cNvPr>
+          <p:cNvPicPr>
+            <a:picLocks noChangeAspect="1"/>
+          </p:cNvPicPr>
+          <p:nvPr/>
+        </p:nvPicPr>
+        <p:blipFill>
+          <a:blip r:embed="rId6"/>
+          <a:stretch>
+            <a:fillRect/>
+          </a:stretch>
+        </p:blipFill>
+        <p:spPr>
+          <a:xfrm>
+            <a:off x="7063988" y="614261"/>
+            <a:ext cx="4707544" cy="4019724"/>
           </a:xfrm>
           <a:prstGeom prst="rect">
             <a:avLst/>
@@ -12042,14 +12524,7 @@
           <a:p>
             <a:r>
               <a:rPr lang="en-US" dirty="0"/>
-              <a:t>Is typically about finding structure hidden in collections of</a:t>
-            </a:r>
-            <a:br>
-              <a:rPr lang="en-US" dirty="0"/>
-            </a:br>
-            <a:r>
-              <a:rPr lang="en-US" dirty="0"/>
-              <a:t>unlabeled data. </a:t>
+              <a:t>Useful for finding structure hidden in collections of unlabeled data. </a:t>
             </a:r>
             <a:br>
               <a:rPr lang="en-US" dirty="0"/>
@@ -12072,16 +12547,15 @@
           </p:cNvPicPr>
           <p:nvPr/>
         </p:nvPicPr>
-        <p:blipFill>
+        <p:blipFill rotWithShape="1">
           <a:blip r:embed="rId3"/>
-          <a:stretch>
-            <a:fillRect/>
-          </a:stretch>
+          <a:srcRect t="12368" r="27115"/>
+          <a:stretch/>
         </p:blipFill>
         <p:spPr>
           <a:xfrm>
-            <a:off x="1595118" y="3349212"/>
-            <a:ext cx="3558198" cy="2806632"/>
+            <a:off x="1693863" y="3429000"/>
+            <a:ext cx="2875283" cy="2726844"/>
           </a:xfrm>
           <a:prstGeom prst="rect">
             <a:avLst/>
@@ -12102,22 +12576,91 @@
           </p:cNvPicPr>
           <p:nvPr/>
         </p:nvPicPr>
-        <p:blipFill>
+        <p:blipFill rotWithShape="1">
           <a:blip r:embed="rId4"/>
-          <a:stretch>
-            <a:fillRect/>
-          </a:stretch>
+          <a:srcRect t="16822"/>
+          <a:stretch/>
         </p:blipFill>
         <p:spPr>
           <a:xfrm>
-            <a:off x="6167241" y="2480613"/>
-            <a:ext cx="4841850" cy="3675231"/>
+            <a:off x="6096000" y="3306008"/>
+            <a:ext cx="4254016" cy="2685858"/>
           </a:xfrm>
           <a:prstGeom prst="rect">
             <a:avLst/>
           </a:prstGeom>
         </p:spPr>
       </p:pic>
+      <p:sp>
+        <p:nvSpPr>
+          <p:cNvPr id="6" name="TextBox 5">
+            <a:extLst>
+              <a:ext uri="{FF2B5EF4-FFF2-40B4-BE49-F238E27FC236}">
+                <a16:creationId xmlns:a16="http://schemas.microsoft.com/office/drawing/2014/main" id="{2BD919F2-6378-4CF8-87AB-E386E534B7DC}"/>
+              </a:ext>
+            </a:extLst>
+          </p:cNvPr>
+          <p:cNvSpPr txBox="1"/>
+          <p:nvPr/>
+        </p:nvSpPr>
+        <p:spPr>
+          <a:xfrm>
+            <a:off x="2149504" y="2964460"/>
+            <a:ext cx="1963999" cy="369332"/>
+          </a:xfrm>
+          <a:prstGeom prst="rect">
+            <a:avLst/>
+          </a:prstGeom>
+          <a:noFill/>
+        </p:spPr>
+        <p:txBody>
+          <a:bodyPr wrap="none" rtlCol="0">
+            <a:spAutoFit/>
+          </a:bodyPr>
+          <a:lstStyle/>
+          <a:p>
+            <a:r>
+              <a:rPr lang="en-US" dirty="0"/>
+              <a:t>K-means clustering</a:t>
+            </a:r>
+          </a:p>
+        </p:txBody>
+      </p:sp>
+      <p:sp>
+        <p:nvSpPr>
+          <p:cNvPr id="7" name="TextBox 6">
+            <a:extLst>
+              <a:ext uri="{FF2B5EF4-FFF2-40B4-BE49-F238E27FC236}">
+                <a16:creationId xmlns:a16="http://schemas.microsoft.com/office/drawing/2014/main" id="{B9090C2B-3C20-4A0F-891E-D241A7603D44}"/>
+              </a:ext>
+            </a:extLst>
+          </p:cNvPr>
+          <p:cNvSpPr txBox="1"/>
+          <p:nvPr/>
+        </p:nvSpPr>
+        <p:spPr>
+          <a:xfrm>
+            <a:off x="6745762" y="2936676"/>
+            <a:ext cx="2665473" cy="369332"/>
+          </a:xfrm>
+          <a:prstGeom prst="rect">
+            <a:avLst/>
+          </a:prstGeom>
+          <a:noFill/>
+        </p:spPr>
+        <p:txBody>
+          <a:bodyPr wrap="none" rtlCol="0">
+            <a:spAutoFit/>
+          </a:bodyPr>
+          <a:lstStyle/>
+          <a:p>
+            <a:r>
+              <a:rPr lang="en-US" dirty="0"/>
+              <a:t>K-means for Segmentation</a:t>
+            </a:r>
+          </a:p>
+        </p:txBody>
+      </p:sp>
     </p:spTree>
     <p:extLst>
       <p:ext uri="{BB962C8B-B14F-4D97-AF65-F5344CB8AC3E}">
@@ -12185,33 +12728,6 @@
           </a:p>
         </p:txBody>
       </p:sp>
-      <p:sp>
-        <p:nvSpPr>
-          <p:cNvPr id="4" name="Content Placeholder 3">
-            <a:extLst>
-              <a:ext uri="{FF2B5EF4-FFF2-40B4-BE49-F238E27FC236}">
-                <a16:creationId xmlns:a16="http://schemas.microsoft.com/office/drawing/2014/main" id="{16CCB349-3B7C-4273-A56F-460F647EE768}"/>
-              </a:ext>
-            </a:extLst>
-          </p:cNvPr>
-          <p:cNvSpPr>
-            <a:spLocks noGrp="1"/>
-          </p:cNvSpPr>
-          <p:nvPr>
-            <p:ph idx="1"/>
-          </p:nvPr>
-        </p:nvSpPr>
-        <p:spPr/>
-        <p:txBody>
-          <a:bodyPr>
-            <a:normAutofit/>
-          </a:bodyPr>
-          <a:lstStyle/>
-          <a:p>
-            <a:endParaRPr lang="en-US" dirty="0"/>
-          </a:p>
-        </p:txBody>
-      </p:sp>
       <p:pic>
         <p:nvPicPr>
           <p:cNvPr id="3" name="Picture 2">
@@ -12226,52 +12742,1568 @@
           </p:cNvPicPr>
           <p:nvPr/>
         </p:nvPicPr>
-        <p:blipFill>
+        <p:blipFill rotWithShape="1">
           <a:blip r:embed="rId3"/>
-          <a:stretch>
-            <a:fillRect/>
-          </a:stretch>
+          <a:srcRect t="-1" r="12679" b="58784"/>
+          <a:stretch/>
         </p:blipFill>
         <p:spPr>
           <a:xfrm>
-            <a:off x="1443037" y="1963063"/>
-            <a:ext cx="9305925" cy="3524250"/>
+            <a:off x="488327" y="2173767"/>
+            <a:ext cx="9020472" cy="1612469"/>
           </a:xfrm>
           <a:prstGeom prst="rect">
             <a:avLst/>
           </a:prstGeom>
         </p:spPr>
       </p:pic>
+      <mc:AlternateContent xmlns:mc="http://schemas.openxmlformats.org/markup-compatibility/2006">
+        <mc:Choice xmlns:a14="http://schemas.microsoft.com/office/drawing/2010/main" Requires="a14">
+          <p:sp>
+            <p:nvSpPr>
+              <p:cNvPr id="6" name="TextBox 5">
+                <a:extLst>
+                  <a:ext uri="{FF2B5EF4-FFF2-40B4-BE49-F238E27FC236}">
+                    <a16:creationId xmlns:a16="http://schemas.microsoft.com/office/drawing/2014/main" id="{A7C6CA9B-CDCF-4CFB-9DF1-7218170DC9B9}"/>
+                  </a:ext>
+                </a:extLst>
+              </p:cNvPr>
+              <p:cNvSpPr txBox="1"/>
+              <p:nvPr/>
+            </p:nvSpPr>
+            <p:spPr>
+              <a:xfrm>
+                <a:off x="9696815" y="2451737"/>
+                <a:ext cx="2006857" cy="1384995"/>
+              </a:xfrm>
+              <a:prstGeom prst="rect">
+                <a:avLst/>
+              </a:prstGeom>
+              <a:noFill/>
+            </p:spPr>
+            <p:txBody>
+              <a:bodyPr wrap="square" lIns="0" tIns="0" rIns="0" bIns="0" rtlCol="0">
+                <a:spAutoFit/>
+              </a:bodyPr>
+              <a:lstStyle/>
+              <a:p>
+                <a:pPr/>
+                <a14:m>
+                  <m:oMathPara xmlns:m="http://schemas.openxmlformats.org/officeDocument/2006/math">
+                    <m:oMathParaPr>
+                      <m:jc m:val="left"/>
+                    </m:oMathParaPr>
+                    <m:oMath xmlns:m="http://schemas.openxmlformats.org/officeDocument/2006/math">
+                      <m:sSub>
+                        <m:sSubPr>
+                          <m:ctrlPr>
+                            <a:rPr lang="en-US" b="0" i="1" smtClean="0">
+                              <a:latin typeface="Cambria Math" panose="02040503050406030204" pitchFamily="18" charset="0"/>
+                            </a:rPr>
+                          </m:ctrlPr>
+                        </m:sSubPr>
+                        <m:e>
+                          <m:r>
+                            <a:rPr lang="en-US" b="1" i="1" smtClean="0">
+                              <a:latin typeface="Cambria Math" panose="02040503050406030204" pitchFamily="18" charset="0"/>
+                            </a:rPr>
+                            <m:t>𝒔</m:t>
+                          </m:r>
+                        </m:e>
+                        <m:sub>
+                          <m:r>
+                            <a:rPr lang="en-US" b="0" i="1" smtClean="0">
+                              <a:latin typeface="Cambria Math" panose="02040503050406030204" pitchFamily="18" charset="0"/>
+                            </a:rPr>
+                            <m:t>𝑡</m:t>
+                          </m:r>
+                        </m:sub>
+                      </m:sSub>
+                      <m:r>
+                        <a:rPr lang="en-US" b="0" i="1" smtClean="0">
+                          <a:latin typeface="Cambria Math" panose="02040503050406030204" pitchFamily="18" charset="0"/>
+                        </a:rPr>
+                        <m:t> −</m:t>
+                      </m:r>
+                      <m:r>
+                        <a:rPr lang="en-US" b="0" i="1" smtClean="0">
+                          <a:latin typeface="Cambria Math" panose="02040503050406030204" pitchFamily="18" charset="0"/>
+                        </a:rPr>
+                        <m:t>𝑠𝑡𝑎𝑡𝑒</m:t>
+                      </m:r>
+                    </m:oMath>
+                  </m:oMathPara>
+                </a14:m>
+                <a:endParaRPr lang="en-US" b="0" dirty="0"/>
+              </a:p>
+              <a:p>
+                <a:pPr/>
+                <a14:m>
+                  <m:oMathPara xmlns:m="http://schemas.openxmlformats.org/officeDocument/2006/math">
+                    <m:oMathParaPr>
+                      <m:jc m:val="left"/>
+                    </m:oMathParaPr>
+                    <m:oMath xmlns:m="http://schemas.openxmlformats.org/officeDocument/2006/math">
+                      <m:sSub>
+                        <m:sSubPr>
+                          <m:ctrlPr>
+                            <a:rPr lang="en-US" b="0" i="1" smtClean="0">
+                              <a:latin typeface="Cambria Math" panose="02040503050406030204" pitchFamily="18" charset="0"/>
+                            </a:rPr>
+                          </m:ctrlPr>
+                        </m:sSubPr>
+                        <m:e>
+                          <m:r>
+                            <a:rPr lang="en-US" b="1" i="1" smtClean="0">
+                              <a:latin typeface="Cambria Math" panose="02040503050406030204" pitchFamily="18" charset="0"/>
+                            </a:rPr>
+                            <m:t>𝒐</m:t>
+                          </m:r>
+                        </m:e>
+                        <m:sub>
+                          <m:r>
+                            <a:rPr lang="en-US" b="0" i="1" smtClean="0">
+                              <a:latin typeface="Cambria Math" panose="02040503050406030204" pitchFamily="18" charset="0"/>
+                            </a:rPr>
+                            <m:t>𝑡</m:t>
+                          </m:r>
+                        </m:sub>
+                      </m:sSub>
+                      <m:r>
+                        <a:rPr lang="en-US" b="0" i="1" smtClean="0">
+                          <a:latin typeface="Cambria Math" panose="02040503050406030204" pitchFamily="18" charset="0"/>
+                        </a:rPr>
+                        <m:t>−</m:t>
+                      </m:r>
+                      <m:r>
+                        <a:rPr lang="en-US" b="0" i="1" smtClean="0">
+                          <a:latin typeface="Cambria Math" panose="02040503050406030204" pitchFamily="18" charset="0"/>
+                        </a:rPr>
+                        <m:t>𝑜𝑏𝑠𝑒𝑟𝑣𝑎𝑡𝑖𝑜𝑛</m:t>
+                      </m:r>
+                    </m:oMath>
+                  </m:oMathPara>
+                </a14:m>
+                <a:endParaRPr lang="en-US" b="0" dirty="0"/>
+              </a:p>
+              <a:p>
+                <a:pPr/>
+                <a14:m>
+                  <m:oMathPara xmlns:m="http://schemas.openxmlformats.org/officeDocument/2006/math">
+                    <m:oMathParaPr>
+                      <m:jc m:val="left"/>
+                    </m:oMathParaPr>
+                    <m:oMath xmlns:m="http://schemas.openxmlformats.org/officeDocument/2006/math">
+                      <m:sSub>
+                        <m:sSubPr>
+                          <m:ctrlPr>
+                            <a:rPr lang="en-US" b="0" i="1" smtClean="0">
+                              <a:latin typeface="Cambria Math" panose="02040503050406030204" pitchFamily="18" charset="0"/>
+                            </a:rPr>
+                          </m:ctrlPr>
+                        </m:sSubPr>
+                        <m:e>
+                          <m:r>
+                            <a:rPr lang="en-US" b="1" i="1" smtClean="0">
+                              <a:latin typeface="Cambria Math" panose="02040503050406030204" pitchFamily="18" charset="0"/>
+                            </a:rPr>
+                            <m:t>𝒂</m:t>
+                          </m:r>
+                        </m:e>
+                        <m:sub>
+                          <m:r>
+                            <a:rPr lang="en-US" b="0" i="1" smtClean="0">
+                              <a:latin typeface="Cambria Math" panose="02040503050406030204" pitchFamily="18" charset="0"/>
+                            </a:rPr>
+                            <m:t>𝑡</m:t>
+                          </m:r>
+                        </m:sub>
+                      </m:sSub>
+                      <m:r>
+                        <a:rPr lang="en-US" b="0" i="1" smtClean="0">
+                          <a:latin typeface="Cambria Math" panose="02040503050406030204" pitchFamily="18" charset="0"/>
+                        </a:rPr>
+                        <m:t>−</m:t>
+                      </m:r>
+                      <m:r>
+                        <a:rPr lang="en-US" b="0" i="1" smtClean="0">
+                          <a:latin typeface="Cambria Math" panose="02040503050406030204" pitchFamily="18" charset="0"/>
+                        </a:rPr>
+                        <m:t>𝑎𝑐𝑡𝑖𝑜𝑛</m:t>
+                      </m:r>
+                    </m:oMath>
+                  </m:oMathPara>
+                </a14:m>
+                <a:endParaRPr lang="en-US" b="0" dirty="0"/>
+              </a:p>
+              <a:p>
+                <a:pPr/>
+                <a14:m>
+                  <m:oMathPara xmlns:m="http://schemas.openxmlformats.org/officeDocument/2006/math">
+                    <m:oMathParaPr>
+                      <m:jc m:val="left"/>
+                    </m:oMathParaPr>
+                    <m:oMath xmlns:m="http://schemas.openxmlformats.org/officeDocument/2006/math">
+                      <m:sSub>
+                        <m:sSubPr>
+                          <m:ctrlPr>
+                            <a:rPr lang="en-US" b="0" i="1" smtClean="0">
+                              <a:latin typeface="Cambria Math" panose="02040503050406030204" pitchFamily="18" charset="0"/>
+                            </a:rPr>
+                          </m:ctrlPr>
+                        </m:sSubPr>
+                        <m:e>
+                          <m:r>
+                            <a:rPr lang="en-US" b="0" i="1" smtClean="0">
+                              <a:latin typeface="Cambria Math" panose="02040503050406030204" pitchFamily="18" charset="0"/>
+                            </a:rPr>
+                            <m:t>𝑟</m:t>
+                          </m:r>
+                        </m:e>
+                        <m:sub>
+                          <m:r>
+                            <a:rPr lang="en-US" b="0" i="1" smtClean="0">
+                              <a:latin typeface="Cambria Math" panose="02040503050406030204" pitchFamily="18" charset="0"/>
+                            </a:rPr>
+                            <m:t>𝑡</m:t>
+                          </m:r>
+                        </m:sub>
+                      </m:sSub>
+                      <m:r>
+                        <a:rPr lang="en-US" b="0" i="1" smtClean="0">
+                          <a:latin typeface="Cambria Math" panose="02040503050406030204" pitchFamily="18" charset="0"/>
+                        </a:rPr>
+                        <m:t> −</m:t>
+                      </m:r>
+                      <m:r>
+                        <a:rPr lang="en-US" b="0" i="1" smtClean="0">
+                          <a:latin typeface="Cambria Math" panose="02040503050406030204" pitchFamily="18" charset="0"/>
+                        </a:rPr>
+                        <m:t>𝑟𝑒𝑤𝑎𝑟𝑑</m:t>
+                      </m:r>
+                    </m:oMath>
+                  </m:oMathPara>
+                </a14:m>
+                <a:endParaRPr lang="en-US" b="0" dirty="0"/>
+              </a:p>
+              <a:p>
+                <a:pPr/>
+                <a14:m>
+                  <m:oMathPara xmlns:m="http://schemas.openxmlformats.org/officeDocument/2006/math">
+                    <m:oMathParaPr>
+                      <m:jc m:val="left"/>
+                    </m:oMathParaPr>
+                    <m:oMath xmlns:m="http://schemas.openxmlformats.org/officeDocument/2006/math">
+                      <m:sSub>
+                        <m:sSubPr>
+                          <m:ctrlPr>
+                            <a:rPr lang="en-US" b="0" i="1" smtClean="0">
+                              <a:latin typeface="Cambria Math" panose="02040503050406030204" pitchFamily="18" charset="0"/>
+                              <a:ea typeface="Cambria Math" panose="02040503050406030204" pitchFamily="18" charset="0"/>
+                            </a:rPr>
+                          </m:ctrlPr>
+                        </m:sSubPr>
+                        <m:e>
+                          <m:r>
+                            <a:rPr lang="en-US" b="1" i="1" smtClean="0">
+                              <a:latin typeface="Cambria Math" panose="02040503050406030204" pitchFamily="18" charset="0"/>
+                              <a:ea typeface="Cambria Math" panose="02040503050406030204" pitchFamily="18" charset="0"/>
+                            </a:rPr>
+                            <m:t>𝝅</m:t>
+                          </m:r>
+                        </m:e>
+                        <m:sub>
+                          <m:r>
+                            <a:rPr lang="en-US" b="0" i="1" smtClean="0">
+                              <a:latin typeface="Cambria Math" panose="02040503050406030204" pitchFamily="18" charset="0"/>
+                              <a:ea typeface="Cambria Math" panose="02040503050406030204" pitchFamily="18" charset="0"/>
+                            </a:rPr>
+                            <m:t>𝜃</m:t>
+                          </m:r>
+                        </m:sub>
+                      </m:sSub>
+                      <m:d>
+                        <m:dPr>
+                          <m:ctrlPr>
+                            <a:rPr lang="en-US" b="0" i="1" smtClean="0">
+                              <a:latin typeface="Cambria Math" panose="02040503050406030204" pitchFamily="18" charset="0"/>
+                              <a:ea typeface="Cambria Math" panose="02040503050406030204" pitchFamily="18" charset="0"/>
+                            </a:rPr>
+                          </m:ctrlPr>
+                        </m:dPr>
+                        <m:e>
+                          <m:sSub>
+                            <m:sSubPr>
+                              <m:ctrlPr>
+                                <a:rPr lang="en-US" b="0" i="1" smtClean="0">
+                                  <a:latin typeface="Cambria Math" panose="02040503050406030204" pitchFamily="18" charset="0"/>
+                                  <a:ea typeface="Cambria Math" panose="02040503050406030204" pitchFamily="18" charset="0"/>
+                                </a:rPr>
+                              </m:ctrlPr>
+                            </m:sSubPr>
+                            <m:e>
+                              <m:r>
+                                <a:rPr lang="en-US" b="0" i="1" smtClean="0">
+                                  <a:latin typeface="Cambria Math" panose="02040503050406030204" pitchFamily="18" charset="0"/>
+                                  <a:ea typeface="Cambria Math" panose="02040503050406030204" pitchFamily="18" charset="0"/>
+                                </a:rPr>
+                                <m:t>𝑎</m:t>
+                              </m:r>
+                            </m:e>
+                            <m:sub>
+                              <m:r>
+                                <a:rPr lang="en-US" b="0" i="1" smtClean="0">
+                                  <a:latin typeface="Cambria Math" panose="02040503050406030204" pitchFamily="18" charset="0"/>
+                                  <a:ea typeface="Cambria Math" panose="02040503050406030204" pitchFamily="18" charset="0"/>
+                                </a:rPr>
+                                <m:t>𝑡</m:t>
+                              </m:r>
+                            </m:sub>
+                          </m:sSub>
+                        </m:e>
+                        <m:e>
+                          <m:sSub>
+                            <m:sSubPr>
+                              <m:ctrlPr>
+                                <a:rPr lang="en-US" b="0" i="1" smtClean="0">
+                                  <a:latin typeface="Cambria Math" panose="02040503050406030204" pitchFamily="18" charset="0"/>
+                                  <a:ea typeface="Cambria Math" panose="02040503050406030204" pitchFamily="18" charset="0"/>
+                                </a:rPr>
+                              </m:ctrlPr>
+                            </m:sSubPr>
+                            <m:e>
+                              <m:r>
+                                <a:rPr lang="en-US" b="0" i="1" smtClean="0">
+                                  <a:latin typeface="Cambria Math" panose="02040503050406030204" pitchFamily="18" charset="0"/>
+                                  <a:ea typeface="Cambria Math" panose="02040503050406030204" pitchFamily="18" charset="0"/>
+                                </a:rPr>
+                                <m:t>𝑜</m:t>
+                              </m:r>
+                            </m:e>
+                            <m:sub>
+                              <m:r>
+                                <a:rPr lang="en-US" b="0" i="1" smtClean="0">
+                                  <a:latin typeface="Cambria Math" panose="02040503050406030204" pitchFamily="18" charset="0"/>
+                                  <a:ea typeface="Cambria Math" panose="02040503050406030204" pitchFamily="18" charset="0"/>
+                                </a:rPr>
+                                <m:t>𝑡</m:t>
+                              </m:r>
+                            </m:sub>
+                          </m:sSub>
+                        </m:e>
+                      </m:d>
+                      <m:r>
+                        <a:rPr lang="en-US" b="0" i="1" smtClean="0">
+                          <a:latin typeface="Cambria Math" panose="02040503050406030204" pitchFamily="18" charset="0"/>
+                          <a:ea typeface="Cambria Math" panose="02040503050406030204" pitchFamily="18" charset="0"/>
+                        </a:rPr>
+                        <m:t>−</m:t>
+                      </m:r>
+                      <m:r>
+                        <a:rPr lang="en-US" b="0" i="1" smtClean="0">
+                          <a:latin typeface="Cambria Math" panose="02040503050406030204" pitchFamily="18" charset="0"/>
+                          <a:ea typeface="Cambria Math" panose="02040503050406030204" pitchFamily="18" charset="0"/>
+                        </a:rPr>
+                        <m:t>𝑝𝑜𝑙𝑖𝑐𝑦</m:t>
+                      </m:r>
+                    </m:oMath>
+                  </m:oMathPara>
+                </a14:m>
+                <a:endParaRPr lang="en-US" b="0" dirty="0"/>
+              </a:p>
+            </p:txBody>
+          </p:sp>
+        </mc:Choice>
+        <mc:Fallback>
+          <p:sp>
+            <p:nvSpPr>
+              <p:cNvPr id="6" name="TextBox 5">
+                <a:extLst>
+                  <a:ext uri="{FF2B5EF4-FFF2-40B4-BE49-F238E27FC236}">
+                    <a16:creationId xmlns:a16="http://schemas.microsoft.com/office/drawing/2014/main" id="{A7C6CA9B-CDCF-4CFB-9DF1-7218170DC9B9}"/>
+                  </a:ext>
+                </a:extLst>
+              </p:cNvPr>
+              <p:cNvSpPr txBox="1">
+                <a:spLocks noRot="1" noChangeAspect="1" noMove="1" noResize="1" noEditPoints="1" noAdjustHandles="1" noChangeArrowheads="1" noChangeShapeType="1" noTextEdit="1"/>
+              </p:cNvSpPr>
+              <p:nvPr/>
+            </p:nvSpPr>
+            <p:spPr>
+              <a:xfrm>
+                <a:off x="9696815" y="2451737"/>
+                <a:ext cx="2006857" cy="1384995"/>
+              </a:xfrm>
+              <a:prstGeom prst="rect">
+                <a:avLst/>
+              </a:prstGeom>
+              <a:blipFill>
+                <a:blip r:embed="rId4"/>
+                <a:stretch>
+                  <a:fillRect l="-3040" b="-6608"/>
+                </a:stretch>
+              </a:blipFill>
+            </p:spPr>
+            <p:txBody>
+              <a:bodyPr/>
+              <a:lstStyle/>
+              <a:p>
+                <a:r>
+                  <a:rPr lang="en-US">
+                    <a:noFill/>
+                  </a:rPr>
+                  <a:t> </a:t>
+                </a:r>
+              </a:p>
+            </p:txBody>
+          </p:sp>
+        </mc:Fallback>
+      </mc:AlternateContent>
       <p:pic>
         <p:nvPicPr>
-          <p:cNvPr id="5" name="Picture 4">
+          <p:cNvPr id="7" name="Picture 2" descr="AlexNet CNN architecture layers ">
             <a:extLst>
               <a:ext uri="{FF2B5EF4-FFF2-40B4-BE49-F238E27FC236}">
-                <a16:creationId xmlns:a16="http://schemas.microsoft.com/office/drawing/2014/main" id="{A639DD5C-C993-4C5C-BE20-F3E3C779AB99}"/>
+                <a16:creationId xmlns:a16="http://schemas.microsoft.com/office/drawing/2014/main" id="{02EA2EAA-689A-427E-AEB3-C041473DADF4}"/>
               </a:ext>
             </a:extLst>
           </p:cNvPr>
           <p:cNvPicPr>
-            <a:picLocks noChangeAspect="1"/>
+            <a:picLocks noChangeAspect="1" noChangeArrowheads="1"/>
           </p:cNvPicPr>
           <p:nvPr/>
         </p:nvPicPr>
         <p:blipFill>
-          <a:blip r:embed="rId4"/>
+          <a:blip r:embed="rId5">
+            <a:extLst>
+              <a:ext uri="{28A0092B-C50C-407E-A947-70E740481C1C}">
+                <a14:useLocalDpi xmlns:a14="http://schemas.microsoft.com/office/drawing/2010/main" val="0"/>
+              </a:ext>
+            </a:extLst>
+          </a:blip>
+          <a:srcRect/>
           <a:stretch>
             <a:fillRect/>
           </a:stretch>
         </p:blipFill>
+        <p:spPr bwMode="auto">
+          <a:xfrm>
+            <a:off x="2191657" y="2103192"/>
+            <a:ext cx="5261608" cy="1612469"/>
+          </a:xfrm>
+          <a:prstGeom prst="rect">
+            <a:avLst/>
+          </a:prstGeom>
+          <a:noFill/>
+          <a:extLst>
+            <a:ext uri="{909E8E84-426E-40DD-AFC4-6F175D3DCCD1}">
+              <a14:hiddenFill xmlns:a14="http://schemas.microsoft.com/office/drawing/2010/main">
+                <a:solidFill>
+                  <a:srgbClr val="FFFFFF"/>
+                </a:solidFill>
+              </a14:hiddenFill>
+            </a:ext>
+          </a:extLst>
+        </p:spPr>
+      </p:pic>
+      <mc:AlternateContent xmlns:mc="http://schemas.openxmlformats.org/markup-compatibility/2006">
+        <mc:Choice xmlns:a14="http://schemas.microsoft.com/office/drawing/2010/main" Requires="a14">
+          <p:sp>
+            <p:nvSpPr>
+              <p:cNvPr id="8" name="TextBox 7">
+                <a:extLst>
+                  <a:ext uri="{FF2B5EF4-FFF2-40B4-BE49-F238E27FC236}">
+                    <a16:creationId xmlns:a16="http://schemas.microsoft.com/office/drawing/2014/main" id="{4764C3B5-4D83-4F25-BB66-34B849D13E7B}"/>
+                  </a:ext>
+                </a:extLst>
+              </p:cNvPr>
+              <p:cNvSpPr txBox="1"/>
+              <p:nvPr/>
+            </p:nvSpPr>
+            <p:spPr>
+              <a:xfrm>
+                <a:off x="8106359" y="3625978"/>
+                <a:ext cx="460382" cy="461665"/>
+              </a:xfrm>
+              <a:prstGeom prst="rect">
+                <a:avLst/>
+              </a:prstGeom>
+              <a:noFill/>
+            </p:spPr>
+            <p:txBody>
+              <a:bodyPr wrap="none" rtlCol="0">
+                <a:spAutoFit/>
+              </a:bodyPr>
+              <a:lstStyle/>
+              <a:p>
+                <a14:m>
+                  <m:oMathPara xmlns:m="http://schemas.openxmlformats.org/officeDocument/2006/math">
+                    <m:oMathParaPr>
+                      <m:jc m:val="centerGroup"/>
+                    </m:oMathParaPr>
+                    <m:oMath xmlns:m="http://schemas.openxmlformats.org/officeDocument/2006/math">
+                      <m:r>
+                        <a:rPr lang="en-US" sz="2400" b="1" i="1" smtClean="0">
+                          <a:latin typeface="Cambria Math" panose="02040503050406030204" pitchFamily="18" charset="0"/>
+                        </a:rPr>
+                        <m:t>𝒂</m:t>
+                      </m:r>
+                    </m:oMath>
+                  </m:oMathPara>
+                </a14:m>
+                <a:endParaRPr lang="en-US" sz="2400" b="1" dirty="0"/>
+              </a:p>
+            </p:txBody>
+          </p:sp>
+        </mc:Choice>
+        <mc:Fallback>
+          <p:sp>
+            <p:nvSpPr>
+              <p:cNvPr id="8" name="TextBox 7">
+                <a:extLst>
+                  <a:ext uri="{FF2B5EF4-FFF2-40B4-BE49-F238E27FC236}">
+                    <a16:creationId xmlns:a16="http://schemas.microsoft.com/office/drawing/2014/main" id="{4764C3B5-4D83-4F25-BB66-34B849D13E7B}"/>
+                  </a:ext>
+                </a:extLst>
+              </p:cNvPr>
+              <p:cNvSpPr txBox="1">
+                <a:spLocks noRot="1" noChangeAspect="1" noMove="1" noResize="1" noEditPoints="1" noAdjustHandles="1" noChangeArrowheads="1" noChangeShapeType="1" noTextEdit="1"/>
+              </p:cNvSpPr>
+              <p:nvPr/>
+            </p:nvSpPr>
+            <p:spPr>
+              <a:xfrm>
+                <a:off x="8106359" y="3625978"/>
+                <a:ext cx="460382" cy="461665"/>
+              </a:xfrm>
+              <a:prstGeom prst="rect">
+                <a:avLst/>
+              </a:prstGeom>
+              <a:blipFill>
+                <a:blip r:embed="rId6"/>
+                <a:stretch>
+                  <a:fillRect/>
+                </a:stretch>
+              </a:blipFill>
+            </p:spPr>
+            <p:txBody>
+              <a:bodyPr/>
+              <a:lstStyle/>
+              <a:p>
+                <a:r>
+                  <a:rPr lang="en-US">
+                    <a:noFill/>
+                  </a:rPr>
+                  <a:t> </a:t>
+                </a:r>
+              </a:p>
+            </p:txBody>
+          </p:sp>
+        </mc:Fallback>
+      </mc:AlternateContent>
+      <mc:AlternateContent xmlns:mc="http://schemas.openxmlformats.org/markup-compatibility/2006">
+        <mc:Choice xmlns:a14="http://schemas.microsoft.com/office/drawing/2010/main" Requires="a14">
+          <p:sp>
+            <p:nvSpPr>
+              <p:cNvPr id="9" name="TextBox 8">
+                <a:extLst>
+                  <a:ext uri="{FF2B5EF4-FFF2-40B4-BE49-F238E27FC236}">
+                    <a16:creationId xmlns:a16="http://schemas.microsoft.com/office/drawing/2014/main" id="{EE195910-89DA-4132-B816-2022EBD658F9}"/>
+                  </a:ext>
+                </a:extLst>
+              </p:cNvPr>
+              <p:cNvSpPr txBox="1"/>
+              <p:nvPr/>
+            </p:nvSpPr>
+            <p:spPr>
+              <a:xfrm>
+                <a:off x="384053" y="3686872"/>
+                <a:ext cx="734175" cy="461665"/>
+              </a:xfrm>
+              <a:prstGeom prst="rect">
+                <a:avLst/>
+              </a:prstGeom>
+              <a:noFill/>
+            </p:spPr>
+            <p:txBody>
+              <a:bodyPr wrap="none" rtlCol="0">
+                <a:spAutoFit/>
+              </a:bodyPr>
+              <a:lstStyle/>
+              <a:p>
+                <a14:m>
+                  <m:oMath xmlns:m="http://schemas.openxmlformats.org/officeDocument/2006/math">
+                    <m:r>
+                      <a:rPr lang="en-US" sz="2400" b="1" i="1" smtClean="0">
+                        <a:latin typeface="Cambria Math" panose="02040503050406030204" pitchFamily="18" charset="0"/>
+                      </a:rPr>
+                      <m:t>𝒐</m:t>
+                    </m:r>
+                  </m:oMath>
+                </a14:m>
+                <a:r>
+                  <a:rPr lang="en-US" sz="2400" dirty="0"/>
+                  <a:t> , </a:t>
+                </a:r>
+                <a14:m>
+                  <m:oMath xmlns:m="http://schemas.openxmlformats.org/officeDocument/2006/math">
+                    <m:r>
+                      <a:rPr lang="en-US" sz="2400" b="1" i="1" smtClean="0">
+                        <a:latin typeface="Cambria Math" panose="02040503050406030204" pitchFamily="18" charset="0"/>
+                      </a:rPr>
+                      <m:t>𝒓</m:t>
+                    </m:r>
+                  </m:oMath>
+                </a14:m>
+                <a:endParaRPr lang="en-US" sz="2400" b="1" dirty="0"/>
+              </a:p>
+            </p:txBody>
+          </p:sp>
+        </mc:Choice>
+        <mc:Fallback>
+          <p:sp>
+            <p:nvSpPr>
+              <p:cNvPr id="9" name="TextBox 8">
+                <a:extLst>
+                  <a:ext uri="{FF2B5EF4-FFF2-40B4-BE49-F238E27FC236}">
+                    <a16:creationId xmlns:a16="http://schemas.microsoft.com/office/drawing/2014/main" id="{EE195910-89DA-4132-B816-2022EBD658F9}"/>
+                  </a:ext>
+                </a:extLst>
+              </p:cNvPr>
+              <p:cNvSpPr txBox="1">
+                <a:spLocks noRot="1" noChangeAspect="1" noMove="1" noResize="1" noEditPoints="1" noAdjustHandles="1" noChangeArrowheads="1" noChangeShapeType="1" noTextEdit="1"/>
+              </p:cNvSpPr>
+              <p:nvPr/>
+            </p:nvSpPr>
+            <p:spPr>
+              <a:xfrm>
+                <a:off x="384053" y="3686872"/>
+                <a:ext cx="734175" cy="461665"/>
+              </a:xfrm>
+              <a:prstGeom prst="rect">
+                <a:avLst/>
+              </a:prstGeom>
+              <a:blipFill>
+                <a:blip r:embed="rId7"/>
+                <a:stretch>
+                  <a:fillRect t="-10526" b="-28947"/>
+                </a:stretch>
+              </a:blipFill>
+            </p:spPr>
+            <p:txBody>
+              <a:bodyPr/>
+              <a:lstStyle/>
+              <a:p>
+                <a:r>
+                  <a:rPr lang="en-US">
+                    <a:noFill/>
+                  </a:rPr>
+                  <a:t> </a:t>
+                </a:r>
+              </a:p>
+            </p:txBody>
+          </p:sp>
+        </mc:Fallback>
+      </mc:AlternateContent>
+      <mc:AlternateContent xmlns:mc="http://schemas.openxmlformats.org/markup-compatibility/2006">
+        <mc:Choice xmlns:a14="http://schemas.microsoft.com/office/drawing/2010/main" Requires="a14">
+          <p:sp>
+            <p:nvSpPr>
+              <p:cNvPr id="10" name="TextBox 9">
+                <a:extLst>
+                  <a:ext uri="{FF2B5EF4-FFF2-40B4-BE49-F238E27FC236}">
+                    <a16:creationId xmlns:a16="http://schemas.microsoft.com/office/drawing/2014/main" id="{B605EA76-EC87-4702-9878-8DEB4EF19EB8}"/>
+                  </a:ext>
+                </a:extLst>
+              </p:cNvPr>
+              <p:cNvSpPr txBox="1"/>
+              <p:nvPr/>
+            </p:nvSpPr>
+            <p:spPr>
+              <a:xfrm>
+                <a:off x="4624343" y="3289283"/>
+                <a:ext cx="1354986" cy="461665"/>
+              </a:xfrm>
+              <a:prstGeom prst="rect">
+                <a:avLst/>
+              </a:prstGeom>
+              <a:noFill/>
+            </p:spPr>
+            <p:txBody>
+              <a:bodyPr wrap="none" rtlCol="0">
+                <a:spAutoFit/>
+              </a:bodyPr>
+              <a:lstStyle/>
+              <a:p>
+                <a14:m>
+                  <m:oMathPara xmlns:m="http://schemas.openxmlformats.org/officeDocument/2006/math">
+                    <m:oMathParaPr>
+                      <m:jc m:val="centerGroup"/>
+                    </m:oMathParaPr>
+                    <m:oMath xmlns:m="http://schemas.openxmlformats.org/officeDocument/2006/math">
+                      <m:sSub>
+                        <m:sSubPr>
+                          <m:ctrlPr>
+                            <a:rPr lang="en-US" sz="2400" b="1" i="1" smtClean="0">
+                              <a:latin typeface="Cambria Math" panose="02040503050406030204" pitchFamily="18" charset="0"/>
+                              <a:ea typeface="Cambria Math" panose="02040503050406030204" pitchFamily="18" charset="0"/>
+                            </a:rPr>
+                          </m:ctrlPr>
+                        </m:sSubPr>
+                        <m:e>
+                          <m:r>
+                            <a:rPr lang="en-US" sz="2400" b="1" i="1">
+                              <a:latin typeface="Cambria Math" panose="02040503050406030204" pitchFamily="18" charset="0"/>
+                              <a:ea typeface="Cambria Math" panose="02040503050406030204" pitchFamily="18" charset="0"/>
+                            </a:rPr>
+                            <m:t>𝝅</m:t>
+                          </m:r>
+                        </m:e>
+                        <m:sub>
+                          <m:r>
+                            <a:rPr lang="en-US" sz="2400" b="1" i="1">
+                              <a:latin typeface="Cambria Math" panose="02040503050406030204" pitchFamily="18" charset="0"/>
+                              <a:ea typeface="Cambria Math" panose="02040503050406030204" pitchFamily="18" charset="0"/>
+                            </a:rPr>
+                            <m:t>𝜽</m:t>
+                          </m:r>
+                        </m:sub>
+                      </m:sSub>
+                      <m:d>
+                        <m:dPr>
+                          <m:ctrlPr>
+                            <a:rPr lang="en-US" sz="2400" b="1" i="1">
+                              <a:latin typeface="Cambria Math" panose="02040503050406030204" pitchFamily="18" charset="0"/>
+                              <a:ea typeface="Cambria Math" panose="02040503050406030204" pitchFamily="18" charset="0"/>
+                            </a:rPr>
+                          </m:ctrlPr>
+                        </m:dPr>
+                        <m:e>
+                          <m:r>
+                            <a:rPr lang="en-US" sz="2400" b="1" i="1" smtClean="0">
+                              <a:latin typeface="Cambria Math" panose="02040503050406030204" pitchFamily="18" charset="0"/>
+                              <a:ea typeface="Cambria Math" panose="02040503050406030204" pitchFamily="18" charset="0"/>
+                            </a:rPr>
+                            <m:t>𝒂</m:t>
+                          </m:r>
+                        </m:e>
+                        <m:e>
+                          <m:r>
+                            <a:rPr lang="en-US" sz="2400" b="1" i="1" smtClean="0">
+                              <a:latin typeface="Cambria Math" panose="02040503050406030204" pitchFamily="18" charset="0"/>
+                              <a:ea typeface="Cambria Math" panose="02040503050406030204" pitchFamily="18" charset="0"/>
+                            </a:rPr>
+                            <m:t>𝒐</m:t>
+                          </m:r>
+                        </m:e>
+                      </m:d>
+                    </m:oMath>
+                  </m:oMathPara>
+                </a14:m>
+                <a:endParaRPr lang="en-US" sz="2400" b="1" dirty="0"/>
+              </a:p>
+            </p:txBody>
+          </p:sp>
+        </mc:Choice>
+        <mc:Fallback>
+          <p:sp>
+            <p:nvSpPr>
+              <p:cNvPr id="10" name="TextBox 9">
+                <a:extLst>
+                  <a:ext uri="{FF2B5EF4-FFF2-40B4-BE49-F238E27FC236}">
+                    <a16:creationId xmlns:a16="http://schemas.microsoft.com/office/drawing/2014/main" id="{B605EA76-EC87-4702-9878-8DEB4EF19EB8}"/>
+                  </a:ext>
+                </a:extLst>
+              </p:cNvPr>
+              <p:cNvSpPr txBox="1">
+                <a:spLocks noRot="1" noChangeAspect="1" noMove="1" noResize="1" noEditPoints="1" noAdjustHandles="1" noChangeArrowheads="1" noChangeShapeType="1" noTextEdit="1"/>
+              </p:cNvSpPr>
+              <p:nvPr/>
+            </p:nvSpPr>
+            <p:spPr>
+              <a:xfrm>
+                <a:off x="4624343" y="3289283"/>
+                <a:ext cx="1354986" cy="461665"/>
+              </a:xfrm>
+              <a:prstGeom prst="rect">
+                <a:avLst/>
+              </a:prstGeom>
+              <a:blipFill>
+                <a:blip r:embed="rId8"/>
+                <a:stretch>
+                  <a:fillRect b="-4000"/>
+                </a:stretch>
+              </a:blipFill>
+            </p:spPr>
+            <p:txBody>
+              <a:bodyPr/>
+              <a:lstStyle/>
+              <a:p>
+                <a:r>
+                  <a:rPr lang="en-US">
+                    <a:noFill/>
+                  </a:rPr>
+                  <a:t> </a:t>
+                </a:r>
+              </a:p>
+            </p:txBody>
+          </p:sp>
+        </mc:Fallback>
+      </mc:AlternateContent>
+      <p:sp>
+        <p:nvSpPr>
+          <p:cNvPr id="11" name="Rectangle 10">
+            <a:extLst>
+              <a:ext uri="{FF2B5EF4-FFF2-40B4-BE49-F238E27FC236}">
+                <a16:creationId xmlns:a16="http://schemas.microsoft.com/office/drawing/2014/main" id="{F8F45A03-2DC0-407C-8F40-88BA4DC13395}"/>
+              </a:ext>
+            </a:extLst>
+          </p:cNvPr>
+          <p:cNvSpPr/>
+          <p:nvPr/>
+        </p:nvSpPr>
         <p:spPr>
           <a:xfrm>
-            <a:off x="7352641" y="244345"/>
-            <a:ext cx="4001159" cy="1567121"/>
+            <a:off x="3561648" y="4368800"/>
+            <a:ext cx="2873829" cy="841829"/>
           </a:xfrm>
           <a:prstGeom prst="rect">
             <a:avLst/>
           </a:prstGeom>
         </p:spPr>
-      </p:pic>
+        <p:style>
+          <a:lnRef idx="2">
+            <a:schemeClr val="accent2">
+              <a:shade val="50000"/>
+            </a:schemeClr>
+          </a:lnRef>
+          <a:fillRef idx="1">
+            <a:schemeClr val="accent2"/>
+          </a:fillRef>
+          <a:effectRef idx="0">
+            <a:schemeClr val="accent2"/>
+          </a:effectRef>
+          <a:fontRef idx="minor">
+            <a:schemeClr val="lt1"/>
+          </a:fontRef>
+        </p:style>
+        <p:txBody>
+          <a:bodyPr rtlCol="0" anchor="ctr"/>
+          <a:lstStyle/>
+          <a:p>
+            <a:pPr algn="ctr"/>
+            <a:r>
+              <a:rPr lang="en-US" dirty="0"/>
+              <a:t>Environment </a:t>
+            </a:r>
+          </a:p>
+        </p:txBody>
+      </p:sp>
+      <p:sp>
+        <p:nvSpPr>
+          <p:cNvPr id="14" name="Arrow: Bent-Up 13">
+            <a:extLst>
+              <a:ext uri="{FF2B5EF4-FFF2-40B4-BE49-F238E27FC236}">
+                <a16:creationId xmlns:a16="http://schemas.microsoft.com/office/drawing/2014/main" id="{44DB1D61-78F9-46E8-AB42-1326B1B39AAE}"/>
+              </a:ext>
+            </a:extLst>
+          </p:cNvPr>
+          <p:cNvSpPr/>
+          <p:nvPr/>
+        </p:nvSpPr>
+        <p:spPr>
+          <a:xfrm flipH="1">
+            <a:off x="1059544" y="3892852"/>
+            <a:ext cx="2429534" cy="951896"/>
+          </a:xfrm>
+          <a:prstGeom prst="bentUpArrow">
+            <a:avLst>
+              <a:gd name="adj1" fmla="val 12802"/>
+              <a:gd name="adj2" fmla="val 25000"/>
+              <a:gd name="adj3" fmla="val 25000"/>
+            </a:avLst>
+          </a:prstGeom>
+        </p:spPr>
+        <p:style>
+          <a:lnRef idx="2">
+            <a:schemeClr val="accent3">
+              <a:shade val="50000"/>
+            </a:schemeClr>
+          </a:lnRef>
+          <a:fillRef idx="1">
+            <a:schemeClr val="accent3"/>
+          </a:fillRef>
+          <a:effectRef idx="0">
+            <a:schemeClr val="accent3"/>
+          </a:effectRef>
+          <a:fontRef idx="minor">
+            <a:schemeClr val="lt1"/>
+          </a:fontRef>
+        </p:style>
+        <p:txBody>
+          <a:bodyPr rtlCol="0" anchor="ctr"/>
+          <a:lstStyle/>
+          <a:p>
+            <a:pPr algn="ctr"/>
+            <a:endParaRPr lang="en-US"/>
+          </a:p>
+        </p:txBody>
+      </p:sp>
+      <p:sp>
+        <p:nvSpPr>
+          <p:cNvPr id="15" name="Arrow: Bent-Up 14">
+            <a:extLst>
+              <a:ext uri="{FF2B5EF4-FFF2-40B4-BE49-F238E27FC236}">
+                <a16:creationId xmlns:a16="http://schemas.microsoft.com/office/drawing/2014/main" id="{9AF28FE0-8CF9-44A9-B8F1-C14B04AD88D4}"/>
+              </a:ext>
+            </a:extLst>
+          </p:cNvPr>
+          <p:cNvSpPr/>
+          <p:nvPr/>
+        </p:nvSpPr>
+        <p:spPr>
+          <a:xfrm rot="16200000" flipH="1">
+            <a:off x="6936674" y="3261589"/>
+            <a:ext cx="1312178" cy="2220322"/>
+          </a:xfrm>
+          <a:prstGeom prst="bentUpArrow">
+            <a:avLst>
+              <a:gd name="adj1" fmla="val 9484"/>
+              <a:gd name="adj2" fmla="val 18364"/>
+              <a:gd name="adj3" fmla="val 17258"/>
+            </a:avLst>
+          </a:prstGeom>
+        </p:spPr>
+        <p:style>
+          <a:lnRef idx="2">
+            <a:schemeClr val="accent3">
+              <a:shade val="50000"/>
+            </a:schemeClr>
+          </a:lnRef>
+          <a:fillRef idx="1">
+            <a:schemeClr val="accent3"/>
+          </a:fillRef>
+          <a:effectRef idx="0">
+            <a:schemeClr val="accent3"/>
+          </a:effectRef>
+          <a:fontRef idx="minor">
+            <a:schemeClr val="lt1"/>
+          </a:fontRef>
+        </p:style>
+        <p:txBody>
+          <a:bodyPr rtlCol="0" anchor="ctr"/>
+          <a:lstStyle/>
+          <a:p>
+            <a:pPr algn="ctr"/>
+            <a:endParaRPr lang="en-US"/>
+          </a:p>
+        </p:txBody>
+      </p:sp>
+      <p:grpSp>
+        <p:nvGrpSpPr>
+          <p:cNvPr id="40" name="Group 39">
+            <a:extLst>
+              <a:ext uri="{FF2B5EF4-FFF2-40B4-BE49-F238E27FC236}">
+                <a16:creationId xmlns:a16="http://schemas.microsoft.com/office/drawing/2014/main" id="{4334D1A2-549C-41EB-BAB7-3E1D4CD808AE}"/>
+              </a:ext>
+            </a:extLst>
+          </p:cNvPr>
+          <p:cNvGrpSpPr/>
+          <p:nvPr/>
+        </p:nvGrpSpPr>
+        <p:grpSpPr>
+          <a:xfrm>
+            <a:off x="7355711" y="4993112"/>
+            <a:ext cx="4682207" cy="1576620"/>
+            <a:chOff x="7509793" y="4917778"/>
+            <a:chExt cx="4682207" cy="1576620"/>
+          </a:xfrm>
+        </p:grpSpPr>
+        <p:sp>
+          <p:nvSpPr>
+            <p:cNvPr id="17" name="Rectangle: Rounded Corners 16">
+              <a:extLst>
+                <a:ext uri="{FF2B5EF4-FFF2-40B4-BE49-F238E27FC236}">
+                  <a16:creationId xmlns:a16="http://schemas.microsoft.com/office/drawing/2014/main" id="{275EF8AF-A36F-4C99-B0B0-C901AA64DDBD}"/>
+                </a:ext>
+              </a:extLst>
+            </p:cNvPr>
+            <p:cNvSpPr/>
+            <p:nvPr/>
+          </p:nvSpPr>
+          <p:spPr>
+            <a:xfrm>
+              <a:off x="9885040" y="4917778"/>
+              <a:ext cx="1103085" cy="338554"/>
+            </a:xfrm>
+            <a:prstGeom prst="roundRect">
+              <a:avLst/>
+            </a:prstGeom>
+            <a:ln w="12700">
+              <a:solidFill>
+                <a:schemeClr val="tx1"/>
+              </a:solidFill>
+            </a:ln>
+          </p:spPr>
+          <p:style>
+            <a:lnRef idx="2">
+              <a:schemeClr val="dk1"/>
+            </a:lnRef>
+            <a:fillRef idx="1">
+              <a:schemeClr val="lt1"/>
+            </a:fillRef>
+            <a:effectRef idx="0">
+              <a:schemeClr val="dk1"/>
+            </a:effectRef>
+            <a:fontRef idx="minor">
+              <a:schemeClr val="dk1"/>
+            </a:fontRef>
+          </p:style>
+          <p:txBody>
+            <a:bodyPr rtlCol="0" anchor="ctr"/>
+            <a:lstStyle/>
+            <a:p>
+              <a:pPr algn="ctr"/>
+              <a:endParaRPr lang="en-US"/>
+            </a:p>
+          </p:txBody>
+        </p:sp>
+        <p:sp>
+          <p:nvSpPr>
+            <p:cNvPr id="18" name="TextBox 17">
+              <a:extLst>
+                <a:ext uri="{FF2B5EF4-FFF2-40B4-BE49-F238E27FC236}">
+                  <a16:creationId xmlns:a16="http://schemas.microsoft.com/office/drawing/2014/main" id="{5BD9CAF4-64D2-4303-B8D3-CFEEDF9824BF}"/>
+                </a:ext>
+              </a:extLst>
+            </p:cNvPr>
+            <p:cNvSpPr txBox="1"/>
+            <p:nvPr/>
+          </p:nvSpPr>
+          <p:spPr>
+            <a:xfrm>
+              <a:off x="10097386" y="4917778"/>
+              <a:ext cx="678391" cy="338554"/>
+            </a:xfrm>
+            <a:prstGeom prst="rect">
+              <a:avLst/>
+            </a:prstGeom>
+            <a:noFill/>
+          </p:spPr>
+          <p:txBody>
+            <a:bodyPr wrap="none" rtlCol="0">
+              <a:spAutoFit/>
+            </a:bodyPr>
+            <a:lstStyle/>
+            <a:p>
+              <a:r>
+                <a:rPr lang="en-US" sz="1600" dirty="0"/>
+                <a:t>Agent</a:t>
+              </a:r>
+            </a:p>
+          </p:txBody>
+        </p:sp>
+        <mc:AlternateContent xmlns:mc="http://schemas.openxmlformats.org/markup-compatibility/2006">
+          <mc:Choice xmlns:a14="http://schemas.microsoft.com/office/drawing/2010/main" Requires="a14">
+            <p:sp>
+              <p:nvSpPr>
+                <p:cNvPr id="19" name="Rectangle 18">
+                  <a:extLst>
+                    <a:ext uri="{FF2B5EF4-FFF2-40B4-BE49-F238E27FC236}">
+                      <a16:creationId xmlns:a16="http://schemas.microsoft.com/office/drawing/2014/main" id="{4235A709-BE12-46B5-BA20-8F9FF359B774}"/>
+                    </a:ext>
+                  </a:extLst>
+                </p:cNvPr>
+                <p:cNvSpPr/>
+                <p:nvPr/>
+              </p:nvSpPr>
+              <p:spPr>
+                <a:xfrm>
+                  <a:off x="11636463" y="5389489"/>
+                  <a:ext cx="448905" cy="338554"/>
+                </a:xfrm>
+                <a:prstGeom prst="rect">
+                  <a:avLst/>
+                </a:prstGeom>
+              </p:spPr>
+              <p:txBody>
+                <a:bodyPr wrap="none">
+                  <a:spAutoFit/>
+                </a:bodyPr>
+                <a:lstStyle/>
+                <a:p>
+                  <a14:m>
+                    <m:oMathPara xmlns:m="http://schemas.openxmlformats.org/officeDocument/2006/math">
+                      <m:oMathParaPr>
+                        <m:jc m:val="centerGroup"/>
+                      </m:oMathParaPr>
+                      <m:oMath xmlns:m="http://schemas.openxmlformats.org/officeDocument/2006/math">
+                        <m:sSub>
+                          <m:sSubPr>
+                            <m:ctrlPr>
+                              <a:rPr lang="en-US" sz="1600" i="1">
+                                <a:latin typeface="Cambria Math" panose="02040503050406030204" pitchFamily="18" charset="0"/>
+                              </a:rPr>
+                            </m:ctrlPr>
+                          </m:sSubPr>
+                          <m:e>
+                            <m:r>
+                              <a:rPr lang="en-US" sz="1600" b="1" i="1">
+                                <a:latin typeface="Cambria Math" panose="02040503050406030204" pitchFamily="18" charset="0"/>
+                              </a:rPr>
+                              <m:t>𝒂</m:t>
+                            </m:r>
+                          </m:e>
+                          <m:sub>
+                            <m:r>
+                              <a:rPr lang="en-US" sz="1600" i="1">
+                                <a:latin typeface="Cambria Math" panose="02040503050406030204" pitchFamily="18" charset="0"/>
+                              </a:rPr>
+                              <m:t>𝑡</m:t>
+                            </m:r>
+                          </m:sub>
+                        </m:sSub>
+                      </m:oMath>
+                    </m:oMathPara>
+                  </a14:m>
+                  <a:endParaRPr lang="en-US" dirty="0"/>
+                </a:p>
+              </p:txBody>
+            </p:sp>
+          </mc:Choice>
+          <mc:Fallback>
+            <p:sp>
+              <p:nvSpPr>
+                <p:cNvPr id="19" name="Rectangle 18">
+                  <a:extLst>
+                    <a:ext uri="{FF2B5EF4-FFF2-40B4-BE49-F238E27FC236}">
+                      <a16:creationId xmlns:a16="http://schemas.microsoft.com/office/drawing/2014/main" id="{4235A709-BE12-46B5-BA20-8F9FF359B774}"/>
+                    </a:ext>
+                  </a:extLst>
+                </p:cNvPr>
+                <p:cNvSpPr>
+                  <a:spLocks noRot="1" noChangeAspect="1" noMove="1" noResize="1" noEditPoints="1" noAdjustHandles="1" noChangeArrowheads="1" noChangeShapeType="1" noTextEdit="1"/>
+                </p:cNvSpPr>
+                <p:nvPr/>
+              </p:nvSpPr>
+              <p:spPr>
+                <a:xfrm>
+                  <a:off x="11636463" y="5389489"/>
+                  <a:ext cx="448905" cy="338554"/>
+                </a:xfrm>
+                <a:prstGeom prst="rect">
+                  <a:avLst/>
+                </a:prstGeom>
+                <a:blipFill>
+                  <a:blip r:embed="rId9"/>
+                  <a:stretch>
+                    <a:fillRect/>
+                  </a:stretch>
+                </a:blipFill>
+              </p:spPr>
+              <p:txBody>
+                <a:bodyPr/>
+                <a:lstStyle/>
+                <a:p>
+                  <a:r>
+                    <a:rPr lang="en-US">
+                      <a:noFill/>
+                    </a:rPr>
+                    <a:t> </a:t>
+                  </a:r>
+                </a:p>
+              </p:txBody>
+            </p:sp>
+          </mc:Fallback>
+        </mc:AlternateContent>
+        <p:sp>
+          <p:nvSpPr>
+            <p:cNvPr id="20" name="Rectangle: Rounded Corners 19">
+              <a:extLst>
+                <a:ext uri="{FF2B5EF4-FFF2-40B4-BE49-F238E27FC236}">
+                  <a16:creationId xmlns:a16="http://schemas.microsoft.com/office/drawing/2014/main" id="{10864B8C-983C-4232-B2F9-3BD221B1DB79}"/>
+                </a:ext>
+              </a:extLst>
+            </p:cNvPr>
+            <p:cNvSpPr/>
+            <p:nvPr/>
+          </p:nvSpPr>
+          <p:spPr>
+            <a:xfrm>
+              <a:off x="9792590" y="6155844"/>
+              <a:ext cx="1373804" cy="338554"/>
+            </a:xfrm>
+            <a:prstGeom prst="roundRect">
+              <a:avLst/>
+            </a:prstGeom>
+            <a:ln w="12700">
+              <a:solidFill>
+                <a:schemeClr val="tx1"/>
+              </a:solidFill>
+            </a:ln>
+          </p:spPr>
+          <p:style>
+            <a:lnRef idx="2">
+              <a:schemeClr val="dk1"/>
+            </a:lnRef>
+            <a:fillRef idx="1">
+              <a:schemeClr val="lt1"/>
+            </a:fillRef>
+            <a:effectRef idx="0">
+              <a:schemeClr val="dk1"/>
+            </a:effectRef>
+            <a:fontRef idx="minor">
+              <a:schemeClr val="dk1"/>
+            </a:fontRef>
+          </p:style>
+          <p:txBody>
+            <a:bodyPr rtlCol="0" anchor="ctr"/>
+            <a:lstStyle/>
+            <a:p>
+              <a:pPr algn="ctr"/>
+              <a:endParaRPr lang="en-US"/>
+            </a:p>
+          </p:txBody>
+        </p:sp>
+        <p:sp>
+          <p:nvSpPr>
+            <p:cNvPr id="21" name="TextBox 20">
+              <a:extLst>
+                <a:ext uri="{FF2B5EF4-FFF2-40B4-BE49-F238E27FC236}">
+                  <a16:creationId xmlns:a16="http://schemas.microsoft.com/office/drawing/2014/main" id="{4198F509-E3ED-401F-BAE4-66A960636BF8}"/>
+                </a:ext>
+              </a:extLst>
+            </p:cNvPr>
+            <p:cNvSpPr txBox="1"/>
+            <p:nvPr/>
+          </p:nvSpPr>
+          <p:spPr>
+            <a:xfrm>
+              <a:off x="9885040" y="6155844"/>
+              <a:ext cx="1242456" cy="338554"/>
+            </a:xfrm>
+            <a:prstGeom prst="rect">
+              <a:avLst/>
+            </a:prstGeom>
+            <a:noFill/>
+          </p:spPr>
+          <p:txBody>
+            <a:bodyPr wrap="none" rtlCol="0">
+              <a:spAutoFit/>
+            </a:bodyPr>
+            <a:lstStyle/>
+            <a:p>
+              <a:r>
+                <a:rPr lang="en-US" sz="1600" dirty="0"/>
+                <a:t>Environment</a:t>
+              </a:r>
+            </a:p>
+          </p:txBody>
+        </p:sp>
+        <p:sp>
+          <p:nvSpPr>
+            <p:cNvPr id="22" name="TextBox 21">
+              <a:extLst>
+                <a:ext uri="{FF2B5EF4-FFF2-40B4-BE49-F238E27FC236}">
+                  <a16:creationId xmlns:a16="http://schemas.microsoft.com/office/drawing/2014/main" id="{392A01AE-2779-4F0A-BDAD-2231AE45DBD4}"/>
+                </a:ext>
+              </a:extLst>
+            </p:cNvPr>
+            <p:cNvSpPr txBox="1"/>
+            <p:nvPr/>
+          </p:nvSpPr>
+          <p:spPr>
+            <a:xfrm>
+              <a:off x="11451092" y="5210629"/>
+              <a:ext cx="740908" cy="338554"/>
+            </a:xfrm>
+            <a:prstGeom prst="rect">
+              <a:avLst/>
+            </a:prstGeom>
+            <a:noFill/>
+          </p:spPr>
+          <p:txBody>
+            <a:bodyPr wrap="none" rtlCol="0">
+              <a:spAutoFit/>
+            </a:bodyPr>
+            <a:lstStyle/>
+            <a:p>
+              <a:r>
+                <a:rPr lang="en-US" sz="1600" dirty="0"/>
+                <a:t>Action</a:t>
+              </a:r>
+              <a:endParaRPr lang="en-US" dirty="0"/>
+            </a:p>
+          </p:txBody>
+        </p:sp>
+        <mc:AlternateContent xmlns:mc="http://schemas.openxmlformats.org/markup-compatibility/2006">
+          <mc:Choice xmlns:a14="http://schemas.microsoft.com/office/drawing/2010/main" Requires="a14">
+            <p:sp>
+              <p:nvSpPr>
+                <p:cNvPr id="23" name="TextBox 22">
+                  <a:extLst>
+                    <a:ext uri="{FF2B5EF4-FFF2-40B4-BE49-F238E27FC236}">
+                      <a16:creationId xmlns:a16="http://schemas.microsoft.com/office/drawing/2014/main" id="{27BD0B0B-1F55-439A-9294-1FF3F598FBB3}"/>
+                    </a:ext>
+                  </a:extLst>
+                </p:cNvPr>
+                <p:cNvSpPr txBox="1"/>
+                <p:nvPr/>
+              </p:nvSpPr>
+              <p:spPr>
+                <a:xfrm>
+                  <a:off x="8359530" y="5488319"/>
+                  <a:ext cx="695768" cy="338554"/>
+                </a:xfrm>
+                <a:prstGeom prst="rect">
+                  <a:avLst/>
+                </a:prstGeom>
+                <a:noFill/>
+              </p:spPr>
+              <p:txBody>
+                <a:bodyPr wrap="none" rtlCol="0">
+                  <a:spAutoFit/>
+                </a:bodyPr>
+                <a:lstStyle/>
+                <a:p>
+                  <a14:m>
+                    <m:oMath xmlns:m="http://schemas.openxmlformats.org/officeDocument/2006/math">
+                      <m:sSub>
+                        <m:sSubPr>
+                          <m:ctrlPr>
+                            <a:rPr lang="en-US" sz="1600" b="1" i="1" smtClean="0">
+                              <a:latin typeface="Cambria Math" panose="02040503050406030204" pitchFamily="18" charset="0"/>
+                            </a:rPr>
+                          </m:ctrlPr>
+                        </m:sSubPr>
+                        <m:e>
+                          <m:r>
+                            <a:rPr lang="en-US" sz="1600" b="1" i="1" smtClean="0">
+                              <a:latin typeface="Cambria Math" panose="02040503050406030204" pitchFamily="18" charset="0"/>
+                            </a:rPr>
+                            <m:t>𝒐</m:t>
+                          </m:r>
+                        </m:e>
+                        <m:sub>
+                          <m:r>
+                            <a:rPr lang="en-US" sz="1600" b="1" i="1" smtClean="0">
+                              <a:latin typeface="Cambria Math" panose="02040503050406030204" pitchFamily="18" charset="0"/>
+                            </a:rPr>
+                            <m:t>𝒕</m:t>
+                          </m:r>
+                        </m:sub>
+                      </m:sSub>
+                    </m:oMath>
+                  </a14:m>
+                  <a:r>
+                    <a:rPr lang="en-US" sz="1600" dirty="0"/>
+                    <a:t> , </a:t>
+                  </a:r>
+                  <a14:m>
+                    <m:oMath xmlns:m="http://schemas.openxmlformats.org/officeDocument/2006/math">
+                      <m:sSub>
+                        <m:sSubPr>
+                          <m:ctrlPr>
+                            <a:rPr lang="en-US" sz="1600" b="1" i="1" smtClean="0">
+                              <a:latin typeface="Cambria Math" panose="02040503050406030204" pitchFamily="18" charset="0"/>
+                            </a:rPr>
+                          </m:ctrlPr>
+                        </m:sSubPr>
+                        <m:e>
+                          <m:r>
+                            <a:rPr lang="en-US" sz="1600" b="1" i="1" smtClean="0">
+                              <a:latin typeface="Cambria Math" panose="02040503050406030204" pitchFamily="18" charset="0"/>
+                            </a:rPr>
+                            <m:t>𝒓</m:t>
+                          </m:r>
+                        </m:e>
+                        <m:sub>
+                          <m:r>
+                            <a:rPr lang="en-US" sz="1600" b="1" i="1" smtClean="0">
+                              <a:latin typeface="Cambria Math" panose="02040503050406030204" pitchFamily="18" charset="0"/>
+                            </a:rPr>
+                            <m:t>𝒕</m:t>
+                          </m:r>
+                        </m:sub>
+                      </m:sSub>
+                    </m:oMath>
+                  </a14:m>
+                  <a:endParaRPr lang="en-US" sz="2400" b="1" dirty="0"/>
+                </a:p>
+              </p:txBody>
+            </p:sp>
+          </mc:Choice>
+          <mc:Fallback>
+            <p:sp>
+              <p:nvSpPr>
+                <p:cNvPr id="23" name="TextBox 22">
+                  <a:extLst>
+                    <a:ext uri="{FF2B5EF4-FFF2-40B4-BE49-F238E27FC236}">
+                      <a16:creationId xmlns:a16="http://schemas.microsoft.com/office/drawing/2014/main" id="{27BD0B0B-1F55-439A-9294-1FF3F598FBB3}"/>
+                    </a:ext>
+                  </a:extLst>
+                </p:cNvPr>
+                <p:cNvSpPr txBox="1">
+                  <a:spLocks noRot="1" noChangeAspect="1" noMove="1" noResize="1" noEditPoints="1" noAdjustHandles="1" noChangeArrowheads="1" noChangeShapeType="1" noTextEdit="1"/>
+                </p:cNvSpPr>
+                <p:nvPr/>
+              </p:nvSpPr>
+              <p:spPr>
+                <a:xfrm>
+                  <a:off x="8359530" y="5488319"/>
+                  <a:ext cx="695768" cy="338554"/>
+                </a:xfrm>
+                <a:prstGeom prst="rect">
+                  <a:avLst/>
+                </a:prstGeom>
+                <a:blipFill>
+                  <a:blip r:embed="rId10"/>
+                  <a:stretch>
+                    <a:fillRect t="-5455" b="-23636"/>
+                  </a:stretch>
+                </a:blipFill>
+              </p:spPr>
+              <p:txBody>
+                <a:bodyPr/>
+                <a:lstStyle/>
+                <a:p>
+                  <a:r>
+                    <a:rPr lang="en-US">
+                      <a:noFill/>
+                    </a:rPr>
+                    <a:t> </a:t>
+                  </a:r>
+                </a:p>
+              </p:txBody>
+            </p:sp>
+          </mc:Fallback>
+        </mc:AlternateContent>
+        <p:sp>
+          <p:nvSpPr>
+            <p:cNvPr id="24" name="TextBox 23">
+              <a:extLst>
+                <a:ext uri="{FF2B5EF4-FFF2-40B4-BE49-F238E27FC236}">
+                  <a16:creationId xmlns:a16="http://schemas.microsoft.com/office/drawing/2014/main" id="{C7CBC83C-20A1-4663-A87F-DF891D0AA89A}"/>
+                </a:ext>
+              </a:extLst>
+            </p:cNvPr>
+            <p:cNvSpPr txBox="1"/>
+            <p:nvPr/>
+          </p:nvSpPr>
+          <p:spPr>
+            <a:xfrm>
+              <a:off x="7509793" y="5250062"/>
+              <a:ext cx="1946623" cy="338554"/>
+            </a:xfrm>
+            <a:prstGeom prst="rect">
+              <a:avLst/>
+            </a:prstGeom>
+            <a:noFill/>
+          </p:spPr>
+          <p:txBody>
+            <a:bodyPr wrap="none" rtlCol="0">
+              <a:spAutoFit/>
+            </a:bodyPr>
+            <a:lstStyle/>
+            <a:p>
+              <a:r>
+                <a:rPr lang="en-US" sz="1600" dirty="0"/>
+                <a:t>Observation, Reward</a:t>
+              </a:r>
+              <a:endParaRPr lang="en-US" dirty="0"/>
+            </a:p>
+          </p:txBody>
+        </p:sp>
+        <p:cxnSp>
+          <p:nvCxnSpPr>
+            <p:cNvPr id="26" name="Connector: Curved 25">
+              <a:extLst>
+                <a:ext uri="{FF2B5EF4-FFF2-40B4-BE49-F238E27FC236}">
+                  <a16:creationId xmlns:a16="http://schemas.microsoft.com/office/drawing/2014/main" id="{E4487F5D-0E08-47BA-ACC2-1F7AC5EB3C4B}"/>
+                </a:ext>
+              </a:extLst>
+            </p:cNvPr>
+            <p:cNvCxnSpPr>
+              <a:cxnSpLocks/>
+              <a:stCxn id="17" idx="3"/>
+              <a:endCxn id="20" idx="3"/>
+            </p:cNvCxnSpPr>
+            <p:nvPr/>
+          </p:nvCxnSpPr>
+          <p:spPr>
+            <a:xfrm>
+              <a:off x="10988125" y="5087055"/>
+              <a:ext cx="178269" cy="1238066"/>
+            </a:xfrm>
+            <a:prstGeom prst="curvedConnector3">
+              <a:avLst>
+                <a:gd name="adj1" fmla="val 308379"/>
+              </a:avLst>
+            </a:prstGeom>
+            <a:ln>
+              <a:tailEnd type="triangle"/>
+            </a:ln>
+          </p:spPr>
+          <p:style>
+            <a:lnRef idx="1">
+              <a:schemeClr val="accent1"/>
+            </a:lnRef>
+            <a:fillRef idx="0">
+              <a:schemeClr val="accent1"/>
+            </a:fillRef>
+            <a:effectRef idx="0">
+              <a:schemeClr val="accent1"/>
+            </a:effectRef>
+            <a:fontRef idx="minor">
+              <a:schemeClr val="tx1"/>
+            </a:fontRef>
+          </p:style>
+        </p:cxnSp>
+        <p:cxnSp>
+          <p:nvCxnSpPr>
+            <p:cNvPr id="31" name="Connector: Curved 30">
+              <a:extLst>
+                <a:ext uri="{FF2B5EF4-FFF2-40B4-BE49-F238E27FC236}">
+                  <a16:creationId xmlns:a16="http://schemas.microsoft.com/office/drawing/2014/main" id="{6CB65F53-AA2E-4A85-9880-FB72E73CF640}"/>
+                </a:ext>
+              </a:extLst>
+            </p:cNvPr>
+            <p:cNvCxnSpPr>
+              <a:stCxn id="20" idx="1"/>
+              <a:endCxn id="17" idx="1"/>
+            </p:cNvCxnSpPr>
+            <p:nvPr/>
+          </p:nvCxnSpPr>
+          <p:spPr>
+            <a:xfrm rot="10800000" flipH="1">
+              <a:off x="9792590" y="5087055"/>
+              <a:ext cx="92450" cy="1238066"/>
+            </a:xfrm>
+            <a:prstGeom prst="curvedConnector3">
+              <a:avLst>
+                <a:gd name="adj1" fmla="val -463629"/>
+              </a:avLst>
+            </a:prstGeom>
+            <a:ln>
+              <a:tailEnd type="triangle"/>
+            </a:ln>
+          </p:spPr>
+          <p:style>
+            <a:lnRef idx="1">
+              <a:schemeClr val="accent1"/>
+            </a:lnRef>
+            <a:fillRef idx="0">
+              <a:schemeClr val="accent1"/>
+            </a:fillRef>
+            <a:effectRef idx="0">
+              <a:schemeClr val="accent1"/>
+            </a:effectRef>
+            <a:fontRef idx="minor">
+              <a:schemeClr val="tx1"/>
+            </a:fontRef>
+          </p:style>
+        </p:cxnSp>
+      </p:grpSp>
     </p:spTree>
     <p:extLst>
       <p:ext uri="{BB962C8B-B14F-4D97-AF65-F5344CB8AC3E}">
@@ -12534,6 +14566,42 @@
           <a:xfrm>
             <a:off x="6872946" y="1909661"/>
             <a:ext cx="4051571" cy="3038678"/>
+          </a:xfrm>
+          <a:prstGeom prst="rect">
+            <a:avLst/>
+          </a:prstGeom>
+        </p:spPr>
+      </p:pic>
+      <p:pic>
+        <p:nvPicPr>
+          <p:cNvPr id="6" name="Picture 5" descr="A picture containing drawing&#10;&#10;Description automatically generated">
+            <a:extLst>
+              <a:ext uri="{FF2B5EF4-FFF2-40B4-BE49-F238E27FC236}">
+                <a16:creationId xmlns:a16="http://schemas.microsoft.com/office/drawing/2014/main" id="{27138EDB-B689-4E0C-85B3-D1E817DFE843}"/>
+              </a:ext>
+            </a:extLst>
+          </p:cNvPr>
+          <p:cNvPicPr>
+            <a:picLocks noChangeAspect="1"/>
+          </p:cNvPicPr>
+          <p:nvPr/>
+        </p:nvPicPr>
+        <p:blipFill>
+          <a:blip r:embed="rId4">
+            <a:extLst>
+              <a:ext uri="{28A0092B-C50C-407E-A947-70E740481C1C}">
+                <a14:useLocalDpi xmlns:a14="http://schemas.microsoft.com/office/drawing/2010/main" val="0"/>
+              </a:ext>
+            </a:extLst>
+          </a:blip>
+          <a:stretch>
+            <a:fillRect/>
+          </a:stretch>
+        </p:blipFill>
+        <p:spPr>
+          <a:xfrm>
+            <a:off x="836107" y="4777672"/>
+            <a:ext cx="4229379" cy="1489524"/>
           </a:xfrm>
           <a:prstGeom prst="rect">
             <a:avLst/>

--- a/From RL to DRL.pptx
+++ b/From RL to DRL.pptx
@@ -5,10 +5,10 @@
     <p:sldMasterId id="2147483785" r:id="rId1"/>
   </p:sldMasterIdLst>
   <p:notesMasterIdLst>
-    <p:notesMasterId r:id="rId21"/>
+    <p:notesMasterId r:id="rId20"/>
   </p:notesMasterIdLst>
   <p:handoutMasterIdLst>
-    <p:handoutMasterId r:id="rId22"/>
+    <p:handoutMasterId r:id="rId21"/>
   </p:handoutMasterIdLst>
   <p:sldIdLst>
     <p:sldId id="275" r:id="rId2"/>
@@ -23,13 +23,12 @@
     <p:sldId id="274" r:id="rId11"/>
     <p:sldId id="268" r:id="rId12"/>
     <p:sldId id="276" r:id="rId13"/>
-    <p:sldId id="267" r:id="rId14"/>
-    <p:sldId id="265" r:id="rId15"/>
-    <p:sldId id="266" r:id="rId16"/>
-    <p:sldId id="269" r:id="rId17"/>
-    <p:sldId id="271" r:id="rId18"/>
-    <p:sldId id="272" r:id="rId19"/>
-    <p:sldId id="270" r:id="rId20"/>
+    <p:sldId id="265" r:id="rId14"/>
+    <p:sldId id="266" r:id="rId15"/>
+    <p:sldId id="269" r:id="rId16"/>
+    <p:sldId id="271" r:id="rId17"/>
+    <p:sldId id="272" r:id="rId18"/>
+    <p:sldId id="270" r:id="rId19"/>
   </p:sldIdLst>
   <p:sldSz cx="12192000" cy="6858000"/>
   <p:notesSz cx="6858000" cy="9144000"/>
@@ -833,7 +832,7 @@
           <a:p>
             <a:fld id="{1980DC7F-660A-4453-9840-44DB0AF8652B}" type="slidenum">
               <a:rPr lang="en-US" smtClean="0"/>
-              <a:t>19</a:t>
+              <a:t>18</a:t>
             </a:fld>
             <a:endParaRPr lang="en-US"/>
           </a:p>
@@ -3055,6 +3054,23 @@
           <a:bodyPr/>
           <a:lstStyle/>
           <a:p>
+            <a:pPr marL="0" marR="0" lvl="0" indent="0" algn="l" defTabSz="914400" rtl="0" eaLnBrk="1" fontAlgn="auto" latinLnBrk="0" hangingPunct="1">
+              <a:lnSpc>
+                <a:spcPct val="100000"/>
+              </a:lnSpc>
+              <a:spcBef>
+                <a:spcPts val="0"/>
+              </a:spcBef>
+              <a:spcAft>
+                <a:spcPts val="0"/>
+              </a:spcAft>
+              <a:buClrTx/>
+              <a:buSzTx/>
+              <a:buFontTx/>
+              <a:buNone/>
+              <a:tabLst/>
+              <a:defRPr/>
+            </a:pPr>
             <a:r>
               <a:rPr lang="en-US" sz="1200" b="0" i="0" kern="1200" dirty="0">
                 <a:solidFill>
@@ -3576,6 +3592,9 @@
             <a:br>
               <a:rPr lang="en-US" dirty="0"/>
             </a:br>
+            <a:endParaRPr lang="en-US" dirty="0"/>
+          </a:p>
+          <a:p>
             <a:endParaRPr lang="en-US" dirty="0"/>
           </a:p>
         </p:txBody>
@@ -3597,7 +3616,7 @@
           <a:p>
             <a:fld id="{1980DC7F-660A-4453-9840-44DB0AF8652B}" type="slidenum">
               <a:rPr lang="en-US" smtClean="0"/>
-              <a:t>13</a:t>
+              <a:t>12</a:t>
             </a:fld>
             <a:endParaRPr lang="en-US"/>
           </a:p>
@@ -3606,7 +3625,7 @@
     </p:spTree>
     <p:extLst>
       <p:ext uri="{BB962C8B-B14F-4D97-AF65-F5344CB8AC3E}">
-        <p14:creationId xmlns:p14="http://schemas.microsoft.com/office/powerpoint/2010/main" val="1947209976"/>
+        <p14:creationId xmlns:p14="http://schemas.microsoft.com/office/powerpoint/2010/main" val="1277790730"/>
       </p:ext>
     </p:extLst>
   </p:cSld>
@@ -3833,7 +3852,7 @@
           <a:p>
             <a:fld id="{1980DC7F-660A-4453-9840-44DB0AF8652B}" type="slidenum">
               <a:rPr lang="en-US" smtClean="0"/>
-              <a:t>14</a:t>
+              <a:t>13</a:t>
             </a:fld>
             <a:endParaRPr lang="en-US"/>
           </a:p>
@@ -4164,7 +4183,7 @@
           <a:p>
             <a:fld id="{1980DC7F-660A-4453-9840-44DB0AF8652B}" type="slidenum">
               <a:rPr lang="en-US" smtClean="0"/>
-              <a:t>15</a:t>
+              <a:t>14</a:t>
             </a:fld>
             <a:endParaRPr lang="en-US"/>
           </a:p>
@@ -4284,7 +4303,7 @@
           <a:p>
             <a:fld id="{1980DC7F-660A-4453-9840-44DB0AF8652B}" type="slidenum">
               <a:rPr lang="en-US" smtClean="0"/>
-              <a:t>16</a:t>
+              <a:t>15</a:t>
             </a:fld>
             <a:endParaRPr lang="en-US"/>
           </a:p>
@@ -8669,14 +8688,14 @@
           </p:nvPr>
         </p:nvPicPr>
         <p:blipFill>
-          <a:blip r:embed="rId3"/>
+          <a:blip r:embed="rId4"/>
           <a:stretch>
             <a:fillRect/>
           </a:stretch>
         </p:blipFill>
         <p:spPr>
           <a:xfrm>
-            <a:off x="446533" y="610997"/>
+            <a:off x="34143" y="610997"/>
             <a:ext cx="6933761" cy="5200321"/>
           </a:xfrm>
           <a:prstGeom prst="rect">
@@ -8753,14 +8772,14 @@
           <p:nvPr/>
         </p:nvPicPr>
         <p:blipFill rotWithShape="1">
-          <a:blip r:embed="rId4"/>
+          <a:blip r:embed="rId5"/>
           <a:srcRect l="4516" t="6770" r="3673" b="56951"/>
           <a:stretch/>
         </p:blipFill>
         <p:spPr>
           <a:xfrm>
-            <a:off x="6096000" y="1680172"/>
-            <a:ext cx="6061857" cy="3151747"/>
+            <a:off x="7064429" y="1635284"/>
+            <a:ext cx="5127571" cy="2665983"/>
           </a:xfrm>
           <a:prstGeom prst="rect">
             <a:avLst/>
@@ -8918,14 +8937,6 @@
 <file path=ppt/slides/slide13.xml><?xml version="1.0" encoding="utf-8"?>
 <p:sld xmlns:a="http://schemas.openxmlformats.org/drawingml/2006/main" xmlns:r="http://schemas.openxmlformats.org/officeDocument/2006/relationships" xmlns:p="http://schemas.openxmlformats.org/presentationml/2006/main">
   <p:cSld>
-    <p:bg>
-      <p:bgPr>
-        <a:solidFill>
-          <a:schemeClr val="bg1"/>
-        </a:solidFill>
-        <a:effectLst/>
-      </p:bgPr>
-    </p:bg>
     <p:spTree>
       <p:nvGrpSpPr>
         <p:cNvPr id="1" name=""/>
@@ -8942,343 +8953,10 @@
       </p:grpSpPr>
       <p:sp>
         <p:nvSpPr>
-          <p:cNvPr id="10" name="Rectangle 9">
-            <a:extLst>
-              <a:ext uri="{FF2B5EF4-FFF2-40B4-BE49-F238E27FC236}">
-                <a16:creationId xmlns:a16="http://schemas.microsoft.com/office/drawing/2014/main" id="{DB691D59-8F51-4DD8-AD41-D568D29B08F8}"/>
-              </a:ext>
-              <a:ext uri="{C183D7F6-B498-43B3-948B-1728B52AA6E4}">
-                <adec:decorative xmlns:adec="http://schemas.microsoft.com/office/drawing/2017/decorative" val="1"/>
-              </a:ext>
-            </a:extLst>
-          </p:cNvPr>
-          <p:cNvSpPr>
-            <a:spLocks noGrp="1" noRot="1" noChangeAspect="1" noMove="1" noResize="1" noEditPoints="1" noAdjustHandles="1" noChangeArrowheads="1" noChangeShapeType="1" noTextEdit="1"/>
-          </p:cNvSpPr>
-          <p:nvPr>
-            <p:extLst>
-              <p:ext uri="{386F3935-93C4-4BCD-93E2-E3B085C9AB24}">
-                <p16:designElem xmlns:p16="http://schemas.microsoft.com/office/powerpoint/2015/main" val="1"/>
-              </p:ext>
-            </p:extLst>
-          </p:nvPr>
-        </p:nvSpPr>
-        <p:spPr>
-          <a:xfrm>
-            <a:off x="446534" y="457200"/>
-            <a:ext cx="3703320" cy="94997"/>
-          </a:xfrm>
-          <a:prstGeom prst="rect">
-            <a:avLst/>
-          </a:prstGeom>
-          <a:solidFill>
-            <a:schemeClr val="accent1"/>
-          </a:solidFill>
-          <a:ln>
-            <a:noFill/>
-          </a:ln>
-          <a:effectLst/>
-        </p:spPr>
-        <p:style>
-          <a:lnRef idx="1">
-            <a:schemeClr val="accent1"/>
-          </a:lnRef>
-          <a:fillRef idx="3">
-            <a:schemeClr val="accent1"/>
-          </a:fillRef>
-          <a:effectRef idx="2">
-            <a:schemeClr val="accent1"/>
-          </a:effectRef>
-          <a:fontRef idx="minor">
-            <a:schemeClr val="lt1"/>
-          </a:fontRef>
-        </p:style>
-      </p:sp>
-      <p:sp>
-        <p:nvSpPr>
-          <p:cNvPr id="12" name="Rectangle 11">
-            <a:extLst>
-              <a:ext uri="{FF2B5EF4-FFF2-40B4-BE49-F238E27FC236}">
-                <a16:creationId xmlns:a16="http://schemas.microsoft.com/office/drawing/2014/main" id="{204AEF18-0627-48F3-9B3D-F7E8F050B1D4}"/>
-              </a:ext>
-              <a:ext uri="{C183D7F6-B498-43B3-948B-1728B52AA6E4}">
-                <adec:decorative xmlns:adec="http://schemas.microsoft.com/office/drawing/2017/decorative" val="1"/>
-              </a:ext>
-            </a:extLst>
-          </p:cNvPr>
-          <p:cNvSpPr>
-            <a:spLocks noGrp="1" noRot="1" noChangeAspect="1" noMove="1" noResize="1" noEditPoints="1" noAdjustHandles="1" noChangeArrowheads="1" noChangeShapeType="1" noTextEdit="1"/>
-          </p:cNvSpPr>
-          <p:nvPr>
-            <p:extLst>
-              <p:ext uri="{386F3935-93C4-4BCD-93E2-E3B085C9AB24}">
-                <p16:designElem xmlns:p16="http://schemas.microsoft.com/office/powerpoint/2015/main" val="1"/>
-              </p:ext>
-            </p:extLst>
-          </p:nvPr>
-        </p:nvSpPr>
-        <p:spPr>
-          <a:xfrm>
-            <a:off x="8042147" y="453643"/>
-            <a:ext cx="3703320" cy="98554"/>
-          </a:xfrm>
-          <a:prstGeom prst="rect">
-            <a:avLst/>
-          </a:prstGeom>
-          <a:solidFill>
-            <a:schemeClr val="accent4"/>
-          </a:solidFill>
-          <a:ln>
-            <a:noFill/>
-          </a:ln>
-          <a:effectLst/>
-        </p:spPr>
-        <p:style>
-          <a:lnRef idx="1">
-            <a:schemeClr val="accent1"/>
-          </a:lnRef>
-          <a:fillRef idx="3">
-            <a:schemeClr val="accent1"/>
-          </a:fillRef>
-          <a:effectRef idx="2">
-            <a:schemeClr val="accent1"/>
-          </a:effectRef>
-          <a:fontRef idx="minor">
-            <a:schemeClr val="lt1"/>
-          </a:fontRef>
-        </p:style>
-      </p:sp>
-      <p:sp>
-        <p:nvSpPr>
-          <p:cNvPr id="14" name="Rectangle 13">
-            <a:extLst>
-              <a:ext uri="{FF2B5EF4-FFF2-40B4-BE49-F238E27FC236}">
-                <a16:creationId xmlns:a16="http://schemas.microsoft.com/office/drawing/2014/main" id="{CEAEE08A-C572-438F-9753-B0D527A515A7}"/>
-              </a:ext>
-              <a:ext uri="{C183D7F6-B498-43B3-948B-1728B52AA6E4}">
-                <adec:decorative xmlns:adec="http://schemas.microsoft.com/office/drawing/2017/decorative" val="1"/>
-              </a:ext>
-            </a:extLst>
-          </p:cNvPr>
-          <p:cNvSpPr>
-            <a:spLocks noGrp="1" noRot="1" noChangeAspect="1" noMove="1" noResize="1" noEditPoints="1" noAdjustHandles="1" noChangeArrowheads="1" noChangeShapeType="1" noTextEdit="1"/>
-          </p:cNvSpPr>
-          <p:nvPr>
-            <p:extLst>
-              <p:ext uri="{386F3935-93C4-4BCD-93E2-E3B085C9AB24}">
-                <p16:designElem xmlns:p16="http://schemas.microsoft.com/office/powerpoint/2015/main" val="1"/>
-              </p:ext>
-            </p:extLst>
-          </p:nvPr>
-        </p:nvSpPr>
-        <p:spPr>
-          <a:xfrm>
-            <a:off x="4241830" y="457200"/>
-            <a:ext cx="3703320" cy="91440"/>
-          </a:xfrm>
-          <a:prstGeom prst="rect">
-            <a:avLst/>
-          </a:prstGeom>
-          <a:solidFill>
-            <a:schemeClr val="accent2"/>
-          </a:solidFill>
-          <a:ln>
-            <a:noFill/>
-          </a:ln>
-          <a:effectLst/>
-        </p:spPr>
-        <p:style>
-          <a:lnRef idx="1">
-            <a:schemeClr val="accent1"/>
-          </a:lnRef>
-          <a:fillRef idx="3">
-            <a:schemeClr val="accent1"/>
-          </a:fillRef>
-          <a:effectRef idx="2">
-            <a:schemeClr val="accent1"/>
-          </a:effectRef>
-          <a:fontRef idx="minor">
-            <a:schemeClr val="lt1"/>
-          </a:fontRef>
-        </p:style>
-      </p:sp>
-      <p:sp>
-        <p:nvSpPr>
-          <p:cNvPr id="16" name="Rectangle 15">
-            <a:extLst>
-              <a:ext uri="{FF2B5EF4-FFF2-40B4-BE49-F238E27FC236}">
-                <a16:creationId xmlns:a16="http://schemas.microsoft.com/office/drawing/2014/main" id="{993F09C6-4F57-4B05-9592-E253D8BC6286}"/>
-              </a:ext>
-              <a:ext uri="{C183D7F6-B498-43B3-948B-1728B52AA6E4}">
-                <adec:decorative xmlns:adec="http://schemas.microsoft.com/office/drawing/2017/decorative" val="1"/>
-              </a:ext>
-            </a:extLst>
-          </p:cNvPr>
-          <p:cNvSpPr>
-            <a:spLocks noGrp="1" noRot="1" noChangeAspect="1" noMove="1" noResize="1" noEditPoints="1" noAdjustHandles="1" noChangeArrowheads="1" noChangeShapeType="1" noTextEdit="1"/>
-          </p:cNvSpPr>
-          <p:nvPr>
-            <p:extLst>
-              <p:ext uri="{386F3935-93C4-4BCD-93E2-E3B085C9AB24}">
-                <p16:designElem xmlns:p16="http://schemas.microsoft.com/office/powerpoint/2015/main" val="1"/>
-              </p:ext>
-            </p:extLst>
-          </p:nvPr>
-        </p:nvSpPr>
-        <p:spPr>
-          <a:xfrm>
-            <a:off x="440286" y="614407"/>
-            <a:ext cx="11309338" cy="1189298"/>
-          </a:xfrm>
-          <a:prstGeom prst="rect">
-            <a:avLst/>
-          </a:prstGeom>
-          <a:solidFill>
-            <a:schemeClr val="accent1"/>
-          </a:solidFill>
-          <a:ln>
-            <a:noFill/>
-          </a:ln>
-          <a:effectLst/>
-        </p:spPr>
-        <p:style>
-          <a:lnRef idx="1">
-            <a:schemeClr val="accent1"/>
-          </a:lnRef>
-          <a:fillRef idx="3">
-            <a:schemeClr val="accent1"/>
-          </a:fillRef>
-          <a:effectRef idx="2">
-            <a:schemeClr val="accent1"/>
-          </a:effectRef>
-          <a:fontRef idx="minor">
-            <a:schemeClr val="lt1"/>
-          </a:fontRef>
-        </p:style>
-      </p:sp>
-      <p:sp>
-        <p:nvSpPr>
-          <p:cNvPr id="18" name="Rectangle 17">
-            <a:extLst>
-              <a:ext uri="{FF2B5EF4-FFF2-40B4-BE49-F238E27FC236}">
-                <a16:creationId xmlns:a16="http://schemas.microsoft.com/office/drawing/2014/main" id="{636F6DB7-CF8D-494A-82F6-13B58DCA9896}"/>
-              </a:ext>
-              <a:ext uri="{C183D7F6-B498-43B3-948B-1728B52AA6E4}">
-                <adec:decorative xmlns:adec="http://schemas.microsoft.com/office/drawing/2017/decorative" val="1"/>
-              </a:ext>
-            </a:extLst>
-          </p:cNvPr>
-          <p:cNvSpPr>
-            <a:spLocks noGrp="1" noRot="1" noChangeAspect="1" noMove="1" noResize="1" noEditPoints="1" noAdjustHandles="1" noChangeArrowheads="1" noChangeShapeType="1" noTextEdit="1"/>
-          </p:cNvSpPr>
-          <p:nvPr>
-            <p:extLst>
-              <p:ext uri="{386F3935-93C4-4BCD-93E2-E3B085C9AB24}">
-                <p16:designElem xmlns:p16="http://schemas.microsoft.com/office/powerpoint/2015/main" val="1"/>
-              </p:ext>
-            </p:extLst>
-          </p:nvPr>
-        </p:nvSpPr>
-        <p:spPr>
-          <a:xfrm>
-            <a:off x="0" y="0"/>
-            <a:ext cx="12192000" cy="6858000"/>
-          </a:xfrm>
-          <a:prstGeom prst="rect">
-            <a:avLst/>
-          </a:prstGeom>
-          <a:solidFill>
-            <a:schemeClr val="tx1"/>
-          </a:solidFill>
-          <a:ln>
-            <a:noFill/>
-          </a:ln>
-        </p:spPr>
-        <p:style>
-          <a:lnRef idx="2">
-            <a:schemeClr val="accent1">
-              <a:shade val="50000"/>
-            </a:schemeClr>
-          </a:lnRef>
-          <a:fillRef idx="1">
-            <a:schemeClr val="accent1"/>
-          </a:fillRef>
-          <a:effectRef idx="0">
-            <a:schemeClr val="accent1"/>
-          </a:effectRef>
-          <a:fontRef idx="minor">
-            <a:schemeClr val="lt1"/>
-          </a:fontRef>
-        </p:style>
-        <p:txBody>
-          <a:bodyPr rtlCol="0" anchor="ctr"/>
-          <a:lstStyle/>
-          <a:p>
-            <a:pPr algn="ctr"/>
-            <a:endParaRPr lang="en-US"/>
-          </a:p>
-        </p:txBody>
-      </p:sp>
-      <p:sp>
-        <p:nvSpPr>
-          <p:cNvPr id="20" name="Rectangle 19">
-            <a:extLst>
-              <a:ext uri="{FF2B5EF4-FFF2-40B4-BE49-F238E27FC236}">
-                <a16:creationId xmlns:a16="http://schemas.microsoft.com/office/drawing/2014/main" id="{0B7E5194-6E82-4A44-99C3-FE7D87F34134}"/>
-              </a:ext>
-              <a:ext uri="{C183D7F6-B498-43B3-948B-1728B52AA6E4}">
-                <adec:decorative xmlns:adec="http://schemas.microsoft.com/office/drawing/2017/decorative" val="1"/>
-              </a:ext>
-            </a:extLst>
-          </p:cNvPr>
-          <p:cNvSpPr>
-            <a:spLocks noGrp="1" noRot="1" noChangeAspect="1" noMove="1" noResize="1" noEditPoints="1" noAdjustHandles="1" noChangeArrowheads="1" noChangeShapeType="1" noTextEdit="1"/>
-          </p:cNvSpPr>
-          <p:nvPr>
-            <p:extLst>
-              <p:ext uri="{386F3935-93C4-4BCD-93E2-E3B085C9AB24}">
-                <p16:designElem xmlns:p16="http://schemas.microsoft.com/office/powerpoint/2015/main" val="1"/>
-              </p:ext>
-            </p:extLst>
-          </p:nvPr>
-        </p:nvSpPr>
-        <p:spPr>
-          <a:xfrm>
-            <a:off x="442377" y="614407"/>
-            <a:ext cx="3707477" cy="5611772"/>
-          </a:xfrm>
-          <a:prstGeom prst="rect">
-            <a:avLst/>
-          </a:prstGeom>
-          <a:solidFill>
-            <a:schemeClr val="accent1"/>
-          </a:solidFill>
-          <a:ln>
-            <a:noFill/>
-          </a:ln>
-          <a:effectLst/>
-        </p:spPr>
-        <p:style>
-          <a:lnRef idx="1">
-            <a:schemeClr val="accent1"/>
-          </a:lnRef>
-          <a:fillRef idx="3">
-            <a:schemeClr val="accent1"/>
-          </a:fillRef>
-          <a:effectRef idx="2">
-            <a:schemeClr val="accent1"/>
-          </a:effectRef>
-          <a:fontRef idx="minor">
-            <a:schemeClr val="lt1"/>
-          </a:fontRef>
-        </p:style>
-      </p:sp>
-      <p:sp>
-        <p:nvSpPr>
           <p:cNvPr id="2" name="Title 1">
             <a:extLst>
               <a:ext uri="{FF2B5EF4-FFF2-40B4-BE49-F238E27FC236}">
-                <a16:creationId xmlns:a16="http://schemas.microsoft.com/office/drawing/2014/main" id="{BB5F6E98-153D-4AEB-AD5B-82574D84354F}"/>
+                <a16:creationId xmlns:a16="http://schemas.microsoft.com/office/drawing/2014/main" id="{4E8572C3-D32E-4B1B-BAB4-643155728C32}"/>
               </a:ext>
             </a:extLst>
           </p:cNvPr>
@@ -9286,232 +8964,61 @@
             <a:spLocks noGrp="1"/>
           </p:cNvSpPr>
           <p:nvPr>
-            <p:ph type="title" idx="4294967295"/>
+            <p:ph type="title"/>
           </p:nvPr>
         </p:nvSpPr>
-        <p:spPr>
-          <a:xfrm>
-            <a:off x="764110" y="826346"/>
-            <a:ext cx="3171905" cy="1013800"/>
-          </a:xfrm>
-        </p:spPr>
+        <p:spPr/>
         <p:txBody>
-          <a:bodyPr vert="horz" lIns="91440" tIns="45720" rIns="91440" bIns="45720" rtlCol="0" anchor="b">
-            <a:normAutofit/>
+          <a:bodyPr>
+            <a:normAutofit fontScale="90000"/>
           </a:bodyPr>
           <a:lstStyle/>
           <a:p>
-            <a:pPr>
-              <a:lnSpc>
-                <a:spcPct val="90000"/>
-              </a:lnSpc>
-            </a:pPr>
-            <a:r>
-              <a:rPr lang="en-US" sz="2200">
-                <a:solidFill>
-                  <a:srgbClr val="FFFFFF"/>
-                </a:solidFill>
-                <a:latin typeface="+mj-lt"/>
-              </a:rPr>
-              <a:t>Visualization of learned value functions </a:t>
+            <a:r>
+              <a:rPr lang="en-US" dirty="0"/>
+              <a:t>Schematic illustration of the CNN</a:t>
             </a:r>
           </a:p>
         </p:txBody>
       </p:sp>
-      <p:grpSp>
-        <p:nvGrpSpPr>
-          <p:cNvPr id="22" name="Group 21">
+      <p:pic>
+        <p:nvPicPr>
+          <p:cNvPr id="5" name="Content Placeholder 4">
             <a:extLst>
               <a:ext uri="{FF2B5EF4-FFF2-40B4-BE49-F238E27FC236}">
-                <a16:creationId xmlns:a16="http://schemas.microsoft.com/office/drawing/2014/main" id="{49FCC1E1-84D3-494D-A0A0-286AFA1C3018}"/>
-              </a:ext>
-              <a:ext uri="{C183D7F6-B498-43B3-948B-1728B52AA6E4}">
-                <adec:decorative xmlns:adec="http://schemas.microsoft.com/office/drawing/2017/decorative" val="1"/>
+                <a16:creationId xmlns:a16="http://schemas.microsoft.com/office/drawing/2014/main" id="{32E7B06B-34AB-4E30-AD85-CE442028A709}"/>
               </a:ext>
             </a:extLst>
           </p:cNvPr>
-          <p:cNvGrpSpPr>
-            <a:grpSpLocks noGrp="1" noUngrp="1" noRot="1" noChangeAspect="1" noMove="1" noResize="1"/>
-          </p:cNvGrpSpPr>
+          <p:cNvPicPr>
+            <a:picLocks noGrp="1" noChangeAspect="1"/>
+          </p:cNvPicPr>
           <p:nvPr>
-            <p:extLst>
-              <p:ext uri="{386F3935-93C4-4BCD-93E2-E3B085C9AB24}">
-                <p16:designElem xmlns:p16="http://schemas.microsoft.com/office/powerpoint/2015/main" val="1"/>
-              </p:ext>
-            </p:extLst>
+            <p:ph idx="1"/>
           </p:nvPr>
-        </p:nvGrpSpPr>
-        <p:grpSpPr>
+        </p:nvPicPr>
+        <p:blipFill>
+          <a:blip r:embed="rId4"/>
+          <a:stretch>
+            <a:fillRect/>
+          </a:stretch>
+        </p:blipFill>
+        <p:spPr>
           <a:xfrm>
-            <a:off x="446534" y="453643"/>
-            <a:ext cx="11298933" cy="98554"/>
-            <a:chOff x="446534" y="453643"/>
-            <a:chExt cx="11298933" cy="98554"/>
+            <a:off x="3521089" y="619591"/>
+            <a:ext cx="8089721" cy="4492219"/>
           </a:xfrm>
-        </p:grpSpPr>
-        <p:sp>
-          <p:nvSpPr>
-            <p:cNvPr id="23" name="Rectangle 22">
-              <a:extLst>
-                <a:ext uri="{FF2B5EF4-FFF2-40B4-BE49-F238E27FC236}">
-                  <a16:creationId xmlns:a16="http://schemas.microsoft.com/office/drawing/2014/main" id="{96E09E90-FF79-402E-AF01-97A279BEADAD}"/>
-                </a:ext>
-                <a:ext uri="{C183D7F6-B498-43B3-948B-1728B52AA6E4}">
-                  <adec:decorative xmlns:adec="http://schemas.microsoft.com/office/drawing/2017/decorative" val="1"/>
-                </a:ext>
-              </a:extLst>
-            </p:cNvPr>
-            <p:cNvSpPr/>
-            <p:nvPr>
-              <p:extLst>
-                <p:ext uri="{386F3935-93C4-4BCD-93E2-E3B085C9AB24}">
-                  <p16:designElem xmlns:p16="http://schemas.microsoft.com/office/powerpoint/2015/main" val="1"/>
-                </p:ext>
-              </p:extLst>
-            </p:nvPr>
-          </p:nvSpPr>
-          <p:spPr>
-            <a:xfrm>
-              <a:off x="446534" y="457200"/>
-              <a:ext cx="3703320" cy="94997"/>
-            </a:xfrm>
-            <a:prstGeom prst="rect">
-              <a:avLst/>
-            </a:prstGeom>
-            <a:solidFill>
-              <a:schemeClr val="accent1"/>
-            </a:solidFill>
-            <a:ln>
-              <a:noFill/>
-            </a:ln>
-            <a:effectLst/>
-          </p:spPr>
-          <p:style>
-            <a:lnRef idx="1">
-              <a:schemeClr val="accent1"/>
-            </a:lnRef>
-            <a:fillRef idx="3">
-              <a:schemeClr val="accent1"/>
-            </a:fillRef>
-            <a:effectRef idx="2">
-              <a:schemeClr val="accent1"/>
-            </a:effectRef>
-            <a:fontRef idx="minor">
-              <a:schemeClr val="lt1"/>
-            </a:fontRef>
-          </p:style>
-        </p:sp>
-        <p:sp>
-          <p:nvSpPr>
-            <p:cNvPr id="24" name="Rectangle 23">
-              <a:extLst>
-                <a:ext uri="{FF2B5EF4-FFF2-40B4-BE49-F238E27FC236}">
-                  <a16:creationId xmlns:a16="http://schemas.microsoft.com/office/drawing/2014/main" id="{EC6946F8-4B9B-4C51-9F51-2DB377392CC1}"/>
-                </a:ext>
-                <a:ext uri="{C183D7F6-B498-43B3-948B-1728B52AA6E4}">
-                  <adec:decorative xmlns:adec="http://schemas.microsoft.com/office/drawing/2017/decorative" val="1"/>
-                </a:ext>
-              </a:extLst>
-            </p:cNvPr>
-            <p:cNvSpPr/>
-            <p:nvPr>
-              <p:extLst>
-                <p:ext uri="{386F3935-93C4-4BCD-93E2-E3B085C9AB24}">
-                  <p16:designElem xmlns:p16="http://schemas.microsoft.com/office/powerpoint/2015/main" val="1"/>
-                </p:ext>
-              </p:extLst>
-            </p:nvPr>
-          </p:nvSpPr>
-          <p:spPr>
-            <a:xfrm>
-              <a:off x="8042147" y="453643"/>
-              <a:ext cx="3703320" cy="98554"/>
-            </a:xfrm>
-            <a:prstGeom prst="rect">
-              <a:avLst/>
-            </a:prstGeom>
-            <a:solidFill>
-              <a:schemeClr val="accent4"/>
-            </a:solidFill>
-            <a:ln>
-              <a:noFill/>
-            </a:ln>
-            <a:effectLst/>
-          </p:spPr>
-          <p:style>
-            <a:lnRef idx="1">
-              <a:schemeClr val="accent1"/>
-            </a:lnRef>
-            <a:fillRef idx="3">
-              <a:schemeClr val="accent1"/>
-            </a:fillRef>
-            <a:effectRef idx="2">
-              <a:schemeClr val="accent1"/>
-            </a:effectRef>
-            <a:fontRef idx="minor">
-              <a:schemeClr val="lt1"/>
-            </a:fontRef>
-          </p:style>
-        </p:sp>
-        <p:sp>
-          <p:nvSpPr>
-            <p:cNvPr id="25" name="Rectangle 24">
-              <a:extLst>
-                <a:ext uri="{FF2B5EF4-FFF2-40B4-BE49-F238E27FC236}">
-                  <a16:creationId xmlns:a16="http://schemas.microsoft.com/office/drawing/2014/main" id="{7B3D2B3D-A285-438C-A344-AED3E46A0782}"/>
-                </a:ext>
-                <a:ext uri="{C183D7F6-B498-43B3-948B-1728B52AA6E4}">
-                  <adec:decorative xmlns:adec="http://schemas.microsoft.com/office/drawing/2017/decorative" val="1"/>
-                </a:ext>
-              </a:extLst>
-            </p:cNvPr>
-            <p:cNvSpPr/>
-            <p:nvPr>
-              <p:extLst>
-                <p:ext uri="{386F3935-93C4-4BCD-93E2-E3B085C9AB24}">
-                  <p16:designElem xmlns:p16="http://schemas.microsoft.com/office/powerpoint/2015/main" val="1"/>
-                </p:ext>
-              </p:extLst>
-            </p:nvPr>
-          </p:nvSpPr>
-          <p:spPr>
-            <a:xfrm>
-              <a:off x="4241830" y="457200"/>
-              <a:ext cx="3703320" cy="91440"/>
-            </a:xfrm>
-            <a:prstGeom prst="rect">
-              <a:avLst/>
-            </a:prstGeom>
-            <a:solidFill>
-              <a:schemeClr val="accent2"/>
-            </a:solidFill>
-            <a:ln>
-              <a:noFill/>
-            </a:ln>
-            <a:effectLst/>
-          </p:spPr>
-          <p:style>
-            <a:lnRef idx="1">
-              <a:schemeClr val="accent1"/>
-            </a:lnRef>
-            <a:fillRef idx="3">
-              <a:schemeClr val="accent1"/>
-            </a:fillRef>
-            <a:effectRef idx="2">
-              <a:schemeClr val="accent1"/>
-            </a:effectRef>
-            <a:fontRef idx="minor">
-              <a:schemeClr val="lt1"/>
-            </a:fontRef>
-          </p:style>
-        </p:sp>
-      </p:grpSp>
+          <a:prstGeom prst="rect">
+            <a:avLst/>
+          </a:prstGeom>
+        </p:spPr>
+      </p:pic>
       <p:sp>
         <p:nvSpPr>
           <p:cNvPr id="4" name="Text Placeholder 3">
             <a:extLst>
               <a:ext uri="{FF2B5EF4-FFF2-40B4-BE49-F238E27FC236}">
-                <a16:creationId xmlns:a16="http://schemas.microsoft.com/office/drawing/2014/main" id="{3D37B626-814E-4C12-8D2A-739EF7636376}"/>
+                <a16:creationId xmlns:a16="http://schemas.microsoft.com/office/drawing/2014/main" id="{672D4535-CFEB-411A-B53B-874F343F076E}"/>
               </a:ext>
             </a:extLst>
           </p:cNvPr>
@@ -9519,69 +9026,58 @@
             <a:spLocks noGrp="1"/>
           </p:cNvSpPr>
           <p:nvPr>
-            <p:ph type="body" sz="half" idx="4294967295"/>
+            <p:ph type="body" sz="half" idx="2"/>
           </p:nvPr>
         </p:nvSpPr>
-        <p:spPr>
-          <a:xfrm>
-            <a:off x="764110" y="2052084"/>
-            <a:ext cx="3033249" cy="3856229"/>
-          </a:xfrm>
-        </p:spPr>
+        <p:spPr/>
         <p:txBody>
-          <a:bodyPr vert="horz" lIns="91440" tIns="45720" rIns="91440" bIns="45720" rtlCol="0" anchor="t">
+          <a:bodyPr>
             <a:normAutofit/>
           </a:bodyPr>
           <a:lstStyle/>
           <a:p>
-            <a:pPr marL="342900" indent="-342900"/>
-            <a:r>
-              <a:rPr lang="en-US" sz="1600">
-                <a:solidFill>
-                  <a:srgbClr val="FFFFFF"/>
-                </a:solidFill>
-              </a:rPr>
-              <a:t>Breakout</a:t>
-            </a:r>
-          </a:p>
-          <a:p>
-            <a:pPr marL="342900" indent="-342900"/>
-            <a:r>
-              <a:rPr lang="en-US" sz="1600">
-                <a:solidFill>
-                  <a:srgbClr val="FFFFFF"/>
-                </a:solidFill>
-              </a:rPr>
-              <a:t>Pong</a:t>
+            <a:r>
+              <a:rPr lang="en-US" dirty="0"/>
+              <a:t>The input to the neural network consists of an 84 x  84 x 4 image, followed by three convolutional layers and two fully connected layers with a single output for each valid action. Each hidden layer is followed by a rectifier nonlinearity (that is, max(</a:t>
+            </a:r>
+            <a:r>
+              <a:rPr lang="en-US" dirty="0" err="1"/>
+              <a:t>0,x</a:t>
+            </a:r>
+            <a:r>
+              <a:rPr lang="en-US" dirty="0"/>
+              <a:t>)). </a:t>
             </a:r>
           </a:p>
         </p:txBody>
       </p:sp>
       <p:pic>
         <p:nvPicPr>
-          <p:cNvPr id="5" name="Picture Placeholder 4">
+          <p:cNvPr id="3" name="Online Media 2" title="DQN SPACE INVADERS">
+            <a:hlinkClick r:id="" action="ppaction://media"/>
             <a:extLst>
               <a:ext uri="{FF2B5EF4-FFF2-40B4-BE49-F238E27FC236}">
-                <a16:creationId xmlns:a16="http://schemas.microsoft.com/office/drawing/2014/main" id="{AB3ABB37-4F80-4F6A-B85A-36104D7C2962}"/>
+                <a16:creationId xmlns:a16="http://schemas.microsoft.com/office/drawing/2014/main" id="{29D43408-D575-4E1C-B5B5-5DDB76F1CBC8}"/>
               </a:ext>
             </a:extLst>
           </p:cNvPr>
           <p:cNvPicPr>
-            <a:picLocks noGrp="1" noChangeAspect="1"/>
+            <a:picLocks noRot="1" noChangeAspect="1"/>
           </p:cNvPicPr>
           <p:nvPr>
-            <p:ph idx="4294967295"/>
+            <a:videoFile r:link="rId1"/>
           </p:nvPr>
         </p:nvPicPr>
-        <p:blipFill rotWithShape="1">
-          <a:blip r:embed="rId3"/>
-          <a:srcRect l="4516" t="6770" r="3673" b="26893"/>
-          <a:stretch/>
+        <p:blipFill>
+          <a:blip r:embed="rId5"/>
+          <a:stretch>
+            <a:fillRect/>
+          </a:stretch>
         </p:blipFill>
         <p:spPr>
           <a:xfrm>
-            <a:off x="4955516" y="558094"/>
-            <a:ext cx="6268290" cy="5959366"/>
+            <a:off x="455923" y="1583164"/>
+            <a:ext cx="3387073" cy="2538460"/>
           </a:xfrm>
           <a:prstGeom prst="rect">
             <a:avLst/>
@@ -9591,13 +9087,148 @@
     </p:spTree>
     <p:extLst>
       <p:ext uri="{BB962C8B-B14F-4D97-AF65-F5344CB8AC3E}">
-        <p14:creationId xmlns:p14="http://schemas.microsoft.com/office/powerpoint/2010/main" val="3743551264"/>
+        <p14:creationId xmlns:p14="http://schemas.microsoft.com/office/powerpoint/2010/main" val="721813092"/>
       </p:ext>
     </p:extLst>
   </p:cSld>
   <p:clrMapOvr>
-    <a:overrideClrMapping bg1="dk1" tx1="lt1" bg2="dk2" tx2="lt2" accent1="accent1" accent2="accent2" accent3="accent3" accent4="accent4" accent5="accent5" accent6="accent6" hlink="hlink" folHlink="folHlink"/>
+    <a:masterClrMapping/>
   </p:clrMapOvr>
+  <p:timing>
+    <p:tnLst>
+      <p:par>
+        <p:cTn id="1" dur="indefinite" restart="never" nodeType="tmRoot">
+          <p:childTnLst>
+            <p:seq concurrent="1" nextAc="seek">
+              <p:cTn id="2" dur="indefinite" nodeType="mainSeq">
+                <p:childTnLst>
+                  <p:par>
+                    <p:cTn id="3" fill="hold">
+                      <p:stCondLst>
+                        <p:cond delay="indefinite"/>
+                      </p:stCondLst>
+                      <p:childTnLst>
+                        <p:par>
+                          <p:cTn id="4" fill="hold">
+                            <p:stCondLst>
+                              <p:cond delay="0"/>
+                            </p:stCondLst>
+                            <p:childTnLst>
+                              <p:par>
+                                <p:cTn id="5" presetID="1" presetClass="mediacall" presetSubtype="0" fill="hold" nodeType="clickEffect">
+                                  <p:stCondLst>
+                                    <p:cond delay="0"/>
+                                  </p:stCondLst>
+                                  <p:childTnLst>
+                                    <p:cmd type="call" cmd="playFrom(0.0)">
+                                      <p:cBhvr>
+                                        <p:cTn id="6" dur="1" fill="hold"/>
+                                        <p:tgtEl>
+                                          <p:spTgt spid="3"/>
+                                        </p:tgtEl>
+                                      </p:cBhvr>
+                                    </p:cmd>
+                                  </p:childTnLst>
+                                </p:cTn>
+                              </p:par>
+                            </p:childTnLst>
+                          </p:cTn>
+                        </p:par>
+                      </p:childTnLst>
+                    </p:cTn>
+                  </p:par>
+                </p:childTnLst>
+              </p:cTn>
+              <p:prevCondLst>
+                <p:cond evt="onPrev" delay="0">
+                  <p:tgtEl>
+                    <p:sldTgt/>
+                  </p:tgtEl>
+                </p:cond>
+              </p:prevCondLst>
+              <p:nextCondLst>
+                <p:cond evt="onNext" delay="0">
+                  <p:tgtEl>
+                    <p:sldTgt/>
+                  </p:tgtEl>
+                </p:cond>
+              </p:nextCondLst>
+            </p:seq>
+            <p:video>
+              <p:cMediaNode vol="80000">
+                <p:cTn id="7" fill="hold" display="0">
+                  <p:stCondLst>
+                    <p:cond delay="indefinite"/>
+                  </p:stCondLst>
+                </p:cTn>
+                <p:tgtEl>
+                  <p:spTgt spid="3"/>
+                </p:tgtEl>
+              </p:cMediaNode>
+            </p:video>
+            <p:seq concurrent="1" nextAc="seek">
+              <p:cTn id="8" restart="whenNotActive" fill="hold" evtFilter="cancelBubble" nodeType="interactiveSeq">
+                <p:stCondLst>
+                  <p:cond evt="onClick" delay="0">
+                    <p:tgtEl>
+                      <p:spTgt spid="3"/>
+                    </p:tgtEl>
+                  </p:cond>
+                </p:stCondLst>
+                <p:endSync evt="end" delay="0">
+                  <p:rtn val="all"/>
+                </p:endSync>
+                <p:childTnLst>
+                  <p:par>
+                    <p:cTn id="9" fill="hold">
+                      <p:stCondLst>
+                        <p:cond delay="0"/>
+                      </p:stCondLst>
+                      <p:childTnLst>
+                        <p:par>
+                          <p:cTn id="10" fill="hold">
+                            <p:stCondLst>
+                              <p:cond delay="0"/>
+                            </p:stCondLst>
+                            <p:childTnLst>
+                              <p:par>
+                                <p:cTn id="11" presetID="2" presetClass="mediacall" presetSubtype="0" fill="hold" nodeType="clickEffect">
+                                  <p:stCondLst>
+                                    <p:cond delay="0"/>
+                                  </p:stCondLst>
+                                  <p:childTnLst>
+                                    <p:cmd type="call" cmd="togglePause">
+                                      <p:cBhvr>
+                                        <p:cTn id="12" dur="1" fill="hold"/>
+                                        <p:tgtEl>
+                                          <p:spTgt spid="3"/>
+                                        </p:tgtEl>
+                                      </p:cBhvr>
+                                    </p:cmd>
+                                  </p:childTnLst>
+                                </p:cTn>
+                              </p:par>
+                            </p:childTnLst>
+                          </p:cTn>
+                        </p:par>
+                      </p:childTnLst>
+                    </p:cTn>
+                  </p:par>
+                </p:childTnLst>
+              </p:cTn>
+              <p:nextCondLst>
+                <p:cond evt="onClick" delay="0">
+                  <p:tgtEl>
+                    <p:spTgt spid="3"/>
+                  </p:tgtEl>
+                </p:cond>
+              </p:nextCondLst>
+            </p:seq>
+          </p:childTnLst>
+        </p:cTn>
+      </p:par>
+    </p:tnLst>
+  </p:timing>
 </p:sld>
 </file>
 
@@ -9623,7 +9254,7 @@
           <p:cNvPr id="2" name="Title 1">
             <a:extLst>
               <a:ext uri="{FF2B5EF4-FFF2-40B4-BE49-F238E27FC236}">
-                <a16:creationId xmlns:a16="http://schemas.microsoft.com/office/drawing/2014/main" id="{4E8572C3-D32E-4B1B-BAB4-643155728C32}"/>
+                <a16:creationId xmlns:a16="http://schemas.microsoft.com/office/drawing/2014/main" id="{5D434154-4C71-46E3-BC31-3D0E27B2FD8B}"/>
               </a:ext>
             </a:extLst>
           </p:cNvPr>
@@ -9643,7 +9274,14 @@
           <a:p>
             <a:r>
               <a:rPr lang="en-US" dirty="0"/>
-              <a:t>Schematic illustration of the CNN</a:t>
+              <a:t>Average score and average</a:t>
+            </a:r>
+            <a:br>
+              <a:rPr lang="en-US" dirty="0"/>
+            </a:br>
+            <a:r>
+              <a:rPr lang="en-US" dirty="0"/>
+              <a:t>predicted action-value.</a:t>
             </a:r>
           </a:p>
         </p:txBody>
@@ -9653,7 +9291,7 @@
           <p:cNvPr id="5" name="Content Placeholder 4">
             <a:extLst>
               <a:ext uri="{FF2B5EF4-FFF2-40B4-BE49-F238E27FC236}">
-                <a16:creationId xmlns:a16="http://schemas.microsoft.com/office/drawing/2014/main" id="{32E7B06B-34AB-4E30-AD85-CE442028A709}"/>
+                <a16:creationId xmlns:a16="http://schemas.microsoft.com/office/drawing/2014/main" id="{323E4CCD-1356-4885-83B8-DCF00B77255B}"/>
               </a:ext>
             </a:extLst>
           </p:cNvPr>
@@ -9672,8 +9310,8 @@
         </p:blipFill>
         <p:spPr>
           <a:xfrm>
-            <a:off x="3521089" y="619591"/>
-            <a:ext cx="8089721" cy="4492219"/>
+            <a:off x="3114731" y="899387"/>
+            <a:ext cx="5959362" cy="4203700"/>
           </a:xfrm>
           <a:prstGeom prst="rect">
             <a:avLst/>
@@ -9685,7 +9323,7 @@
           <p:cNvPr id="4" name="Text Placeholder 3">
             <a:extLst>
               <a:ext uri="{FF2B5EF4-FFF2-40B4-BE49-F238E27FC236}">
-                <a16:creationId xmlns:a16="http://schemas.microsoft.com/office/drawing/2014/main" id="{672D4535-CFEB-411A-B53B-874F343F076E}"/>
+                <a16:creationId xmlns:a16="http://schemas.microsoft.com/office/drawing/2014/main" id="{49ADD01D-FB70-4789-A98C-E7DDE7AABA10}"/>
               </a:ext>
             </a:extLst>
           </p:cNvPr>
@@ -9699,43 +9337,102 @@
         <p:spPr/>
         <p:txBody>
           <a:bodyPr>
-            <a:normAutofit fontScale="92500" lnSpcReduction="10000"/>
+            <a:normAutofit fontScale="92500" lnSpcReduction="20000"/>
           </a:bodyPr>
           <a:lstStyle/>
           <a:p>
             <a:r>
               <a:rPr lang="en-US" dirty="0"/>
-              <a:t>The input to the neural</a:t>
+              <a:t>Training curves tracking the agent’s.</a:t>
+            </a:r>
+          </a:p>
+          <a:p>
+            <a:r>
+              <a:rPr lang="en-US" dirty="0"/>
+              <a:t>Each point is the average score achieved per episode after the agent is run with e-greedy policy (e = 0.05) for 520 k frames</a:t>
             </a:r>
             <a:br>
               <a:rPr lang="en-US" dirty="0"/>
             </a:br>
+            <a:endParaRPr lang="en-US" dirty="0"/>
+          </a:p>
+        </p:txBody>
+      </p:sp>
+      <p:sp>
+        <p:nvSpPr>
+          <p:cNvPr id="6" name="TextBox 5">
+            <a:extLst>
+              <a:ext uri="{FF2B5EF4-FFF2-40B4-BE49-F238E27FC236}">
+                <a16:creationId xmlns:a16="http://schemas.microsoft.com/office/drawing/2014/main" id="{DE099CF3-35CD-4C5F-9B70-25A0188EC982}"/>
+              </a:ext>
+            </a:extLst>
+          </p:cNvPr>
+          <p:cNvSpPr txBox="1"/>
+          <p:nvPr/>
+        </p:nvSpPr>
+        <p:spPr>
+          <a:xfrm>
+            <a:off x="4022091" y="530055"/>
+            <a:ext cx="1925527" cy="369332"/>
+          </a:xfrm>
+          <a:prstGeom prst="rect">
+            <a:avLst/>
+          </a:prstGeom>
+          <a:noFill/>
+        </p:spPr>
+        <p:txBody>
+          <a:bodyPr wrap="none" rtlCol="0">
+            <a:spAutoFit/>
+          </a:bodyPr>
+          <a:lstStyle/>
+          <a:p>
             <a:r>
               <a:rPr lang="en-US" dirty="0"/>
-              <a:t>network consists of an 84 x  84 x 4 image, followed by three convolutional layers and two fully connected</a:t>
-            </a:r>
-            <a:br>
-              <a:rPr lang="en-US" dirty="0"/>
-            </a:br>
-            <a:r>
-              <a:rPr lang="en-US" dirty="0"/>
-              <a:t>layers with a single output for each valid action. Each hidden layer is followed by a rectifier nonlinearity (that is, max(</a:t>
-            </a:r>
+              <a:t>Space Invaders</a:t>
+            </a:r>
+          </a:p>
+        </p:txBody>
+      </p:sp>
+      <p:sp>
+        <p:nvSpPr>
+          <p:cNvPr id="7" name="TextBox 6">
+            <a:extLst>
+              <a:ext uri="{FF2B5EF4-FFF2-40B4-BE49-F238E27FC236}">
+                <a16:creationId xmlns:a16="http://schemas.microsoft.com/office/drawing/2014/main" id="{8D0E9B7D-2B24-4A91-8D9F-F1DA50CF9D5D}"/>
+              </a:ext>
+            </a:extLst>
+          </p:cNvPr>
+          <p:cNvSpPr txBox="1"/>
+          <p:nvPr/>
+        </p:nvSpPr>
+        <p:spPr>
+          <a:xfrm>
+            <a:off x="7261677" y="530055"/>
+            <a:ext cx="1225015" cy="369332"/>
+          </a:xfrm>
+          <a:prstGeom prst="rect">
+            <a:avLst/>
+          </a:prstGeom>
+          <a:noFill/>
+        </p:spPr>
+        <p:txBody>
+          <a:bodyPr wrap="none" rtlCol="0">
+            <a:spAutoFit/>
+          </a:bodyPr>
+          <a:lstStyle/>
+          <a:p>
             <a:r>
               <a:rPr lang="en-US" dirty="0" err="1"/>
-              <a:t>0,x</a:t>
-            </a:r>
-            <a:r>
-              <a:rPr lang="en-US" dirty="0"/>
-              <a:t>)). </a:t>
-            </a:r>
+              <a:t>Seaquest</a:t>
+            </a:r>
+            <a:endParaRPr lang="en-US" dirty="0"/>
           </a:p>
         </p:txBody>
       </p:sp>
     </p:spTree>
     <p:extLst>
       <p:ext uri="{BB962C8B-B14F-4D97-AF65-F5344CB8AC3E}">
-        <p14:creationId xmlns:p14="http://schemas.microsoft.com/office/powerpoint/2010/main" val="721813092"/>
+        <p14:creationId xmlns:p14="http://schemas.microsoft.com/office/powerpoint/2010/main" val="877190718"/>
       </p:ext>
     </p:extLst>
   </p:cSld>
@@ -9767,216 +9464,6 @@
           <p:cNvPr id="2" name="Title 1">
             <a:extLst>
               <a:ext uri="{FF2B5EF4-FFF2-40B4-BE49-F238E27FC236}">
-                <a16:creationId xmlns:a16="http://schemas.microsoft.com/office/drawing/2014/main" id="{5D434154-4C71-46E3-BC31-3D0E27B2FD8B}"/>
-              </a:ext>
-            </a:extLst>
-          </p:cNvPr>
-          <p:cNvSpPr>
-            <a:spLocks noGrp="1"/>
-          </p:cNvSpPr>
-          <p:nvPr>
-            <p:ph type="title"/>
-          </p:nvPr>
-        </p:nvSpPr>
-        <p:spPr/>
-        <p:txBody>
-          <a:bodyPr>
-            <a:normAutofit fontScale="90000"/>
-          </a:bodyPr>
-          <a:lstStyle/>
-          <a:p>
-            <a:r>
-              <a:rPr lang="en-US" dirty="0"/>
-              <a:t>Average score and average</a:t>
-            </a:r>
-            <a:br>
-              <a:rPr lang="en-US" dirty="0"/>
-            </a:br>
-            <a:r>
-              <a:rPr lang="en-US" dirty="0"/>
-              <a:t>predicted action-value.</a:t>
-            </a:r>
-          </a:p>
-        </p:txBody>
-      </p:sp>
-      <p:pic>
-        <p:nvPicPr>
-          <p:cNvPr id="5" name="Content Placeholder 4">
-            <a:extLst>
-              <a:ext uri="{FF2B5EF4-FFF2-40B4-BE49-F238E27FC236}">
-                <a16:creationId xmlns:a16="http://schemas.microsoft.com/office/drawing/2014/main" id="{323E4CCD-1356-4885-83B8-DCF00B77255B}"/>
-              </a:ext>
-            </a:extLst>
-          </p:cNvPr>
-          <p:cNvPicPr>
-            <a:picLocks noGrp="1" noChangeAspect="1"/>
-          </p:cNvPicPr>
-          <p:nvPr>
-            <p:ph idx="1"/>
-          </p:nvPr>
-        </p:nvPicPr>
-        <p:blipFill>
-          <a:blip r:embed="rId3"/>
-          <a:stretch>
-            <a:fillRect/>
-          </a:stretch>
-        </p:blipFill>
-        <p:spPr>
-          <a:xfrm>
-            <a:off x="3114731" y="601663"/>
-            <a:ext cx="5959362" cy="4203700"/>
-          </a:xfrm>
-          <a:prstGeom prst="rect">
-            <a:avLst/>
-          </a:prstGeom>
-        </p:spPr>
-      </p:pic>
-      <p:sp>
-        <p:nvSpPr>
-          <p:cNvPr id="4" name="Text Placeholder 3">
-            <a:extLst>
-              <a:ext uri="{FF2B5EF4-FFF2-40B4-BE49-F238E27FC236}">
-                <a16:creationId xmlns:a16="http://schemas.microsoft.com/office/drawing/2014/main" id="{49ADD01D-FB70-4789-A98C-E7DDE7AABA10}"/>
-              </a:ext>
-            </a:extLst>
-          </p:cNvPr>
-          <p:cNvSpPr>
-            <a:spLocks noGrp="1"/>
-          </p:cNvSpPr>
-          <p:nvPr>
-            <p:ph type="body" sz="half" idx="2"/>
-          </p:nvPr>
-        </p:nvSpPr>
-        <p:spPr/>
-        <p:txBody>
-          <a:bodyPr>
-            <a:normAutofit fontScale="92500" lnSpcReduction="20000"/>
-          </a:bodyPr>
-          <a:lstStyle/>
-          <a:p>
-            <a:r>
-              <a:rPr lang="en-US" dirty="0"/>
-              <a:t>Training curves tracking the agent’s.</a:t>
-            </a:r>
-          </a:p>
-          <a:p>
-            <a:r>
-              <a:rPr lang="en-US" dirty="0"/>
-              <a:t>Each point is the average score achieved per episode after the agent is run with e-greedy policy (e = 0.05) for 520 k frames</a:t>
-            </a:r>
-            <a:br>
-              <a:rPr lang="en-US" dirty="0"/>
-            </a:br>
-            <a:endParaRPr lang="en-US" dirty="0"/>
-          </a:p>
-        </p:txBody>
-      </p:sp>
-      <p:sp>
-        <p:nvSpPr>
-          <p:cNvPr id="6" name="TextBox 5">
-            <a:extLst>
-              <a:ext uri="{FF2B5EF4-FFF2-40B4-BE49-F238E27FC236}">
-                <a16:creationId xmlns:a16="http://schemas.microsoft.com/office/drawing/2014/main" id="{DE099CF3-35CD-4C5F-9B70-25A0188EC982}"/>
-              </a:ext>
-            </a:extLst>
-          </p:cNvPr>
-          <p:cNvSpPr txBox="1"/>
-          <p:nvPr/>
-        </p:nvSpPr>
-        <p:spPr>
-          <a:xfrm>
-            <a:off x="6637700" y="457200"/>
-            <a:ext cx="1925527" cy="369332"/>
-          </a:xfrm>
-          <a:prstGeom prst="rect">
-            <a:avLst/>
-          </a:prstGeom>
-          <a:noFill/>
-        </p:spPr>
-        <p:txBody>
-          <a:bodyPr wrap="none" rtlCol="0">
-            <a:spAutoFit/>
-          </a:bodyPr>
-          <a:lstStyle/>
-          <a:p>
-            <a:r>
-              <a:rPr lang="en-US" dirty="0"/>
-              <a:t>Space Invaders</a:t>
-            </a:r>
-          </a:p>
-        </p:txBody>
-      </p:sp>
-      <p:sp>
-        <p:nvSpPr>
-          <p:cNvPr id="7" name="TextBox 6">
-            <a:extLst>
-              <a:ext uri="{FF2B5EF4-FFF2-40B4-BE49-F238E27FC236}">
-                <a16:creationId xmlns:a16="http://schemas.microsoft.com/office/drawing/2014/main" id="{8D0E9B7D-2B24-4A91-8D9F-F1DA50CF9D5D}"/>
-              </a:ext>
-            </a:extLst>
-          </p:cNvPr>
-          <p:cNvSpPr txBox="1"/>
-          <p:nvPr/>
-        </p:nvSpPr>
-        <p:spPr>
-          <a:xfrm>
-            <a:off x="9345658" y="457200"/>
-            <a:ext cx="1225015" cy="369332"/>
-          </a:xfrm>
-          <a:prstGeom prst="rect">
-            <a:avLst/>
-          </a:prstGeom>
-          <a:noFill/>
-        </p:spPr>
-        <p:txBody>
-          <a:bodyPr wrap="none" rtlCol="0">
-            <a:spAutoFit/>
-          </a:bodyPr>
-          <a:lstStyle/>
-          <a:p>
-            <a:r>
-              <a:rPr lang="en-US" dirty="0" err="1"/>
-              <a:t>Seaquest</a:t>
-            </a:r>
-            <a:endParaRPr lang="en-US" dirty="0"/>
-          </a:p>
-        </p:txBody>
-      </p:sp>
-    </p:spTree>
-    <p:extLst>
-      <p:ext uri="{BB962C8B-B14F-4D97-AF65-F5344CB8AC3E}">
-        <p14:creationId xmlns:p14="http://schemas.microsoft.com/office/powerpoint/2010/main" val="877190718"/>
-      </p:ext>
-    </p:extLst>
-  </p:cSld>
-  <p:clrMapOvr>
-    <a:masterClrMapping/>
-  </p:clrMapOvr>
-</p:sld>
-</file>
-
-<file path=ppt/slides/slide16.xml><?xml version="1.0" encoding="utf-8"?>
-<p:sld xmlns:a="http://schemas.openxmlformats.org/drawingml/2006/main" xmlns:r="http://schemas.openxmlformats.org/officeDocument/2006/relationships" xmlns:p="http://schemas.openxmlformats.org/presentationml/2006/main">
-  <p:cSld>
-    <p:spTree>
-      <p:nvGrpSpPr>
-        <p:cNvPr id="1" name=""/>
-        <p:cNvGrpSpPr/>
-        <p:nvPr/>
-      </p:nvGrpSpPr>
-      <p:grpSpPr>
-        <a:xfrm>
-          <a:off x="0" y="0"/>
-          <a:ext cx="0" cy="0"/>
-          <a:chOff x="0" y="0"/>
-          <a:chExt cx="0" cy="0"/>
-        </a:xfrm>
-      </p:grpSpPr>
-      <p:sp>
-        <p:nvSpPr>
-          <p:cNvPr id="2" name="Title 1">
-            <a:extLst>
-              <a:ext uri="{FF2B5EF4-FFF2-40B4-BE49-F238E27FC236}">
                 <a16:creationId xmlns:a16="http://schemas.microsoft.com/office/drawing/2014/main" id="{F386C950-9366-4B5C-8FF3-527EA5FDC658}"/>
               </a:ext>
             </a:extLst>
@@ -10040,7 +9527,7 @@
 </p:sld>
 </file>
 
-<file path=ppt/slides/slide17.xml><?xml version="1.0" encoding="utf-8"?>
+<file path=ppt/slides/slide16.xml><?xml version="1.0" encoding="utf-8"?>
 <p:sld xmlns:a="http://schemas.openxmlformats.org/drawingml/2006/main" xmlns:r="http://schemas.openxmlformats.org/officeDocument/2006/relationships" xmlns:p="http://schemas.openxmlformats.org/presentationml/2006/main">
   <p:cSld>
     <p:bg>
@@ -10246,7 +9733,7 @@
 </p:sld>
 </file>
 
-<file path=ppt/slides/slide18.xml><?xml version="1.0" encoding="utf-8"?>
+<file path=ppt/slides/slide17.xml><?xml version="1.0" encoding="utf-8"?>
 <p:sld xmlns:a="http://schemas.openxmlformats.org/drawingml/2006/main" xmlns:r="http://schemas.openxmlformats.org/officeDocument/2006/relationships" xmlns:p="http://schemas.openxmlformats.org/presentationml/2006/main">
   <p:cSld>
     <p:bg>
@@ -10452,7 +9939,7 @@
 </p:sld>
 </file>
 
-<file path=ppt/slides/slide19.xml><?xml version="1.0" encoding="utf-8"?>
+<file path=ppt/slides/slide18.xml><?xml version="1.0" encoding="utf-8"?>
 <p:sld xmlns:a="http://schemas.openxmlformats.org/drawingml/2006/main" xmlns:r="http://schemas.openxmlformats.org/officeDocument/2006/relationships" xmlns:p="http://schemas.openxmlformats.org/presentationml/2006/main">
   <p:cSld>
     <p:spTree>
@@ -10487,27 +9974,54 @@
         </p:nvSpPr>
         <p:spPr/>
         <p:txBody>
+          <a:bodyPr>
+            <a:normAutofit fontScale="90000"/>
+          </a:bodyPr>
+          <a:lstStyle/>
+          <a:p>
+            <a:r>
+              <a:rPr lang="en-US" dirty="0"/>
+              <a:t>Overview of the architecture of </a:t>
+            </a:r>
+            <a:r>
+              <a:rPr lang="en-US" dirty="0" err="1"/>
+              <a:t>AlphaStar</a:t>
+            </a:r>
+            <a:endParaRPr lang="en-US" dirty="0"/>
+          </a:p>
+        </p:txBody>
+      </p:sp>
+      <p:sp>
+        <p:nvSpPr>
+          <p:cNvPr id="8" name="Content Placeholder 7">
+            <a:extLst>
+              <a:ext uri="{FF2B5EF4-FFF2-40B4-BE49-F238E27FC236}">
+                <a16:creationId xmlns:a16="http://schemas.microsoft.com/office/drawing/2014/main" id="{0359AEA7-703C-4E05-862F-F0719F2770D3}"/>
+              </a:ext>
+            </a:extLst>
+          </p:cNvPr>
+          <p:cNvSpPr>
+            <a:spLocks noGrp="1"/>
+          </p:cNvSpPr>
+          <p:nvPr>
+            <p:ph idx="1"/>
+          </p:nvPr>
+        </p:nvSpPr>
+        <p:spPr/>
+        <p:txBody>
           <a:bodyPr/>
           <a:lstStyle/>
           <a:p>
-            <a:r>
-              <a:rPr lang="en-US" dirty="0"/>
-              <a:t>Overview of the architecture of </a:t>
-            </a:r>
-            <a:r>
-              <a:rPr lang="en-US" dirty="0" err="1"/>
-              <a:t>AlphaStar</a:t>
-            </a:r>
-            <a:endParaRPr lang="en-US" dirty="0"/>
+            <a:endParaRPr lang="en-US"/>
           </a:p>
         </p:txBody>
       </p:sp>
       <p:sp>
         <p:nvSpPr>
-          <p:cNvPr id="4" name="Text Placeholder 3">
+          <p:cNvPr id="9" name="Text Placeholder 8">
             <a:extLst>
               <a:ext uri="{FF2B5EF4-FFF2-40B4-BE49-F238E27FC236}">
-                <a16:creationId xmlns:a16="http://schemas.microsoft.com/office/drawing/2014/main" id="{CA16D1DF-961B-4BAE-A347-AC10283624CB}"/>
+                <a16:creationId xmlns:a16="http://schemas.microsoft.com/office/drawing/2014/main" id="{08B70A9D-5FF2-4C7D-AEFB-32E9EC6F4F33}"/>
               </a:ext>
             </a:extLst>
           </p:cNvPr>
@@ -10523,7 +10037,7 @@
           <a:bodyPr/>
           <a:lstStyle/>
           <a:p>
-            <a:endParaRPr lang="en-US" dirty="0"/>
+            <a:endParaRPr lang="en-US"/>
           </a:p>
         </p:txBody>
       </p:sp>
@@ -10549,7 +10063,7 @@
         </p:blipFill>
         <p:spPr>
           <a:xfrm>
-            <a:off x="714707" y="611035"/>
+            <a:off x="0" y="692922"/>
             <a:ext cx="8648935" cy="4152234"/>
           </a:xfrm>
           <a:prstGeom prst="rect">
@@ -10571,16 +10085,15 @@
           </p:cNvPicPr>
           <p:nvPr/>
         </p:nvPicPr>
-        <p:blipFill>
+        <p:blipFill rotWithShape="1">
           <a:blip r:embed="rId4"/>
-          <a:stretch>
-            <a:fillRect/>
-          </a:stretch>
+          <a:srcRect r="2491"/>
+          <a:stretch/>
         </p:blipFill>
         <p:spPr>
           <a:xfrm>
-            <a:off x="6096000" y="1486800"/>
-            <a:ext cx="5111971" cy="2400704"/>
+            <a:off x="8212214" y="2033516"/>
+            <a:ext cx="3917203" cy="1886614"/>
           </a:xfrm>
           <a:prstGeom prst="rect">
             <a:avLst/>
@@ -10992,75 +10505,43 @@
             <a:pPr lvl="1"/>
             <a:r>
               <a:rPr lang="en-US" dirty="0"/>
-              <a:t>Reinforcement Learning </a:t>
+              <a:t>Reinforcement Learning (RL)</a:t>
             </a:r>
           </a:p>
           <a:p>
             <a:r>
               <a:rPr lang="en-US" dirty="0"/>
-              <a:t>V values and Q values</a:t>
+              <a:t>Applications of Reinforcement Learning</a:t>
             </a:r>
           </a:p>
           <a:p>
             <a:r>
               <a:rPr lang="en-US" dirty="0"/>
-              <a:t>Neural network as a function approximation for q values</a:t>
+              <a:t>Elements of Reinforcement Learning</a:t>
             </a:r>
           </a:p>
           <a:p>
             <a:r>
               <a:rPr lang="en-US" dirty="0"/>
-              <a:t>Deep Q Learning</a:t>
-            </a:r>
-          </a:p>
-          <a:p>
-            <a:r>
-              <a:rPr lang="en-US" dirty="0" err="1"/>
-              <a:t>AlphaStar</a:t>
-            </a:r>
+              <a:t>Q-Learning</a:t>
+            </a:r>
+          </a:p>
+          <a:p>
             <a:r>
               <a:rPr lang="en-US" dirty="0"/>
-              <a:t> paper</a:t>
+              <a:t>Tutorial</a:t>
             </a:r>
           </a:p>
           <a:p>
             <a:r>
               <a:rPr lang="en-US" dirty="0"/>
-              <a:t>References: </a:t>
-            </a:r>
-            <a:r>
-              <a:rPr lang="en-US" dirty="0" err="1"/>
-              <a:t>Suton</a:t>
-            </a:r>
+              <a:t>Deep Reinforcement Learning for ATARI</a:t>
+            </a:r>
+          </a:p>
+          <a:p>
             <a:r>
               <a:rPr lang="en-US" dirty="0"/>
-              <a:t> and </a:t>
-            </a:r>
-            <a:r>
-              <a:rPr lang="en-US" dirty="0" err="1"/>
-              <a:t>barto</a:t>
-            </a:r>
-            <a:r>
-              <a:rPr lang="en-US" dirty="0"/>
-              <a:t>, DQN paper, </a:t>
-            </a:r>
-            <a:r>
-              <a:rPr lang="en-US" dirty="0" err="1"/>
-              <a:t>alphastar</a:t>
-            </a:r>
-            <a:r>
-              <a:rPr lang="en-US" dirty="0"/>
-              <a:t> paper, </a:t>
-            </a:r>
-          </a:p>
-          <a:p>
-            <a:r>
-              <a:rPr lang="en-US" dirty="0" err="1"/>
-              <a:t>Tensorflow</a:t>
-            </a:r>
-            <a:r>
-              <a:rPr lang="en-US" dirty="0"/>
-              <a:t> to build smart agents</a:t>
+              <a:t>Deep Reinforcement Learning for StarCraft II </a:t>
             </a:r>
           </a:p>
         </p:txBody>
@@ -12757,8 +12238,8 @@
           </a:prstGeom>
         </p:spPr>
       </p:pic>
-      <mc:AlternateContent xmlns:mc="http://schemas.openxmlformats.org/markup-compatibility/2006">
-        <mc:Choice xmlns:a14="http://schemas.microsoft.com/office/drawing/2010/main" Requires="a14">
+      <mc:AlternateContent xmlns:mc="http://schemas.openxmlformats.org/markup-compatibility/2006" xmlns:a14="http://schemas.microsoft.com/office/drawing/2010/main">
+        <mc:Choice Requires="a14">
           <p:sp>
             <p:nvSpPr>
               <p:cNvPr id="6" name="TextBox 5">
@@ -13114,7 +12595,7 @@
             </p:txBody>
           </p:sp>
         </mc:Choice>
-        <mc:Fallback>
+        <mc:Fallback xmlns="">
           <p:sp>
             <p:nvSpPr>
               <p:cNvPr id="6" name="TextBox 5">
@@ -13206,8 +12687,8 @@
           </a:extLst>
         </p:spPr>
       </p:pic>
-      <mc:AlternateContent xmlns:mc="http://schemas.openxmlformats.org/markup-compatibility/2006">
-        <mc:Choice xmlns:a14="http://schemas.microsoft.com/office/drawing/2010/main" Requires="a14">
+      <mc:AlternateContent xmlns:mc="http://schemas.openxmlformats.org/markup-compatibility/2006" xmlns:a14="http://schemas.microsoft.com/office/drawing/2010/main">
+        <mc:Choice Requires="a14">
           <p:sp>
             <p:nvSpPr>
               <p:cNvPr id="8" name="TextBox 7">
@@ -13236,6 +12717,7 @@
               </a:bodyPr>
               <a:lstStyle/>
               <a:p>
+                <a:pPr/>
                 <a14:m>
                   <m:oMathPara xmlns:m="http://schemas.openxmlformats.org/officeDocument/2006/math">
                     <m:oMathParaPr>
@@ -13256,7 +12738,7 @@
             </p:txBody>
           </p:sp>
         </mc:Choice>
-        <mc:Fallback>
+        <mc:Fallback xmlns="">
           <p:sp>
             <p:nvSpPr>
               <p:cNvPr id="8" name="TextBox 7">
@@ -13301,8 +12783,8 @@
           </p:sp>
         </mc:Fallback>
       </mc:AlternateContent>
-      <mc:AlternateContent xmlns:mc="http://schemas.openxmlformats.org/markup-compatibility/2006">
-        <mc:Choice xmlns:a14="http://schemas.microsoft.com/office/drawing/2010/main" Requires="a14">
+      <mc:AlternateContent xmlns:mc="http://schemas.openxmlformats.org/markup-compatibility/2006" xmlns:a14="http://schemas.microsoft.com/office/drawing/2010/main">
+        <mc:Choice Requires="a14">
           <p:sp>
             <p:nvSpPr>
               <p:cNvPr id="9" name="TextBox 8">
@@ -13360,7 +12842,7 @@
             </p:txBody>
           </p:sp>
         </mc:Choice>
-        <mc:Fallback>
+        <mc:Fallback xmlns="">
           <p:sp>
             <p:nvSpPr>
               <p:cNvPr id="9" name="TextBox 8">
@@ -13405,8 +12887,8 @@
           </p:sp>
         </mc:Fallback>
       </mc:AlternateContent>
-      <mc:AlternateContent xmlns:mc="http://schemas.openxmlformats.org/markup-compatibility/2006">
-        <mc:Choice xmlns:a14="http://schemas.microsoft.com/office/drawing/2010/main" Requires="a14">
+      <mc:AlternateContent xmlns:mc="http://schemas.openxmlformats.org/markup-compatibility/2006" xmlns:a14="http://schemas.microsoft.com/office/drawing/2010/main">
+        <mc:Choice Requires="a14">
           <p:sp>
             <p:nvSpPr>
               <p:cNvPr id="10" name="TextBox 9">
@@ -13435,6 +12917,7 @@
               </a:bodyPr>
               <a:lstStyle/>
               <a:p>
+                <a:pPr/>
                 <a14:m>
                   <m:oMathPara xmlns:m="http://schemas.openxmlformats.org/officeDocument/2006/math">
                     <m:oMathParaPr>
@@ -13505,7 +12988,7 @@
             </p:txBody>
           </p:sp>
         </mc:Choice>
-        <mc:Fallback>
+        <mc:Fallback xmlns="">
           <p:sp>
             <p:nvSpPr>
               <p:cNvPr id="10" name="TextBox 9">
@@ -13803,8 +13286,8 @@
             </a:p>
           </p:txBody>
         </p:sp>
-        <mc:AlternateContent xmlns:mc="http://schemas.openxmlformats.org/markup-compatibility/2006">
-          <mc:Choice xmlns:a14="http://schemas.microsoft.com/office/drawing/2010/main" Requires="a14">
+        <mc:AlternateContent xmlns:mc="http://schemas.openxmlformats.org/markup-compatibility/2006" xmlns:a14="http://schemas.microsoft.com/office/drawing/2010/main">
+          <mc:Choice Requires="a14">
             <p:sp>
               <p:nvSpPr>
                 <p:cNvPr id="19" name="Rectangle 18">
@@ -13832,6 +13315,7 @@
                 </a:bodyPr>
                 <a:lstStyle/>
                 <a:p>
+                  <a:pPr/>
                   <a14:m>
                     <m:oMathPara xmlns:m="http://schemas.openxmlformats.org/officeDocument/2006/math">
                       <m:oMathParaPr>
@@ -13871,7 +13355,7 @@
               </p:txBody>
             </p:sp>
           </mc:Choice>
-          <mc:Fallback>
+          <mc:Fallback xmlns="">
             <p:sp>
               <p:nvSpPr>
                 <p:cNvPr id="19" name="Rectangle 18">
@@ -14036,8 +13520,8 @@
             </a:p>
           </p:txBody>
         </p:sp>
-        <mc:AlternateContent xmlns:mc="http://schemas.openxmlformats.org/markup-compatibility/2006">
-          <mc:Choice xmlns:a14="http://schemas.microsoft.com/office/drawing/2010/main" Requires="a14">
+        <mc:AlternateContent xmlns:mc="http://schemas.openxmlformats.org/markup-compatibility/2006" xmlns:a14="http://schemas.microsoft.com/office/drawing/2010/main">
+          <mc:Choice Requires="a14">
             <p:sp>
               <p:nvSpPr>
                 <p:cNvPr id="23" name="TextBox 22">
@@ -14133,7 +13617,7 @@
               </p:txBody>
             </p:sp>
           </mc:Choice>
-          <mc:Fallback>
+          <mc:Fallback xmlns="">
             <p:sp>
               <p:nvSpPr>
                 <p:cNvPr id="23" name="TextBox 22">
@@ -14392,6 +13876,42 @@
           </a:prstGeom>
         </p:spPr>
       </p:pic>
+      <p:pic>
+        <p:nvPicPr>
+          <p:cNvPr id="16" name="Picture 15" descr="A picture containing drawing&#10;&#10;Description automatically generated">
+            <a:extLst>
+              <a:ext uri="{FF2B5EF4-FFF2-40B4-BE49-F238E27FC236}">
+                <a16:creationId xmlns:a16="http://schemas.microsoft.com/office/drawing/2014/main" id="{82960B35-3610-4513-A091-361D72058B90}"/>
+              </a:ext>
+            </a:extLst>
+          </p:cNvPr>
+          <p:cNvPicPr>
+            <a:picLocks noChangeAspect="1"/>
+          </p:cNvPicPr>
+          <p:nvPr/>
+        </p:nvPicPr>
+        <p:blipFill>
+          <a:blip r:embed="rId3">
+            <a:extLst>
+              <a:ext uri="{28A0092B-C50C-407E-A947-70E740481C1C}">
+                <a14:useLocalDpi xmlns:a14="http://schemas.microsoft.com/office/drawing/2010/main" val="0"/>
+              </a:ext>
+            </a:extLst>
+          </a:blip>
+          <a:stretch>
+            <a:fillRect/>
+          </a:stretch>
+        </p:blipFill>
+        <p:spPr>
+          <a:xfrm>
+            <a:off x="6958748" y="5283009"/>
+            <a:ext cx="3447314" cy="1214093"/>
+          </a:xfrm>
+          <a:prstGeom prst="rect">
+            <a:avLst/>
+          </a:prstGeom>
+        </p:spPr>
+      </p:pic>
     </p:spTree>
     <p:extLst>
       <p:ext uri="{BB962C8B-B14F-4D97-AF65-F5344CB8AC3E}">
@@ -14474,7 +13994,7 @@
         </p:nvSpPr>
         <p:spPr>
           <a:xfrm>
-            <a:off x="581025" y="1253331"/>
+            <a:off x="581192" y="1909661"/>
             <a:ext cx="5862638" cy="4351338"/>
           </a:xfrm>
         </p:spPr>

--- a/From RL to DRL.pptx
+++ b/From RL to DRL.pptx
@@ -5,10 +5,10 @@
     <p:sldMasterId id="2147483785" r:id="rId1"/>
   </p:sldMasterIdLst>
   <p:notesMasterIdLst>
-    <p:notesMasterId r:id="rId20"/>
+    <p:notesMasterId r:id="rId21"/>
   </p:notesMasterIdLst>
   <p:handoutMasterIdLst>
-    <p:handoutMasterId r:id="rId21"/>
+    <p:handoutMasterId r:id="rId22"/>
   </p:handoutMasterIdLst>
   <p:sldIdLst>
     <p:sldId id="275" r:id="rId2"/>
@@ -21,14 +21,15 @@
     <p:sldId id="273" r:id="rId9"/>
     <p:sldId id="264" r:id="rId10"/>
     <p:sldId id="274" r:id="rId11"/>
-    <p:sldId id="268" r:id="rId12"/>
-    <p:sldId id="276" r:id="rId13"/>
-    <p:sldId id="265" r:id="rId14"/>
-    <p:sldId id="266" r:id="rId15"/>
-    <p:sldId id="269" r:id="rId16"/>
-    <p:sldId id="271" r:id="rId17"/>
-    <p:sldId id="272" r:id="rId18"/>
-    <p:sldId id="270" r:id="rId19"/>
+    <p:sldId id="277" r:id="rId12"/>
+    <p:sldId id="268" r:id="rId13"/>
+    <p:sldId id="276" r:id="rId14"/>
+    <p:sldId id="265" r:id="rId15"/>
+    <p:sldId id="266" r:id="rId16"/>
+    <p:sldId id="269" r:id="rId17"/>
+    <p:sldId id="271" r:id="rId18"/>
+    <p:sldId id="272" r:id="rId19"/>
+    <p:sldId id="270" r:id="rId20"/>
   </p:sldIdLst>
   <p:sldSz cx="12192000" cy="6858000"/>
   <p:notesSz cx="6858000" cy="9144000"/>
@@ -232,7 +233,7 @@
           <a:p>
             <a:fld id="{22EE5C04-F24B-4115-9861-2CF34694583A}" type="datetimeFigureOut">
               <a:rPr lang="en-US" smtClean="0"/>
-              <a:t>12/13/2019</a:t>
+              <a:t>12/14/2019</a:t>
             </a:fld>
             <a:endParaRPr lang="en-US"/>
           </a:p>
@@ -409,7 +410,7 @@
           <a:p>
             <a:fld id="{1C1499B0-46DF-4199-B267-25F771D8AF1C}" type="datetimeFigureOut">
               <a:rPr lang="en-US" smtClean="0"/>
-              <a:t>12/13/2019</a:t>
+              <a:t>12/14/2019</a:t>
             </a:fld>
             <a:endParaRPr lang="en-US"/>
           </a:p>
@@ -808,8 +809,40 @@
           <a:lstStyle/>
           <a:p>
             <a:r>
-              <a:rPr lang="en-US" dirty="0" err="1"/>
-              <a:t>MLP</a:t>
+              <a:rPr lang="en-US" dirty="0">
+                <a:hlinkClick r:id="rId3"/>
+              </a:rPr>
+              <a:t>https://</a:t>
+            </a:r>
+            <a:r>
+              <a:rPr lang="en-US" dirty="0" err="1">
+                <a:hlinkClick r:id="rId3"/>
+              </a:rPr>
+              <a:t>www.youtube.com</a:t>
+            </a:r>
+            <a:r>
+              <a:rPr lang="en-US" dirty="0">
+                <a:hlinkClick r:id="rId3"/>
+              </a:rPr>
+              <a:t>/</a:t>
+            </a:r>
+            <a:r>
+              <a:rPr lang="en-US" dirty="0" err="1">
+                <a:hlinkClick r:id="rId3"/>
+              </a:rPr>
+              <a:t>watch?v</a:t>
+            </a:r>
+            <a:r>
+              <a:rPr lang="en-US" dirty="0">
+                <a:hlinkClick r:id="rId3"/>
+              </a:rPr>
+              <a:t>=</a:t>
+            </a:r>
+            <a:r>
+              <a:rPr lang="en-US" dirty="0" err="1">
+                <a:hlinkClick r:id="rId3"/>
+              </a:rPr>
+              <a:t>6L448yg0Sm0</a:t>
             </a:r>
             <a:endParaRPr lang="en-US" dirty="0"/>
           </a:p>
@@ -832,7 +865,131 @@
           <a:p>
             <a:fld id="{1980DC7F-660A-4453-9840-44DB0AF8652B}" type="slidenum">
               <a:rPr lang="en-US" smtClean="0"/>
-              <a:t>18</a:t>
+              <a:t>16</a:t>
+            </a:fld>
+            <a:endParaRPr lang="en-US"/>
+          </a:p>
+        </p:txBody>
+      </p:sp>
+    </p:spTree>
+    <p:extLst>
+      <p:ext uri="{BB962C8B-B14F-4D97-AF65-F5344CB8AC3E}">
+        <p14:creationId xmlns:p14="http://schemas.microsoft.com/office/powerpoint/2010/main" val="3206942364"/>
+      </p:ext>
+    </p:extLst>
+  </p:cSld>
+  <p:clrMapOvr>
+    <a:masterClrMapping/>
+  </p:clrMapOvr>
+</p:notes>
+</file>
+
+<file path=ppt/notesSlides/notesSlide11.xml><?xml version="1.0" encoding="utf-8"?>
+<p:notes xmlns:a="http://schemas.openxmlformats.org/drawingml/2006/main" xmlns:r="http://schemas.openxmlformats.org/officeDocument/2006/relationships" xmlns:p="http://schemas.openxmlformats.org/presentationml/2006/main">
+  <p:cSld>
+    <p:spTree>
+      <p:nvGrpSpPr>
+        <p:cNvPr id="1" name=""/>
+        <p:cNvGrpSpPr/>
+        <p:nvPr/>
+      </p:nvGrpSpPr>
+      <p:grpSpPr>
+        <a:xfrm>
+          <a:off x="0" y="0"/>
+          <a:ext cx="0" cy="0"/>
+          <a:chOff x="0" y="0"/>
+          <a:chExt cx="0" cy="0"/>
+        </a:xfrm>
+      </p:grpSpPr>
+      <p:sp>
+        <p:nvSpPr>
+          <p:cNvPr id="2" name="Slide Image Placeholder 1"/>
+          <p:cNvSpPr>
+            <a:spLocks noGrp="1" noRot="1" noChangeAspect="1"/>
+          </p:cNvSpPr>
+          <p:nvPr>
+            <p:ph type="sldImg"/>
+          </p:nvPr>
+        </p:nvSpPr>
+        <p:spPr/>
+      </p:sp>
+      <p:sp>
+        <p:nvSpPr>
+          <p:cNvPr id="3" name="Notes Placeholder 2"/>
+          <p:cNvSpPr>
+            <a:spLocks noGrp="1"/>
+          </p:cNvSpPr>
+          <p:nvPr>
+            <p:ph type="body" idx="1"/>
+          </p:nvPr>
+        </p:nvSpPr>
+        <p:spPr/>
+        <p:txBody>
+          <a:bodyPr/>
+          <a:lstStyle/>
+          <a:p>
+            <a:r>
+              <a:rPr lang="en-US" dirty="0"/>
+              <a:t>Detail architecture: https://static-</a:t>
+            </a:r>
+            <a:r>
+              <a:rPr lang="en-US" dirty="0" err="1"/>
+              <a:t>content.springer.com</a:t>
+            </a:r>
+            <a:r>
+              <a:rPr lang="en-US" dirty="0"/>
+              <a:t>/</a:t>
+            </a:r>
+            <a:r>
+              <a:rPr lang="en-US" dirty="0" err="1"/>
+              <a:t>esm</a:t>
+            </a:r>
+            <a:r>
+              <a:rPr lang="en-US" dirty="0"/>
+              <a:t>/</a:t>
+            </a:r>
+            <a:r>
+              <a:rPr lang="en-US" dirty="0" err="1"/>
+              <a:t>art%3A10.1038%2Fs41586-019-1724-z</a:t>
+            </a:r>
+            <a:r>
+              <a:rPr lang="en-US" dirty="0"/>
+              <a:t>/</a:t>
+            </a:r>
+            <a:r>
+              <a:rPr lang="en-US" dirty="0" err="1"/>
+              <a:t>MediaObjects</a:t>
+            </a:r>
+            <a:r>
+              <a:rPr lang="en-US" dirty="0"/>
+              <a:t>/</a:t>
+            </a:r>
+            <a:r>
+              <a:rPr lang="en-US" dirty="0" err="1"/>
+              <a:t>41586_2019_1724_MOESM2_ESM.zip</a:t>
+            </a:r>
+            <a:endParaRPr lang="en-US" dirty="0"/>
+          </a:p>
+        </p:txBody>
+      </p:sp>
+      <p:sp>
+        <p:nvSpPr>
+          <p:cNvPr id="4" name="Slide Number Placeholder 3"/>
+          <p:cNvSpPr>
+            <a:spLocks noGrp="1"/>
+          </p:cNvSpPr>
+          <p:nvPr>
+            <p:ph type="sldNum" sz="quarter" idx="5"/>
+          </p:nvPr>
+        </p:nvSpPr>
+        <p:spPr/>
+        <p:txBody>
+          <a:bodyPr/>
+          <a:lstStyle/>
+          <a:p>
+            <a:fld id="{1980DC7F-660A-4453-9840-44DB0AF8652B}" type="slidenum">
+              <a:rPr lang="en-US" smtClean="0"/>
+              <a:t>19</a:t>
             </a:fld>
             <a:endParaRPr lang="en-US"/>
           </a:p>
@@ -1116,7 +1273,13 @@
           <a:p>
             <a:r>
               <a:rPr lang="en-US" dirty="0"/>
-              <a:t>Reinforcement learning is learning what to do—how to map situations to actions—so as to maximize a numerical reward signal. The learner is not told which actions to take, but instead must discover which actions yield the most reward by trying them. In the most interesting and challenging cases, actions may affect not only the immediate reward but also the next situation and, through that, all subsequent rewards. These two characteristics—trial-and-error search and delayed reward—are the two most important distinguishing features of reinforcement learning.</a:t>
+              <a:t>Reinforcement learning is learning what to do—how to map situations to actions—so as to maximize a numerical reward signal. </a:t>
+            </a:r>
+          </a:p>
+          <a:p>
+            <a:r>
+              <a:rPr lang="en-US" dirty="0"/>
+              <a:t>The learner is not told which actions to take, but instead must discover which actions yield the most reward by trying them. In the most interesting and challenging cases, actions may affect not only the immediate reward but also the next situation and, through that, all subsequent rewards. These two characteristics—trial-and-error search and delayed reward—are the two most important distinguishing features of reinforcement learning.</a:t>
             </a:r>
           </a:p>
           <a:p>
@@ -3054,34 +3217,17 @@
           <a:bodyPr/>
           <a:lstStyle/>
           <a:p>
-            <a:pPr marL="0" marR="0" lvl="0" indent="0" algn="l" defTabSz="914400" rtl="0" eaLnBrk="1" fontAlgn="auto" latinLnBrk="0" hangingPunct="1">
-              <a:lnSpc>
-                <a:spcPct val="100000"/>
-              </a:lnSpc>
-              <a:spcBef>
-                <a:spcPts val="0"/>
-              </a:spcBef>
-              <a:spcAft>
-                <a:spcPts val="0"/>
-              </a:spcAft>
-              <a:buClrTx/>
-              <a:buSzTx/>
-              <a:buFontTx/>
-              <a:buNone/>
-              <a:tabLst/>
-              <a:defRPr/>
-            </a:pPr>
-            <a:r>
-              <a:rPr lang="en-US" sz="1200" b="0" i="0" kern="1200" dirty="0">
-                <a:solidFill>
-                  <a:schemeClr val="tx1"/>
-                </a:solidFill>
-                <a:effectLst/>
-                <a:latin typeface="+mn-lt"/>
-                <a:ea typeface="+mn-ea"/>
-                <a:cs typeface="+mn-cs"/>
-              </a:rPr>
-              <a:t>Visualization of learned value functions on two</a:t>
+            <a:r>
+              <a:rPr lang="en-US" sz="1200" b="0" i="0" kern="1200" dirty="0">
+                <a:solidFill>
+                  <a:schemeClr val="tx1"/>
+                </a:solidFill>
+                <a:effectLst/>
+                <a:latin typeface="+mn-lt"/>
+                <a:ea typeface="+mn-ea"/>
+                <a:cs typeface="+mn-cs"/>
+              </a:rPr>
+              <a:t>While reinforcement learning agents have achieved some</a:t>
             </a:r>
             <a:br>
               <a:rPr lang="en-US" sz="1200" b="0" i="0" kern="1200" dirty="0">
@@ -3104,7 +3250,7 @@
                 <a:ea typeface="+mn-ea"/>
                 <a:cs typeface="+mn-cs"/>
               </a:rPr>
-              <a:t>games, Breakout and Pong. a, A visualization of the learned value function on</a:t>
+              <a:t>successes in a variety of domains, ,their applicability has previously</a:t>
             </a:r>
             <a:br>
               <a:rPr lang="en-US" sz="1200" b="0" i="0" kern="1200" dirty="0">
@@ -3127,7 +3273,7 @@
                 <a:ea typeface="+mn-ea"/>
                 <a:cs typeface="+mn-cs"/>
               </a:rPr>
-              <a:t>the game Breakout. At time points 1 and 2, the state value is predicted to be ,17</a:t>
+              <a:t>been limited to domains in which useful features can be handcrafted,</a:t>
             </a:r>
             <a:br>
               <a:rPr lang="en-US" sz="1200" b="0" i="0" kern="1200" dirty="0">
@@ -3150,191 +3296,7 @@
                 <a:ea typeface="+mn-ea"/>
                 <a:cs typeface="+mn-cs"/>
               </a:rPr>
-              <a:t>and the agent is clearing the bricks at the lowest level. Each of the peaks in</a:t>
-            </a:r>
-            <a:br>
-              <a:rPr lang="en-US" sz="1200" b="0" i="0" kern="1200" dirty="0">
-                <a:solidFill>
-                  <a:schemeClr val="tx1"/>
-                </a:solidFill>
-                <a:effectLst/>
-                <a:latin typeface="+mn-lt"/>
-                <a:ea typeface="+mn-ea"/>
-                <a:cs typeface="+mn-cs"/>
-              </a:rPr>
-            </a:br>
-            <a:r>
-              <a:rPr lang="en-US" sz="1200" b="0" i="0" kern="1200" dirty="0">
-                <a:solidFill>
-                  <a:schemeClr val="tx1"/>
-                </a:solidFill>
-                <a:effectLst/>
-                <a:latin typeface="+mn-lt"/>
-                <a:ea typeface="+mn-ea"/>
-                <a:cs typeface="+mn-cs"/>
-              </a:rPr>
-              <a:t>the value function curve corresponds to a reward obtained by clearing a brick.</a:t>
-            </a:r>
-            <a:br>
-              <a:rPr lang="en-US" sz="1200" b="0" i="0" kern="1200" dirty="0">
-                <a:solidFill>
-                  <a:schemeClr val="tx1"/>
-                </a:solidFill>
-                <a:effectLst/>
-                <a:latin typeface="+mn-lt"/>
-                <a:ea typeface="+mn-ea"/>
-                <a:cs typeface="+mn-cs"/>
-              </a:rPr>
-            </a:br>
-            <a:r>
-              <a:rPr lang="en-US" sz="1200" b="0" i="0" kern="1200" dirty="0">
-                <a:solidFill>
-                  <a:schemeClr val="tx1"/>
-                </a:solidFill>
-                <a:effectLst/>
-                <a:latin typeface="+mn-lt"/>
-                <a:ea typeface="+mn-ea"/>
-                <a:cs typeface="+mn-cs"/>
-              </a:rPr>
-              <a:t>At time point 3, the agent is about to break through to the top level of bricks and</a:t>
-            </a:r>
-            <a:br>
-              <a:rPr lang="en-US" sz="1200" b="0" i="0" kern="1200" dirty="0">
-                <a:solidFill>
-                  <a:schemeClr val="tx1"/>
-                </a:solidFill>
-                <a:effectLst/>
-                <a:latin typeface="+mn-lt"/>
-                <a:ea typeface="+mn-ea"/>
-                <a:cs typeface="+mn-cs"/>
-              </a:rPr>
-            </a:br>
-            <a:r>
-              <a:rPr lang="en-US" sz="1200" b="0" i="0" kern="1200" dirty="0">
-                <a:solidFill>
-                  <a:schemeClr val="tx1"/>
-                </a:solidFill>
-                <a:effectLst/>
-                <a:latin typeface="+mn-lt"/>
-                <a:ea typeface="+mn-ea"/>
-                <a:cs typeface="+mn-cs"/>
-              </a:rPr>
-              <a:t>the value increases to ,21 in anticipation of breaking out and clearing a</a:t>
-            </a:r>
-            <a:br>
-              <a:rPr lang="en-US" sz="1200" b="0" i="0" kern="1200" dirty="0">
-                <a:solidFill>
-                  <a:schemeClr val="tx1"/>
-                </a:solidFill>
-                <a:effectLst/>
-                <a:latin typeface="+mn-lt"/>
-                <a:ea typeface="+mn-ea"/>
-                <a:cs typeface="+mn-cs"/>
-              </a:rPr>
-            </a:br>
-            <a:r>
-              <a:rPr lang="en-US" sz="1200" b="0" i="0" kern="1200" dirty="0">
-                <a:solidFill>
-                  <a:schemeClr val="tx1"/>
-                </a:solidFill>
-                <a:effectLst/>
-                <a:latin typeface="+mn-lt"/>
-                <a:ea typeface="+mn-ea"/>
-                <a:cs typeface="+mn-cs"/>
-              </a:rPr>
-              <a:t>large set of bricks. At point 4, the value is above 23 and the agent has broken</a:t>
-            </a:r>
-            <a:br>
-              <a:rPr lang="en-US" sz="1200" b="0" i="0" kern="1200" dirty="0">
-                <a:solidFill>
-                  <a:schemeClr val="tx1"/>
-                </a:solidFill>
-                <a:effectLst/>
-                <a:latin typeface="+mn-lt"/>
-                <a:ea typeface="+mn-ea"/>
-                <a:cs typeface="+mn-cs"/>
-              </a:rPr>
-            </a:br>
-            <a:r>
-              <a:rPr lang="en-US" sz="1200" b="0" i="0" kern="1200" dirty="0">
-                <a:solidFill>
-                  <a:schemeClr val="tx1"/>
-                </a:solidFill>
-                <a:effectLst/>
-                <a:latin typeface="+mn-lt"/>
-                <a:ea typeface="+mn-ea"/>
-                <a:cs typeface="+mn-cs"/>
-              </a:rPr>
-              <a:t>through. After this point, the ball will bounce at the upper part of the bricks</a:t>
-            </a:r>
-            <a:br>
-              <a:rPr lang="en-US" sz="1200" b="0" i="0" kern="1200" dirty="0">
-                <a:solidFill>
-                  <a:schemeClr val="tx1"/>
-                </a:solidFill>
-                <a:effectLst/>
-                <a:latin typeface="+mn-lt"/>
-                <a:ea typeface="+mn-ea"/>
-                <a:cs typeface="+mn-cs"/>
-              </a:rPr>
-            </a:br>
-            <a:r>
-              <a:rPr lang="en-US" sz="1200" b="0" i="0" kern="1200" dirty="0">
-                <a:solidFill>
-                  <a:schemeClr val="tx1"/>
-                </a:solidFill>
-                <a:effectLst/>
-                <a:latin typeface="+mn-lt"/>
-                <a:ea typeface="+mn-ea"/>
-                <a:cs typeface="+mn-cs"/>
-              </a:rPr>
-              <a:t>clearing many of them by itself. b, A visualization of the learned action-value</a:t>
-            </a:r>
-            <a:br>
-              <a:rPr lang="en-US" sz="1200" b="0" i="0" kern="1200" dirty="0">
-                <a:solidFill>
-                  <a:schemeClr val="tx1"/>
-                </a:solidFill>
-                <a:effectLst/>
-                <a:latin typeface="+mn-lt"/>
-                <a:ea typeface="+mn-ea"/>
-                <a:cs typeface="+mn-cs"/>
-              </a:rPr>
-            </a:br>
-            <a:r>
-              <a:rPr lang="en-US" sz="1200" b="0" i="0" kern="1200" dirty="0">
-                <a:solidFill>
-                  <a:schemeClr val="tx1"/>
-                </a:solidFill>
-                <a:effectLst/>
-                <a:latin typeface="+mn-lt"/>
-                <a:ea typeface="+mn-ea"/>
-                <a:cs typeface="+mn-cs"/>
-              </a:rPr>
-              <a:t>function on the game Pong. At time point 1, the ball is moving towards the</a:t>
-            </a:r>
-            <a:br>
-              <a:rPr lang="en-US" sz="1200" b="0" i="0" kern="1200" dirty="0">
-                <a:solidFill>
-                  <a:schemeClr val="tx1"/>
-                </a:solidFill>
-                <a:effectLst/>
-                <a:latin typeface="+mn-lt"/>
-                <a:ea typeface="+mn-ea"/>
-                <a:cs typeface="+mn-cs"/>
-              </a:rPr>
-            </a:br>
-            <a:r>
-              <a:rPr lang="en-US" sz="1200" b="0" i="0" kern="1200" dirty="0">
-                <a:solidFill>
-                  <a:schemeClr val="tx1"/>
-                </a:solidFill>
-                <a:effectLst/>
-                <a:latin typeface="+mn-lt"/>
-                <a:ea typeface="+mn-ea"/>
-                <a:cs typeface="+mn-cs"/>
-              </a:rPr>
-              <a:t>paddle controlled by the agent on the right side of the screen and the values of</a:t>
+              <a:t>or to domains with fully observed, low-dimensional state spaces.</a:t>
             </a:r>
             <a:r>
               <a:rPr lang="en-US" dirty="0"/>
@@ -3343,258 +3305,6 @@
             <a:br>
               <a:rPr lang="en-US" dirty="0"/>
             </a:br>
-            <a:r>
-              <a:rPr lang="en-US" sz="1200" b="0" i="0" kern="1200" dirty="0">
-                <a:solidFill>
-                  <a:schemeClr val="tx1"/>
-                </a:solidFill>
-                <a:effectLst/>
-                <a:latin typeface="+mn-lt"/>
-                <a:ea typeface="+mn-ea"/>
-                <a:cs typeface="+mn-cs"/>
-              </a:rPr>
-              <a:t>all actions are around 0.7, reflecting the expected value of this state based on</a:t>
-            </a:r>
-            <a:br>
-              <a:rPr lang="en-US" sz="1200" b="0" i="0" kern="1200" dirty="0">
-                <a:solidFill>
-                  <a:schemeClr val="tx1"/>
-                </a:solidFill>
-                <a:effectLst/>
-                <a:latin typeface="+mn-lt"/>
-                <a:ea typeface="+mn-ea"/>
-                <a:cs typeface="+mn-cs"/>
-              </a:rPr>
-            </a:br>
-            <a:r>
-              <a:rPr lang="en-US" sz="1200" b="0" i="0" kern="1200" dirty="0">
-                <a:solidFill>
-                  <a:schemeClr val="tx1"/>
-                </a:solidFill>
-                <a:effectLst/>
-                <a:latin typeface="+mn-lt"/>
-                <a:ea typeface="+mn-ea"/>
-                <a:cs typeface="+mn-cs"/>
-              </a:rPr>
-              <a:t>previous experience. At time point 2, the agent starts moving the paddle</a:t>
-            </a:r>
-            <a:br>
-              <a:rPr lang="en-US" sz="1200" b="0" i="0" kern="1200" dirty="0">
-                <a:solidFill>
-                  <a:schemeClr val="tx1"/>
-                </a:solidFill>
-                <a:effectLst/>
-                <a:latin typeface="+mn-lt"/>
-                <a:ea typeface="+mn-ea"/>
-                <a:cs typeface="+mn-cs"/>
-              </a:rPr>
-            </a:br>
-            <a:r>
-              <a:rPr lang="en-US" sz="1200" b="0" i="0" kern="1200" dirty="0">
-                <a:solidFill>
-                  <a:schemeClr val="tx1"/>
-                </a:solidFill>
-                <a:effectLst/>
-                <a:latin typeface="+mn-lt"/>
-                <a:ea typeface="+mn-ea"/>
-                <a:cs typeface="+mn-cs"/>
-              </a:rPr>
-              <a:t>towards the ball and the value of the ‘up’ action stays high while the value of the</a:t>
-            </a:r>
-            <a:br>
-              <a:rPr lang="en-US" sz="1200" b="0" i="0" kern="1200" dirty="0">
-                <a:solidFill>
-                  <a:schemeClr val="tx1"/>
-                </a:solidFill>
-                <a:effectLst/>
-                <a:latin typeface="+mn-lt"/>
-                <a:ea typeface="+mn-ea"/>
-                <a:cs typeface="+mn-cs"/>
-              </a:rPr>
-            </a:br>
-            <a:r>
-              <a:rPr lang="en-US" sz="1200" b="0" i="0" kern="1200" dirty="0">
-                <a:solidFill>
-                  <a:schemeClr val="tx1"/>
-                </a:solidFill>
-                <a:effectLst/>
-                <a:latin typeface="+mn-lt"/>
-                <a:ea typeface="+mn-ea"/>
-                <a:cs typeface="+mn-cs"/>
-              </a:rPr>
-              <a:t>‘down’ action falls to 20.9. This reflects the fact that pressing ‘down’ would lead</a:t>
-            </a:r>
-            <a:br>
-              <a:rPr lang="en-US" sz="1200" b="0" i="0" kern="1200" dirty="0">
-                <a:solidFill>
-                  <a:schemeClr val="tx1"/>
-                </a:solidFill>
-                <a:effectLst/>
-                <a:latin typeface="+mn-lt"/>
-                <a:ea typeface="+mn-ea"/>
-                <a:cs typeface="+mn-cs"/>
-              </a:rPr>
-            </a:br>
-            <a:r>
-              <a:rPr lang="en-US" sz="1200" b="0" i="0" kern="1200" dirty="0">
-                <a:solidFill>
-                  <a:schemeClr val="tx1"/>
-                </a:solidFill>
-                <a:effectLst/>
-                <a:latin typeface="+mn-lt"/>
-                <a:ea typeface="+mn-ea"/>
-                <a:cs typeface="+mn-cs"/>
-              </a:rPr>
-              <a:t>to the agent losing the ball and incurring a reward of 21. At time point 3,</a:t>
-            </a:r>
-            <a:br>
-              <a:rPr lang="en-US" sz="1200" b="0" i="0" kern="1200" dirty="0">
-                <a:solidFill>
-                  <a:schemeClr val="tx1"/>
-                </a:solidFill>
-                <a:effectLst/>
-                <a:latin typeface="+mn-lt"/>
-                <a:ea typeface="+mn-ea"/>
-                <a:cs typeface="+mn-cs"/>
-              </a:rPr>
-            </a:br>
-            <a:r>
-              <a:rPr lang="en-US" sz="1200" b="0" i="0" kern="1200" dirty="0">
-                <a:solidFill>
-                  <a:schemeClr val="tx1"/>
-                </a:solidFill>
-                <a:effectLst/>
-                <a:latin typeface="+mn-lt"/>
-                <a:ea typeface="+mn-ea"/>
-                <a:cs typeface="+mn-cs"/>
-              </a:rPr>
-              <a:t>the agent hits the ball by pressing ‘up’ and the expected reward keeps increasing</a:t>
-            </a:r>
-            <a:br>
-              <a:rPr lang="en-US" sz="1200" b="0" i="0" kern="1200" dirty="0">
-                <a:solidFill>
-                  <a:schemeClr val="tx1"/>
-                </a:solidFill>
-                <a:effectLst/>
-                <a:latin typeface="+mn-lt"/>
-                <a:ea typeface="+mn-ea"/>
-                <a:cs typeface="+mn-cs"/>
-              </a:rPr>
-            </a:br>
-            <a:r>
-              <a:rPr lang="en-US" sz="1200" b="0" i="0" kern="1200" dirty="0">
-                <a:solidFill>
-                  <a:schemeClr val="tx1"/>
-                </a:solidFill>
-                <a:effectLst/>
-                <a:latin typeface="+mn-lt"/>
-                <a:ea typeface="+mn-ea"/>
-                <a:cs typeface="+mn-cs"/>
-              </a:rPr>
-              <a:t>until time point 4, when the ball reaches the left edge of the screen and the value</a:t>
-            </a:r>
-            <a:br>
-              <a:rPr lang="en-US" sz="1200" b="0" i="0" kern="1200" dirty="0">
-                <a:solidFill>
-                  <a:schemeClr val="tx1"/>
-                </a:solidFill>
-                <a:effectLst/>
-                <a:latin typeface="+mn-lt"/>
-                <a:ea typeface="+mn-ea"/>
-                <a:cs typeface="+mn-cs"/>
-              </a:rPr>
-            </a:br>
-            <a:r>
-              <a:rPr lang="en-US" sz="1200" b="0" i="0" kern="1200" dirty="0">
-                <a:solidFill>
-                  <a:schemeClr val="tx1"/>
-                </a:solidFill>
-                <a:effectLst/>
-                <a:latin typeface="+mn-lt"/>
-                <a:ea typeface="+mn-ea"/>
-                <a:cs typeface="+mn-cs"/>
-              </a:rPr>
-              <a:t>of all actions reflects that the agent is about to receive a reward of 1. Note,</a:t>
-            </a:r>
-            <a:br>
-              <a:rPr lang="en-US" sz="1200" b="0" i="0" kern="1200" dirty="0">
-                <a:solidFill>
-                  <a:schemeClr val="tx1"/>
-                </a:solidFill>
-                <a:effectLst/>
-                <a:latin typeface="+mn-lt"/>
-                <a:ea typeface="+mn-ea"/>
-                <a:cs typeface="+mn-cs"/>
-              </a:rPr>
-            </a:br>
-            <a:r>
-              <a:rPr lang="en-US" sz="1200" b="0" i="0" kern="1200" dirty="0">
-                <a:solidFill>
-                  <a:schemeClr val="tx1"/>
-                </a:solidFill>
-                <a:effectLst/>
-                <a:latin typeface="+mn-lt"/>
-                <a:ea typeface="+mn-ea"/>
-                <a:cs typeface="+mn-cs"/>
-              </a:rPr>
-              <a:t>the dashed line shows the past trajectory of the ball purely for illustrative</a:t>
-            </a:r>
-            <a:br>
-              <a:rPr lang="en-US" sz="1200" b="0" i="0" kern="1200" dirty="0">
-                <a:solidFill>
-                  <a:schemeClr val="tx1"/>
-                </a:solidFill>
-                <a:effectLst/>
-                <a:latin typeface="+mn-lt"/>
-                <a:ea typeface="+mn-ea"/>
-                <a:cs typeface="+mn-cs"/>
-              </a:rPr>
-            </a:br>
-            <a:r>
-              <a:rPr lang="en-US" sz="1200" b="0" i="0" kern="1200" dirty="0">
-                <a:solidFill>
-                  <a:schemeClr val="tx1"/>
-                </a:solidFill>
-                <a:effectLst/>
-                <a:latin typeface="+mn-lt"/>
-                <a:ea typeface="+mn-ea"/>
-                <a:cs typeface="+mn-cs"/>
-              </a:rPr>
-              <a:t>purposes (that is, not shown during the game). With permission from Atari</a:t>
-            </a:r>
-            <a:br>
-              <a:rPr lang="en-US" sz="1200" b="0" i="0" kern="1200" dirty="0">
-                <a:solidFill>
-                  <a:schemeClr val="tx1"/>
-                </a:solidFill>
-                <a:effectLst/>
-                <a:latin typeface="+mn-lt"/>
-                <a:ea typeface="+mn-ea"/>
-                <a:cs typeface="+mn-cs"/>
-              </a:rPr>
-            </a:br>
-            <a:r>
-              <a:rPr lang="en-US" sz="1200" b="0" i="0" kern="1200" dirty="0">
-                <a:solidFill>
-                  <a:schemeClr val="tx1"/>
-                </a:solidFill>
-                <a:effectLst/>
-                <a:latin typeface="+mn-lt"/>
-                <a:ea typeface="+mn-ea"/>
-                <a:cs typeface="+mn-cs"/>
-              </a:rPr>
-              <a:t>Interactive, Inc.</a:t>
-            </a:r>
-            <a:r>
-              <a:rPr lang="en-US" dirty="0"/>
-              <a:t> </a:t>
-            </a:r>
-            <a:br>
-              <a:rPr lang="en-US" dirty="0"/>
-            </a:br>
-            <a:endParaRPr lang="en-US" dirty="0"/>
-          </a:p>
-          <a:p>
             <a:endParaRPr lang="en-US" dirty="0"/>
           </a:p>
         </p:txBody>
@@ -3616,7 +3326,7 @@
           <a:p>
             <a:fld id="{1980DC7F-660A-4453-9840-44DB0AF8652B}" type="slidenum">
               <a:rPr lang="en-US" smtClean="0"/>
-              <a:t>12</a:t>
+              <a:t>10</a:t>
             </a:fld>
             <a:endParaRPr lang="en-US"/>
           </a:p>
@@ -3625,7 +3335,7 @@
     </p:spTree>
     <p:extLst>
       <p:ext uri="{BB962C8B-B14F-4D97-AF65-F5344CB8AC3E}">
-        <p14:creationId xmlns:p14="http://schemas.microsoft.com/office/powerpoint/2010/main" val="1277790730"/>
+        <p14:creationId xmlns:p14="http://schemas.microsoft.com/office/powerpoint/2010/main" val="3241574744"/>
       </p:ext>
     </p:extLst>
   </p:cSld>
@@ -3679,17 +3389,34 @@
           <a:bodyPr/>
           <a:lstStyle/>
           <a:p>
-            <a:r>
-              <a:rPr lang="en-US" sz="1200" b="0" i="0" kern="1200" dirty="0">
-                <a:solidFill>
-                  <a:schemeClr val="tx1"/>
-                </a:solidFill>
-                <a:effectLst/>
-                <a:latin typeface="+mn-lt"/>
-                <a:ea typeface="+mn-ea"/>
-                <a:cs typeface="+mn-cs"/>
-              </a:rPr>
-              <a:t>Figure 1 | Schematic illustration of the convolutional neural network. The</a:t>
+            <a:pPr marL="0" marR="0" lvl="0" indent="0" algn="l" defTabSz="914400" rtl="0" eaLnBrk="1" fontAlgn="auto" latinLnBrk="0" hangingPunct="1">
+              <a:lnSpc>
+                <a:spcPct val="100000"/>
+              </a:lnSpc>
+              <a:spcBef>
+                <a:spcPts val="0"/>
+              </a:spcBef>
+              <a:spcAft>
+                <a:spcPts val="0"/>
+              </a:spcAft>
+              <a:buClrTx/>
+              <a:buSzTx/>
+              <a:buFontTx/>
+              <a:buNone/>
+              <a:tabLst/>
+              <a:defRPr/>
+            </a:pPr>
+            <a:r>
+              <a:rPr lang="en-US" sz="1200" b="0" i="0" kern="1200" dirty="0">
+                <a:solidFill>
+                  <a:schemeClr val="tx1"/>
+                </a:solidFill>
+                <a:effectLst/>
+                <a:latin typeface="+mn-lt"/>
+                <a:ea typeface="+mn-ea"/>
+                <a:cs typeface="+mn-cs"/>
+              </a:rPr>
+              <a:t>Visualization of learned value functions on two</a:t>
             </a:r>
             <a:br>
               <a:rPr lang="en-US" sz="1200" b="0" i="0" kern="1200" dirty="0">
@@ -3712,7 +3439,7 @@
                 <a:ea typeface="+mn-ea"/>
                 <a:cs typeface="+mn-cs"/>
               </a:rPr>
-              <a:t>details of the architecture are explained in the Methods. The input to the neural</a:t>
+              <a:t>games, Breakout and Pong. a, A visualization of the learned value function on</a:t>
             </a:r>
             <a:br>
               <a:rPr lang="en-US" sz="1200" b="0" i="0" kern="1200" dirty="0">
@@ -3735,7 +3462,7 @@
                 <a:ea typeface="+mn-ea"/>
                 <a:cs typeface="+mn-cs"/>
               </a:rPr>
-              <a:t>network consists of an 84 3 84 3 4 image produced by the preprocessing</a:t>
+              <a:t>the game Breakout. At time points 1 and 2, the state value is predicted to be ,17</a:t>
             </a:r>
             <a:br>
               <a:rPr lang="en-US" sz="1200" b="0" i="0" kern="1200" dirty="0">
@@ -3758,25 +3485,7 @@
                 <a:ea typeface="+mn-ea"/>
                 <a:cs typeface="+mn-cs"/>
               </a:rPr>
-              <a:t>map w, followed by three convolutional layers (note: snaking blue line</a:t>
-            </a:r>
-            <a:r>
-              <a:rPr lang="en-US" dirty="0"/>
-              <a:t> </a:t>
-            </a:r>
-          </a:p>
-          <a:p>
-            <a:r>
-              <a:rPr lang="en-US" sz="1200" b="0" i="0" kern="1200" dirty="0">
-                <a:solidFill>
-                  <a:schemeClr val="tx1"/>
-                </a:solidFill>
-                <a:effectLst/>
-                <a:latin typeface="+mn-lt"/>
-                <a:ea typeface="+mn-ea"/>
-                <a:cs typeface="+mn-cs"/>
-              </a:rPr>
-              <a:t>symbolizes sliding of each filter across input image) and two fully connected</a:t>
+              <a:t>and the agent is clearing the bricks at the lowest level. Each of the peaks in</a:t>
             </a:r>
             <a:br>
               <a:rPr lang="en-US" sz="1200" b="0" i="0" kern="1200" dirty="0">
@@ -3799,7 +3508,7 @@
                 <a:ea typeface="+mn-ea"/>
                 <a:cs typeface="+mn-cs"/>
               </a:rPr>
-              <a:t>layers with a single output for each valid action. Each hidden layer is followed</a:t>
+              <a:t>the value function curve corresponds to a reward obtained by clearing a brick.</a:t>
             </a:r>
             <a:br>
               <a:rPr lang="en-US" sz="1200" b="0" i="0" kern="1200" dirty="0">
@@ -3822,7 +3531,145 @@
                 <a:ea typeface="+mn-ea"/>
                 <a:cs typeface="+mn-cs"/>
               </a:rPr>
-              <a:t>by a rectifier nonlinearity (that is, max 0 ð Þ ,x ).</a:t>
+              <a:t>At time point 3, the agent is about to break through to the top level of bricks and</a:t>
+            </a:r>
+            <a:br>
+              <a:rPr lang="en-US" sz="1200" b="0" i="0" kern="1200" dirty="0">
+                <a:solidFill>
+                  <a:schemeClr val="tx1"/>
+                </a:solidFill>
+                <a:effectLst/>
+                <a:latin typeface="+mn-lt"/>
+                <a:ea typeface="+mn-ea"/>
+                <a:cs typeface="+mn-cs"/>
+              </a:rPr>
+            </a:br>
+            <a:r>
+              <a:rPr lang="en-US" sz="1200" b="0" i="0" kern="1200" dirty="0">
+                <a:solidFill>
+                  <a:schemeClr val="tx1"/>
+                </a:solidFill>
+                <a:effectLst/>
+                <a:latin typeface="+mn-lt"/>
+                <a:ea typeface="+mn-ea"/>
+                <a:cs typeface="+mn-cs"/>
+              </a:rPr>
+              <a:t>the value increases to ,21 in anticipation of breaking out and clearing a</a:t>
+            </a:r>
+            <a:br>
+              <a:rPr lang="en-US" sz="1200" b="0" i="0" kern="1200" dirty="0">
+                <a:solidFill>
+                  <a:schemeClr val="tx1"/>
+                </a:solidFill>
+                <a:effectLst/>
+                <a:latin typeface="+mn-lt"/>
+                <a:ea typeface="+mn-ea"/>
+                <a:cs typeface="+mn-cs"/>
+              </a:rPr>
+            </a:br>
+            <a:r>
+              <a:rPr lang="en-US" sz="1200" b="0" i="0" kern="1200" dirty="0">
+                <a:solidFill>
+                  <a:schemeClr val="tx1"/>
+                </a:solidFill>
+                <a:effectLst/>
+                <a:latin typeface="+mn-lt"/>
+                <a:ea typeface="+mn-ea"/>
+                <a:cs typeface="+mn-cs"/>
+              </a:rPr>
+              <a:t>large set of bricks. At point 4, the value is above 23 and the agent has broken</a:t>
+            </a:r>
+            <a:br>
+              <a:rPr lang="en-US" sz="1200" b="0" i="0" kern="1200" dirty="0">
+                <a:solidFill>
+                  <a:schemeClr val="tx1"/>
+                </a:solidFill>
+                <a:effectLst/>
+                <a:latin typeface="+mn-lt"/>
+                <a:ea typeface="+mn-ea"/>
+                <a:cs typeface="+mn-cs"/>
+              </a:rPr>
+            </a:br>
+            <a:r>
+              <a:rPr lang="en-US" sz="1200" b="0" i="0" kern="1200" dirty="0">
+                <a:solidFill>
+                  <a:schemeClr val="tx1"/>
+                </a:solidFill>
+                <a:effectLst/>
+                <a:latin typeface="+mn-lt"/>
+                <a:ea typeface="+mn-ea"/>
+                <a:cs typeface="+mn-cs"/>
+              </a:rPr>
+              <a:t>through. After this point, the ball will bounce at the upper part of the bricks</a:t>
+            </a:r>
+            <a:br>
+              <a:rPr lang="en-US" sz="1200" b="0" i="0" kern="1200" dirty="0">
+                <a:solidFill>
+                  <a:schemeClr val="tx1"/>
+                </a:solidFill>
+                <a:effectLst/>
+                <a:latin typeface="+mn-lt"/>
+                <a:ea typeface="+mn-ea"/>
+                <a:cs typeface="+mn-cs"/>
+              </a:rPr>
+            </a:br>
+            <a:r>
+              <a:rPr lang="en-US" sz="1200" b="0" i="0" kern="1200" dirty="0">
+                <a:solidFill>
+                  <a:schemeClr val="tx1"/>
+                </a:solidFill>
+                <a:effectLst/>
+                <a:latin typeface="+mn-lt"/>
+                <a:ea typeface="+mn-ea"/>
+                <a:cs typeface="+mn-cs"/>
+              </a:rPr>
+              <a:t>clearing many of them by itself. b, A visualization of the learned action-value</a:t>
+            </a:r>
+            <a:br>
+              <a:rPr lang="en-US" sz="1200" b="0" i="0" kern="1200" dirty="0">
+                <a:solidFill>
+                  <a:schemeClr val="tx1"/>
+                </a:solidFill>
+                <a:effectLst/>
+                <a:latin typeface="+mn-lt"/>
+                <a:ea typeface="+mn-ea"/>
+                <a:cs typeface="+mn-cs"/>
+              </a:rPr>
+            </a:br>
+            <a:r>
+              <a:rPr lang="en-US" sz="1200" b="0" i="0" kern="1200" dirty="0">
+                <a:solidFill>
+                  <a:schemeClr val="tx1"/>
+                </a:solidFill>
+                <a:effectLst/>
+                <a:latin typeface="+mn-lt"/>
+                <a:ea typeface="+mn-ea"/>
+                <a:cs typeface="+mn-cs"/>
+              </a:rPr>
+              <a:t>function on the game Pong. At time point 1, the ball is moving towards the</a:t>
+            </a:r>
+            <a:br>
+              <a:rPr lang="en-US" sz="1200" b="0" i="0" kern="1200" dirty="0">
+                <a:solidFill>
+                  <a:schemeClr val="tx1"/>
+                </a:solidFill>
+                <a:effectLst/>
+                <a:latin typeface="+mn-lt"/>
+                <a:ea typeface="+mn-ea"/>
+                <a:cs typeface="+mn-cs"/>
+              </a:rPr>
+            </a:br>
+            <a:r>
+              <a:rPr lang="en-US" sz="1200" b="0" i="0" kern="1200" dirty="0">
+                <a:solidFill>
+                  <a:schemeClr val="tx1"/>
+                </a:solidFill>
+                <a:effectLst/>
+                <a:latin typeface="+mn-lt"/>
+                <a:ea typeface="+mn-ea"/>
+                <a:cs typeface="+mn-cs"/>
+              </a:rPr>
+              <a:t>paddle controlled by the agent on the right side of the screen and the values of</a:t>
             </a:r>
             <a:r>
               <a:rPr lang="en-US" dirty="0"/>
@@ -3831,6 +3678,317 @@
             <a:br>
               <a:rPr lang="en-US" dirty="0"/>
             </a:br>
+            <a:r>
+              <a:rPr lang="en-US" sz="1200" b="0" i="0" kern="1200" dirty="0">
+                <a:solidFill>
+                  <a:schemeClr val="tx1"/>
+                </a:solidFill>
+                <a:effectLst/>
+                <a:latin typeface="+mn-lt"/>
+                <a:ea typeface="+mn-ea"/>
+                <a:cs typeface="+mn-cs"/>
+              </a:rPr>
+              <a:t>all actions are around 0.7, reflecting the expected value of this state based on</a:t>
+            </a:r>
+            <a:br>
+              <a:rPr lang="en-US" sz="1200" b="0" i="0" kern="1200" dirty="0">
+                <a:solidFill>
+                  <a:schemeClr val="tx1"/>
+                </a:solidFill>
+                <a:effectLst/>
+                <a:latin typeface="+mn-lt"/>
+                <a:ea typeface="+mn-ea"/>
+                <a:cs typeface="+mn-cs"/>
+              </a:rPr>
+            </a:br>
+            <a:r>
+              <a:rPr lang="en-US" sz="1200" b="0" i="0" kern="1200" dirty="0">
+                <a:solidFill>
+                  <a:schemeClr val="tx1"/>
+                </a:solidFill>
+                <a:effectLst/>
+                <a:latin typeface="+mn-lt"/>
+                <a:ea typeface="+mn-ea"/>
+                <a:cs typeface="+mn-cs"/>
+              </a:rPr>
+              <a:t>previous experience. At time point 2, the agent starts moving the paddle</a:t>
+            </a:r>
+            <a:br>
+              <a:rPr lang="en-US" sz="1200" b="0" i="0" kern="1200" dirty="0">
+                <a:solidFill>
+                  <a:schemeClr val="tx1"/>
+                </a:solidFill>
+                <a:effectLst/>
+                <a:latin typeface="+mn-lt"/>
+                <a:ea typeface="+mn-ea"/>
+                <a:cs typeface="+mn-cs"/>
+              </a:rPr>
+            </a:br>
+            <a:r>
+              <a:rPr lang="en-US" sz="1200" b="0" i="0" kern="1200" dirty="0">
+                <a:solidFill>
+                  <a:schemeClr val="tx1"/>
+                </a:solidFill>
+                <a:effectLst/>
+                <a:latin typeface="+mn-lt"/>
+                <a:ea typeface="+mn-ea"/>
+                <a:cs typeface="+mn-cs"/>
+              </a:rPr>
+              <a:t>towards the ball and the value of the ‘up’ action stays high while the value of the</a:t>
+            </a:r>
+            <a:br>
+              <a:rPr lang="en-US" sz="1200" b="0" i="0" kern="1200" dirty="0">
+                <a:solidFill>
+                  <a:schemeClr val="tx1"/>
+                </a:solidFill>
+                <a:effectLst/>
+                <a:latin typeface="+mn-lt"/>
+                <a:ea typeface="+mn-ea"/>
+                <a:cs typeface="+mn-cs"/>
+              </a:rPr>
+            </a:br>
+            <a:r>
+              <a:rPr lang="en-US" sz="1200" b="0" i="0" kern="1200" dirty="0">
+                <a:solidFill>
+                  <a:schemeClr val="tx1"/>
+                </a:solidFill>
+                <a:effectLst/>
+                <a:latin typeface="+mn-lt"/>
+                <a:ea typeface="+mn-ea"/>
+                <a:cs typeface="+mn-cs"/>
+              </a:rPr>
+              <a:t>‘down’ action falls to 20.9. This reflects the fact that pressing ‘down’ would lead</a:t>
+            </a:r>
+            <a:br>
+              <a:rPr lang="en-US" sz="1200" b="0" i="0" kern="1200" dirty="0">
+                <a:solidFill>
+                  <a:schemeClr val="tx1"/>
+                </a:solidFill>
+                <a:effectLst/>
+                <a:latin typeface="+mn-lt"/>
+                <a:ea typeface="+mn-ea"/>
+                <a:cs typeface="+mn-cs"/>
+              </a:rPr>
+            </a:br>
+            <a:r>
+              <a:rPr lang="en-US" sz="1200" b="0" i="0" kern="1200" dirty="0">
+                <a:solidFill>
+                  <a:schemeClr val="tx1"/>
+                </a:solidFill>
+                <a:effectLst/>
+                <a:latin typeface="+mn-lt"/>
+                <a:ea typeface="+mn-ea"/>
+                <a:cs typeface="+mn-cs"/>
+              </a:rPr>
+              <a:t>to the agent losing the ball and incurring a reward of 21. At time point 3,</a:t>
+            </a:r>
+            <a:br>
+              <a:rPr lang="en-US" sz="1200" b="0" i="0" kern="1200" dirty="0">
+                <a:solidFill>
+                  <a:schemeClr val="tx1"/>
+                </a:solidFill>
+                <a:effectLst/>
+                <a:latin typeface="+mn-lt"/>
+                <a:ea typeface="+mn-ea"/>
+                <a:cs typeface="+mn-cs"/>
+              </a:rPr>
+            </a:br>
+            <a:r>
+              <a:rPr lang="en-US" sz="1200" b="0" i="0" kern="1200" dirty="0">
+                <a:solidFill>
+                  <a:schemeClr val="tx1"/>
+                </a:solidFill>
+                <a:effectLst/>
+                <a:latin typeface="+mn-lt"/>
+                <a:ea typeface="+mn-ea"/>
+                <a:cs typeface="+mn-cs"/>
+              </a:rPr>
+              <a:t>the agent hits the ball by pressing ‘up’ and the expected reward keeps increasing</a:t>
+            </a:r>
+            <a:br>
+              <a:rPr lang="en-US" sz="1200" b="0" i="0" kern="1200" dirty="0">
+                <a:solidFill>
+                  <a:schemeClr val="tx1"/>
+                </a:solidFill>
+                <a:effectLst/>
+                <a:latin typeface="+mn-lt"/>
+                <a:ea typeface="+mn-ea"/>
+                <a:cs typeface="+mn-cs"/>
+              </a:rPr>
+            </a:br>
+            <a:r>
+              <a:rPr lang="en-US" sz="1200" b="0" i="0" kern="1200" dirty="0">
+                <a:solidFill>
+                  <a:schemeClr val="tx1"/>
+                </a:solidFill>
+                <a:effectLst/>
+                <a:latin typeface="+mn-lt"/>
+                <a:ea typeface="+mn-ea"/>
+                <a:cs typeface="+mn-cs"/>
+              </a:rPr>
+              <a:t>until time point 4, when the ball reaches the left edge of the screen and the value</a:t>
+            </a:r>
+            <a:br>
+              <a:rPr lang="en-US" sz="1200" b="0" i="0" kern="1200" dirty="0">
+                <a:solidFill>
+                  <a:schemeClr val="tx1"/>
+                </a:solidFill>
+                <a:effectLst/>
+                <a:latin typeface="+mn-lt"/>
+                <a:ea typeface="+mn-ea"/>
+                <a:cs typeface="+mn-cs"/>
+              </a:rPr>
+            </a:br>
+            <a:r>
+              <a:rPr lang="en-US" sz="1200" b="0" i="0" kern="1200" dirty="0">
+                <a:solidFill>
+                  <a:schemeClr val="tx1"/>
+                </a:solidFill>
+                <a:effectLst/>
+                <a:latin typeface="+mn-lt"/>
+                <a:ea typeface="+mn-ea"/>
+                <a:cs typeface="+mn-cs"/>
+              </a:rPr>
+              <a:t>of all actions reflects that the agent is about to receive a reward of 1. Note,</a:t>
+            </a:r>
+            <a:br>
+              <a:rPr lang="en-US" sz="1200" b="0" i="0" kern="1200" dirty="0">
+                <a:solidFill>
+                  <a:schemeClr val="tx1"/>
+                </a:solidFill>
+                <a:effectLst/>
+                <a:latin typeface="+mn-lt"/>
+                <a:ea typeface="+mn-ea"/>
+                <a:cs typeface="+mn-cs"/>
+              </a:rPr>
+            </a:br>
+            <a:r>
+              <a:rPr lang="en-US" sz="1200" b="0" i="0" kern="1200" dirty="0">
+                <a:solidFill>
+                  <a:schemeClr val="tx1"/>
+                </a:solidFill>
+                <a:effectLst/>
+                <a:latin typeface="+mn-lt"/>
+                <a:ea typeface="+mn-ea"/>
+                <a:cs typeface="+mn-cs"/>
+              </a:rPr>
+              <a:t>the dashed line shows the past trajectory of the ball purely for illustrative</a:t>
+            </a:r>
+            <a:br>
+              <a:rPr lang="en-US" sz="1200" b="0" i="0" kern="1200" dirty="0">
+                <a:solidFill>
+                  <a:schemeClr val="tx1"/>
+                </a:solidFill>
+                <a:effectLst/>
+                <a:latin typeface="+mn-lt"/>
+                <a:ea typeface="+mn-ea"/>
+                <a:cs typeface="+mn-cs"/>
+              </a:rPr>
+            </a:br>
+            <a:r>
+              <a:rPr lang="en-US" sz="1200" b="0" i="0" kern="1200" dirty="0">
+                <a:solidFill>
+                  <a:schemeClr val="tx1"/>
+                </a:solidFill>
+                <a:effectLst/>
+                <a:latin typeface="+mn-lt"/>
+                <a:ea typeface="+mn-ea"/>
+                <a:cs typeface="+mn-cs"/>
+              </a:rPr>
+              <a:t>purposes (that is, not shown during the game). With permission from Atari</a:t>
+            </a:r>
+            <a:br>
+              <a:rPr lang="en-US" sz="1200" b="0" i="0" kern="1200" dirty="0">
+                <a:solidFill>
+                  <a:schemeClr val="tx1"/>
+                </a:solidFill>
+                <a:effectLst/>
+                <a:latin typeface="+mn-lt"/>
+                <a:ea typeface="+mn-ea"/>
+                <a:cs typeface="+mn-cs"/>
+              </a:rPr>
+            </a:br>
+            <a:r>
+              <a:rPr lang="en-US" sz="1200" b="0" i="0" kern="1200" dirty="0">
+                <a:solidFill>
+                  <a:schemeClr val="tx1"/>
+                </a:solidFill>
+                <a:effectLst/>
+                <a:latin typeface="+mn-lt"/>
+                <a:ea typeface="+mn-ea"/>
+                <a:cs typeface="+mn-cs"/>
+              </a:rPr>
+              <a:t>Interactive, Inc.</a:t>
+            </a:r>
+            <a:r>
+              <a:rPr lang="en-US" dirty="0"/>
+              <a:t> </a:t>
+            </a:r>
+          </a:p>
+          <a:p>
+            <a:pPr marL="0" marR="0" lvl="0" indent="0" algn="l" defTabSz="914400" rtl="0" eaLnBrk="1" fontAlgn="auto" latinLnBrk="0" hangingPunct="1">
+              <a:lnSpc>
+                <a:spcPct val="100000"/>
+              </a:lnSpc>
+              <a:spcBef>
+                <a:spcPts val="0"/>
+              </a:spcBef>
+              <a:spcAft>
+                <a:spcPts val="0"/>
+              </a:spcAft>
+              <a:buClrTx/>
+              <a:buSzTx/>
+              <a:buFontTx/>
+              <a:buNone/>
+              <a:tabLst/>
+              <a:defRPr/>
+            </a:pPr>
+            <a:endParaRPr lang="en-US" dirty="0"/>
+          </a:p>
+          <a:p>
+            <a:pPr marL="0" marR="0" lvl="0" indent="0" algn="l" defTabSz="914400" rtl="0" eaLnBrk="1" fontAlgn="auto" latinLnBrk="0" hangingPunct="1">
+              <a:lnSpc>
+                <a:spcPct val="100000"/>
+              </a:lnSpc>
+              <a:spcBef>
+                <a:spcPts val="0"/>
+              </a:spcBef>
+              <a:spcAft>
+                <a:spcPts val="0"/>
+              </a:spcAft>
+              <a:buClrTx/>
+              <a:buSzTx/>
+              <a:buFontTx/>
+              <a:buNone/>
+              <a:tabLst/>
+              <a:defRPr/>
+            </a:pPr>
+            <a:r>
+              <a:rPr lang="en-US" dirty="0"/>
+              <a:t>At the beginning the agent is clumsy but it improves with , with the 400 epochs the agent is an expert and the </a:t>
+            </a:r>
+            <a:r>
+              <a:rPr lang="en-US" dirty="0" err="1"/>
+              <a:t>aget</a:t>
+            </a:r>
+            <a:r>
+              <a:rPr lang="en-US" dirty="0"/>
+              <a:t> is trying to get as many block from the center as it is possible, with 600 epochs the agent has been able to develop a strategy and it is trying to </a:t>
+            </a:r>
+            <a:r>
+              <a:rPr lang="en-US" dirty="0" err="1"/>
+              <a:t>mae</a:t>
+            </a:r>
+            <a:r>
+              <a:rPr lang="en-US" dirty="0"/>
+              <a:t> a hole in the corner and then pop the ball up there so it bounces around getting many blocks</a:t>
+            </a:r>
+            <a:br>
+              <a:rPr lang="en-US" dirty="0"/>
+            </a:br>
+            <a:endParaRPr lang="en-US" dirty="0"/>
+          </a:p>
+          <a:p>
             <a:endParaRPr lang="en-US" dirty="0"/>
           </a:p>
         </p:txBody>
@@ -3861,7 +4019,7 @@
     </p:spTree>
     <p:extLst>
       <p:ext uri="{BB962C8B-B14F-4D97-AF65-F5344CB8AC3E}">
-        <p14:creationId xmlns:p14="http://schemas.microsoft.com/office/powerpoint/2010/main" val="1673004572"/>
+        <p14:creationId xmlns:p14="http://schemas.microsoft.com/office/powerpoint/2010/main" val="1277790730"/>
       </p:ext>
     </p:extLst>
   </p:cSld>
@@ -3925,7 +4083,7 @@
                 <a:ea typeface="+mn-ea"/>
                 <a:cs typeface="+mn-cs"/>
               </a:rPr>
-              <a:t>Figure 2 | Training curves tracking the agent’s average score and average</a:t>
+              <a:t>Figure 1 | Schematic illustration of the convolutional neural network. The</a:t>
             </a:r>
             <a:br>
               <a:rPr lang="en-US" sz="1200" b="0" i="0" kern="1200" dirty="0">
@@ -3948,7 +4106,7 @@
                 <a:ea typeface="+mn-ea"/>
                 <a:cs typeface="+mn-cs"/>
               </a:rPr>
-              <a:t>predicted action-value. a, Each point is the average score achieved per episode</a:t>
+              <a:t>details of the architecture are explained in the Methods. The input to the neural</a:t>
             </a:r>
             <a:br>
               <a:rPr lang="en-US" sz="1200" b="0" i="0" kern="1200" dirty="0">
@@ -3971,7 +4129,7 @@
                 <a:ea typeface="+mn-ea"/>
                 <a:cs typeface="+mn-cs"/>
               </a:rPr>
-              <a:t>after the agent is run with e-greedy policy (e 5 0.05) for 520 k frames on Space</a:t>
+              <a:t>network consists of an 84 3 84 3 4 image produced by the preprocessing</a:t>
             </a:r>
             <a:br>
               <a:rPr lang="en-US" sz="1200" b="0" i="0" kern="1200" dirty="0">
@@ -3994,61 +4152,36 @@
                 <a:ea typeface="+mn-ea"/>
                 <a:cs typeface="+mn-cs"/>
               </a:rPr>
-              <a:t>Invaders. b, Average score achieved per episode for </a:t>
-            </a:r>
-            <a:r>
-              <a:rPr lang="en-US" sz="1200" b="0" i="0" kern="1200" dirty="0" err="1">
-                <a:solidFill>
-                  <a:schemeClr val="tx1"/>
-                </a:solidFill>
-                <a:effectLst/>
-                <a:latin typeface="+mn-lt"/>
-                <a:ea typeface="+mn-ea"/>
-                <a:cs typeface="+mn-cs"/>
-              </a:rPr>
-              <a:t>Seaquest</a:t>
-            </a:r>
-            <a:r>
-              <a:rPr lang="en-US" sz="1200" b="0" i="0" kern="1200" dirty="0">
-                <a:solidFill>
-                  <a:schemeClr val="tx1"/>
-                </a:solidFill>
-                <a:effectLst/>
-                <a:latin typeface="+mn-lt"/>
-                <a:ea typeface="+mn-ea"/>
-                <a:cs typeface="+mn-cs"/>
-              </a:rPr>
-              <a:t>. c, Average</a:t>
-            </a:r>
-            <a:br>
-              <a:rPr lang="en-US" sz="1200" b="0" i="0" kern="1200" dirty="0">
-                <a:solidFill>
-                  <a:schemeClr val="tx1"/>
-                </a:solidFill>
-                <a:effectLst/>
-                <a:latin typeface="+mn-lt"/>
-                <a:ea typeface="+mn-ea"/>
-                <a:cs typeface="+mn-cs"/>
-              </a:rPr>
-            </a:br>
-            <a:r>
-              <a:rPr lang="en-US" sz="1200" b="0" i="0" kern="1200" dirty="0">
-                <a:solidFill>
-                  <a:schemeClr val="tx1"/>
-                </a:solidFill>
-                <a:effectLst/>
-                <a:latin typeface="+mn-lt"/>
-                <a:ea typeface="+mn-ea"/>
-                <a:cs typeface="+mn-cs"/>
-              </a:rPr>
-              <a:t>predicted action-value on a held-out set of states on Space Invaders. Each point</a:t>
+              <a:t>map w, followed by three convolutional layers (note: snaking blue line</a:t>
             </a:r>
             <a:r>
               <a:rPr lang="en-US" dirty="0"/>
               <a:t> </a:t>
             </a:r>
+          </a:p>
+          <a:p>
+            <a:r>
+              <a:rPr lang="en-US" sz="1200" b="0" i="0" kern="1200" dirty="0">
+                <a:solidFill>
+                  <a:schemeClr val="tx1"/>
+                </a:solidFill>
+                <a:effectLst/>
+                <a:latin typeface="+mn-lt"/>
+                <a:ea typeface="+mn-ea"/>
+                <a:cs typeface="+mn-cs"/>
+              </a:rPr>
+              <a:t>symbolizes sliding of each filter across input image) and two fully connected</a:t>
+            </a:r>
             <a:br>
-              <a:rPr lang="en-US" dirty="0"/>
+              <a:rPr lang="en-US" sz="1200" b="0" i="0" kern="1200" dirty="0">
+                <a:solidFill>
+                  <a:schemeClr val="tx1"/>
+                </a:solidFill>
+                <a:effectLst/>
+                <a:latin typeface="+mn-lt"/>
+                <a:ea typeface="+mn-ea"/>
+                <a:cs typeface="+mn-cs"/>
+              </a:rPr>
             </a:br>
             <a:r>
               <a:rPr lang="en-US" sz="1200" b="0" i="0" kern="1200" dirty="0">
@@ -4060,7 +4193,7 @@
                 <a:ea typeface="+mn-ea"/>
                 <a:cs typeface="+mn-cs"/>
               </a:rPr>
-              <a:t>on the curve is the average of the action-value Q computed over the held-out</a:t>
+              <a:t>layers with a single output for each valid action. Each hidden layer is followed</a:t>
             </a:r>
             <a:br>
               <a:rPr lang="en-US" sz="1200" b="0" i="0" kern="1200" dirty="0">
@@ -4083,77 +4216,7 @@
                 <a:ea typeface="+mn-ea"/>
                 <a:cs typeface="+mn-cs"/>
               </a:rPr>
-              <a:t>set of states. Note that Q-values are scaled due to clipping of rewards (see</a:t>
-            </a:r>
-            <a:br>
-              <a:rPr lang="en-US" sz="1200" b="0" i="0" kern="1200" dirty="0">
-                <a:solidFill>
-                  <a:schemeClr val="tx1"/>
-                </a:solidFill>
-                <a:effectLst/>
-                <a:latin typeface="+mn-lt"/>
-                <a:ea typeface="+mn-ea"/>
-                <a:cs typeface="+mn-cs"/>
-              </a:rPr>
-            </a:br>
-            <a:r>
-              <a:rPr lang="en-US" sz="1200" b="0" i="0" kern="1200" dirty="0">
-                <a:solidFill>
-                  <a:schemeClr val="tx1"/>
-                </a:solidFill>
-                <a:effectLst/>
-                <a:latin typeface="+mn-lt"/>
-                <a:ea typeface="+mn-ea"/>
-                <a:cs typeface="+mn-cs"/>
-              </a:rPr>
-              <a:t>Methods). d, Average predicted action-value on </a:t>
-            </a:r>
-            <a:r>
-              <a:rPr lang="en-US" sz="1200" b="0" i="0" kern="1200" dirty="0" err="1">
-                <a:solidFill>
-                  <a:schemeClr val="tx1"/>
-                </a:solidFill>
-                <a:effectLst/>
-                <a:latin typeface="+mn-lt"/>
-                <a:ea typeface="+mn-ea"/>
-                <a:cs typeface="+mn-cs"/>
-              </a:rPr>
-              <a:t>Seaquest</a:t>
-            </a:r>
-            <a:r>
-              <a:rPr lang="en-US" sz="1200" b="0" i="0" kern="1200" dirty="0">
-                <a:solidFill>
-                  <a:schemeClr val="tx1"/>
-                </a:solidFill>
-                <a:effectLst/>
-                <a:latin typeface="+mn-lt"/>
-                <a:ea typeface="+mn-ea"/>
-                <a:cs typeface="+mn-cs"/>
-              </a:rPr>
-              <a:t>. See Supplementary</a:t>
-            </a:r>
-            <a:br>
-              <a:rPr lang="en-US" sz="1200" b="0" i="0" kern="1200" dirty="0">
-                <a:solidFill>
-                  <a:schemeClr val="tx1"/>
-                </a:solidFill>
-                <a:effectLst/>
-                <a:latin typeface="+mn-lt"/>
-                <a:ea typeface="+mn-ea"/>
-                <a:cs typeface="+mn-cs"/>
-              </a:rPr>
-            </a:br>
-            <a:r>
-              <a:rPr lang="en-US" sz="1200" b="0" i="0" kern="1200" dirty="0">
-                <a:solidFill>
-                  <a:schemeClr val="tx1"/>
-                </a:solidFill>
-                <a:effectLst/>
-                <a:latin typeface="+mn-lt"/>
-                <a:ea typeface="+mn-ea"/>
-                <a:cs typeface="+mn-cs"/>
-              </a:rPr>
-              <a:t>Discussion for details.</a:t>
+              <a:t>by a rectifier nonlinearity (that is, max 0 ð Þ ,x ).</a:t>
             </a:r>
             <a:r>
               <a:rPr lang="en-US" dirty="0"/>
@@ -4192,7 +4255,7 @@
     </p:spTree>
     <p:extLst>
       <p:ext uri="{BB962C8B-B14F-4D97-AF65-F5344CB8AC3E}">
-        <p14:creationId xmlns:p14="http://schemas.microsoft.com/office/powerpoint/2010/main" val="882667739"/>
+        <p14:creationId xmlns:p14="http://schemas.microsoft.com/office/powerpoint/2010/main" val="1673004572"/>
       </p:ext>
     </p:extLst>
   </p:cSld>
@@ -4247,41 +4310,252 @@
           <a:lstStyle/>
           <a:p>
             <a:r>
-              <a:rPr lang="en-US" dirty="0">
-                <a:hlinkClick r:id="rId3"/>
-              </a:rPr>
-              <a:t>https://</a:t>
-            </a:r>
-            <a:r>
-              <a:rPr lang="en-US" dirty="0" err="1">
-                <a:hlinkClick r:id="rId3"/>
-              </a:rPr>
-              <a:t>www.youtube.com</a:t>
-            </a:r>
-            <a:r>
-              <a:rPr lang="en-US" dirty="0">
-                <a:hlinkClick r:id="rId3"/>
-              </a:rPr>
-              <a:t>/</a:t>
-            </a:r>
-            <a:r>
-              <a:rPr lang="en-US" dirty="0" err="1">
-                <a:hlinkClick r:id="rId3"/>
-              </a:rPr>
-              <a:t>watch?v</a:t>
-            </a:r>
-            <a:r>
-              <a:rPr lang="en-US" dirty="0">
-                <a:hlinkClick r:id="rId3"/>
-              </a:rPr>
-              <a:t>=</a:t>
-            </a:r>
-            <a:r>
-              <a:rPr lang="en-US" dirty="0" err="1">
-                <a:hlinkClick r:id="rId3"/>
-              </a:rPr>
-              <a:t>6L448yg0Sm0</a:t>
-            </a:r>
+              <a:rPr lang="en-US" sz="1200" b="0" i="0" kern="1200" dirty="0">
+                <a:solidFill>
+                  <a:schemeClr val="tx1"/>
+                </a:solidFill>
+                <a:effectLst/>
+                <a:latin typeface="+mn-lt"/>
+                <a:ea typeface="+mn-ea"/>
+                <a:cs typeface="+mn-cs"/>
+              </a:rPr>
+              <a:t>Figure 2 | Training curves tracking the agent’s average score and average</a:t>
+            </a:r>
+            <a:br>
+              <a:rPr lang="en-US" sz="1200" b="0" i="0" kern="1200" dirty="0">
+                <a:solidFill>
+                  <a:schemeClr val="tx1"/>
+                </a:solidFill>
+                <a:effectLst/>
+                <a:latin typeface="+mn-lt"/>
+                <a:ea typeface="+mn-ea"/>
+                <a:cs typeface="+mn-cs"/>
+              </a:rPr>
+            </a:br>
+            <a:r>
+              <a:rPr lang="en-US" sz="1200" b="0" i="0" kern="1200" dirty="0">
+                <a:solidFill>
+                  <a:schemeClr val="tx1"/>
+                </a:solidFill>
+                <a:effectLst/>
+                <a:latin typeface="+mn-lt"/>
+                <a:ea typeface="+mn-ea"/>
+                <a:cs typeface="+mn-cs"/>
+              </a:rPr>
+              <a:t>predicted action-value. a, Each point is the average score achieved per episode</a:t>
+            </a:r>
+            <a:br>
+              <a:rPr lang="en-US" sz="1200" b="0" i="0" kern="1200" dirty="0">
+                <a:solidFill>
+                  <a:schemeClr val="tx1"/>
+                </a:solidFill>
+                <a:effectLst/>
+                <a:latin typeface="+mn-lt"/>
+                <a:ea typeface="+mn-ea"/>
+                <a:cs typeface="+mn-cs"/>
+              </a:rPr>
+            </a:br>
+            <a:r>
+              <a:rPr lang="en-US" sz="1200" b="0" i="0" kern="1200" dirty="0">
+                <a:solidFill>
+                  <a:schemeClr val="tx1"/>
+                </a:solidFill>
+                <a:effectLst/>
+                <a:latin typeface="+mn-lt"/>
+                <a:ea typeface="+mn-ea"/>
+                <a:cs typeface="+mn-cs"/>
+              </a:rPr>
+              <a:t>after the agent is run with e-greedy policy (e 5 0.05) for 520 k frames on Space</a:t>
+            </a:r>
+            <a:br>
+              <a:rPr lang="en-US" sz="1200" b="0" i="0" kern="1200" dirty="0">
+                <a:solidFill>
+                  <a:schemeClr val="tx1"/>
+                </a:solidFill>
+                <a:effectLst/>
+                <a:latin typeface="+mn-lt"/>
+                <a:ea typeface="+mn-ea"/>
+                <a:cs typeface="+mn-cs"/>
+              </a:rPr>
+            </a:br>
+            <a:r>
+              <a:rPr lang="en-US" sz="1200" b="0" i="0" kern="1200" dirty="0">
+                <a:solidFill>
+                  <a:schemeClr val="tx1"/>
+                </a:solidFill>
+                <a:effectLst/>
+                <a:latin typeface="+mn-lt"/>
+                <a:ea typeface="+mn-ea"/>
+                <a:cs typeface="+mn-cs"/>
+              </a:rPr>
+              <a:t>Invaders. b, Average score achieved per episode for </a:t>
+            </a:r>
+            <a:r>
+              <a:rPr lang="en-US" sz="1200" b="0" i="0" kern="1200" dirty="0" err="1">
+                <a:solidFill>
+                  <a:schemeClr val="tx1"/>
+                </a:solidFill>
+                <a:effectLst/>
+                <a:latin typeface="+mn-lt"/>
+                <a:ea typeface="+mn-ea"/>
+                <a:cs typeface="+mn-cs"/>
+              </a:rPr>
+              <a:t>Seaquest</a:t>
+            </a:r>
+            <a:r>
+              <a:rPr lang="en-US" sz="1200" b="0" i="0" kern="1200" dirty="0">
+                <a:solidFill>
+                  <a:schemeClr val="tx1"/>
+                </a:solidFill>
+                <a:effectLst/>
+                <a:latin typeface="+mn-lt"/>
+                <a:ea typeface="+mn-ea"/>
+                <a:cs typeface="+mn-cs"/>
+              </a:rPr>
+              <a:t>. c, Average</a:t>
+            </a:r>
+            <a:br>
+              <a:rPr lang="en-US" sz="1200" b="0" i="0" kern="1200" dirty="0">
+                <a:solidFill>
+                  <a:schemeClr val="tx1"/>
+                </a:solidFill>
+                <a:effectLst/>
+                <a:latin typeface="+mn-lt"/>
+                <a:ea typeface="+mn-ea"/>
+                <a:cs typeface="+mn-cs"/>
+              </a:rPr>
+            </a:br>
+            <a:r>
+              <a:rPr lang="en-US" sz="1200" b="0" i="0" kern="1200" dirty="0">
+                <a:solidFill>
+                  <a:schemeClr val="tx1"/>
+                </a:solidFill>
+                <a:effectLst/>
+                <a:latin typeface="+mn-lt"/>
+                <a:ea typeface="+mn-ea"/>
+                <a:cs typeface="+mn-cs"/>
+              </a:rPr>
+              <a:t>predicted action-value on a held-out set of states on Space Invaders. Each point</a:t>
+            </a:r>
+            <a:r>
+              <a:rPr lang="en-US" dirty="0"/>
+              <a:t> </a:t>
+            </a:r>
+            <a:br>
+              <a:rPr lang="en-US" dirty="0"/>
+            </a:br>
+            <a:r>
+              <a:rPr lang="en-US" sz="1200" b="0" i="0" kern="1200" dirty="0">
+                <a:solidFill>
+                  <a:schemeClr val="tx1"/>
+                </a:solidFill>
+                <a:effectLst/>
+                <a:latin typeface="+mn-lt"/>
+                <a:ea typeface="+mn-ea"/>
+                <a:cs typeface="+mn-cs"/>
+              </a:rPr>
+              <a:t>on the curve is the average of the action-value Q computed over the held-out</a:t>
+            </a:r>
+            <a:br>
+              <a:rPr lang="en-US" sz="1200" b="0" i="0" kern="1200" dirty="0">
+                <a:solidFill>
+                  <a:schemeClr val="tx1"/>
+                </a:solidFill>
+                <a:effectLst/>
+                <a:latin typeface="+mn-lt"/>
+                <a:ea typeface="+mn-ea"/>
+                <a:cs typeface="+mn-cs"/>
+              </a:rPr>
+            </a:br>
+            <a:r>
+              <a:rPr lang="en-US" sz="1200" b="0" i="0" kern="1200" dirty="0">
+                <a:solidFill>
+                  <a:schemeClr val="tx1"/>
+                </a:solidFill>
+                <a:effectLst/>
+                <a:latin typeface="+mn-lt"/>
+                <a:ea typeface="+mn-ea"/>
+                <a:cs typeface="+mn-cs"/>
+              </a:rPr>
+              <a:t>set of states. Note that Q-values are scaled due to clipping of rewards (see</a:t>
+            </a:r>
+            <a:br>
+              <a:rPr lang="en-US" sz="1200" b="0" i="0" kern="1200" dirty="0">
+                <a:solidFill>
+                  <a:schemeClr val="tx1"/>
+                </a:solidFill>
+                <a:effectLst/>
+                <a:latin typeface="+mn-lt"/>
+                <a:ea typeface="+mn-ea"/>
+                <a:cs typeface="+mn-cs"/>
+              </a:rPr>
+            </a:br>
+            <a:r>
+              <a:rPr lang="en-US" sz="1200" b="0" i="0" kern="1200" dirty="0">
+                <a:solidFill>
+                  <a:schemeClr val="tx1"/>
+                </a:solidFill>
+                <a:effectLst/>
+                <a:latin typeface="+mn-lt"/>
+                <a:ea typeface="+mn-ea"/>
+                <a:cs typeface="+mn-cs"/>
+              </a:rPr>
+              <a:t>Methods). d, Average predicted action-value on </a:t>
+            </a:r>
+            <a:r>
+              <a:rPr lang="en-US" sz="1200" b="0" i="0" kern="1200" dirty="0" err="1">
+                <a:solidFill>
+                  <a:schemeClr val="tx1"/>
+                </a:solidFill>
+                <a:effectLst/>
+                <a:latin typeface="+mn-lt"/>
+                <a:ea typeface="+mn-ea"/>
+                <a:cs typeface="+mn-cs"/>
+              </a:rPr>
+              <a:t>Seaquest</a:t>
+            </a:r>
+            <a:r>
+              <a:rPr lang="en-US" sz="1200" b="0" i="0" kern="1200" dirty="0">
+                <a:solidFill>
+                  <a:schemeClr val="tx1"/>
+                </a:solidFill>
+                <a:effectLst/>
+                <a:latin typeface="+mn-lt"/>
+                <a:ea typeface="+mn-ea"/>
+                <a:cs typeface="+mn-cs"/>
+              </a:rPr>
+              <a:t>. See Supplementary</a:t>
+            </a:r>
+            <a:br>
+              <a:rPr lang="en-US" sz="1200" b="0" i="0" kern="1200" dirty="0">
+                <a:solidFill>
+                  <a:schemeClr val="tx1"/>
+                </a:solidFill>
+                <a:effectLst/>
+                <a:latin typeface="+mn-lt"/>
+                <a:ea typeface="+mn-ea"/>
+                <a:cs typeface="+mn-cs"/>
+              </a:rPr>
+            </a:br>
+            <a:r>
+              <a:rPr lang="en-US" sz="1200" b="0" i="0" kern="1200" dirty="0">
+                <a:solidFill>
+                  <a:schemeClr val="tx1"/>
+                </a:solidFill>
+                <a:effectLst/>
+                <a:latin typeface="+mn-lt"/>
+                <a:ea typeface="+mn-ea"/>
+                <a:cs typeface="+mn-cs"/>
+              </a:rPr>
+              <a:t>Discussion for details.</a:t>
+            </a:r>
+            <a:r>
+              <a:rPr lang="en-US" dirty="0"/>
+              <a:t> </a:t>
+            </a:r>
+            <a:br>
+              <a:rPr lang="en-US" dirty="0"/>
+            </a:br>
             <a:endParaRPr lang="en-US" dirty="0"/>
           </a:p>
         </p:txBody>
@@ -4312,7 +4586,7 @@
     </p:spTree>
     <p:extLst>
       <p:ext uri="{BB962C8B-B14F-4D97-AF65-F5344CB8AC3E}">
-        <p14:creationId xmlns:p14="http://schemas.microsoft.com/office/powerpoint/2010/main" val="3206942364"/>
+        <p14:creationId xmlns:p14="http://schemas.microsoft.com/office/powerpoint/2010/main" val="882667739"/>
       </p:ext>
     </p:extLst>
   </p:cSld>
@@ -4567,7 +4841,7 @@
           <a:p>
             <a:fld id="{EBB7A00B-A6F9-4D54-BF2A-EEBE2CF98456}" type="datetimeFigureOut">
               <a:rPr lang="en-US" smtClean="0"/>
-              <a:t>12/13/2019</a:t>
+              <a:t>12/14/2019</a:t>
             </a:fld>
             <a:endParaRPr lang="en-US"/>
           </a:p>
@@ -4829,7 +5103,7 @@
           <a:p>
             <a:fld id="{EBB7A00B-A6F9-4D54-BF2A-EEBE2CF98456}" type="datetimeFigureOut">
               <a:rPr lang="en-US" smtClean="0"/>
-              <a:t>12/13/2019</a:t>
+              <a:t>12/14/2019</a:t>
             </a:fld>
             <a:endParaRPr lang="en-US"/>
           </a:p>
@@ -5064,7 +5338,7 @@
           <a:p>
             <a:fld id="{EBB7A00B-A6F9-4D54-BF2A-EEBE2CF98456}" type="datetimeFigureOut">
               <a:rPr lang="en-US" smtClean="0"/>
-              <a:t>12/13/2019</a:t>
+              <a:t>12/14/2019</a:t>
             </a:fld>
             <a:endParaRPr lang="en-US"/>
           </a:p>
@@ -5304,7 +5578,7 @@
           <a:p>
             <a:fld id="{EBB7A00B-A6F9-4D54-BF2A-EEBE2CF98456}" type="datetimeFigureOut">
               <a:rPr lang="en-US" smtClean="0"/>
-              <a:t>12/13/2019</a:t>
+              <a:t>12/14/2019</a:t>
             </a:fld>
             <a:endParaRPr lang="en-US"/>
           </a:p>
@@ -5611,7 +5885,7 @@
           <a:p>
             <a:fld id="{EBB7A00B-A6F9-4D54-BF2A-EEBE2CF98456}" type="datetimeFigureOut">
               <a:rPr lang="en-US" smtClean="0"/>
-              <a:t>12/13/2019</a:t>
+              <a:t>12/14/2019</a:t>
             </a:fld>
             <a:endParaRPr lang="en-US"/>
           </a:p>
@@ -5913,7 +6187,7 @@
           <a:p>
             <a:fld id="{EBB7A00B-A6F9-4D54-BF2A-EEBE2CF98456}" type="datetimeFigureOut">
               <a:rPr lang="en-US" smtClean="0"/>
-              <a:t>12/13/2019</a:t>
+              <a:t>12/14/2019</a:t>
             </a:fld>
             <a:endParaRPr lang="en-US"/>
           </a:p>
@@ -6335,7 +6609,7 @@
           <a:p>
             <a:fld id="{EBB7A00B-A6F9-4D54-BF2A-EEBE2CF98456}" type="datetimeFigureOut">
               <a:rPr lang="en-US" smtClean="0"/>
-              <a:t>12/13/2019</a:t>
+              <a:t>12/14/2019</a:t>
             </a:fld>
             <a:endParaRPr lang="en-US"/>
           </a:p>
@@ -6497,7 +6771,7 @@
           <a:p>
             <a:fld id="{EBB7A00B-A6F9-4D54-BF2A-EEBE2CF98456}" type="datetimeFigureOut">
               <a:rPr lang="en-US" smtClean="0"/>
-              <a:t>12/13/2019</a:t>
+              <a:t>12/14/2019</a:t>
             </a:fld>
             <a:endParaRPr lang="en-US"/>
           </a:p>
@@ -6592,7 +6866,7 @@
           <a:p>
             <a:fld id="{EBB7A00B-A6F9-4D54-BF2A-EEBE2CF98456}" type="datetimeFigureOut">
               <a:rPr lang="en-US" smtClean="0"/>
-              <a:t>12/13/2019</a:t>
+              <a:t>12/14/2019</a:t>
             </a:fld>
             <a:endParaRPr lang="en-US"/>
           </a:p>
@@ -6970,7 +7244,7 @@
           <a:p>
             <a:fld id="{EBB7A00B-A6F9-4D54-BF2A-EEBE2CF98456}" type="datetimeFigureOut">
               <a:rPr lang="en-US" smtClean="0"/>
-              <a:t>12/13/2019</a:t>
+              <a:t>12/14/2019</a:t>
             </a:fld>
             <a:endParaRPr lang="en-US"/>
           </a:p>
@@ -7259,7 +7533,7 @@
           <a:p>
             <a:fld id="{EBB7A00B-A6F9-4D54-BF2A-EEBE2CF98456}" type="datetimeFigureOut">
               <a:rPr lang="en-US" smtClean="0"/>
-              <a:t>12/13/2019</a:t>
+              <a:t>12/14/2019</a:t>
             </a:fld>
             <a:endParaRPr lang="en-US"/>
           </a:p>
@@ -7468,7 +7742,7 @@
           <a:p>
             <a:fld id="{EBB7A00B-A6F9-4D54-BF2A-EEBE2CF98456}" type="datetimeFigureOut">
               <a:rPr lang="en-US" smtClean="0"/>
-              <a:t>12/13/2019</a:t>
+              <a:t>12/14/2019</a:t>
             </a:fld>
             <a:endParaRPr lang="en-US"/>
           </a:p>
@@ -8240,7 +8514,7 @@
           <p:nvPr/>
         </p:nvPicPr>
         <p:blipFill>
-          <a:blip r:embed="rId2">
+          <a:blip r:embed="rId3">
             <a:extLst>
               <a:ext uri="{28A0092B-C50C-407E-A947-70E740481C1C}">
                 <a14:useLocalDpi xmlns:a14="http://schemas.microsoft.com/office/drawing/2010/main" val="0"/>
@@ -8253,7 +8527,7 @@
         </p:blipFill>
         <p:spPr>
           <a:xfrm>
-            <a:off x="1390346" y="1898674"/>
+            <a:off x="592325" y="1898674"/>
             <a:ext cx="4727464" cy="4368544"/>
           </a:xfrm>
           <a:prstGeom prst="rect">
@@ -8276,15 +8550,15 @@
           <p:nvPr/>
         </p:nvPicPr>
         <p:blipFill>
-          <a:blip r:embed="rId3"/>
+          <a:blip r:embed="rId4"/>
           <a:stretch>
             <a:fillRect/>
           </a:stretch>
         </p:blipFill>
         <p:spPr>
           <a:xfrm>
-            <a:off x="6117810" y="2245319"/>
-            <a:ext cx="4719208" cy="3539406"/>
+            <a:off x="6356709" y="2014019"/>
+            <a:ext cx="3944531" cy="2958398"/>
           </a:xfrm>
           <a:prstGeom prst="rect">
             <a:avLst/>
@@ -8293,10 +8567,10 @@
       </p:pic>
       <p:pic>
         <p:nvPicPr>
-          <p:cNvPr id="5" name="Picture 4" descr="A picture containing drawing&#10;&#10;Description automatically generated">
+          <p:cNvPr id="7" name="Picture 6" descr="A picture containing drawing&#10;&#10;Description automatically generated">
             <a:extLst>
               <a:ext uri="{FF2B5EF4-FFF2-40B4-BE49-F238E27FC236}">
-                <a16:creationId xmlns:a16="http://schemas.microsoft.com/office/drawing/2014/main" id="{0E9C9433-E84B-4206-AB78-F703D784EF17}"/>
+                <a16:creationId xmlns:a16="http://schemas.microsoft.com/office/drawing/2014/main" id="{E4FC9C56-484A-491B-BFE9-85EC0FC33EF6}"/>
               </a:ext>
             </a:extLst>
           </p:cNvPr>
@@ -8306,7 +8580,7 @@
           <p:nvPr/>
         </p:nvPicPr>
         <p:blipFill>
-          <a:blip r:embed="rId4">
+          <a:blip r:embed="rId5">
             <a:extLst>
               <a:ext uri="{28A0092B-C50C-407E-A947-70E740481C1C}">
                 <a14:useLocalDpi xmlns:a14="http://schemas.microsoft.com/office/drawing/2010/main" val="0"/>
@@ -8319,14 +8593,360 @@
         </p:blipFill>
         <p:spPr>
           <a:xfrm>
-            <a:off x="9192126" y="5786246"/>
-            <a:ext cx="2731359" cy="961944"/>
+            <a:off x="8622604" y="5105420"/>
+            <a:ext cx="3357272" cy="1360788"/>
           </a:xfrm>
           <a:prstGeom prst="rect">
             <a:avLst/>
           </a:prstGeom>
         </p:spPr>
       </p:pic>
+      <mc:AlternateContent xmlns:mc="http://schemas.openxmlformats.org/markup-compatibility/2006">
+        <mc:Choice xmlns:a14="http://schemas.microsoft.com/office/drawing/2010/main" Requires="a14">
+          <p:sp>
+            <p:nvSpPr>
+              <p:cNvPr id="8" name="Rectangle 7">
+                <a:extLst>
+                  <a:ext uri="{FF2B5EF4-FFF2-40B4-BE49-F238E27FC236}">
+                    <a16:creationId xmlns:a16="http://schemas.microsoft.com/office/drawing/2014/main" id="{92F14C0C-6891-409D-8237-384394D605F8}"/>
+                  </a:ext>
+                </a:extLst>
+              </p:cNvPr>
+              <p:cNvSpPr/>
+              <p:nvPr/>
+            </p:nvSpPr>
+            <p:spPr>
+              <a:xfrm>
+                <a:off x="5453377" y="5315903"/>
+                <a:ext cx="3035639" cy="972702"/>
+              </a:xfrm>
+              <a:prstGeom prst="rect">
+                <a:avLst/>
+              </a:prstGeom>
+            </p:spPr>
+            <p:txBody>
+              <a:bodyPr wrap="none">
+                <a:spAutoFit/>
+              </a:bodyPr>
+              <a:lstStyle/>
+              <a:p>
+                <a14:m>
+                  <m:oMathPara xmlns:m="http://schemas.openxmlformats.org/officeDocument/2006/math">
+                    <m:oMathParaPr>
+                      <m:jc m:val="centerGroup"/>
+                    </m:oMathParaPr>
+                    <m:oMath xmlns:m="http://schemas.openxmlformats.org/officeDocument/2006/math">
+                      <m:sSup>
+                        <m:sSupPr>
+                          <m:ctrlPr>
+                            <a:rPr lang="en-US" i="1">
+                              <a:latin typeface="Cambria Math" panose="02040503050406030204" pitchFamily="18" charset="0"/>
+                            </a:rPr>
+                          </m:ctrlPr>
+                        </m:sSupPr>
+                        <m:e>
+                          <m:r>
+                            <a:rPr lang="en-US" i="1">
+                              <a:latin typeface="Cambria Math" panose="02040503050406030204" pitchFamily="18" charset="0"/>
+                            </a:rPr>
+                            <m:t>𝑄</m:t>
+                          </m:r>
+                        </m:e>
+                        <m:sup>
+                          <m:r>
+                            <a:rPr lang="en-US" i="1">
+                              <a:latin typeface="Cambria Math" panose="02040503050406030204" pitchFamily="18" charset="0"/>
+                            </a:rPr>
+                            <m:t>∗</m:t>
+                          </m:r>
+                        </m:sup>
+                      </m:sSup>
+                      <m:d>
+                        <m:dPr>
+                          <m:ctrlPr>
+                            <a:rPr lang="en-US" i="1">
+                              <a:latin typeface="Cambria Math" panose="02040503050406030204" pitchFamily="18" charset="0"/>
+                            </a:rPr>
+                          </m:ctrlPr>
+                        </m:dPr>
+                        <m:e>
+                          <m:sSub>
+                            <m:sSubPr>
+                              <m:ctrlPr>
+                                <a:rPr lang="en-US" i="1">
+                                  <a:latin typeface="Cambria Math" panose="02040503050406030204" pitchFamily="18" charset="0"/>
+                                </a:rPr>
+                              </m:ctrlPr>
+                            </m:sSubPr>
+                            <m:e>
+                              <m:r>
+                                <a:rPr lang="en-US" i="1">
+                                  <a:latin typeface="Cambria Math" panose="02040503050406030204" pitchFamily="18" charset="0"/>
+                                </a:rPr>
+                                <m:t>𝑠</m:t>
+                              </m:r>
+                            </m:e>
+                            <m:sub>
+                              <m:r>
+                                <a:rPr lang="en-US" i="1">
+                                  <a:latin typeface="Cambria Math" panose="02040503050406030204" pitchFamily="18" charset="0"/>
+                                </a:rPr>
+                                <m:t>𝑡</m:t>
+                              </m:r>
+                            </m:sub>
+                          </m:sSub>
+                          <m:r>
+                            <a:rPr lang="en-US" i="1">
+                              <a:latin typeface="Cambria Math" panose="02040503050406030204" pitchFamily="18" charset="0"/>
+                            </a:rPr>
+                            <m:t>, </m:t>
+                          </m:r>
+                          <m:sSub>
+                            <m:sSubPr>
+                              <m:ctrlPr>
+                                <a:rPr lang="en-US" i="1">
+                                  <a:latin typeface="Cambria Math" panose="02040503050406030204" pitchFamily="18" charset="0"/>
+                                </a:rPr>
+                              </m:ctrlPr>
+                            </m:sSubPr>
+                            <m:e>
+                              <m:r>
+                                <a:rPr lang="en-US" i="1">
+                                  <a:latin typeface="Cambria Math" panose="02040503050406030204" pitchFamily="18" charset="0"/>
+                                </a:rPr>
+                                <m:t>𝑎</m:t>
+                              </m:r>
+                            </m:e>
+                            <m:sub>
+                              <m:r>
+                                <a:rPr lang="en-US" i="1">
+                                  <a:latin typeface="Cambria Math" panose="02040503050406030204" pitchFamily="18" charset="0"/>
+                                </a:rPr>
+                                <m:t>𝑡</m:t>
+                              </m:r>
+                            </m:sub>
+                          </m:sSub>
+                        </m:e>
+                      </m:d>
+                      <m:r>
+                        <a:rPr lang="en-US" i="1">
+                          <a:latin typeface="Cambria Math" panose="02040503050406030204" pitchFamily="18" charset="0"/>
+                        </a:rPr>
+                        <m:t>=</m:t>
+                      </m:r>
+                      <m:func>
+                        <m:funcPr>
+                          <m:ctrlPr>
+                            <a:rPr lang="en-US" i="1">
+                              <a:latin typeface="Cambria Math" panose="02040503050406030204" pitchFamily="18" charset="0"/>
+                            </a:rPr>
+                          </m:ctrlPr>
+                        </m:funcPr>
+                        <m:fName>
+                          <m:limLow>
+                            <m:limLowPr>
+                              <m:ctrlPr>
+                                <a:rPr lang="en-US" i="1">
+                                  <a:latin typeface="Cambria Math" panose="02040503050406030204" pitchFamily="18" charset="0"/>
+                                </a:rPr>
+                              </m:ctrlPr>
+                            </m:limLowPr>
+                            <m:e>
+                              <m:r>
+                                <m:rPr>
+                                  <m:sty m:val="p"/>
+                                </m:rPr>
+                                <a:rPr lang="en-US">
+                                  <a:latin typeface="Cambria Math" panose="02040503050406030204" pitchFamily="18" charset="0"/>
+                                </a:rPr>
+                                <m:t>max</m:t>
+                              </m:r>
+                            </m:e>
+                            <m:lim>
+                              <m:r>
+                                <a:rPr lang="en-US" i="1">
+                                  <a:latin typeface="Cambria Math" panose="02040503050406030204" pitchFamily="18" charset="0"/>
+                                  <a:ea typeface="Cambria Math" panose="02040503050406030204" pitchFamily="18" charset="0"/>
+                                </a:rPr>
+                                <m:t>𝜋</m:t>
+                              </m:r>
+                            </m:lim>
+                          </m:limLow>
+                        </m:fName>
+                        <m:e>
+                          <m:r>
+                            <a:rPr lang="en-US" i="1">
+                              <a:latin typeface="Cambria Math" panose="02040503050406030204" pitchFamily="18" charset="0"/>
+                            </a:rPr>
+                            <m:t>𝐸</m:t>
+                          </m:r>
+                          <m:d>
+                            <m:dPr>
+                              <m:begChr m:val="["/>
+                              <m:endChr m:val="]"/>
+                              <m:ctrlPr>
+                                <a:rPr lang="en-US" i="1">
+                                  <a:latin typeface="Cambria Math" panose="02040503050406030204" pitchFamily="18" charset="0"/>
+                                </a:rPr>
+                              </m:ctrlPr>
+                            </m:dPr>
+                            <m:e>
+                              <m:nary>
+                                <m:naryPr>
+                                  <m:chr m:val="∑"/>
+                                  <m:ctrlPr>
+                                    <a:rPr lang="en-US" i="1">
+                                      <a:latin typeface="Cambria Math" panose="02040503050406030204" pitchFamily="18" charset="0"/>
+                                    </a:rPr>
+                                  </m:ctrlPr>
+                                </m:naryPr>
+                                <m:sub>
+                                  <m:r>
+                                    <m:rPr>
+                                      <m:brk m:alnAt="23"/>
+                                    </m:rPr>
+                                    <a:rPr lang="en-US" i="1">
+                                      <a:latin typeface="Cambria Math" panose="02040503050406030204" pitchFamily="18" charset="0"/>
+                                    </a:rPr>
+                                    <m:t>𝑖</m:t>
+                                  </m:r>
+                                  <m:r>
+                                    <a:rPr lang="en-US" i="1">
+                                      <a:latin typeface="Cambria Math" panose="02040503050406030204" pitchFamily="18" charset="0"/>
+                                    </a:rPr>
+                                    <m:t>=</m:t>
+                                  </m:r>
+                                  <m:r>
+                                    <a:rPr lang="en-US" i="1">
+                                      <a:latin typeface="Cambria Math" panose="02040503050406030204" pitchFamily="18" charset="0"/>
+                                    </a:rPr>
+                                    <m:t>𝑡</m:t>
+                                  </m:r>
+                                </m:sub>
+                                <m:sup>
+                                  <m:r>
+                                    <a:rPr lang="en-US" i="1">
+                                      <a:latin typeface="Cambria Math" panose="02040503050406030204" pitchFamily="18" charset="0"/>
+                                    </a:rPr>
+                                    <m:t>𝑇</m:t>
+                                  </m:r>
+                                </m:sup>
+                                <m:e>
+                                  <m:sSup>
+                                    <m:sSupPr>
+                                      <m:ctrlPr>
+                                        <a:rPr lang="en-US" i="1">
+                                          <a:latin typeface="Cambria Math" panose="02040503050406030204" pitchFamily="18" charset="0"/>
+                                          <a:ea typeface="Cambria Math" panose="02040503050406030204" pitchFamily="18" charset="0"/>
+                                        </a:rPr>
+                                      </m:ctrlPr>
+                                    </m:sSupPr>
+                                    <m:e>
+                                      <m:r>
+                                        <a:rPr lang="en-US" i="1">
+                                          <a:latin typeface="Cambria Math" panose="02040503050406030204" pitchFamily="18" charset="0"/>
+                                          <a:ea typeface="Cambria Math" panose="02040503050406030204" pitchFamily="18" charset="0"/>
+                                        </a:rPr>
+                                        <m:t>𝛾</m:t>
+                                      </m:r>
+                                    </m:e>
+                                    <m:sup>
+                                      <m:r>
+                                        <a:rPr lang="en-US" i="1">
+                                          <a:latin typeface="Cambria Math" panose="02040503050406030204" pitchFamily="18" charset="0"/>
+                                          <a:ea typeface="Cambria Math" panose="02040503050406030204" pitchFamily="18" charset="0"/>
+                                        </a:rPr>
+                                        <m:t>𝑖</m:t>
+                                      </m:r>
+                                    </m:sup>
+                                  </m:sSup>
+                                  <m:sSub>
+                                    <m:sSubPr>
+                                      <m:ctrlPr>
+                                        <a:rPr lang="en-US" i="1">
+                                          <a:latin typeface="Cambria Math" panose="02040503050406030204" pitchFamily="18" charset="0"/>
+                                          <a:ea typeface="Cambria Math" panose="02040503050406030204" pitchFamily="18" charset="0"/>
+                                        </a:rPr>
+                                      </m:ctrlPr>
+                                    </m:sSubPr>
+                                    <m:e>
+                                      <m:r>
+                                        <a:rPr lang="en-US" i="1">
+                                          <a:latin typeface="Cambria Math" panose="02040503050406030204" pitchFamily="18" charset="0"/>
+                                          <a:ea typeface="Cambria Math" panose="02040503050406030204" pitchFamily="18" charset="0"/>
+                                        </a:rPr>
+                                        <m:t>𝑟</m:t>
+                                      </m:r>
+                                    </m:e>
+                                    <m:sub>
+                                      <m:r>
+                                        <a:rPr lang="en-US" i="1">
+                                          <a:latin typeface="Cambria Math" panose="02040503050406030204" pitchFamily="18" charset="0"/>
+                                          <a:ea typeface="Cambria Math" panose="02040503050406030204" pitchFamily="18" charset="0"/>
+                                        </a:rPr>
+                                        <m:t>𝑖</m:t>
+                                      </m:r>
+                                    </m:sub>
+                                  </m:sSub>
+                                </m:e>
+                              </m:nary>
+                            </m:e>
+                          </m:d>
+                        </m:e>
+                      </m:func>
+                    </m:oMath>
+                  </m:oMathPara>
+                </a14:m>
+                <a:endParaRPr lang="en-US" dirty="0"/>
+              </a:p>
+            </p:txBody>
+          </p:sp>
+        </mc:Choice>
+        <mc:Fallback>
+          <p:sp>
+            <p:nvSpPr>
+              <p:cNvPr id="8" name="Rectangle 7">
+                <a:extLst>
+                  <a:ext uri="{FF2B5EF4-FFF2-40B4-BE49-F238E27FC236}">
+                    <a16:creationId xmlns:a16="http://schemas.microsoft.com/office/drawing/2014/main" id="{92F14C0C-6891-409D-8237-384394D605F8}"/>
+                  </a:ext>
+                </a:extLst>
+              </p:cNvPr>
+              <p:cNvSpPr>
+                <a:spLocks noRot="1" noChangeAspect="1" noMove="1" noResize="1" noEditPoints="1" noAdjustHandles="1" noChangeArrowheads="1" noChangeShapeType="1" noTextEdit="1"/>
+              </p:cNvSpPr>
+              <p:nvPr/>
+            </p:nvSpPr>
+            <p:spPr>
+              <a:xfrm>
+                <a:off x="5453377" y="5315903"/>
+                <a:ext cx="3035639" cy="972702"/>
+              </a:xfrm>
+              <a:prstGeom prst="rect">
+                <a:avLst/>
+              </a:prstGeom>
+              <a:blipFill>
+                <a:blip r:embed="rId6"/>
+                <a:stretch>
+                  <a:fillRect/>
+                </a:stretch>
+              </a:blipFill>
+            </p:spPr>
+            <p:txBody>
+              <a:bodyPr/>
+              <a:lstStyle/>
+              <a:p>
+                <a:r>
+                  <a:rPr lang="en-US">
+                    <a:noFill/>
+                  </a:rPr>
+                  <a:t> </a:t>
+                </a:r>
+              </a:p>
+            </p:txBody>
+          </p:sp>
+        </mc:Fallback>
+      </mc:AlternateContent>
     </p:spTree>
     <p:extLst>
       <p:ext uri="{BB962C8B-B14F-4D97-AF65-F5344CB8AC3E}">
@@ -8362,6 +8982,153 @@
           <p:cNvPr id="2" name="Title 1">
             <a:extLst>
               <a:ext uri="{FF2B5EF4-FFF2-40B4-BE49-F238E27FC236}">
+                <a16:creationId xmlns:a16="http://schemas.microsoft.com/office/drawing/2014/main" id="{6AFB9829-B826-4EBF-9E38-FAFDEB3E8A4B}"/>
+              </a:ext>
+            </a:extLst>
+          </p:cNvPr>
+          <p:cNvSpPr>
+            <a:spLocks noGrp="1"/>
+          </p:cNvSpPr>
+          <p:nvPr>
+            <p:ph type="title"/>
+          </p:nvPr>
+        </p:nvSpPr>
+        <p:spPr/>
+        <p:txBody>
+          <a:bodyPr/>
+          <a:lstStyle/>
+          <a:p>
+            <a:r>
+              <a:rPr lang="en-US" dirty="0"/>
+              <a:t>DEEP Reinforcement learning</a:t>
+            </a:r>
+          </a:p>
+        </p:txBody>
+      </p:sp>
+      <p:sp>
+        <p:nvSpPr>
+          <p:cNvPr id="3" name="Content Placeholder 2">
+            <a:extLst>
+              <a:ext uri="{FF2B5EF4-FFF2-40B4-BE49-F238E27FC236}">
+                <a16:creationId xmlns:a16="http://schemas.microsoft.com/office/drawing/2014/main" id="{55159DAC-212C-45E4-8EB1-11EDDDA577A4}"/>
+              </a:ext>
+            </a:extLst>
+          </p:cNvPr>
+          <p:cNvSpPr>
+            <a:spLocks noGrp="1"/>
+          </p:cNvSpPr>
+          <p:nvPr>
+            <p:ph idx="1"/>
+          </p:nvPr>
+        </p:nvSpPr>
+        <p:spPr/>
+        <p:txBody>
+          <a:bodyPr/>
+          <a:lstStyle/>
+          <a:p>
+            <a:r>
+              <a:rPr lang="en-US" dirty="0"/>
+              <a:t>Integrates deep learning to approximate the value function.</a:t>
+            </a:r>
+          </a:p>
+          <a:p>
+            <a:r>
+              <a:rPr lang="en-US" dirty="0"/>
+              <a:t>For example in Q-Learning,  a deep Q-network (DQN),  is able to combine reinforcement learning with a class of artificial neural network known as deep neural networks. </a:t>
+            </a:r>
+          </a:p>
+          <a:p>
+            <a:r>
+              <a:rPr lang="en-US" dirty="0"/>
+              <a:t>Tutorial: </a:t>
+            </a:r>
+            <a:r>
+              <a:rPr lang="en-US" dirty="0">
+                <a:hlinkClick r:id="rId2"/>
+              </a:rPr>
+              <a:t>https://github.com/</a:t>
+            </a:r>
+            <a:r>
+              <a:rPr lang="en-US" dirty="0" err="1">
+                <a:hlinkClick r:id="rId2"/>
+              </a:rPr>
+              <a:t>tensorflow</a:t>
+            </a:r>
+            <a:r>
+              <a:rPr lang="en-US" dirty="0">
+                <a:hlinkClick r:id="rId2"/>
+              </a:rPr>
+              <a:t>/agents/blob/master/</a:t>
+            </a:r>
+            <a:r>
+              <a:rPr lang="en-US" dirty="0" err="1">
+                <a:hlinkClick r:id="rId2"/>
+              </a:rPr>
+              <a:t>tf_agents</a:t>
+            </a:r>
+            <a:r>
+              <a:rPr lang="en-US" dirty="0">
+                <a:hlinkClick r:id="rId2"/>
+              </a:rPr>
+              <a:t>/</a:t>
+            </a:r>
+            <a:r>
+              <a:rPr lang="en-US" dirty="0" err="1">
+                <a:hlinkClick r:id="rId2"/>
+              </a:rPr>
+              <a:t>colabs</a:t>
+            </a:r>
+            <a:r>
+              <a:rPr lang="en-US" dirty="0">
+                <a:hlinkClick r:id="rId2"/>
+              </a:rPr>
+              <a:t>/</a:t>
+            </a:r>
+            <a:r>
+              <a:rPr lang="en-US" dirty="0" err="1">
+                <a:hlinkClick r:id="rId2"/>
+              </a:rPr>
+              <a:t>1_dqn_tutorial.ipynb</a:t>
+            </a:r>
+            <a:endParaRPr lang="en-US" dirty="0"/>
+          </a:p>
+        </p:txBody>
+      </p:sp>
+    </p:spTree>
+    <p:extLst>
+      <p:ext uri="{BB962C8B-B14F-4D97-AF65-F5344CB8AC3E}">
+        <p14:creationId xmlns:p14="http://schemas.microsoft.com/office/powerpoint/2010/main" val="1019641732"/>
+      </p:ext>
+    </p:extLst>
+  </p:cSld>
+  <p:clrMapOvr>
+    <a:masterClrMapping/>
+  </p:clrMapOvr>
+</p:sld>
+</file>
+
+<file path=ppt/slides/slide12.xml><?xml version="1.0" encoding="utf-8"?>
+<p:sld xmlns:a="http://schemas.openxmlformats.org/drawingml/2006/main" xmlns:r="http://schemas.openxmlformats.org/officeDocument/2006/relationships" xmlns:p="http://schemas.openxmlformats.org/presentationml/2006/main">
+  <p:cSld>
+    <p:spTree>
+      <p:nvGrpSpPr>
+        <p:cNvPr id="1" name=""/>
+        <p:cNvGrpSpPr/>
+        <p:nvPr/>
+      </p:nvGrpSpPr>
+      <p:grpSpPr>
+        <a:xfrm>
+          <a:off x="0" y="0"/>
+          <a:ext cx="0" cy="0"/>
+          <a:chOff x="0" y="0"/>
+          <a:chExt cx="0" cy="0"/>
+        </a:xfrm>
+      </p:grpSpPr>
+      <p:sp>
+        <p:nvSpPr>
+          <p:cNvPr id="2" name="Title 1">
+            <a:extLst>
+              <a:ext uri="{FF2B5EF4-FFF2-40B4-BE49-F238E27FC236}">
                 <a16:creationId xmlns:a16="http://schemas.microsoft.com/office/drawing/2014/main" id="{0C1EB06C-D670-4BFF-AD11-7A3ED9DCD678}"/>
               </a:ext>
             </a:extLst>
@@ -8423,7 +9190,7 @@
 </p:sld>
 </file>
 
-<file path=ppt/slides/slide12.xml><?xml version="1.0" encoding="utf-8"?>
+<file path=ppt/slides/slide13.xml><?xml version="1.0" encoding="utf-8"?>
 <p:sld xmlns:a="http://schemas.openxmlformats.org/drawingml/2006/main" xmlns:r="http://schemas.openxmlformats.org/officeDocument/2006/relationships" xmlns:p="http://schemas.openxmlformats.org/presentationml/2006/main">
   <p:cSld>
     <p:bg>
@@ -8934,7 +9701,7 @@
 </p:sld>
 </file>
 
-<file path=ppt/slides/slide13.xml><?xml version="1.0" encoding="utf-8"?>
+<file path=ppt/slides/slide14.xml><?xml version="1.0" encoding="utf-8"?>
 <p:sld xmlns:a="http://schemas.openxmlformats.org/drawingml/2006/main" xmlns:r="http://schemas.openxmlformats.org/officeDocument/2006/relationships" xmlns:p="http://schemas.openxmlformats.org/presentationml/2006/main">
   <p:cSld>
     <p:spTree>
@@ -9232,7 +9999,7 @@
 </p:sld>
 </file>
 
-<file path=ppt/slides/slide14.xml><?xml version="1.0" encoding="utf-8"?>
+<file path=ppt/slides/slide15.xml><?xml version="1.0" encoding="utf-8"?>
 <p:sld xmlns:a="http://schemas.openxmlformats.org/drawingml/2006/main" xmlns:r="http://schemas.openxmlformats.org/officeDocument/2006/relationships" xmlns:p="http://schemas.openxmlformats.org/presentationml/2006/main">
   <p:cSld>
     <p:spTree>
@@ -9442,7 +10209,7 @@
 </p:sld>
 </file>
 
-<file path=ppt/slides/slide15.xml><?xml version="1.0" encoding="utf-8"?>
+<file path=ppt/slides/slide16.xml><?xml version="1.0" encoding="utf-8"?>
 <p:sld xmlns:a="http://schemas.openxmlformats.org/drawingml/2006/main" xmlns:r="http://schemas.openxmlformats.org/officeDocument/2006/relationships" xmlns:p="http://schemas.openxmlformats.org/presentationml/2006/main">
   <p:cSld>
     <p:spTree>
@@ -9527,7 +10294,7 @@
 </p:sld>
 </file>
 
-<file path=ppt/slides/slide16.xml><?xml version="1.0" encoding="utf-8"?>
+<file path=ppt/slides/slide17.xml><?xml version="1.0" encoding="utf-8"?>
 <p:sld xmlns:a="http://schemas.openxmlformats.org/drawingml/2006/main" xmlns:r="http://schemas.openxmlformats.org/officeDocument/2006/relationships" xmlns:p="http://schemas.openxmlformats.org/presentationml/2006/main">
   <p:cSld>
     <p:bg>
@@ -9733,7 +10500,7 @@
 </p:sld>
 </file>
 
-<file path=ppt/slides/slide17.xml><?xml version="1.0" encoding="utf-8"?>
+<file path=ppt/slides/slide18.xml><?xml version="1.0" encoding="utf-8"?>
 <p:sld xmlns:a="http://schemas.openxmlformats.org/drawingml/2006/main" xmlns:r="http://schemas.openxmlformats.org/officeDocument/2006/relationships" xmlns:p="http://schemas.openxmlformats.org/presentationml/2006/main">
   <p:cSld>
     <p:bg>
@@ -9939,7 +10706,7 @@
 </p:sld>
 </file>
 
-<file path=ppt/slides/slide18.xml><?xml version="1.0" encoding="utf-8"?>
+<file path=ppt/slides/slide19.xml><?xml version="1.0" encoding="utf-8"?>
 <p:sld xmlns:a="http://schemas.openxmlformats.org/drawingml/2006/main" xmlns:r="http://schemas.openxmlformats.org/officeDocument/2006/relationships" xmlns:p="http://schemas.openxmlformats.org/presentationml/2006/main">
   <p:cSld>
     <p:spTree>
@@ -12238,8 +13005,8 @@
           </a:prstGeom>
         </p:spPr>
       </p:pic>
-      <mc:AlternateContent xmlns:mc="http://schemas.openxmlformats.org/markup-compatibility/2006" xmlns:a14="http://schemas.microsoft.com/office/drawing/2010/main">
-        <mc:Choice Requires="a14">
+      <mc:AlternateContent xmlns:mc="http://schemas.openxmlformats.org/markup-compatibility/2006">
+        <mc:Choice xmlns:a14="http://schemas.microsoft.com/office/drawing/2010/main" Requires="a14">
           <p:sp>
             <p:nvSpPr>
               <p:cNvPr id="6" name="TextBox 5">
@@ -12255,7 +13022,7 @@
             <p:spPr>
               <a:xfrm>
                 <a:off x="9696815" y="2451737"/>
-                <a:ext cx="2006857" cy="1384995"/>
+                <a:ext cx="2006857" cy="1107996"/>
               </a:xfrm>
               <a:prstGeom prst="rect">
                 <a:avLst/>
@@ -12311,56 +13078,6 @@
                           <a:latin typeface="Cambria Math" panose="02040503050406030204" pitchFamily="18" charset="0"/>
                         </a:rPr>
                         <m:t>𝑠𝑡𝑎𝑡𝑒</m:t>
-                      </m:r>
-                    </m:oMath>
-                  </m:oMathPara>
-                </a14:m>
-                <a:endParaRPr lang="en-US" b="0" dirty="0"/>
-              </a:p>
-              <a:p>
-                <a:pPr/>
-                <a14:m>
-                  <m:oMathPara xmlns:m="http://schemas.openxmlformats.org/officeDocument/2006/math">
-                    <m:oMathParaPr>
-                      <m:jc m:val="left"/>
-                    </m:oMathParaPr>
-                    <m:oMath xmlns:m="http://schemas.openxmlformats.org/officeDocument/2006/math">
-                      <m:sSub>
-                        <m:sSubPr>
-                          <m:ctrlPr>
-                            <a:rPr lang="en-US" b="0" i="1" smtClean="0">
-                              <a:latin typeface="Cambria Math" panose="02040503050406030204" pitchFamily="18" charset="0"/>
-                            </a:rPr>
-                          </m:ctrlPr>
-                        </m:sSubPr>
-                        <m:e>
-                          <m:r>
-                            <a:rPr lang="en-US" b="1" i="1" smtClean="0">
-                              <a:latin typeface="Cambria Math" panose="02040503050406030204" pitchFamily="18" charset="0"/>
-                            </a:rPr>
-                            <m:t>𝒐</m:t>
-                          </m:r>
-                        </m:e>
-                        <m:sub>
-                          <m:r>
-                            <a:rPr lang="en-US" b="0" i="1" smtClean="0">
-                              <a:latin typeface="Cambria Math" panose="02040503050406030204" pitchFamily="18" charset="0"/>
-                            </a:rPr>
-                            <m:t>𝑡</m:t>
-                          </m:r>
-                        </m:sub>
-                      </m:sSub>
-                      <m:r>
-                        <a:rPr lang="en-US" b="0" i="1" smtClean="0">
-                          <a:latin typeface="Cambria Math" panose="02040503050406030204" pitchFamily="18" charset="0"/>
-                        </a:rPr>
-                        <m:t>−</m:t>
-                      </m:r>
-                      <m:r>
-                        <a:rPr lang="en-US" b="0" i="1" smtClean="0">
-                          <a:latin typeface="Cambria Math" panose="02040503050406030204" pitchFamily="18" charset="0"/>
-                        </a:rPr>
-                        <m:t>𝑜𝑏𝑠𝑒𝑟𝑣𝑎𝑡𝑖𝑜𝑛</m:t>
                       </m:r>
                     </m:oMath>
                   </m:oMathPara>
@@ -12595,7 +13312,7 @@
             </p:txBody>
           </p:sp>
         </mc:Choice>
-        <mc:Fallback xmlns="">
+        <mc:Fallback>
           <p:sp>
             <p:nvSpPr>
               <p:cNvPr id="6" name="TextBox 5">
@@ -12613,7 +13330,7 @@
             <p:spPr>
               <a:xfrm>
                 <a:off x="9696815" y="2451737"/>
-                <a:ext cx="2006857" cy="1384995"/>
+                <a:ext cx="2006857" cy="1107996"/>
               </a:xfrm>
               <a:prstGeom prst="rect">
                 <a:avLst/>
@@ -12621,7 +13338,7 @@
               <a:blipFill>
                 <a:blip r:embed="rId4"/>
                 <a:stretch>
-                  <a:fillRect l="-3040" b="-6608"/>
+                  <a:fillRect l="-3040" b="-8242"/>
                 </a:stretch>
               </a:blipFill>
             </p:spPr>
@@ -12783,8 +13500,8 @@
           </p:sp>
         </mc:Fallback>
       </mc:AlternateContent>
-      <mc:AlternateContent xmlns:mc="http://schemas.openxmlformats.org/markup-compatibility/2006" xmlns:a14="http://schemas.microsoft.com/office/drawing/2010/main">
-        <mc:Choice Requires="a14">
+      <mc:AlternateContent xmlns:mc="http://schemas.openxmlformats.org/markup-compatibility/2006">
+        <mc:Choice xmlns:a14="http://schemas.microsoft.com/office/drawing/2010/main" Requires="a14">
           <p:sp>
             <p:nvSpPr>
               <p:cNvPr id="9" name="TextBox 8">
@@ -12800,7 +13517,7 @@
             <p:spPr>
               <a:xfrm>
                 <a:off x="384053" y="3686872"/>
-                <a:ext cx="734175" cy="461665"/>
+                <a:ext cx="710131" cy="461665"/>
               </a:xfrm>
               <a:prstGeom prst="rect">
                 <a:avLst/>
@@ -12819,7 +13536,7 @@
                       <a:rPr lang="en-US" sz="2400" b="1" i="1" smtClean="0">
                         <a:latin typeface="Cambria Math" panose="02040503050406030204" pitchFamily="18" charset="0"/>
                       </a:rPr>
-                      <m:t>𝒐</m:t>
+                      <m:t>𝒔</m:t>
                     </m:r>
                   </m:oMath>
                 </a14:m>
@@ -12842,7 +13559,7 @@
             </p:txBody>
           </p:sp>
         </mc:Choice>
-        <mc:Fallback xmlns="">
+        <mc:Fallback>
           <p:sp>
             <p:nvSpPr>
               <p:cNvPr id="9" name="TextBox 8">
@@ -12860,7 +13577,7 @@
             <p:spPr>
               <a:xfrm>
                 <a:off x="384053" y="3686872"/>
-                <a:ext cx="734175" cy="461665"/>
+                <a:ext cx="710131" cy="461665"/>
               </a:xfrm>
               <a:prstGeom prst="rect">
                 <a:avLst/>
@@ -12887,8 +13604,8 @@
           </p:sp>
         </mc:Fallback>
       </mc:AlternateContent>
-      <mc:AlternateContent xmlns:mc="http://schemas.openxmlformats.org/markup-compatibility/2006" xmlns:a14="http://schemas.microsoft.com/office/drawing/2010/main">
-        <mc:Choice Requires="a14">
+      <mc:AlternateContent xmlns:mc="http://schemas.openxmlformats.org/markup-compatibility/2006">
+        <mc:Choice xmlns:a14="http://schemas.microsoft.com/office/drawing/2010/main" Requires="a14">
           <p:sp>
             <p:nvSpPr>
               <p:cNvPr id="10" name="TextBox 9">
@@ -12904,7 +13621,7 @@
             <p:spPr>
               <a:xfrm>
                 <a:off x="4624343" y="3289283"/>
-                <a:ext cx="1354986" cy="461665"/>
+                <a:ext cx="1330941" cy="461665"/>
               </a:xfrm>
               <a:prstGeom prst="rect">
                 <a:avLst/>
@@ -12976,7 +13693,7 @@
                               <a:latin typeface="Cambria Math" panose="02040503050406030204" pitchFamily="18" charset="0"/>
                               <a:ea typeface="Cambria Math" panose="02040503050406030204" pitchFamily="18" charset="0"/>
                             </a:rPr>
-                            <m:t>𝒐</m:t>
+                            <m:t>𝒔</m:t>
                           </m:r>
                         </m:e>
                       </m:d>
@@ -12988,7 +13705,7 @@
             </p:txBody>
           </p:sp>
         </mc:Choice>
-        <mc:Fallback xmlns="">
+        <mc:Fallback>
           <p:sp>
             <p:nvSpPr>
               <p:cNvPr id="10" name="TextBox 9">
@@ -13006,7 +13723,7 @@
             <p:spPr>
               <a:xfrm>
                 <a:off x="4624343" y="3289283"/>
-                <a:ext cx="1354986" cy="461665"/>
+                <a:ext cx="1330941" cy="461665"/>
               </a:xfrm>
               <a:prstGeom prst="rect">
                 <a:avLst/>
@@ -13196,10 +13913,10 @@
         </p:nvGrpSpPr>
         <p:grpSpPr>
           <a:xfrm>
-            <a:off x="7355711" y="4993112"/>
-            <a:ext cx="4682207" cy="1576620"/>
-            <a:chOff x="7509793" y="4917778"/>
-            <a:chExt cx="4682207" cy="1576620"/>
+            <a:off x="7977179" y="4993112"/>
+            <a:ext cx="4060739" cy="1576620"/>
+            <a:chOff x="8131261" y="4917778"/>
+            <a:chExt cx="4060739" cy="1576620"/>
           </a:xfrm>
         </p:grpSpPr>
         <p:sp>
@@ -13520,8 +14237,8 @@
             </a:p>
           </p:txBody>
         </p:sp>
-        <mc:AlternateContent xmlns:mc="http://schemas.openxmlformats.org/markup-compatibility/2006" xmlns:a14="http://schemas.microsoft.com/office/drawing/2010/main">
-          <mc:Choice Requires="a14">
+        <mc:AlternateContent xmlns:mc="http://schemas.openxmlformats.org/markup-compatibility/2006">
+          <mc:Choice xmlns:a14="http://schemas.microsoft.com/office/drawing/2010/main" Requires="a14">
             <p:sp>
               <p:nvSpPr>
                 <p:cNvPr id="23" name="TextBox 22">
@@ -13537,7 +14254,7 @@
               <p:spPr>
                 <a:xfrm>
                   <a:off x="8359530" y="5488319"/>
-                  <a:ext cx="695768" cy="338554"/>
+                  <a:ext cx="679738" cy="338554"/>
                 </a:xfrm>
                 <a:prstGeom prst="rect">
                   <a:avLst/>
@@ -13565,7 +14282,7 @@
                             <a:rPr lang="en-US" sz="1600" b="1" i="1" smtClean="0">
                               <a:latin typeface="Cambria Math" panose="02040503050406030204" pitchFamily="18" charset="0"/>
                             </a:rPr>
-                            <m:t>𝒐</m:t>
+                            <m:t>𝒔</m:t>
                           </m:r>
                         </m:e>
                         <m:sub>
@@ -13617,7 +14334,7 @@
               </p:txBody>
             </p:sp>
           </mc:Choice>
-          <mc:Fallback xmlns="">
+          <mc:Fallback>
             <p:sp>
               <p:nvSpPr>
                 <p:cNvPr id="23" name="TextBox 22">
@@ -13635,7 +14352,7 @@
               <p:spPr>
                 <a:xfrm>
                   <a:off x="8359530" y="5488319"/>
-                  <a:ext cx="695768" cy="338554"/>
+                  <a:ext cx="679738" cy="338554"/>
                 </a:xfrm>
                 <a:prstGeom prst="rect">
                   <a:avLst/>
@@ -13676,8 +14393,8 @@
           </p:nvSpPr>
           <p:spPr>
             <a:xfrm>
-              <a:off x="7509793" y="5250062"/>
-              <a:ext cx="1946623" cy="338554"/>
+              <a:off x="8131261" y="5295243"/>
+              <a:ext cx="1325876" cy="338554"/>
             </a:xfrm>
             <a:prstGeom prst="rect">
               <a:avLst/>
@@ -13692,7 +14409,7 @@
             <a:p>
               <a:r>
                 <a:rPr lang="en-US" sz="1600" dirty="0"/>
-                <a:t>Observation, Reward</a:t>
+                <a:t>State, Reward</a:t>
               </a:r>
               <a:endParaRPr lang="en-US" dirty="0"/>
             </a:p>
@@ -13788,6 +14505,237 @@
           </p:style>
         </p:cxnSp>
       </p:grpSp>
+      <mc:AlternateContent xmlns:mc="http://schemas.openxmlformats.org/markup-compatibility/2006">
+        <mc:Choice xmlns:a14="http://schemas.microsoft.com/office/drawing/2010/main" Requires="a14">
+          <p:sp>
+            <p:nvSpPr>
+              <p:cNvPr id="4" name="TextBox 3">
+                <a:extLst>
+                  <a:ext uri="{FF2B5EF4-FFF2-40B4-BE49-F238E27FC236}">
+                    <a16:creationId xmlns:a16="http://schemas.microsoft.com/office/drawing/2014/main" id="{D0EA1D70-C4DC-47F6-8FA4-0A800BA1ADB8}"/>
+                  </a:ext>
+                </a:extLst>
+              </p:cNvPr>
+              <p:cNvSpPr txBox="1"/>
+              <p:nvPr/>
+            </p:nvSpPr>
+            <p:spPr>
+              <a:xfrm>
+                <a:off x="4200824" y="5286654"/>
+                <a:ext cx="1636666" cy="276999"/>
+              </a:xfrm>
+              <a:prstGeom prst="rect">
+                <a:avLst/>
+              </a:prstGeom>
+              <a:noFill/>
+            </p:spPr>
+            <p:txBody>
+              <a:bodyPr wrap="none" lIns="0" tIns="0" rIns="0" bIns="0" rtlCol="0">
+                <a:spAutoFit/>
+              </a:bodyPr>
+              <a:lstStyle/>
+              <a:p>
+                <a14:m>
+                  <m:oMathPara xmlns:m="http://schemas.openxmlformats.org/officeDocument/2006/math">
+                    <m:oMathParaPr>
+                      <m:jc m:val="centerGroup"/>
+                    </m:oMathParaPr>
+                    <m:oMath xmlns:m="http://schemas.openxmlformats.org/officeDocument/2006/math">
+                      <m:r>
+                        <a:rPr lang="en-US" b="0" i="1" smtClean="0">
+                          <a:latin typeface="Cambria Math" panose="02040503050406030204" pitchFamily="18" charset="0"/>
+                        </a:rPr>
+                        <m:t>𝑃</m:t>
+                      </m:r>
+                      <m:d>
+                        <m:dPr>
+                          <m:endChr m:val="|"/>
+                          <m:ctrlPr>
+                            <a:rPr lang="en-US" b="0" i="1" smtClean="0">
+                              <a:latin typeface="Cambria Math" panose="02040503050406030204" pitchFamily="18" charset="0"/>
+                            </a:rPr>
+                          </m:ctrlPr>
+                        </m:dPr>
+                        <m:e>
+                          <m:sSub>
+                            <m:sSubPr>
+                              <m:ctrlPr>
+                                <a:rPr lang="en-US" b="0" i="1" smtClean="0">
+                                  <a:latin typeface="Cambria Math" panose="02040503050406030204" pitchFamily="18" charset="0"/>
+                                </a:rPr>
+                              </m:ctrlPr>
+                            </m:sSubPr>
+                            <m:e>
+                              <m:r>
+                                <a:rPr lang="en-US" b="0" i="1" smtClean="0">
+                                  <a:latin typeface="Cambria Math" panose="02040503050406030204" pitchFamily="18" charset="0"/>
+                                </a:rPr>
+                                <m:t>𝑠</m:t>
+                              </m:r>
+                            </m:e>
+                            <m:sub>
+                              <m:r>
+                                <a:rPr lang="en-US" b="0" i="1" smtClean="0">
+                                  <a:latin typeface="Cambria Math" panose="02040503050406030204" pitchFamily="18" charset="0"/>
+                                </a:rPr>
+                                <m:t>𝑡</m:t>
+                              </m:r>
+                              <m:r>
+                                <a:rPr lang="en-US" b="0" i="1" smtClean="0">
+                                  <a:latin typeface="Cambria Math" panose="02040503050406030204" pitchFamily="18" charset="0"/>
+                                </a:rPr>
+                                <m:t>+1</m:t>
+                              </m:r>
+                            </m:sub>
+                          </m:sSub>
+                          <m:r>
+                            <a:rPr lang="en-US" b="0" i="1" smtClean="0">
+                              <a:latin typeface="Cambria Math" panose="02040503050406030204" pitchFamily="18" charset="0"/>
+                            </a:rPr>
+                            <m:t>, </m:t>
+                          </m:r>
+                          <m:sSub>
+                            <m:sSubPr>
+                              <m:ctrlPr>
+                                <a:rPr lang="en-US" b="0" i="1" smtClean="0">
+                                  <a:latin typeface="Cambria Math" panose="02040503050406030204" pitchFamily="18" charset="0"/>
+                                </a:rPr>
+                              </m:ctrlPr>
+                            </m:sSubPr>
+                            <m:e>
+                              <m:r>
+                                <a:rPr lang="en-US" b="0" i="1" smtClean="0">
+                                  <a:latin typeface="Cambria Math" panose="02040503050406030204" pitchFamily="18" charset="0"/>
+                                </a:rPr>
+                                <m:t>𝑟</m:t>
+                              </m:r>
+                            </m:e>
+                            <m:sub>
+                              <m:r>
+                                <a:rPr lang="en-US" b="0" i="1" smtClean="0">
+                                  <a:latin typeface="Cambria Math" panose="02040503050406030204" pitchFamily="18" charset="0"/>
+                                </a:rPr>
+                                <m:t>𝑡</m:t>
+                              </m:r>
+                            </m:sub>
+                          </m:sSub>
+                        </m:e>
+                      </m:d>
+                      <m:sSub>
+                        <m:sSubPr>
+                          <m:ctrlPr>
+                            <a:rPr lang="en-US" b="0" i="1" smtClean="0">
+                              <a:latin typeface="Cambria Math" panose="02040503050406030204" pitchFamily="18" charset="0"/>
+                            </a:rPr>
+                          </m:ctrlPr>
+                        </m:sSubPr>
+                        <m:e>
+                          <m:r>
+                            <a:rPr lang="en-US" b="0" i="1" smtClean="0">
+                              <a:latin typeface="Cambria Math" panose="02040503050406030204" pitchFamily="18" charset="0"/>
+                            </a:rPr>
+                            <m:t>𝑠</m:t>
+                          </m:r>
+                        </m:e>
+                        <m:sub>
+                          <m:r>
+                            <a:rPr lang="en-US" b="0" i="1" smtClean="0">
+                              <a:latin typeface="Cambria Math" panose="02040503050406030204" pitchFamily="18" charset="0"/>
+                            </a:rPr>
+                            <m:t>𝑡</m:t>
+                          </m:r>
+                        </m:sub>
+                      </m:sSub>
+                      <m:r>
+                        <a:rPr lang="en-US" b="0" i="1" smtClean="0">
+                          <a:latin typeface="Cambria Math" panose="02040503050406030204" pitchFamily="18" charset="0"/>
+                        </a:rPr>
+                        <m:t>,</m:t>
+                      </m:r>
+                      <m:sSub>
+                        <m:sSubPr>
+                          <m:ctrlPr>
+                            <a:rPr lang="en-US" b="0" i="1" smtClean="0">
+                              <a:latin typeface="Cambria Math" panose="02040503050406030204" pitchFamily="18" charset="0"/>
+                            </a:rPr>
+                          </m:ctrlPr>
+                        </m:sSubPr>
+                        <m:e>
+                          <m:r>
+                            <a:rPr lang="en-US" b="0" i="1" smtClean="0">
+                              <a:latin typeface="Cambria Math" panose="02040503050406030204" pitchFamily="18" charset="0"/>
+                            </a:rPr>
+                            <m:t>𝑎</m:t>
+                          </m:r>
+                        </m:e>
+                        <m:sub>
+                          <m:r>
+                            <a:rPr lang="en-US" b="0" i="1" smtClean="0">
+                              <a:latin typeface="Cambria Math" panose="02040503050406030204" pitchFamily="18" charset="0"/>
+                            </a:rPr>
+                            <m:t>𝑡</m:t>
+                          </m:r>
+                        </m:sub>
+                      </m:sSub>
+                      <m:r>
+                        <a:rPr lang="en-US" b="0" i="1" smtClean="0">
+                          <a:latin typeface="Cambria Math" panose="02040503050406030204" pitchFamily="18" charset="0"/>
+                        </a:rPr>
+                        <m:t>)</m:t>
+                      </m:r>
+                    </m:oMath>
+                  </m:oMathPara>
+                </a14:m>
+                <a:endParaRPr lang="en-US" dirty="0"/>
+              </a:p>
+            </p:txBody>
+          </p:sp>
+        </mc:Choice>
+        <mc:Fallback>
+          <p:sp>
+            <p:nvSpPr>
+              <p:cNvPr id="4" name="TextBox 3">
+                <a:extLst>
+                  <a:ext uri="{FF2B5EF4-FFF2-40B4-BE49-F238E27FC236}">
+                    <a16:creationId xmlns:a16="http://schemas.microsoft.com/office/drawing/2014/main" id="{D0EA1D70-C4DC-47F6-8FA4-0A800BA1ADB8}"/>
+                  </a:ext>
+                </a:extLst>
+              </p:cNvPr>
+              <p:cNvSpPr txBox="1">
+                <a:spLocks noRot="1" noChangeAspect="1" noMove="1" noResize="1" noEditPoints="1" noAdjustHandles="1" noChangeArrowheads="1" noChangeShapeType="1" noTextEdit="1"/>
+              </p:cNvSpPr>
+              <p:nvPr/>
+            </p:nvSpPr>
+            <p:spPr>
+              <a:xfrm>
+                <a:off x="4200824" y="5286654"/>
+                <a:ext cx="1636666" cy="276999"/>
+              </a:xfrm>
+              <a:prstGeom prst="rect">
+                <a:avLst/>
+              </a:prstGeom>
+              <a:blipFill>
+                <a:blip r:embed="rId11"/>
+                <a:stretch>
+                  <a:fillRect l="-2602" r="-4461" b="-34783"/>
+                </a:stretch>
+              </a:blipFill>
+            </p:spPr>
+            <p:txBody>
+              <a:bodyPr/>
+              <a:lstStyle/>
+              <a:p>
+                <a:r>
+                  <a:rPr lang="en-US">
+                    <a:noFill/>
+                  </a:rPr>
+                  <a:t> </a:t>
+                </a:r>
+              </a:p>
+            </p:txBody>
+          </p:sp>
+        </mc:Fallback>
+      </mc:AlternateContent>
     </p:spTree>
     <p:extLst>
       <p:ext uri="{BB962C8B-B14F-4D97-AF65-F5344CB8AC3E}">
@@ -13976,92 +14924,412 @@
           </a:p>
         </p:txBody>
       </p:sp>
-      <p:sp>
-        <p:nvSpPr>
-          <p:cNvPr id="3" name="Content Placeholder 2">
-            <a:extLst>
-              <a:ext uri="{FF2B5EF4-FFF2-40B4-BE49-F238E27FC236}">
-                <a16:creationId xmlns:a16="http://schemas.microsoft.com/office/drawing/2014/main" id="{D3F1DDB2-39AE-4147-8B42-2946648BEC63}"/>
-              </a:ext>
-            </a:extLst>
-          </p:cNvPr>
-          <p:cNvSpPr>
-            <a:spLocks noGrp="1"/>
-          </p:cNvSpPr>
-          <p:nvPr>
-            <p:ph idx="1"/>
-          </p:nvPr>
-        </p:nvSpPr>
-        <p:spPr>
-          <a:xfrm>
-            <a:off x="581192" y="1909661"/>
-            <a:ext cx="5862638" cy="4351338"/>
-          </a:xfrm>
-        </p:spPr>
-        <p:txBody>
-          <a:bodyPr/>
-          <a:lstStyle/>
-          <a:p>
-            <a:r>
-              <a:rPr lang="en-US" dirty="0"/>
-              <a:t>A </a:t>
-            </a:r>
-            <a:r>
-              <a:rPr lang="en-US" i="1" dirty="0"/>
-              <a:t>policy</a:t>
-            </a:r>
-            <a:r>
-              <a:rPr lang="en-US" dirty="0"/>
-              <a:t> (the agent)</a:t>
-            </a:r>
-          </a:p>
-          <a:p>
-            <a:r>
-              <a:rPr lang="en-US" dirty="0"/>
-              <a:t>A </a:t>
-            </a:r>
-            <a:r>
-              <a:rPr lang="en-US" i="1" dirty="0"/>
-              <a:t>reward signal</a:t>
-            </a:r>
-            <a:r>
-              <a:rPr lang="en-US" dirty="0"/>
-              <a:t> defines the goal of a reinforcement learning problem, indicates what is good in an immediate sense</a:t>
-            </a:r>
-          </a:p>
-          <a:p>
-            <a:r>
-              <a:rPr lang="en-US" dirty="0"/>
-              <a:t>a </a:t>
-            </a:r>
-            <a:r>
-              <a:rPr lang="en-US" i="1" dirty="0"/>
-              <a:t>value function </a:t>
-            </a:r>
-            <a:r>
-              <a:rPr lang="en-US" dirty="0"/>
-              <a:t>specifies what is good in the long run </a:t>
-            </a:r>
-          </a:p>
-          <a:p>
-            <a:r>
-              <a:rPr lang="en-US" i="1" dirty="0"/>
-              <a:t>(optional) model </a:t>
-            </a:r>
-            <a:r>
-              <a:rPr lang="en-US" dirty="0"/>
-              <a:t>of the environment. </a:t>
-            </a:r>
-            <a:br>
-              <a:rPr lang="en-US" dirty="0"/>
-            </a:br>
-            <a:br>
-              <a:rPr lang="en-US" dirty="0"/>
-            </a:br>
-            <a:endParaRPr lang="en-US" dirty="0"/>
-          </a:p>
-        </p:txBody>
-      </p:sp>
+      <mc:AlternateContent xmlns:mc="http://schemas.openxmlformats.org/markup-compatibility/2006">
+        <mc:Choice xmlns:a14="http://schemas.microsoft.com/office/drawing/2010/main" Requires="a14">
+          <p:sp>
+            <p:nvSpPr>
+              <p:cNvPr id="3" name="Content Placeholder 2">
+                <a:extLst>
+                  <a:ext uri="{FF2B5EF4-FFF2-40B4-BE49-F238E27FC236}">
+                    <a16:creationId xmlns:a16="http://schemas.microsoft.com/office/drawing/2014/main" id="{D3F1DDB2-39AE-4147-8B42-2946648BEC63}"/>
+                  </a:ext>
+                </a:extLst>
+              </p:cNvPr>
+              <p:cNvSpPr>
+                <a:spLocks noGrp="1"/>
+              </p:cNvSpPr>
+              <p:nvPr>
+                <p:ph idx="1"/>
+              </p:nvPr>
+            </p:nvSpPr>
+            <p:spPr>
+              <a:xfrm>
+                <a:off x="581192" y="1909661"/>
+                <a:ext cx="5514808" cy="4351338"/>
+              </a:xfrm>
+            </p:spPr>
+            <p:txBody>
+              <a:bodyPr/>
+              <a:lstStyle/>
+              <a:p>
+                <a:r>
+                  <a:rPr lang="en-US" dirty="0"/>
+                  <a:t>A </a:t>
+                </a:r>
+                <a:r>
+                  <a:rPr lang="en-US" i="1" dirty="0"/>
+                  <a:t>policy</a:t>
+                </a:r>
+                <a:r>
+                  <a:rPr lang="en-US" dirty="0"/>
+                  <a:t> (the agent)</a:t>
+                </a:r>
+              </a:p>
+              <a:p>
+                <a:r>
+                  <a:rPr lang="en-US" dirty="0"/>
+                  <a:t>A </a:t>
+                </a:r>
+                <a:r>
+                  <a:rPr lang="en-US" i="1" dirty="0"/>
+                  <a:t>reward signal</a:t>
+                </a:r>
+                <a:r>
+                  <a:rPr lang="en-US" dirty="0"/>
+                  <a:t> defines the goal of a reinforcement learning problem, indicates what is good in an immediate sense</a:t>
+                </a:r>
+              </a:p>
+              <a:p>
+                <a:r>
+                  <a:rPr lang="en-US" dirty="0"/>
+                  <a:t>A </a:t>
+                </a:r>
+                <a:r>
+                  <a:rPr lang="en-US" i="1" dirty="0"/>
+                  <a:t>value function </a:t>
+                </a:r>
+                <a:r>
+                  <a:rPr lang="en-US" dirty="0"/>
+                  <a:t>specifies what is good in the long run.  E.g. Q value</a:t>
+                </a:r>
+              </a:p>
+              <a:p>
+                <a:pPr marL="0" indent="0">
+                  <a:buNone/>
+                </a:pPr>
+                <a14:m>
+                  <m:oMathPara xmlns:m="http://schemas.openxmlformats.org/officeDocument/2006/math">
+                    <m:oMathParaPr>
+                      <m:jc m:val="centerGroup"/>
+                    </m:oMathParaPr>
+                    <m:oMath xmlns:m="http://schemas.openxmlformats.org/officeDocument/2006/math">
+                      <m:sSup>
+                        <m:sSupPr>
+                          <m:ctrlPr>
+                            <a:rPr lang="en-US" b="0" i="1" smtClean="0">
+                              <a:latin typeface="Cambria Math" panose="02040503050406030204" pitchFamily="18" charset="0"/>
+                            </a:rPr>
+                          </m:ctrlPr>
+                        </m:sSupPr>
+                        <m:e>
+                          <m:r>
+                            <a:rPr lang="en-US" b="0" i="1" smtClean="0">
+                              <a:latin typeface="Cambria Math" panose="02040503050406030204" pitchFamily="18" charset="0"/>
+                            </a:rPr>
+                            <m:t>𝑄</m:t>
+                          </m:r>
+                        </m:e>
+                        <m:sup>
+                          <m:r>
+                            <a:rPr lang="en-US" b="0" i="1" smtClean="0">
+                              <a:latin typeface="Cambria Math" panose="02040503050406030204" pitchFamily="18" charset="0"/>
+                            </a:rPr>
+                            <m:t>∗</m:t>
+                          </m:r>
+                        </m:sup>
+                      </m:sSup>
+                      <m:d>
+                        <m:dPr>
+                          <m:ctrlPr>
+                            <a:rPr lang="en-US" b="0" i="1" smtClean="0">
+                              <a:latin typeface="Cambria Math" panose="02040503050406030204" pitchFamily="18" charset="0"/>
+                            </a:rPr>
+                          </m:ctrlPr>
+                        </m:dPr>
+                        <m:e>
+                          <m:sSub>
+                            <m:sSubPr>
+                              <m:ctrlPr>
+                                <a:rPr lang="en-US" b="0" i="1" smtClean="0">
+                                  <a:latin typeface="Cambria Math" panose="02040503050406030204" pitchFamily="18" charset="0"/>
+                                </a:rPr>
+                              </m:ctrlPr>
+                            </m:sSubPr>
+                            <m:e>
+                              <m:r>
+                                <a:rPr lang="en-US" b="0" i="1" smtClean="0">
+                                  <a:latin typeface="Cambria Math" panose="02040503050406030204" pitchFamily="18" charset="0"/>
+                                </a:rPr>
+                                <m:t>𝑠</m:t>
+                              </m:r>
+                            </m:e>
+                            <m:sub>
+                              <m:r>
+                                <a:rPr lang="en-US" b="0" i="1" smtClean="0">
+                                  <a:latin typeface="Cambria Math" panose="02040503050406030204" pitchFamily="18" charset="0"/>
+                                </a:rPr>
+                                <m:t>𝑡</m:t>
+                              </m:r>
+                            </m:sub>
+                          </m:sSub>
+                          <m:r>
+                            <a:rPr lang="en-US" b="0" i="1" smtClean="0">
+                              <a:latin typeface="Cambria Math" panose="02040503050406030204" pitchFamily="18" charset="0"/>
+                            </a:rPr>
+                            <m:t>, </m:t>
+                          </m:r>
+                          <m:sSub>
+                            <m:sSubPr>
+                              <m:ctrlPr>
+                                <a:rPr lang="en-US" b="0" i="1" smtClean="0">
+                                  <a:latin typeface="Cambria Math" panose="02040503050406030204" pitchFamily="18" charset="0"/>
+                                </a:rPr>
+                              </m:ctrlPr>
+                            </m:sSubPr>
+                            <m:e>
+                              <m:r>
+                                <a:rPr lang="en-US" b="0" i="1" smtClean="0">
+                                  <a:latin typeface="Cambria Math" panose="02040503050406030204" pitchFamily="18" charset="0"/>
+                                </a:rPr>
+                                <m:t>𝑎</m:t>
+                              </m:r>
+                            </m:e>
+                            <m:sub>
+                              <m:r>
+                                <a:rPr lang="en-US" b="0" i="1" smtClean="0">
+                                  <a:latin typeface="Cambria Math" panose="02040503050406030204" pitchFamily="18" charset="0"/>
+                                </a:rPr>
+                                <m:t>𝑡</m:t>
+                              </m:r>
+                            </m:sub>
+                          </m:sSub>
+                        </m:e>
+                      </m:d>
+                      <m:r>
+                        <a:rPr lang="en-US" b="0" i="1" smtClean="0">
+                          <a:latin typeface="Cambria Math" panose="02040503050406030204" pitchFamily="18" charset="0"/>
+                        </a:rPr>
+                        <m:t>=</m:t>
+                      </m:r>
+                      <m:func>
+                        <m:funcPr>
+                          <m:ctrlPr>
+                            <a:rPr lang="en-US" b="0" i="1" smtClean="0">
+                              <a:latin typeface="Cambria Math" panose="02040503050406030204" pitchFamily="18" charset="0"/>
+                            </a:rPr>
+                          </m:ctrlPr>
+                        </m:funcPr>
+                        <m:fName>
+                          <m:limLow>
+                            <m:limLowPr>
+                              <m:ctrlPr>
+                                <a:rPr lang="en-US" b="0" i="1" smtClean="0">
+                                  <a:latin typeface="Cambria Math" panose="02040503050406030204" pitchFamily="18" charset="0"/>
+                                </a:rPr>
+                              </m:ctrlPr>
+                            </m:limLowPr>
+                            <m:e>
+                              <m:r>
+                                <m:rPr>
+                                  <m:sty m:val="p"/>
+                                </m:rPr>
+                                <a:rPr lang="en-US" b="0" i="0" smtClean="0">
+                                  <a:latin typeface="Cambria Math" panose="02040503050406030204" pitchFamily="18" charset="0"/>
+                                </a:rPr>
+                                <m:t>max</m:t>
+                              </m:r>
+                            </m:e>
+                            <m:lim>
+                              <m:r>
+                                <a:rPr lang="en-US" i="1">
+                                  <a:latin typeface="Cambria Math" panose="02040503050406030204" pitchFamily="18" charset="0"/>
+                                  <a:ea typeface="Cambria Math" panose="02040503050406030204" pitchFamily="18" charset="0"/>
+                                </a:rPr>
+                                <m:t>𝜋</m:t>
+                              </m:r>
+                            </m:lim>
+                          </m:limLow>
+                        </m:fName>
+                        <m:e>
+                          <m:r>
+                            <a:rPr lang="en-US" b="0" i="1" smtClean="0">
+                              <a:latin typeface="Cambria Math" panose="02040503050406030204" pitchFamily="18" charset="0"/>
+                            </a:rPr>
+                            <m:t>𝐸</m:t>
+                          </m:r>
+                          <m:d>
+                            <m:dPr>
+                              <m:begChr m:val="["/>
+                              <m:endChr m:val="]"/>
+                              <m:ctrlPr>
+                                <a:rPr lang="en-US" b="0" i="1" smtClean="0">
+                                  <a:latin typeface="Cambria Math" panose="02040503050406030204" pitchFamily="18" charset="0"/>
+                                </a:rPr>
+                              </m:ctrlPr>
+                            </m:dPr>
+                            <m:e>
+                              <m:nary>
+                                <m:naryPr>
+                                  <m:chr m:val="∑"/>
+                                  <m:ctrlPr>
+                                    <a:rPr lang="en-US" i="1">
+                                      <a:latin typeface="Cambria Math" panose="02040503050406030204" pitchFamily="18" charset="0"/>
+                                    </a:rPr>
+                                  </m:ctrlPr>
+                                </m:naryPr>
+                                <m:sub>
+                                  <m:r>
+                                    <m:rPr>
+                                      <m:brk m:alnAt="23"/>
+                                    </m:rPr>
+                                    <a:rPr lang="en-US" b="0" i="1" smtClean="0">
+                                      <a:latin typeface="Cambria Math" panose="02040503050406030204" pitchFamily="18" charset="0"/>
+                                    </a:rPr>
+                                    <m:t>𝑖</m:t>
+                                  </m:r>
+                                  <m:r>
+                                    <a:rPr lang="en-US" b="0" i="1" smtClean="0">
+                                      <a:latin typeface="Cambria Math" panose="02040503050406030204" pitchFamily="18" charset="0"/>
+                                    </a:rPr>
+                                    <m:t>=</m:t>
+                                  </m:r>
+                                  <m:r>
+                                    <a:rPr lang="en-US" b="0" i="1" smtClean="0">
+                                      <a:latin typeface="Cambria Math" panose="02040503050406030204" pitchFamily="18" charset="0"/>
+                                    </a:rPr>
+                                    <m:t>𝑡</m:t>
+                                  </m:r>
+                                </m:sub>
+                                <m:sup>
+                                  <m:r>
+                                    <a:rPr lang="en-US" b="0" i="1" smtClean="0">
+                                      <a:latin typeface="Cambria Math" panose="02040503050406030204" pitchFamily="18" charset="0"/>
+                                    </a:rPr>
+                                    <m:t>𝑇</m:t>
+                                  </m:r>
+                                </m:sup>
+                                <m:e>
+                                  <m:sSup>
+                                    <m:sSupPr>
+                                      <m:ctrlPr>
+                                        <a:rPr lang="en-US" b="0" i="1" smtClean="0">
+                                          <a:latin typeface="Cambria Math" panose="02040503050406030204" pitchFamily="18" charset="0"/>
+                                          <a:ea typeface="Cambria Math" panose="02040503050406030204" pitchFamily="18" charset="0"/>
+                                        </a:rPr>
+                                      </m:ctrlPr>
+                                    </m:sSupPr>
+                                    <m:e>
+                                      <m:r>
+                                        <a:rPr lang="en-US" i="1" smtClean="0">
+                                          <a:latin typeface="Cambria Math" panose="02040503050406030204" pitchFamily="18" charset="0"/>
+                                          <a:ea typeface="Cambria Math" panose="02040503050406030204" pitchFamily="18" charset="0"/>
+                                        </a:rPr>
+                                        <m:t>𝛾</m:t>
+                                      </m:r>
+                                    </m:e>
+                                    <m:sup>
+                                      <m:r>
+                                        <a:rPr lang="en-US" b="0" i="1" smtClean="0">
+                                          <a:latin typeface="Cambria Math" panose="02040503050406030204" pitchFamily="18" charset="0"/>
+                                          <a:ea typeface="Cambria Math" panose="02040503050406030204" pitchFamily="18" charset="0"/>
+                                        </a:rPr>
+                                        <m:t>𝑖</m:t>
+                                      </m:r>
+                                    </m:sup>
+                                  </m:sSup>
+                                  <m:sSub>
+                                    <m:sSubPr>
+                                      <m:ctrlPr>
+                                        <a:rPr lang="en-US" b="0" i="1" smtClean="0">
+                                          <a:latin typeface="Cambria Math" panose="02040503050406030204" pitchFamily="18" charset="0"/>
+                                          <a:ea typeface="Cambria Math" panose="02040503050406030204" pitchFamily="18" charset="0"/>
+                                        </a:rPr>
+                                      </m:ctrlPr>
+                                    </m:sSubPr>
+                                    <m:e>
+                                      <m:r>
+                                        <a:rPr lang="en-US" b="0" i="1" smtClean="0">
+                                          <a:latin typeface="Cambria Math" panose="02040503050406030204" pitchFamily="18" charset="0"/>
+                                          <a:ea typeface="Cambria Math" panose="02040503050406030204" pitchFamily="18" charset="0"/>
+                                        </a:rPr>
+                                        <m:t>𝑟</m:t>
+                                      </m:r>
+                                    </m:e>
+                                    <m:sub>
+                                      <m:r>
+                                        <a:rPr lang="en-US" b="0" i="1" smtClean="0">
+                                          <a:latin typeface="Cambria Math" panose="02040503050406030204" pitchFamily="18" charset="0"/>
+                                          <a:ea typeface="Cambria Math" panose="02040503050406030204" pitchFamily="18" charset="0"/>
+                                        </a:rPr>
+                                        <m:t>𝑖</m:t>
+                                      </m:r>
+                                    </m:sub>
+                                  </m:sSub>
+                                </m:e>
+                              </m:nary>
+                            </m:e>
+                          </m:d>
+                        </m:e>
+                      </m:func>
+                    </m:oMath>
+                  </m:oMathPara>
+                </a14:m>
+                <a:endParaRPr lang="en-US" dirty="0"/>
+              </a:p>
+              <a:p>
+                <a:r>
+                  <a:rPr lang="en-US" i="1" dirty="0"/>
+                  <a:t>(optional) model </a:t>
+                </a:r>
+                <a:r>
+                  <a:rPr lang="en-US" dirty="0"/>
+                  <a:t>of the environment. </a:t>
+                </a:r>
+                <a:br>
+                  <a:rPr lang="en-US" dirty="0"/>
+                </a:br>
+                <a:br>
+                  <a:rPr lang="en-US" dirty="0"/>
+                </a:br>
+                <a:endParaRPr lang="en-US" dirty="0"/>
+              </a:p>
+            </p:txBody>
+          </p:sp>
+        </mc:Choice>
+        <mc:Fallback>
+          <p:sp>
+            <p:nvSpPr>
+              <p:cNvPr id="3" name="Content Placeholder 2">
+                <a:extLst>
+                  <a:ext uri="{FF2B5EF4-FFF2-40B4-BE49-F238E27FC236}">
+                    <a16:creationId xmlns:a16="http://schemas.microsoft.com/office/drawing/2014/main" id="{D3F1DDB2-39AE-4147-8B42-2946648BEC63}"/>
+                  </a:ext>
+                </a:extLst>
+              </p:cNvPr>
+              <p:cNvSpPr>
+                <a:spLocks noGrp="1" noRot="1" noChangeAspect="1" noMove="1" noResize="1" noEditPoints="1" noAdjustHandles="1" noChangeArrowheads="1" noChangeShapeType="1" noTextEdit="1"/>
+              </p:cNvSpPr>
+              <p:nvPr>
+                <p:ph idx="1"/>
+              </p:nvPr>
+            </p:nvSpPr>
+            <p:spPr>
+              <a:xfrm>
+                <a:off x="581192" y="1909661"/>
+                <a:ext cx="5514808" cy="4351338"/>
+              </a:xfrm>
+              <a:blipFill>
+                <a:blip r:embed="rId3"/>
+                <a:stretch>
+                  <a:fillRect l="-442" t="-700" r="-1547"/>
+                </a:stretch>
+              </a:blipFill>
+            </p:spPr>
+            <p:txBody>
+              <a:bodyPr/>
+              <a:lstStyle/>
+              <a:p>
+                <a:r>
+                  <a:rPr lang="en-US">
+                    <a:noFill/>
+                  </a:rPr>
+                  <a:t> </a:t>
+                </a:r>
+              </a:p>
+            </p:txBody>
+          </p:sp>
+        </mc:Fallback>
+      </mc:AlternateContent>
       <p:pic>
         <p:nvPicPr>
           <p:cNvPr id="5" name="Picture 4">
@@ -14077,7 +15345,7 @@
           <p:nvPr/>
         </p:nvPicPr>
         <p:blipFill>
-          <a:blip r:embed="rId3"/>
+          <a:blip r:embed="rId4"/>
           <a:stretch>
             <a:fillRect/>
           </a:stretch>
@@ -14094,10 +15362,10 @@
       </p:pic>
       <p:pic>
         <p:nvPicPr>
-          <p:cNvPr id="6" name="Picture 5" descr="A picture containing drawing&#10;&#10;Description automatically generated">
+          <p:cNvPr id="7" name="Picture 6" descr="A picture containing drawing&#10;&#10;Description automatically generated">
             <a:extLst>
               <a:ext uri="{FF2B5EF4-FFF2-40B4-BE49-F238E27FC236}">
-                <a16:creationId xmlns:a16="http://schemas.microsoft.com/office/drawing/2014/main" id="{27138EDB-B689-4E0C-85B3-D1E817DFE843}"/>
+                <a16:creationId xmlns:a16="http://schemas.microsoft.com/office/drawing/2014/main" id="{1C09C63C-EEF8-4A2D-9424-52236D51AA25}"/>
               </a:ext>
             </a:extLst>
           </p:cNvPr>
@@ -14107,7 +15375,7 @@
           <p:nvPr/>
         </p:nvPicPr>
         <p:blipFill>
-          <a:blip r:embed="rId4">
+          <a:blip r:embed="rId5">
             <a:extLst>
               <a:ext uri="{28A0092B-C50C-407E-A947-70E740481C1C}">
                 <a14:useLocalDpi xmlns:a14="http://schemas.microsoft.com/office/drawing/2010/main" val="0"/>
@@ -14120,8 +15388,8 @@
         </p:blipFill>
         <p:spPr>
           <a:xfrm>
-            <a:off x="836107" y="4777672"/>
-            <a:ext cx="4229379" cy="1489524"/>
+            <a:off x="6671167" y="5142044"/>
+            <a:ext cx="4121253" cy="1670449"/>
           </a:xfrm>
           <a:prstGeom prst="rect">
             <a:avLst/>
